--- a/img/mistake/mistake_logos.pptx
+++ b/img/mistake/mistake_logos.pptx
@@ -5,7 +5,7 @@
     <p:sldMasterId id="2147483660" r:id="rId1"/>
   </p:sldMasterIdLst>
   <p:notesMasterIdLst>
-    <p:notesMasterId r:id="rId14"/>
+    <p:notesMasterId r:id="rId16"/>
   </p:notesMasterIdLst>
   <p:sldIdLst>
     <p:sldId id="256" r:id="rId2"/>
@@ -20,6 +20,8 @@
     <p:sldId id="265" r:id="rId11"/>
     <p:sldId id="266" r:id="rId12"/>
     <p:sldId id="267" r:id="rId13"/>
+    <p:sldId id="268" r:id="rId14"/>
+    <p:sldId id="269" r:id="rId15"/>
   </p:sldIdLst>
   <p:sldSz cx="3600450" cy="3600450"/>
   <p:notesSz cx="6858000" cy="9144000"/>
@@ -118,6 +120,11 @@
       </a:defRPr>
     </a:lvl9pPr>
   </p:defaultTextStyle>
+  <p:extLst>
+    <p:ext uri="{EFAFB233-063F-42B5-8137-9DF3F51BA10A}">
+      <p15:sldGuideLst xmlns:p15="http://schemas.microsoft.com/office/powerpoint/2012/main"/>
+    </p:ext>
+  </p:extLst>
 </p:presentation>
 </file>
 
@@ -203,7 +210,7 @@
           <a:p>
             <a:fld id="{A29C25AE-20FD-CA4A-8C80-D7AD6B352ECC}" type="datetimeFigureOut">
               <a:rPr lang="en-US" smtClean="0"/>
-              <a:t>5/3/18</a:t>
+              <a:t>5/12/18</a:t>
             </a:fld>
             <a:endParaRPr lang="en-US"/>
           </a:p>
@@ -471,6 +478,427 @@
 </p:notesMaster>
 </file>
 
+<file path=ppt/notesSlides/notesSlide1.xml><?xml version="1.0" encoding="utf-8"?>
+<p:notes xmlns:a="http://schemas.openxmlformats.org/drawingml/2006/main" xmlns:r="http://schemas.openxmlformats.org/officeDocument/2006/relationships" xmlns:p="http://schemas.openxmlformats.org/presentationml/2006/main">
+  <p:cSld>
+    <p:spTree>
+      <p:nvGrpSpPr>
+        <p:cNvPr id="1" name=""/>
+        <p:cNvGrpSpPr/>
+        <p:nvPr/>
+      </p:nvGrpSpPr>
+      <p:grpSpPr>
+        <a:xfrm>
+          <a:off x="0" y="0"/>
+          <a:ext cx="0" cy="0"/>
+          <a:chOff x="0" y="0"/>
+          <a:chExt cx="0" cy="0"/>
+        </a:xfrm>
+      </p:grpSpPr>
+      <p:sp>
+        <p:nvSpPr>
+          <p:cNvPr id="2" name="Espace réservé de l’image des diapositives 1"/>
+          <p:cNvSpPr>
+            <a:spLocks noGrp="1" noRot="1" noChangeAspect="1"/>
+          </p:cNvSpPr>
+          <p:nvPr>
+            <p:ph type="sldImg"/>
+          </p:nvPr>
+        </p:nvSpPr>
+        <p:spPr/>
+      </p:sp>
+      <p:sp>
+        <p:nvSpPr>
+          <p:cNvPr id="3" name="Espace réservé des commentaires 2"/>
+          <p:cNvSpPr>
+            <a:spLocks noGrp="1"/>
+          </p:cNvSpPr>
+          <p:nvPr>
+            <p:ph type="body" idx="1"/>
+          </p:nvPr>
+        </p:nvSpPr>
+        <p:spPr/>
+        <p:txBody>
+          <a:bodyPr/>
+          <a:lstStyle/>
+          <a:p>
+            <a:r>
+              <a:rPr lang="fr-FR" dirty="0" err="1" smtClean="0"/>
+              <a:t>See</a:t>
+            </a:r>
+            <a:r>
+              <a:rPr lang="fr-FR" dirty="0" smtClean="0"/>
+              <a:t> http://</a:t>
+            </a:r>
+            <a:r>
+              <a:rPr lang="fr-FR" dirty="0" err="1" smtClean="0"/>
+              <a:t>viz.wtf</a:t>
+            </a:r>
+            <a:r>
+              <a:rPr lang="fr-FR" dirty="0" smtClean="0"/>
+              <a:t>/post/170949426657/new-marketing-email-</a:t>
+            </a:r>
+            <a:r>
+              <a:rPr lang="fr-FR" dirty="0" err="1" smtClean="0"/>
+              <a:t>from</a:t>
+            </a:r>
+            <a:r>
+              <a:rPr lang="fr-FR" dirty="0" smtClean="0"/>
+              <a:t>-</a:t>
+            </a:r>
+            <a:r>
+              <a:rPr lang="fr-FR" dirty="0" err="1" smtClean="0"/>
+              <a:t>google</a:t>
+            </a:r>
+            <a:r>
+              <a:rPr lang="fr-FR" dirty="0" smtClean="0"/>
+              <a:t>-email-design</a:t>
+            </a:r>
+            <a:r>
+              <a:rPr lang="fr-FR" baseline="0" dirty="0" smtClean="0"/>
+              <a:t> pour un </a:t>
+            </a:r>
+            <a:r>
+              <a:rPr lang="fr-FR" baseline="0" dirty="0" err="1" smtClean="0"/>
+              <a:t>doghnut</a:t>
+            </a:r>
+            <a:r>
+              <a:rPr lang="fr-FR" baseline="0" dirty="0" smtClean="0"/>
+              <a:t> trompeur</a:t>
+            </a:r>
+            <a:endParaRPr lang="fr-FR" dirty="0" smtClean="0"/>
+          </a:p>
+        </p:txBody>
+      </p:sp>
+      <p:sp>
+        <p:nvSpPr>
+          <p:cNvPr id="4" name="Espace réservé du numéro de diapositive 3"/>
+          <p:cNvSpPr>
+            <a:spLocks noGrp="1"/>
+          </p:cNvSpPr>
+          <p:nvPr>
+            <p:ph type="sldNum" sz="quarter" idx="10"/>
+          </p:nvPr>
+        </p:nvSpPr>
+        <p:spPr/>
+        <p:txBody>
+          <a:bodyPr/>
+          <a:lstStyle/>
+          <a:p>
+            <a:fld id="{7831F866-C993-A644-BA4C-5AD247E41B58}" type="slidenum">
+              <a:rPr lang="en-US" smtClean="0"/>
+              <a:t>12</a:t>
+            </a:fld>
+            <a:endParaRPr lang="en-US"/>
+          </a:p>
+        </p:txBody>
+      </p:sp>
+    </p:spTree>
+    <p:extLst>
+      <p:ext uri="{BB962C8B-B14F-4D97-AF65-F5344CB8AC3E}">
+        <p14:creationId xmlns:p14="http://schemas.microsoft.com/office/powerpoint/2010/main" val="290159426"/>
+      </p:ext>
+    </p:extLst>
+  </p:cSld>
+  <p:clrMapOvr>
+    <a:masterClrMapping/>
+  </p:clrMapOvr>
+</p:notes>
+</file>
+
+<file path=ppt/notesSlides/notesSlide2.xml><?xml version="1.0" encoding="utf-8"?>
+<p:notes xmlns:a="http://schemas.openxmlformats.org/drawingml/2006/main" xmlns:r="http://schemas.openxmlformats.org/officeDocument/2006/relationships" xmlns:p="http://schemas.openxmlformats.org/presentationml/2006/main">
+  <p:cSld>
+    <p:spTree>
+      <p:nvGrpSpPr>
+        <p:cNvPr id="1" name=""/>
+        <p:cNvGrpSpPr/>
+        <p:nvPr/>
+      </p:nvGrpSpPr>
+      <p:grpSpPr>
+        <a:xfrm>
+          <a:off x="0" y="0"/>
+          <a:ext cx="0" cy="0"/>
+          <a:chOff x="0" y="0"/>
+          <a:chExt cx="0" cy="0"/>
+        </a:xfrm>
+      </p:grpSpPr>
+      <p:sp>
+        <p:nvSpPr>
+          <p:cNvPr id="2" name="Espace réservé de l’image des diapositives 1"/>
+          <p:cNvSpPr>
+            <a:spLocks noGrp="1" noRot="1" noChangeAspect="1"/>
+          </p:cNvSpPr>
+          <p:nvPr>
+            <p:ph type="sldImg"/>
+          </p:nvPr>
+        </p:nvSpPr>
+        <p:spPr/>
+      </p:sp>
+      <p:sp>
+        <p:nvSpPr>
+          <p:cNvPr id="3" name="Espace réservé des commentaires 2"/>
+          <p:cNvSpPr>
+            <a:spLocks noGrp="1"/>
+          </p:cNvSpPr>
+          <p:nvPr>
+            <p:ph type="body" idx="1"/>
+          </p:nvPr>
+        </p:nvSpPr>
+        <p:spPr/>
+        <p:txBody>
+          <a:bodyPr/>
+          <a:lstStyle/>
+          <a:p>
+            <a:r>
+              <a:rPr lang="fr-FR" dirty="0" err="1" smtClean="0"/>
+              <a:t>Number</a:t>
+            </a:r>
+            <a:r>
+              <a:rPr lang="fr-FR" baseline="0" dirty="0" smtClean="0"/>
+              <a:t> must </a:t>
+            </a:r>
+            <a:r>
+              <a:rPr lang="fr-FR" baseline="0" dirty="0" err="1" smtClean="0"/>
+              <a:t>be</a:t>
+            </a:r>
+            <a:r>
+              <a:rPr lang="fr-FR" baseline="0" dirty="0" smtClean="0"/>
+              <a:t> </a:t>
+            </a:r>
+            <a:r>
+              <a:rPr lang="fr-FR" baseline="0" dirty="0" err="1" smtClean="0"/>
+              <a:t>true</a:t>
+            </a:r>
+            <a:r>
+              <a:rPr lang="fr-FR" baseline="0" dirty="0" smtClean="0"/>
+              <a:t>, double check </a:t>
+            </a:r>
+            <a:r>
+              <a:rPr lang="fr-FR" baseline="0" dirty="0" err="1" smtClean="0"/>
+              <a:t>your</a:t>
+            </a:r>
+            <a:r>
+              <a:rPr lang="fr-FR" baseline="0" dirty="0" smtClean="0"/>
+              <a:t> graph</a:t>
+            </a:r>
+          </a:p>
+          <a:p>
+            <a:r>
+              <a:rPr lang="fr-FR" baseline="0" dirty="0" smtClean="0"/>
+              <a:t>Most of the </a:t>
+            </a:r>
+            <a:r>
+              <a:rPr lang="fr-FR" baseline="0" dirty="0" err="1" smtClean="0"/>
+              <a:t>wtf</a:t>
+            </a:r>
+            <a:r>
+              <a:rPr lang="fr-FR" baseline="0" dirty="0" smtClean="0"/>
+              <a:t> </a:t>
+            </a:r>
+            <a:r>
+              <a:rPr lang="fr-FR" baseline="0" dirty="0" err="1" smtClean="0"/>
+              <a:t>viz</a:t>
+            </a:r>
+            <a:r>
+              <a:rPr lang="fr-FR" baseline="0" dirty="0" smtClean="0"/>
+              <a:t> come </a:t>
+            </a:r>
+            <a:r>
+              <a:rPr lang="fr-FR" baseline="0" dirty="0" err="1" smtClean="0"/>
+              <a:t>from</a:t>
+            </a:r>
+            <a:r>
+              <a:rPr lang="fr-FR" baseline="0" dirty="0" smtClean="0"/>
+              <a:t> </a:t>
+            </a:r>
+            <a:r>
+              <a:rPr lang="fr-FR" baseline="0" dirty="0" err="1" smtClean="0"/>
+              <a:t>this</a:t>
+            </a:r>
+            <a:r>
+              <a:rPr lang="fr-FR" baseline="0" dirty="0" smtClean="0"/>
+              <a:t> </a:t>
+            </a:r>
+            <a:r>
+              <a:rPr lang="fr-FR" baseline="0" dirty="0" err="1" smtClean="0"/>
+              <a:t>problem</a:t>
+            </a:r>
+            <a:r>
+              <a:rPr lang="fr-FR" baseline="0" dirty="0" smtClean="0"/>
+              <a:t>.</a:t>
+            </a:r>
+          </a:p>
+          <a:p>
+            <a:endParaRPr lang="fr-FR" baseline="0" dirty="0" smtClean="0"/>
+          </a:p>
+          <a:p>
+            <a:pPr marL="171450" indent="-171450">
+              <a:buFontTx/>
+              <a:buChar char="-"/>
+            </a:pPr>
+            <a:r>
+              <a:rPr lang="fr-FR" baseline="0" dirty="0" err="1" smtClean="0"/>
+              <a:t>Sum</a:t>
+            </a:r>
+            <a:r>
+              <a:rPr lang="fr-FR" baseline="0" dirty="0" smtClean="0"/>
+              <a:t> of </a:t>
+            </a:r>
+            <a:r>
+              <a:rPr lang="fr-FR" baseline="0" dirty="0" err="1" smtClean="0"/>
+              <a:t>percentage</a:t>
+            </a:r>
+            <a:r>
+              <a:rPr lang="fr-FR" baseline="0" dirty="0" smtClean="0"/>
+              <a:t> != 100</a:t>
+            </a:r>
+          </a:p>
+          <a:p>
+            <a:pPr marL="171450" indent="-171450">
+              <a:buFontTx/>
+              <a:buChar char="-"/>
+            </a:pPr>
+            <a:r>
+              <a:rPr lang="fr-FR" baseline="0" dirty="0" err="1" smtClean="0"/>
+              <a:t>Number</a:t>
+            </a:r>
+            <a:r>
+              <a:rPr lang="fr-FR" baseline="0" dirty="0" smtClean="0"/>
+              <a:t> </a:t>
+            </a:r>
+            <a:r>
+              <a:rPr lang="fr-FR" baseline="0" dirty="0" err="1" smtClean="0"/>
+              <a:t>does</a:t>
+            </a:r>
+            <a:r>
+              <a:rPr lang="fr-FR" baseline="0" dirty="0" smtClean="0"/>
+              <a:t> not match </a:t>
+            </a:r>
+            <a:r>
+              <a:rPr lang="fr-FR" baseline="0" dirty="0" err="1" smtClean="0"/>
+              <a:t>shape</a:t>
+            </a:r>
+            <a:r>
+              <a:rPr lang="fr-FR" baseline="0" dirty="0" smtClean="0"/>
+              <a:t>: </a:t>
+            </a:r>
+          </a:p>
+          <a:p>
+            <a:pPr marL="862568" lvl="4" indent="-171450">
+              <a:buFontTx/>
+              <a:buChar char="-"/>
+            </a:pPr>
+            <a:r>
+              <a:rPr lang="fr-FR" baseline="0" dirty="0" smtClean="0"/>
+              <a:t>http://</a:t>
+            </a:r>
+            <a:r>
+              <a:rPr lang="fr-FR" baseline="0" dirty="0" err="1" smtClean="0"/>
+              <a:t>viz.wtf</a:t>
+            </a:r>
+            <a:r>
+              <a:rPr lang="fr-FR" baseline="0" dirty="0" smtClean="0"/>
+              <a:t>/post/169392205697/</a:t>
+            </a:r>
+            <a:r>
+              <a:rPr lang="fr-FR" baseline="0" dirty="0" err="1" smtClean="0"/>
+              <a:t>fewer</a:t>
+            </a:r>
+            <a:r>
+              <a:rPr lang="fr-FR" baseline="0" dirty="0" smtClean="0"/>
+              <a:t>-people-</a:t>
+            </a:r>
+            <a:r>
+              <a:rPr lang="fr-FR" baseline="0" dirty="0" err="1" smtClean="0"/>
+              <a:t>would</a:t>
+            </a:r>
+            <a:r>
+              <a:rPr lang="fr-FR" baseline="0" dirty="0" smtClean="0"/>
+              <a:t>-have-a-hard-time-</a:t>
+            </a:r>
+            <a:r>
+              <a:rPr lang="fr-FR" baseline="0" dirty="0" err="1" smtClean="0"/>
+              <a:t>giving</a:t>
+            </a:r>
+            <a:r>
+              <a:rPr lang="fr-FR" baseline="0" dirty="0" smtClean="0"/>
+              <a:t>-up</a:t>
+            </a:r>
+          </a:p>
+          <a:p>
+            <a:pPr marL="862568" lvl="4" indent="-171450">
+              <a:buFontTx/>
+              <a:buChar char="-"/>
+            </a:pPr>
+            <a:r>
+              <a:rPr lang="fr-FR" dirty="0" smtClean="0"/>
+              <a:t>http://</a:t>
+            </a:r>
+            <a:r>
+              <a:rPr lang="fr-FR" dirty="0" err="1" smtClean="0"/>
+              <a:t>viz.wtf</a:t>
+            </a:r>
+            <a:r>
+              <a:rPr lang="fr-FR" dirty="0" smtClean="0"/>
+              <a:t>/post/170949426657/new-marketing-email-</a:t>
+            </a:r>
+            <a:r>
+              <a:rPr lang="fr-FR" dirty="0" err="1" smtClean="0"/>
+              <a:t>from</a:t>
+            </a:r>
+            <a:r>
+              <a:rPr lang="fr-FR" dirty="0" smtClean="0"/>
+              <a:t>-</a:t>
+            </a:r>
+            <a:r>
+              <a:rPr lang="fr-FR" dirty="0" err="1" smtClean="0"/>
+              <a:t>google</a:t>
+            </a:r>
+            <a:r>
+              <a:rPr lang="fr-FR" smtClean="0"/>
+              <a:t>-email-design</a:t>
+            </a:r>
+            <a:endParaRPr lang="fr-FR" dirty="0" smtClean="0"/>
+          </a:p>
+        </p:txBody>
+      </p:sp>
+      <p:sp>
+        <p:nvSpPr>
+          <p:cNvPr id="4" name="Espace réservé du numéro de diapositive 3"/>
+          <p:cNvSpPr>
+            <a:spLocks noGrp="1"/>
+          </p:cNvSpPr>
+          <p:nvPr>
+            <p:ph type="sldNum" sz="quarter" idx="10"/>
+          </p:nvPr>
+        </p:nvSpPr>
+        <p:spPr/>
+        <p:txBody>
+          <a:bodyPr/>
+          <a:lstStyle/>
+          <a:p>
+            <a:fld id="{7831F866-C993-A644-BA4C-5AD247E41B58}" type="slidenum">
+              <a:rPr lang="en-US" smtClean="0"/>
+              <a:t>14</a:t>
+            </a:fld>
+            <a:endParaRPr lang="en-US"/>
+          </a:p>
+        </p:txBody>
+      </p:sp>
+    </p:spTree>
+    <p:extLst>
+      <p:ext uri="{BB962C8B-B14F-4D97-AF65-F5344CB8AC3E}">
+        <p14:creationId xmlns:p14="http://schemas.microsoft.com/office/powerpoint/2010/main" val="1497705189"/>
+      </p:ext>
+    </p:extLst>
+  </p:cSld>
+  <p:clrMapOvr>
+    <a:masterClrMapping/>
+  </p:clrMapOvr>
+</p:notes>
+</file>
+
 <file path=ppt/slideLayouts/slideLayout1.xml><?xml version="1.0" encoding="utf-8"?>
 <p:sldLayout xmlns:a="http://schemas.openxmlformats.org/drawingml/2006/main" xmlns:r="http://schemas.openxmlformats.org/officeDocument/2006/relationships" xmlns:p="http://schemas.openxmlformats.org/presentationml/2006/main" type="title" preserve="1">
   <p:cSld name="Title Slide">
@@ -602,7 +1030,7 @@
           <a:p>
             <a:fld id="{59DFCC1F-3322-FD40-8733-43910790F7FA}" type="datetimeFigureOut">
               <a:rPr lang="en-US" smtClean="0"/>
-              <a:t>5/3/18</a:t>
+              <a:t>5/12/18</a:t>
             </a:fld>
             <a:endParaRPr lang="en-US"/>
           </a:p>
@@ -767,7 +1195,7 @@
           <a:p>
             <a:fld id="{59DFCC1F-3322-FD40-8733-43910790F7FA}" type="datetimeFigureOut">
               <a:rPr lang="en-US" smtClean="0"/>
-              <a:t>5/3/18</a:t>
+              <a:t>5/12/18</a:t>
             </a:fld>
             <a:endParaRPr lang="en-US"/>
           </a:p>
@@ -942,7 +1370,7 @@
           <a:p>
             <a:fld id="{59DFCC1F-3322-FD40-8733-43910790F7FA}" type="datetimeFigureOut">
               <a:rPr lang="en-US" smtClean="0"/>
-              <a:t>5/3/18</a:t>
+              <a:t>5/12/18</a:t>
             </a:fld>
             <a:endParaRPr lang="en-US"/>
           </a:p>
@@ -1107,7 +1535,7 @@
           <a:p>
             <a:fld id="{59DFCC1F-3322-FD40-8733-43910790F7FA}" type="datetimeFigureOut">
               <a:rPr lang="en-US" smtClean="0"/>
-              <a:t>5/3/18</a:t>
+              <a:t>5/12/18</a:t>
             </a:fld>
             <a:endParaRPr lang="en-US"/>
           </a:p>
@@ -1346,7 +1774,7 @@
           <a:p>
             <a:fld id="{59DFCC1F-3322-FD40-8733-43910790F7FA}" type="datetimeFigureOut">
               <a:rPr lang="en-US" smtClean="0"/>
-              <a:t>5/3/18</a:t>
+              <a:t>5/12/18</a:t>
             </a:fld>
             <a:endParaRPr lang="en-US"/>
           </a:p>
@@ -1573,7 +2001,7 @@
           <a:p>
             <a:fld id="{59DFCC1F-3322-FD40-8733-43910790F7FA}" type="datetimeFigureOut">
               <a:rPr lang="en-US" smtClean="0"/>
-              <a:t>5/3/18</a:t>
+              <a:t>5/12/18</a:t>
             </a:fld>
             <a:endParaRPr lang="en-US"/>
           </a:p>
@@ -1935,7 +2363,7 @@
           <a:p>
             <a:fld id="{59DFCC1F-3322-FD40-8733-43910790F7FA}" type="datetimeFigureOut">
               <a:rPr lang="en-US" smtClean="0"/>
-              <a:t>5/3/18</a:t>
+              <a:t>5/12/18</a:t>
             </a:fld>
             <a:endParaRPr lang="en-US"/>
           </a:p>
@@ -2048,7 +2476,7 @@
           <a:p>
             <a:fld id="{59DFCC1F-3322-FD40-8733-43910790F7FA}" type="datetimeFigureOut">
               <a:rPr lang="en-US" smtClean="0"/>
-              <a:t>5/3/18</a:t>
+              <a:t>5/12/18</a:t>
             </a:fld>
             <a:endParaRPr lang="en-US"/>
           </a:p>
@@ -2138,7 +2566,7 @@
           <a:p>
             <a:fld id="{59DFCC1F-3322-FD40-8733-43910790F7FA}" type="datetimeFigureOut">
               <a:rPr lang="en-US" smtClean="0"/>
-              <a:t>5/3/18</a:t>
+              <a:t>5/12/18</a:t>
             </a:fld>
             <a:endParaRPr lang="en-US"/>
           </a:p>
@@ -2410,7 +2838,7 @@
           <a:p>
             <a:fld id="{59DFCC1F-3322-FD40-8733-43910790F7FA}" type="datetimeFigureOut">
               <a:rPr lang="en-US" smtClean="0"/>
-              <a:t>5/3/18</a:t>
+              <a:t>5/12/18</a:t>
             </a:fld>
             <a:endParaRPr lang="en-US"/>
           </a:p>
@@ -2662,7 +3090,7 @@
           <a:p>
             <a:fld id="{59DFCC1F-3322-FD40-8733-43910790F7FA}" type="datetimeFigureOut">
               <a:rPr lang="en-US" smtClean="0"/>
-              <a:t>5/3/18</a:t>
+              <a:t>5/12/18</a:t>
             </a:fld>
             <a:endParaRPr lang="en-US"/>
           </a:p>
@@ -2870,7 +3298,7 @@
           <a:p>
             <a:fld id="{59DFCC1F-3322-FD40-8733-43910790F7FA}" type="datetimeFigureOut">
               <a:rPr lang="en-US" smtClean="0"/>
-              <a:t>5/3/18</a:t>
+              <a:t>5/12/18</a:t>
             </a:fld>
             <a:endParaRPr lang="en-US"/>
           </a:p>
@@ -4390,6 +4818,1145 @@
     <p:extLst>
       <p:ext uri="{BB962C8B-B14F-4D97-AF65-F5344CB8AC3E}">
         <p14:creationId xmlns:p14="http://schemas.microsoft.com/office/powerpoint/2010/main" val="1773335760"/>
+      </p:ext>
+    </p:extLst>
+  </p:cSld>
+  <p:clrMapOvr>
+    <a:masterClrMapping/>
+  </p:clrMapOvr>
+</p:sld>
+</file>
+
+<file path=ppt/slides/slide13.xml><?xml version="1.0" encoding="utf-8"?>
+<p:sld xmlns:a="http://schemas.openxmlformats.org/drawingml/2006/main" xmlns:r="http://schemas.openxmlformats.org/officeDocument/2006/relationships" xmlns:p="http://schemas.openxmlformats.org/presentationml/2006/main">
+  <p:cSld>
+    <p:spTree>
+      <p:nvGrpSpPr>
+        <p:cNvPr id="1" name=""/>
+        <p:cNvGrpSpPr/>
+        <p:nvPr/>
+      </p:nvGrpSpPr>
+      <p:grpSpPr>
+        <a:xfrm>
+          <a:off x="0" y="0"/>
+          <a:ext cx="0" cy="0"/>
+          <a:chOff x="0" y="0"/>
+          <a:chExt cx="0" cy="0"/>
+        </a:xfrm>
+      </p:grpSpPr>
+      <p:sp>
+        <p:nvSpPr>
+          <p:cNvPr id="4" name="Oval 3"/>
+          <p:cNvSpPr/>
+          <p:nvPr/>
+        </p:nvSpPr>
+        <p:spPr>
+          <a:xfrm>
+            <a:off x="5" y="-1"/>
+            <a:ext cx="3600448" cy="3600452"/>
+          </a:xfrm>
+          <a:prstGeom prst="ellipse">
+            <a:avLst/>
+          </a:prstGeom>
+          <a:solidFill>
+            <a:srgbClr val="271569"/>
+          </a:solidFill>
+          <a:ln>
+            <a:noFill/>
+          </a:ln>
+        </p:spPr>
+        <p:style>
+          <a:lnRef idx="2">
+            <a:schemeClr val="accent1">
+              <a:shade val="50000"/>
+            </a:schemeClr>
+          </a:lnRef>
+          <a:fillRef idx="1">
+            <a:schemeClr val="accent1"/>
+          </a:fillRef>
+          <a:effectRef idx="0">
+            <a:schemeClr val="accent1"/>
+          </a:effectRef>
+          <a:fontRef idx="minor">
+            <a:schemeClr val="lt1"/>
+          </a:fontRef>
+        </p:style>
+        <p:txBody>
+          <a:bodyPr rot="0" spcFirstLastPara="0" vertOverflow="overflow" horzOverflow="overflow" vert="horz" wrap="square" lIns="91440" tIns="45720" rIns="91440" bIns="45720" numCol="1" spcCol="0" rtlCol="0" fromWordArt="0" anchor="ctr" anchorCtr="0" forceAA="0" compatLnSpc="1">
+            <a:prstTxWarp prst="textNoShape">
+              <a:avLst/>
+            </a:prstTxWarp>
+            <a:noAutofit/>
+          </a:bodyPr>
+          <a:lstStyle/>
+          <a:p>
+            <a:pPr algn="ctr"/>
+            <a:endParaRPr lang="en-US" sz="334"/>
+          </a:p>
+        </p:txBody>
+      </p:sp>
+      <p:cxnSp>
+        <p:nvCxnSpPr>
+          <p:cNvPr id="6" name="Straight Connector 5"/>
+          <p:cNvCxnSpPr/>
+          <p:nvPr/>
+        </p:nvCxnSpPr>
+        <p:spPr>
+          <a:xfrm>
+            <a:off x="641542" y="826795"/>
+            <a:ext cx="5476" cy="1708340"/>
+          </a:xfrm>
+          <a:prstGeom prst="line">
+            <a:avLst/>
+          </a:prstGeom>
+          <a:ln w="50800" cap="rnd">
+            <a:solidFill>
+              <a:schemeClr val="bg1"/>
+            </a:solidFill>
+          </a:ln>
+        </p:spPr>
+        <p:style>
+          <a:lnRef idx="1">
+            <a:schemeClr val="accent1"/>
+          </a:lnRef>
+          <a:fillRef idx="0">
+            <a:schemeClr val="accent1"/>
+          </a:fillRef>
+          <a:effectRef idx="0">
+            <a:schemeClr val="accent1"/>
+          </a:effectRef>
+          <a:fontRef idx="minor">
+            <a:schemeClr val="tx1"/>
+          </a:fontRef>
+        </p:style>
+      </p:cxnSp>
+      <p:cxnSp>
+        <p:nvCxnSpPr>
+          <p:cNvPr id="7" name="Straight Connector 6"/>
+          <p:cNvCxnSpPr/>
+          <p:nvPr/>
+        </p:nvCxnSpPr>
+        <p:spPr>
+          <a:xfrm flipH="1">
+            <a:off x="799417" y="2677496"/>
+            <a:ext cx="1955650" cy="10038"/>
+          </a:xfrm>
+          <a:prstGeom prst="line">
+            <a:avLst/>
+          </a:prstGeom>
+          <a:ln w="50800" cap="rnd">
+            <a:solidFill>
+              <a:schemeClr val="bg1"/>
+            </a:solidFill>
+          </a:ln>
+        </p:spPr>
+        <p:style>
+          <a:lnRef idx="1">
+            <a:schemeClr val="accent1"/>
+          </a:lnRef>
+          <a:fillRef idx="0">
+            <a:schemeClr val="accent1"/>
+          </a:fillRef>
+          <a:effectRef idx="0">
+            <a:schemeClr val="accent1"/>
+          </a:effectRef>
+          <a:fontRef idx="minor">
+            <a:schemeClr val="tx1"/>
+          </a:fontRef>
+        </p:style>
+      </p:cxnSp>
+      <p:cxnSp>
+        <p:nvCxnSpPr>
+          <p:cNvPr id="10" name="Straight Connector 9"/>
+          <p:cNvCxnSpPr/>
+          <p:nvPr/>
+        </p:nvCxnSpPr>
+        <p:spPr>
+          <a:xfrm flipV="1">
+            <a:off x="905701" y="1338748"/>
+            <a:ext cx="450745" cy="595290"/>
+          </a:xfrm>
+          <a:prstGeom prst="line">
+            <a:avLst/>
+          </a:prstGeom>
+          <a:ln w="28575" cap="rnd">
+            <a:solidFill>
+              <a:schemeClr val="bg1"/>
+            </a:solidFill>
+          </a:ln>
+        </p:spPr>
+        <p:style>
+          <a:lnRef idx="1">
+            <a:schemeClr val="accent1"/>
+          </a:lnRef>
+          <a:fillRef idx="0">
+            <a:schemeClr val="accent1"/>
+          </a:fillRef>
+          <a:effectRef idx="0">
+            <a:schemeClr val="accent1"/>
+          </a:effectRef>
+          <a:fontRef idx="minor">
+            <a:schemeClr val="tx1"/>
+          </a:fontRef>
+        </p:style>
+      </p:cxnSp>
+      <p:cxnSp>
+        <p:nvCxnSpPr>
+          <p:cNvPr id="12" name="Straight Connector 11"/>
+          <p:cNvCxnSpPr/>
+          <p:nvPr/>
+        </p:nvCxnSpPr>
+        <p:spPr>
+          <a:xfrm>
+            <a:off x="1356446" y="1338748"/>
+            <a:ext cx="639622" cy="750247"/>
+          </a:xfrm>
+          <a:prstGeom prst="line">
+            <a:avLst/>
+          </a:prstGeom>
+          <a:ln w="28575" cap="rnd">
+            <a:solidFill>
+              <a:schemeClr val="bg1"/>
+            </a:solidFill>
+          </a:ln>
+        </p:spPr>
+        <p:style>
+          <a:lnRef idx="1">
+            <a:schemeClr val="accent1"/>
+          </a:lnRef>
+          <a:fillRef idx="0">
+            <a:schemeClr val="accent1"/>
+          </a:fillRef>
+          <a:effectRef idx="0">
+            <a:schemeClr val="accent1"/>
+          </a:effectRef>
+          <a:fontRef idx="minor">
+            <a:schemeClr val="tx1"/>
+          </a:fontRef>
+        </p:style>
+      </p:cxnSp>
+      <p:cxnSp>
+        <p:nvCxnSpPr>
+          <p:cNvPr id="14" name="Straight Connector 13"/>
+          <p:cNvCxnSpPr/>
+          <p:nvPr/>
+        </p:nvCxnSpPr>
+        <p:spPr>
+          <a:xfrm flipV="1">
+            <a:off x="2010652" y="944137"/>
+            <a:ext cx="559928" cy="1144858"/>
+          </a:xfrm>
+          <a:prstGeom prst="line">
+            <a:avLst/>
+          </a:prstGeom>
+          <a:ln w="28575" cap="rnd">
+            <a:solidFill>
+              <a:schemeClr val="bg1"/>
+            </a:solidFill>
+          </a:ln>
+        </p:spPr>
+        <p:style>
+          <a:lnRef idx="1">
+            <a:schemeClr val="accent1"/>
+          </a:lnRef>
+          <a:fillRef idx="0">
+            <a:schemeClr val="accent1"/>
+          </a:fillRef>
+          <a:effectRef idx="0">
+            <a:schemeClr val="accent1"/>
+          </a:effectRef>
+          <a:fontRef idx="minor">
+            <a:schemeClr val="tx1"/>
+          </a:fontRef>
+        </p:style>
+      </p:cxnSp>
+      <p:cxnSp>
+        <p:nvCxnSpPr>
+          <p:cNvPr id="16" name="Straight Connector 15"/>
+          <p:cNvCxnSpPr/>
+          <p:nvPr/>
+        </p:nvCxnSpPr>
+        <p:spPr>
+          <a:xfrm flipV="1">
+            <a:off x="912565" y="1713871"/>
+            <a:ext cx="495635" cy="588501"/>
+          </a:xfrm>
+          <a:prstGeom prst="line">
+            <a:avLst/>
+          </a:prstGeom>
+          <a:ln w="28575" cap="rnd">
+            <a:solidFill>
+              <a:schemeClr val="bg1"/>
+            </a:solidFill>
+          </a:ln>
+        </p:spPr>
+        <p:style>
+          <a:lnRef idx="1">
+            <a:schemeClr val="accent1"/>
+          </a:lnRef>
+          <a:fillRef idx="0">
+            <a:schemeClr val="accent1"/>
+          </a:fillRef>
+          <a:effectRef idx="0">
+            <a:schemeClr val="accent1"/>
+          </a:effectRef>
+          <a:fontRef idx="minor">
+            <a:schemeClr val="tx1"/>
+          </a:fontRef>
+        </p:style>
+      </p:cxnSp>
+      <p:cxnSp>
+        <p:nvCxnSpPr>
+          <p:cNvPr id="17" name="Straight Connector 16"/>
+          <p:cNvCxnSpPr/>
+          <p:nvPr/>
+        </p:nvCxnSpPr>
+        <p:spPr>
+          <a:xfrm flipV="1">
+            <a:off x="1408200" y="1338748"/>
+            <a:ext cx="587868" cy="375123"/>
+          </a:xfrm>
+          <a:prstGeom prst="line">
+            <a:avLst/>
+          </a:prstGeom>
+          <a:ln w="28575" cap="rnd">
+            <a:solidFill>
+              <a:schemeClr val="bg1"/>
+            </a:solidFill>
+          </a:ln>
+        </p:spPr>
+        <p:style>
+          <a:lnRef idx="1">
+            <a:schemeClr val="accent1"/>
+          </a:lnRef>
+          <a:fillRef idx="0">
+            <a:schemeClr val="accent1"/>
+          </a:fillRef>
+          <a:effectRef idx="0">
+            <a:schemeClr val="accent1"/>
+          </a:effectRef>
+          <a:fontRef idx="minor">
+            <a:schemeClr val="tx1"/>
+          </a:fontRef>
+        </p:style>
+      </p:cxnSp>
+      <p:cxnSp>
+        <p:nvCxnSpPr>
+          <p:cNvPr id="18" name="Straight Connector 17"/>
+          <p:cNvCxnSpPr/>
+          <p:nvPr/>
+        </p:nvCxnSpPr>
+        <p:spPr>
+          <a:xfrm>
+            <a:off x="1996068" y="1338748"/>
+            <a:ext cx="574512" cy="1034753"/>
+          </a:xfrm>
+          <a:prstGeom prst="line">
+            <a:avLst/>
+          </a:prstGeom>
+          <a:ln w="28575" cap="rnd">
+            <a:solidFill>
+              <a:schemeClr val="bg1"/>
+            </a:solidFill>
+          </a:ln>
+        </p:spPr>
+        <p:style>
+          <a:lnRef idx="1">
+            <a:schemeClr val="accent1"/>
+          </a:lnRef>
+          <a:fillRef idx="0">
+            <a:schemeClr val="accent1"/>
+          </a:fillRef>
+          <a:effectRef idx="0">
+            <a:schemeClr val="accent1"/>
+          </a:effectRef>
+          <a:fontRef idx="minor">
+            <a:schemeClr val="tx1"/>
+          </a:fontRef>
+        </p:style>
+      </p:cxnSp>
+      <p:cxnSp>
+        <p:nvCxnSpPr>
+          <p:cNvPr id="19" name="Straight Connector 5"/>
+          <p:cNvCxnSpPr/>
+          <p:nvPr/>
+        </p:nvCxnSpPr>
+        <p:spPr>
+          <a:xfrm>
+            <a:off x="2889441" y="810466"/>
+            <a:ext cx="5476" cy="1708340"/>
+          </a:xfrm>
+          <a:prstGeom prst="line">
+            <a:avLst/>
+          </a:prstGeom>
+          <a:ln w="50800" cap="rnd">
+            <a:solidFill>
+              <a:schemeClr val="bg1"/>
+            </a:solidFill>
+          </a:ln>
+        </p:spPr>
+        <p:style>
+          <a:lnRef idx="1">
+            <a:schemeClr val="accent1"/>
+          </a:lnRef>
+          <a:fillRef idx="0">
+            <a:schemeClr val="accent1"/>
+          </a:fillRef>
+          <a:effectRef idx="0">
+            <a:schemeClr val="accent1"/>
+          </a:effectRef>
+          <a:fontRef idx="minor">
+            <a:schemeClr val="tx1"/>
+          </a:fontRef>
+        </p:style>
+      </p:cxnSp>
+      <p:cxnSp>
+        <p:nvCxnSpPr>
+          <p:cNvPr id="20" name="Straight Connector 15"/>
+          <p:cNvCxnSpPr/>
+          <p:nvPr/>
+        </p:nvCxnSpPr>
+        <p:spPr>
+          <a:xfrm flipV="1">
+            <a:off x="537152" y="2394861"/>
+            <a:ext cx="84670" cy="415"/>
+          </a:xfrm>
+          <a:prstGeom prst="line">
+            <a:avLst/>
+          </a:prstGeom>
+          <a:ln w="28575" cap="rnd">
+            <a:solidFill>
+              <a:schemeClr val="bg1"/>
+            </a:solidFill>
+          </a:ln>
+        </p:spPr>
+        <p:style>
+          <a:lnRef idx="1">
+            <a:schemeClr val="accent1"/>
+          </a:lnRef>
+          <a:fillRef idx="0">
+            <a:schemeClr val="accent1"/>
+          </a:fillRef>
+          <a:effectRef idx="0">
+            <a:schemeClr val="accent1"/>
+          </a:effectRef>
+          <a:fontRef idx="minor">
+            <a:schemeClr val="tx1"/>
+          </a:fontRef>
+        </p:style>
+      </p:cxnSp>
+      <p:cxnSp>
+        <p:nvCxnSpPr>
+          <p:cNvPr id="23" name="Straight Connector 15"/>
+          <p:cNvCxnSpPr/>
+          <p:nvPr/>
+        </p:nvCxnSpPr>
+        <p:spPr>
+          <a:xfrm flipV="1">
+            <a:off x="542592" y="2198918"/>
+            <a:ext cx="84670" cy="415"/>
+          </a:xfrm>
+          <a:prstGeom prst="line">
+            <a:avLst/>
+          </a:prstGeom>
+          <a:ln w="28575" cap="rnd">
+            <a:solidFill>
+              <a:schemeClr val="bg1"/>
+            </a:solidFill>
+          </a:ln>
+        </p:spPr>
+        <p:style>
+          <a:lnRef idx="1">
+            <a:schemeClr val="accent1"/>
+          </a:lnRef>
+          <a:fillRef idx="0">
+            <a:schemeClr val="accent1"/>
+          </a:fillRef>
+          <a:effectRef idx="0">
+            <a:schemeClr val="accent1"/>
+          </a:effectRef>
+          <a:fontRef idx="minor">
+            <a:schemeClr val="tx1"/>
+          </a:fontRef>
+        </p:style>
+      </p:cxnSp>
+      <p:cxnSp>
+        <p:nvCxnSpPr>
+          <p:cNvPr id="24" name="Straight Connector 15"/>
+          <p:cNvCxnSpPr/>
+          <p:nvPr/>
+        </p:nvCxnSpPr>
+        <p:spPr>
+          <a:xfrm flipV="1">
+            <a:off x="548032" y="1975761"/>
+            <a:ext cx="84670" cy="415"/>
+          </a:xfrm>
+          <a:prstGeom prst="line">
+            <a:avLst/>
+          </a:prstGeom>
+          <a:ln w="28575" cap="rnd">
+            <a:solidFill>
+              <a:schemeClr val="bg1"/>
+            </a:solidFill>
+          </a:ln>
+        </p:spPr>
+        <p:style>
+          <a:lnRef idx="1">
+            <a:schemeClr val="accent1"/>
+          </a:lnRef>
+          <a:fillRef idx="0">
+            <a:schemeClr val="accent1"/>
+          </a:fillRef>
+          <a:effectRef idx="0">
+            <a:schemeClr val="accent1"/>
+          </a:effectRef>
+          <a:fontRef idx="minor">
+            <a:schemeClr val="tx1"/>
+          </a:fontRef>
+        </p:style>
+      </p:cxnSp>
+      <p:cxnSp>
+        <p:nvCxnSpPr>
+          <p:cNvPr id="25" name="Straight Connector 15"/>
+          <p:cNvCxnSpPr/>
+          <p:nvPr/>
+        </p:nvCxnSpPr>
+        <p:spPr>
+          <a:xfrm flipV="1">
+            <a:off x="542592" y="1768930"/>
+            <a:ext cx="84670" cy="415"/>
+          </a:xfrm>
+          <a:prstGeom prst="line">
+            <a:avLst/>
+          </a:prstGeom>
+          <a:ln w="28575" cap="rnd">
+            <a:solidFill>
+              <a:schemeClr val="bg1"/>
+            </a:solidFill>
+          </a:ln>
+        </p:spPr>
+        <p:style>
+          <a:lnRef idx="1">
+            <a:schemeClr val="accent1"/>
+          </a:lnRef>
+          <a:fillRef idx="0">
+            <a:schemeClr val="accent1"/>
+          </a:fillRef>
+          <a:effectRef idx="0">
+            <a:schemeClr val="accent1"/>
+          </a:effectRef>
+          <a:fontRef idx="minor">
+            <a:schemeClr val="tx1"/>
+          </a:fontRef>
+        </p:style>
+      </p:cxnSp>
+      <p:cxnSp>
+        <p:nvCxnSpPr>
+          <p:cNvPr id="26" name="Straight Connector 15"/>
+          <p:cNvCxnSpPr/>
+          <p:nvPr/>
+        </p:nvCxnSpPr>
+        <p:spPr>
+          <a:xfrm flipV="1">
+            <a:off x="548032" y="1572987"/>
+            <a:ext cx="84670" cy="415"/>
+          </a:xfrm>
+          <a:prstGeom prst="line">
+            <a:avLst/>
+          </a:prstGeom>
+          <a:ln w="28575" cap="rnd">
+            <a:solidFill>
+              <a:schemeClr val="bg1"/>
+            </a:solidFill>
+          </a:ln>
+        </p:spPr>
+        <p:style>
+          <a:lnRef idx="1">
+            <a:schemeClr val="accent1"/>
+          </a:lnRef>
+          <a:fillRef idx="0">
+            <a:schemeClr val="accent1"/>
+          </a:fillRef>
+          <a:effectRef idx="0">
+            <a:schemeClr val="accent1"/>
+          </a:effectRef>
+          <a:fontRef idx="minor">
+            <a:schemeClr val="tx1"/>
+          </a:fontRef>
+        </p:style>
+      </p:cxnSp>
+      <p:cxnSp>
+        <p:nvCxnSpPr>
+          <p:cNvPr id="27" name="Straight Connector 15"/>
+          <p:cNvCxnSpPr/>
+          <p:nvPr/>
+        </p:nvCxnSpPr>
+        <p:spPr>
+          <a:xfrm flipV="1">
+            <a:off x="553472" y="1349830"/>
+            <a:ext cx="84670" cy="415"/>
+          </a:xfrm>
+          <a:prstGeom prst="line">
+            <a:avLst/>
+          </a:prstGeom>
+          <a:ln w="28575" cap="rnd">
+            <a:solidFill>
+              <a:schemeClr val="bg1"/>
+            </a:solidFill>
+          </a:ln>
+        </p:spPr>
+        <p:style>
+          <a:lnRef idx="1">
+            <a:schemeClr val="accent1"/>
+          </a:lnRef>
+          <a:fillRef idx="0">
+            <a:schemeClr val="accent1"/>
+          </a:fillRef>
+          <a:effectRef idx="0">
+            <a:schemeClr val="accent1"/>
+          </a:effectRef>
+          <a:fontRef idx="minor">
+            <a:schemeClr val="tx1"/>
+          </a:fontRef>
+        </p:style>
+      </p:cxnSp>
+      <p:cxnSp>
+        <p:nvCxnSpPr>
+          <p:cNvPr id="28" name="Straight Connector 15"/>
+          <p:cNvCxnSpPr/>
+          <p:nvPr/>
+        </p:nvCxnSpPr>
+        <p:spPr>
+          <a:xfrm flipV="1">
+            <a:off x="542591" y="1132109"/>
+            <a:ext cx="84670" cy="415"/>
+          </a:xfrm>
+          <a:prstGeom prst="line">
+            <a:avLst/>
+          </a:prstGeom>
+          <a:ln w="28575" cap="rnd">
+            <a:solidFill>
+              <a:schemeClr val="bg1"/>
+            </a:solidFill>
+          </a:ln>
+        </p:spPr>
+        <p:style>
+          <a:lnRef idx="1">
+            <a:schemeClr val="accent1"/>
+          </a:lnRef>
+          <a:fillRef idx="0">
+            <a:schemeClr val="accent1"/>
+          </a:fillRef>
+          <a:effectRef idx="0">
+            <a:schemeClr val="accent1"/>
+          </a:effectRef>
+          <a:fontRef idx="minor">
+            <a:schemeClr val="tx1"/>
+          </a:fontRef>
+        </p:style>
+      </p:cxnSp>
+      <p:cxnSp>
+        <p:nvCxnSpPr>
+          <p:cNvPr id="29" name="Straight Connector 15"/>
+          <p:cNvCxnSpPr/>
+          <p:nvPr/>
+        </p:nvCxnSpPr>
+        <p:spPr>
+          <a:xfrm flipV="1">
+            <a:off x="548031" y="936166"/>
+            <a:ext cx="84670" cy="415"/>
+          </a:xfrm>
+          <a:prstGeom prst="line">
+            <a:avLst/>
+          </a:prstGeom>
+          <a:ln w="28575" cap="rnd">
+            <a:solidFill>
+              <a:schemeClr val="bg1"/>
+            </a:solidFill>
+          </a:ln>
+        </p:spPr>
+        <p:style>
+          <a:lnRef idx="1">
+            <a:schemeClr val="accent1"/>
+          </a:lnRef>
+          <a:fillRef idx="0">
+            <a:schemeClr val="accent1"/>
+          </a:fillRef>
+          <a:effectRef idx="0">
+            <a:schemeClr val="accent1"/>
+          </a:effectRef>
+          <a:fontRef idx="minor">
+            <a:schemeClr val="tx1"/>
+          </a:fontRef>
+        </p:style>
+      </p:cxnSp>
+      <p:cxnSp>
+        <p:nvCxnSpPr>
+          <p:cNvPr id="31" name="Straight Connector 15"/>
+          <p:cNvCxnSpPr/>
+          <p:nvPr/>
+        </p:nvCxnSpPr>
+        <p:spPr>
+          <a:xfrm flipV="1">
+            <a:off x="2888477" y="2362201"/>
+            <a:ext cx="84670" cy="415"/>
+          </a:xfrm>
+          <a:prstGeom prst="line">
+            <a:avLst/>
+          </a:prstGeom>
+          <a:ln w="28575" cap="rnd">
+            <a:solidFill>
+              <a:schemeClr val="bg1"/>
+            </a:solidFill>
+          </a:ln>
+        </p:spPr>
+        <p:style>
+          <a:lnRef idx="1">
+            <a:schemeClr val="accent1"/>
+          </a:lnRef>
+          <a:fillRef idx="0">
+            <a:schemeClr val="accent1"/>
+          </a:fillRef>
+          <a:effectRef idx="0">
+            <a:schemeClr val="accent1"/>
+          </a:effectRef>
+          <a:fontRef idx="minor">
+            <a:schemeClr val="tx1"/>
+          </a:fontRef>
+        </p:style>
+      </p:cxnSp>
+      <p:cxnSp>
+        <p:nvCxnSpPr>
+          <p:cNvPr id="32" name="Straight Connector 15"/>
+          <p:cNvCxnSpPr/>
+          <p:nvPr/>
+        </p:nvCxnSpPr>
+        <p:spPr>
+          <a:xfrm flipV="1">
+            <a:off x="2893917" y="2166258"/>
+            <a:ext cx="84670" cy="415"/>
+          </a:xfrm>
+          <a:prstGeom prst="line">
+            <a:avLst/>
+          </a:prstGeom>
+          <a:ln w="28575" cap="rnd">
+            <a:solidFill>
+              <a:schemeClr val="bg1"/>
+            </a:solidFill>
+          </a:ln>
+        </p:spPr>
+        <p:style>
+          <a:lnRef idx="1">
+            <a:schemeClr val="accent1"/>
+          </a:lnRef>
+          <a:fillRef idx="0">
+            <a:schemeClr val="accent1"/>
+          </a:fillRef>
+          <a:effectRef idx="0">
+            <a:schemeClr val="accent1"/>
+          </a:effectRef>
+          <a:fontRef idx="minor">
+            <a:schemeClr val="tx1"/>
+          </a:fontRef>
+        </p:style>
+      </p:cxnSp>
+      <p:cxnSp>
+        <p:nvCxnSpPr>
+          <p:cNvPr id="33" name="Straight Connector 15"/>
+          <p:cNvCxnSpPr/>
+          <p:nvPr/>
+        </p:nvCxnSpPr>
+        <p:spPr>
+          <a:xfrm flipV="1">
+            <a:off x="2899357" y="1943101"/>
+            <a:ext cx="84670" cy="415"/>
+          </a:xfrm>
+          <a:prstGeom prst="line">
+            <a:avLst/>
+          </a:prstGeom>
+          <a:ln w="28575" cap="rnd">
+            <a:solidFill>
+              <a:schemeClr val="bg1"/>
+            </a:solidFill>
+          </a:ln>
+        </p:spPr>
+        <p:style>
+          <a:lnRef idx="1">
+            <a:schemeClr val="accent1"/>
+          </a:lnRef>
+          <a:fillRef idx="0">
+            <a:schemeClr val="accent1"/>
+          </a:fillRef>
+          <a:effectRef idx="0">
+            <a:schemeClr val="accent1"/>
+          </a:effectRef>
+          <a:fontRef idx="minor">
+            <a:schemeClr val="tx1"/>
+          </a:fontRef>
+        </p:style>
+      </p:cxnSp>
+      <p:cxnSp>
+        <p:nvCxnSpPr>
+          <p:cNvPr id="34" name="Straight Connector 15"/>
+          <p:cNvCxnSpPr/>
+          <p:nvPr/>
+        </p:nvCxnSpPr>
+        <p:spPr>
+          <a:xfrm flipV="1">
+            <a:off x="2893917" y="1736270"/>
+            <a:ext cx="84670" cy="415"/>
+          </a:xfrm>
+          <a:prstGeom prst="line">
+            <a:avLst/>
+          </a:prstGeom>
+          <a:ln w="28575" cap="rnd">
+            <a:solidFill>
+              <a:schemeClr val="bg1"/>
+            </a:solidFill>
+          </a:ln>
+        </p:spPr>
+        <p:style>
+          <a:lnRef idx="1">
+            <a:schemeClr val="accent1"/>
+          </a:lnRef>
+          <a:fillRef idx="0">
+            <a:schemeClr val="accent1"/>
+          </a:fillRef>
+          <a:effectRef idx="0">
+            <a:schemeClr val="accent1"/>
+          </a:effectRef>
+          <a:fontRef idx="minor">
+            <a:schemeClr val="tx1"/>
+          </a:fontRef>
+        </p:style>
+      </p:cxnSp>
+      <p:cxnSp>
+        <p:nvCxnSpPr>
+          <p:cNvPr id="38" name="Straight Connector 15"/>
+          <p:cNvCxnSpPr/>
+          <p:nvPr/>
+        </p:nvCxnSpPr>
+        <p:spPr>
+          <a:xfrm flipV="1">
+            <a:off x="2899357" y="1540327"/>
+            <a:ext cx="84670" cy="415"/>
+          </a:xfrm>
+          <a:prstGeom prst="line">
+            <a:avLst/>
+          </a:prstGeom>
+          <a:ln w="28575" cap="rnd">
+            <a:solidFill>
+              <a:schemeClr val="bg1"/>
+            </a:solidFill>
+          </a:ln>
+        </p:spPr>
+        <p:style>
+          <a:lnRef idx="1">
+            <a:schemeClr val="accent1"/>
+          </a:lnRef>
+          <a:fillRef idx="0">
+            <a:schemeClr val="accent1"/>
+          </a:fillRef>
+          <a:effectRef idx="0">
+            <a:schemeClr val="accent1"/>
+          </a:effectRef>
+          <a:fontRef idx="minor">
+            <a:schemeClr val="tx1"/>
+          </a:fontRef>
+        </p:style>
+      </p:cxnSp>
+      <p:cxnSp>
+        <p:nvCxnSpPr>
+          <p:cNvPr id="39" name="Straight Connector 15"/>
+          <p:cNvCxnSpPr/>
+          <p:nvPr/>
+        </p:nvCxnSpPr>
+        <p:spPr>
+          <a:xfrm flipV="1">
+            <a:off x="2904797" y="1317170"/>
+            <a:ext cx="84670" cy="415"/>
+          </a:xfrm>
+          <a:prstGeom prst="line">
+            <a:avLst/>
+          </a:prstGeom>
+          <a:ln w="28575" cap="rnd">
+            <a:solidFill>
+              <a:schemeClr val="bg1"/>
+            </a:solidFill>
+          </a:ln>
+        </p:spPr>
+        <p:style>
+          <a:lnRef idx="1">
+            <a:schemeClr val="accent1"/>
+          </a:lnRef>
+          <a:fillRef idx="0">
+            <a:schemeClr val="accent1"/>
+          </a:fillRef>
+          <a:effectRef idx="0">
+            <a:schemeClr val="accent1"/>
+          </a:effectRef>
+          <a:fontRef idx="minor">
+            <a:schemeClr val="tx1"/>
+          </a:fontRef>
+        </p:style>
+      </p:cxnSp>
+      <p:cxnSp>
+        <p:nvCxnSpPr>
+          <p:cNvPr id="40" name="Straight Connector 15"/>
+          <p:cNvCxnSpPr/>
+          <p:nvPr/>
+        </p:nvCxnSpPr>
+        <p:spPr>
+          <a:xfrm flipV="1">
+            <a:off x="2893916" y="1099449"/>
+            <a:ext cx="84670" cy="415"/>
+          </a:xfrm>
+          <a:prstGeom prst="line">
+            <a:avLst/>
+          </a:prstGeom>
+          <a:ln w="28575" cap="rnd">
+            <a:solidFill>
+              <a:schemeClr val="bg1"/>
+            </a:solidFill>
+          </a:ln>
+        </p:spPr>
+        <p:style>
+          <a:lnRef idx="1">
+            <a:schemeClr val="accent1"/>
+          </a:lnRef>
+          <a:fillRef idx="0">
+            <a:schemeClr val="accent1"/>
+          </a:fillRef>
+          <a:effectRef idx="0">
+            <a:schemeClr val="accent1"/>
+          </a:effectRef>
+          <a:fontRef idx="minor">
+            <a:schemeClr val="tx1"/>
+          </a:fontRef>
+        </p:style>
+      </p:cxnSp>
+      <p:cxnSp>
+        <p:nvCxnSpPr>
+          <p:cNvPr id="44" name="Straight Connector 15"/>
+          <p:cNvCxnSpPr/>
+          <p:nvPr/>
+        </p:nvCxnSpPr>
+        <p:spPr>
+          <a:xfrm flipV="1">
+            <a:off x="2899356" y="903506"/>
+            <a:ext cx="84670" cy="415"/>
+          </a:xfrm>
+          <a:prstGeom prst="line">
+            <a:avLst/>
+          </a:prstGeom>
+          <a:ln w="28575" cap="rnd">
+            <a:solidFill>
+              <a:schemeClr val="bg1"/>
+            </a:solidFill>
+          </a:ln>
+        </p:spPr>
+        <p:style>
+          <a:lnRef idx="1">
+            <a:schemeClr val="accent1"/>
+          </a:lnRef>
+          <a:fillRef idx="0">
+            <a:schemeClr val="accent1"/>
+          </a:fillRef>
+          <a:effectRef idx="0">
+            <a:schemeClr val="accent1"/>
+          </a:effectRef>
+          <a:fontRef idx="minor">
+            <a:schemeClr val="tx1"/>
+          </a:fontRef>
+        </p:style>
+      </p:cxnSp>
+      <p:sp>
+        <p:nvSpPr>
+          <p:cNvPr id="9" name="ZoneTexte 8"/>
+          <p:cNvSpPr txBox="1"/>
+          <p:nvPr/>
+        </p:nvSpPr>
+        <p:spPr>
+          <a:xfrm>
+            <a:off x="680358" y="587828"/>
+            <a:ext cx="228600" cy="276999"/>
+          </a:xfrm>
+          <a:prstGeom prst="rect">
+            <a:avLst/>
+          </a:prstGeom>
+          <a:noFill/>
+        </p:spPr>
+        <p:txBody>
+          <a:bodyPr wrap="square" rtlCol="0">
+            <a:spAutoFit/>
+          </a:bodyPr>
+          <a:lstStyle/>
+          <a:p>
+            <a:r>
+              <a:rPr lang="fr-FR" sz="1200" smtClean="0">
+                <a:solidFill>
+                  <a:schemeClr val="bg1"/>
+                </a:solidFill>
+              </a:rPr>
+              <a:t>A</a:t>
+            </a:r>
+            <a:endParaRPr lang="fr-FR"/>
+          </a:p>
+        </p:txBody>
+      </p:sp>
+      <p:sp>
+        <p:nvSpPr>
+          <p:cNvPr id="45" name="ZoneTexte 44"/>
+          <p:cNvSpPr txBox="1"/>
+          <p:nvPr/>
+        </p:nvSpPr>
+        <p:spPr>
+          <a:xfrm>
+            <a:off x="2623467" y="576939"/>
+            <a:ext cx="228600" cy="276999"/>
+          </a:xfrm>
+          <a:prstGeom prst="rect">
+            <a:avLst/>
+          </a:prstGeom>
+          <a:noFill/>
+        </p:spPr>
+        <p:txBody>
+          <a:bodyPr wrap="square" rtlCol="0">
+            <a:spAutoFit/>
+          </a:bodyPr>
+          <a:lstStyle/>
+          <a:p>
+            <a:r>
+              <a:rPr lang="fr-FR" sz="1200" dirty="0" smtClean="0">
+                <a:solidFill>
+                  <a:schemeClr val="bg1"/>
+                </a:solidFill>
+              </a:rPr>
+              <a:t>B</a:t>
+            </a:r>
+            <a:endParaRPr lang="fr-FR" dirty="0"/>
+          </a:p>
+        </p:txBody>
+      </p:sp>
+    </p:spTree>
+    <p:extLst>
+      <p:ext uri="{BB962C8B-B14F-4D97-AF65-F5344CB8AC3E}">
+        <p14:creationId xmlns:p14="http://schemas.microsoft.com/office/powerpoint/2010/main" val="988292401"/>
+      </p:ext>
+    </p:extLst>
+  </p:cSld>
+  <p:clrMapOvr>
+    <a:masterClrMapping/>
+  </p:clrMapOvr>
+</p:sld>
+</file>
+
+<file path=ppt/slides/slide14.xml><?xml version="1.0" encoding="utf-8"?>
+<p:sld xmlns:a="http://schemas.openxmlformats.org/drawingml/2006/main" xmlns:r="http://schemas.openxmlformats.org/officeDocument/2006/relationships" xmlns:p="http://schemas.openxmlformats.org/presentationml/2006/main">
+  <p:cSld>
+    <p:spTree>
+      <p:nvGrpSpPr>
+        <p:cNvPr id="1" name=""/>
+        <p:cNvGrpSpPr/>
+        <p:nvPr/>
+      </p:nvGrpSpPr>
+      <p:grpSpPr>
+        <a:xfrm>
+          <a:off x="0" y="0"/>
+          <a:ext cx="0" cy="0"/>
+          <a:chOff x="0" y="0"/>
+          <a:chExt cx="0" cy="0"/>
+        </a:xfrm>
+      </p:grpSpPr>
+      <p:sp>
+        <p:nvSpPr>
+          <p:cNvPr id="4" name="Oval 3"/>
+          <p:cNvSpPr/>
+          <p:nvPr/>
+        </p:nvSpPr>
+        <p:spPr>
+          <a:xfrm>
+            <a:off x="5" y="-1"/>
+            <a:ext cx="3600448" cy="3600452"/>
+          </a:xfrm>
+          <a:prstGeom prst="ellipse">
+            <a:avLst/>
+          </a:prstGeom>
+          <a:solidFill>
+            <a:srgbClr val="271569"/>
+          </a:solidFill>
+          <a:ln>
+            <a:noFill/>
+          </a:ln>
+        </p:spPr>
+        <p:style>
+          <a:lnRef idx="2">
+            <a:schemeClr val="accent1">
+              <a:shade val="50000"/>
+            </a:schemeClr>
+          </a:lnRef>
+          <a:fillRef idx="1">
+            <a:schemeClr val="accent1"/>
+          </a:fillRef>
+          <a:effectRef idx="0">
+            <a:schemeClr val="accent1"/>
+          </a:effectRef>
+          <a:fontRef idx="minor">
+            <a:schemeClr val="lt1"/>
+          </a:fontRef>
+        </p:style>
+        <p:txBody>
+          <a:bodyPr rot="0" spcFirstLastPara="0" vertOverflow="overflow" horzOverflow="overflow" vert="horz" wrap="square" lIns="91440" tIns="45720" rIns="91440" bIns="45720" numCol="1" spcCol="0" rtlCol="0" fromWordArt="0" anchor="ctr" anchorCtr="0" forceAA="0" compatLnSpc="1">
+            <a:prstTxWarp prst="textNoShape">
+              <a:avLst/>
+            </a:prstTxWarp>
+            <a:noAutofit/>
+          </a:bodyPr>
+          <a:lstStyle/>
+          <a:p>
+            <a:pPr algn="ctr"/>
+            <a:endParaRPr lang="en-US" sz="334"/>
+          </a:p>
+        </p:txBody>
+      </p:sp>
+      <p:sp>
+        <p:nvSpPr>
+          <p:cNvPr id="8" name="ZoneTexte 7"/>
+          <p:cNvSpPr txBox="1"/>
+          <p:nvPr/>
+        </p:nvSpPr>
+        <p:spPr>
+          <a:xfrm>
+            <a:off x="390489" y="1292393"/>
+            <a:ext cx="2819479" cy="1015663"/>
+          </a:xfrm>
+          <a:prstGeom prst="rect">
+            <a:avLst/>
+          </a:prstGeom>
+          <a:noFill/>
+        </p:spPr>
+        <p:txBody>
+          <a:bodyPr wrap="square" rtlCol="0">
+            <a:spAutoFit/>
+          </a:bodyPr>
+          <a:lstStyle/>
+          <a:p>
+            <a:r>
+              <a:rPr lang="fr-FR" sz="6000" smtClean="0">
+                <a:solidFill>
+                  <a:schemeClr val="bg1"/>
+                </a:solidFill>
+              </a:rPr>
+              <a:t>2 + 2 = 5</a:t>
+            </a:r>
+            <a:endParaRPr lang="fr-FR" sz="3200"/>
+          </a:p>
+        </p:txBody>
+      </p:sp>
+    </p:spTree>
+    <p:extLst>
+      <p:ext uri="{BB962C8B-B14F-4D97-AF65-F5344CB8AC3E}">
+        <p14:creationId xmlns:p14="http://schemas.microsoft.com/office/powerpoint/2010/main" val="380980928"/>
       </p:ext>
     </p:extLst>
   </p:cSld>

--- a/img/mistake/mistake_logos.pptx
+++ b/img/mistake/mistake_logos.pptx
@@ -5,7 +5,7 @@
     <p:sldMasterId id="2147483660" r:id="rId1"/>
   </p:sldMasterIdLst>
   <p:notesMasterIdLst>
-    <p:notesMasterId r:id="rId16"/>
+    <p:notesMasterId r:id="rId19"/>
   </p:notesMasterIdLst>
   <p:sldIdLst>
     <p:sldId id="256" r:id="rId2"/>
@@ -22,6 +22,9 @@
     <p:sldId id="267" r:id="rId13"/>
     <p:sldId id="268" r:id="rId14"/>
     <p:sldId id="269" r:id="rId15"/>
+    <p:sldId id="270" r:id="rId16"/>
+    <p:sldId id="271" r:id="rId17"/>
+    <p:sldId id="272" r:id="rId18"/>
   </p:sldIdLst>
   <p:sldSz cx="3600450" cy="3600450"/>
   <p:notesSz cx="6858000" cy="9144000"/>
@@ -210,7 +213,7 @@
           <a:p>
             <a:fld id="{A29C25AE-20FD-CA4A-8C80-D7AD6B352ECC}" type="datetimeFigureOut">
               <a:rPr lang="en-US" smtClean="0"/>
-              <a:t>5/12/18</a:t>
+              <a:t>5/15/18</a:t>
             </a:fld>
             <a:endParaRPr lang="en-US"/>
           </a:p>
@@ -899,6 +902,382 @@
 </p:notes>
 </file>
 
+<file path=ppt/notesSlides/notesSlide3.xml><?xml version="1.0" encoding="utf-8"?>
+<p:notes xmlns:a="http://schemas.openxmlformats.org/drawingml/2006/main" xmlns:r="http://schemas.openxmlformats.org/officeDocument/2006/relationships" xmlns:p="http://schemas.openxmlformats.org/presentationml/2006/main">
+  <p:cSld>
+    <p:spTree>
+      <p:nvGrpSpPr>
+        <p:cNvPr id="1" name=""/>
+        <p:cNvGrpSpPr/>
+        <p:nvPr/>
+      </p:nvGrpSpPr>
+      <p:grpSpPr>
+        <a:xfrm>
+          <a:off x="0" y="0"/>
+          <a:ext cx="0" cy="0"/>
+          <a:chOff x="0" y="0"/>
+          <a:chExt cx="0" cy="0"/>
+        </a:xfrm>
+      </p:grpSpPr>
+      <p:sp>
+        <p:nvSpPr>
+          <p:cNvPr id="2" name="Espace réservé de l’image des diapositives 1"/>
+          <p:cNvSpPr>
+            <a:spLocks noGrp="1" noRot="1" noChangeAspect="1"/>
+          </p:cNvSpPr>
+          <p:nvPr>
+            <p:ph type="sldImg"/>
+          </p:nvPr>
+        </p:nvSpPr>
+        <p:spPr/>
+      </p:sp>
+      <p:sp>
+        <p:nvSpPr>
+          <p:cNvPr id="3" name="Espace réservé des commentaires 2"/>
+          <p:cNvSpPr>
+            <a:spLocks noGrp="1"/>
+          </p:cNvSpPr>
+          <p:nvPr>
+            <p:ph type="body" idx="1"/>
+          </p:nvPr>
+        </p:nvSpPr>
+        <p:spPr/>
+        <p:txBody>
+          <a:bodyPr/>
+          <a:lstStyle/>
+          <a:p>
+            <a:r>
+              <a:rPr lang="fr-FR" dirty="0" smtClean="0"/>
+              <a:t>Moiré </a:t>
+            </a:r>
+            <a:r>
+              <a:rPr lang="fr-FR" dirty="0" err="1" smtClean="0"/>
+              <a:t>effect</a:t>
+            </a:r>
+            <a:r>
+              <a:rPr lang="fr-FR" dirty="0" smtClean="0"/>
+              <a:t> / </a:t>
+            </a:r>
+            <a:r>
+              <a:rPr lang="fr-FR" dirty="0" err="1" smtClean="0"/>
+              <a:t>cluttered</a:t>
+            </a:r>
+            <a:r>
+              <a:rPr lang="fr-FR" dirty="0" smtClean="0"/>
+              <a:t> </a:t>
+            </a:r>
+            <a:r>
+              <a:rPr lang="fr-FR" dirty="0" err="1" smtClean="0"/>
+              <a:t>barplot</a:t>
+            </a:r>
+            <a:r>
+              <a:rPr lang="fr-FR" dirty="0" smtClean="0"/>
+              <a:t>.</a:t>
+            </a:r>
+          </a:p>
+          <a:p>
+            <a:endParaRPr lang="fr-FR" dirty="0" smtClean="0"/>
+          </a:p>
+          <a:p>
+            <a:r>
+              <a:rPr lang="fr-FR" dirty="0" smtClean="0"/>
+              <a:t>Gros</a:t>
+            </a:r>
+            <a:r>
+              <a:rPr lang="fr-FR" baseline="0" dirty="0" smtClean="0"/>
+              <a:t> </a:t>
+            </a:r>
+            <a:r>
+              <a:rPr lang="fr-FR" baseline="0" dirty="0" err="1" smtClean="0"/>
+              <a:t>barplot</a:t>
+            </a:r>
+            <a:r>
+              <a:rPr lang="fr-FR" baseline="0" dirty="0" smtClean="0"/>
+              <a:t> </a:t>
+            </a:r>
+            <a:r>
+              <a:rPr lang="fr-FR" baseline="0" dirty="0" err="1" smtClean="0"/>
+              <a:t>degueulasse</a:t>
+            </a:r>
+            <a:r>
+              <a:rPr lang="fr-FR" baseline="0" dirty="0" smtClean="0"/>
+              <a:t> </a:t>
+            </a:r>
+            <a:r>
+              <a:rPr lang="fr-FR" baseline="0" dirty="0" smtClean="0">
+                <a:sym typeface="Wingdings"/>
+              </a:rPr>
+              <a:t> </a:t>
+            </a:r>
+            <a:r>
+              <a:rPr lang="fr-FR" baseline="0" dirty="0" err="1" smtClean="0">
+                <a:sym typeface="Wingdings"/>
+              </a:rPr>
+              <a:t>lollipop</a:t>
+            </a:r>
+            <a:r>
+              <a:rPr lang="fr-FR" baseline="0" dirty="0" smtClean="0">
+                <a:sym typeface="Wingdings"/>
+              </a:rPr>
+              <a:t> </a:t>
+            </a:r>
+            <a:r>
+              <a:rPr lang="fr-FR" baseline="0" dirty="0" err="1" smtClean="0">
+                <a:sym typeface="Wingdings"/>
+              </a:rPr>
+              <a:t>instead</a:t>
+            </a:r>
+            <a:endParaRPr lang="fr-FR" smtClean="0"/>
+          </a:p>
+          <a:p>
+            <a:endParaRPr lang="fr-FR"/>
+          </a:p>
+        </p:txBody>
+      </p:sp>
+      <p:sp>
+        <p:nvSpPr>
+          <p:cNvPr id="4" name="Espace réservé du numéro de diapositive 3"/>
+          <p:cNvSpPr>
+            <a:spLocks noGrp="1"/>
+          </p:cNvSpPr>
+          <p:nvPr>
+            <p:ph type="sldNum" sz="quarter" idx="10"/>
+          </p:nvPr>
+        </p:nvSpPr>
+        <p:spPr/>
+        <p:txBody>
+          <a:bodyPr/>
+          <a:lstStyle/>
+          <a:p>
+            <a:fld id="{7831F866-C993-A644-BA4C-5AD247E41B58}" type="slidenum">
+              <a:rPr lang="en-US" smtClean="0"/>
+              <a:t>15</a:t>
+            </a:fld>
+            <a:endParaRPr lang="en-US"/>
+          </a:p>
+        </p:txBody>
+      </p:sp>
+    </p:spTree>
+    <p:extLst>
+      <p:ext uri="{BB962C8B-B14F-4D97-AF65-F5344CB8AC3E}">
+        <p14:creationId xmlns:p14="http://schemas.microsoft.com/office/powerpoint/2010/main" val="1529584544"/>
+      </p:ext>
+    </p:extLst>
+  </p:cSld>
+  <p:clrMapOvr>
+    <a:masterClrMapping/>
+  </p:clrMapOvr>
+</p:notes>
+</file>
+
+<file path=ppt/notesSlides/notesSlide4.xml><?xml version="1.0" encoding="utf-8"?>
+<p:notes xmlns:a="http://schemas.openxmlformats.org/drawingml/2006/main" xmlns:r="http://schemas.openxmlformats.org/officeDocument/2006/relationships" xmlns:p="http://schemas.openxmlformats.org/presentationml/2006/main">
+  <p:cSld>
+    <p:spTree>
+      <p:nvGrpSpPr>
+        <p:cNvPr id="1" name=""/>
+        <p:cNvGrpSpPr/>
+        <p:nvPr/>
+      </p:nvGrpSpPr>
+      <p:grpSpPr>
+        <a:xfrm>
+          <a:off x="0" y="0"/>
+          <a:ext cx="0" cy="0"/>
+          <a:chOff x="0" y="0"/>
+          <a:chExt cx="0" cy="0"/>
+        </a:xfrm>
+      </p:grpSpPr>
+      <p:sp>
+        <p:nvSpPr>
+          <p:cNvPr id="2" name="Espace réservé de l’image des diapositives 1"/>
+          <p:cNvSpPr>
+            <a:spLocks noGrp="1" noRot="1" noChangeAspect="1"/>
+          </p:cNvSpPr>
+          <p:nvPr>
+            <p:ph type="sldImg"/>
+          </p:nvPr>
+        </p:nvSpPr>
+        <p:spPr/>
+      </p:sp>
+      <p:sp>
+        <p:nvSpPr>
+          <p:cNvPr id="3" name="Espace réservé des commentaires 2"/>
+          <p:cNvSpPr>
+            <a:spLocks noGrp="1"/>
+          </p:cNvSpPr>
+          <p:nvPr>
+            <p:ph type="body" idx="1"/>
+          </p:nvPr>
+        </p:nvSpPr>
+        <p:spPr/>
+        <p:txBody>
+          <a:bodyPr/>
+          <a:lstStyle/>
+          <a:p>
+            <a:r>
+              <a:rPr lang="fr-FR" dirty="0" smtClean="0"/>
+              <a:t>The </a:t>
+            </a:r>
+            <a:r>
+              <a:rPr lang="fr-FR" dirty="0" err="1" smtClean="0"/>
+              <a:t>problem</a:t>
+            </a:r>
+            <a:r>
+              <a:rPr lang="fr-FR" dirty="0" smtClean="0"/>
+              <a:t> </a:t>
+            </a:r>
+            <a:r>
+              <a:rPr lang="fr-FR" dirty="0" err="1" smtClean="0"/>
+              <a:t>with</a:t>
+            </a:r>
+            <a:r>
+              <a:rPr lang="fr-FR" dirty="0" smtClean="0"/>
+              <a:t> </a:t>
+            </a:r>
+            <a:r>
+              <a:rPr lang="fr-FR" dirty="0" err="1" smtClean="0"/>
+              <a:t>stacked</a:t>
+            </a:r>
+            <a:r>
+              <a:rPr lang="fr-FR" dirty="0" smtClean="0"/>
+              <a:t> area </a:t>
+            </a:r>
+            <a:r>
+              <a:rPr lang="fr-FR" dirty="0" err="1" smtClean="0"/>
+              <a:t>graphics</a:t>
+            </a:r>
+            <a:r>
+              <a:rPr lang="fr-FR" dirty="0" smtClean="0"/>
+              <a:t>.</a:t>
+            </a:r>
+            <a:endParaRPr lang="fr-FR" dirty="0"/>
+          </a:p>
+        </p:txBody>
+      </p:sp>
+      <p:sp>
+        <p:nvSpPr>
+          <p:cNvPr id="4" name="Espace réservé du numéro de diapositive 3"/>
+          <p:cNvSpPr>
+            <a:spLocks noGrp="1"/>
+          </p:cNvSpPr>
+          <p:nvPr>
+            <p:ph type="sldNum" sz="quarter" idx="10"/>
+          </p:nvPr>
+        </p:nvSpPr>
+        <p:spPr/>
+        <p:txBody>
+          <a:bodyPr/>
+          <a:lstStyle/>
+          <a:p>
+            <a:fld id="{7831F866-C993-A644-BA4C-5AD247E41B58}" type="slidenum">
+              <a:rPr lang="en-US" smtClean="0"/>
+              <a:t>16</a:t>
+            </a:fld>
+            <a:endParaRPr lang="en-US"/>
+          </a:p>
+        </p:txBody>
+      </p:sp>
+    </p:spTree>
+    <p:extLst>
+      <p:ext uri="{BB962C8B-B14F-4D97-AF65-F5344CB8AC3E}">
+        <p14:creationId xmlns:p14="http://schemas.microsoft.com/office/powerpoint/2010/main" val="145110814"/>
+      </p:ext>
+    </p:extLst>
+  </p:cSld>
+  <p:clrMapOvr>
+    <a:masterClrMapping/>
+  </p:clrMapOvr>
+</p:notes>
+</file>
+
+<file path=ppt/notesSlides/notesSlide5.xml><?xml version="1.0" encoding="utf-8"?>
+<p:notes xmlns:a="http://schemas.openxmlformats.org/drawingml/2006/main" xmlns:r="http://schemas.openxmlformats.org/officeDocument/2006/relationships" xmlns:p="http://schemas.openxmlformats.org/presentationml/2006/main">
+  <p:cSld>
+    <p:spTree>
+      <p:nvGrpSpPr>
+        <p:cNvPr id="1" name=""/>
+        <p:cNvGrpSpPr/>
+        <p:nvPr/>
+      </p:nvGrpSpPr>
+      <p:grpSpPr>
+        <a:xfrm>
+          <a:off x="0" y="0"/>
+          <a:ext cx="0" cy="0"/>
+          <a:chOff x="0" y="0"/>
+          <a:chExt cx="0" cy="0"/>
+        </a:xfrm>
+      </p:grpSpPr>
+      <p:sp>
+        <p:nvSpPr>
+          <p:cNvPr id="2" name="Espace réservé de l’image des diapositives 1"/>
+          <p:cNvSpPr>
+            <a:spLocks noGrp="1" noRot="1" noChangeAspect="1"/>
+          </p:cNvSpPr>
+          <p:nvPr>
+            <p:ph type="sldImg"/>
+          </p:nvPr>
+        </p:nvSpPr>
+        <p:spPr/>
+      </p:sp>
+      <p:sp>
+        <p:nvSpPr>
+          <p:cNvPr id="3" name="Espace réservé des commentaires 2"/>
+          <p:cNvSpPr>
+            <a:spLocks noGrp="1"/>
+          </p:cNvSpPr>
+          <p:nvPr>
+            <p:ph type="body" idx="1"/>
+          </p:nvPr>
+        </p:nvSpPr>
+        <p:spPr/>
+        <p:txBody>
+          <a:bodyPr/>
+          <a:lstStyle/>
+          <a:p>
+            <a:r>
+              <a:rPr lang="fr-FR" smtClean="0"/>
+              <a:t>About aspect ratio</a:t>
+            </a:r>
+            <a:endParaRPr lang="fr-FR"/>
+          </a:p>
+        </p:txBody>
+      </p:sp>
+      <p:sp>
+        <p:nvSpPr>
+          <p:cNvPr id="4" name="Espace réservé du numéro de diapositive 3"/>
+          <p:cNvSpPr>
+            <a:spLocks noGrp="1"/>
+          </p:cNvSpPr>
+          <p:nvPr>
+            <p:ph type="sldNum" sz="quarter" idx="10"/>
+          </p:nvPr>
+        </p:nvSpPr>
+        <p:spPr/>
+        <p:txBody>
+          <a:bodyPr/>
+          <a:lstStyle/>
+          <a:p>
+            <a:fld id="{7831F866-C993-A644-BA4C-5AD247E41B58}" type="slidenum">
+              <a:rPr lang="en-US" smtClean="0"/>
+              <a:t>17</a:t>
+            </a:fld>
+            <a:endParaRPr lang="en-US"/>
+          </a:p>
+        </p:txBody>
+      </p:sp>
+    </p:spTree>
+    <p:extLst>
+      <p:ext uri="{BB962C8B-B14F-4D97-AF65-F5344CB8AC3E}">
+        <p14:creationId xmlns:p14="http://schemas.microsoft.com/office/powerpoint/2010/main" val="4529069"/>
+      </p:ext>
+    </p:extLst>
+  </p:cSld>
+  <p:clrMapOvr>
+    <a:masterClrMapping/>
+  </p:clrMapOvr>
+</p:notes>
+</file>
+
 <file path=ppt/slideLayouts/slideLayout1.xml><?xml version="1.0" encoding="utf-8"?>
 <p:sldLayout xmlns:a="http://schemas.openxmlformats.org/drawingml/2006/main" xmlns:r="http://schemas.openxmlformats.org/officeDocument/2006/relationships" xmlns:p="http://schemas.openxmlformats.org/presentationml/2006/main" type="title" preserve="1">
   <p:cSld name="Title Slide">
@@ -1030,7 +1409,7 @@
           <a:p>
             <a:fld id="{59DFCC1F-3322-FD40-8733-43910790F7FA}" type="datetimeFigureOut">
               <a:rPr lang="en-US" smtClean="0"/>
-              <a:t>5/12/18</a:t>
+              <a:t>5/15/18</a:t>
             </a:fld>
             <a:endParaRPr lang="en-US"/>
           </a:p>
@@ -1195,7 +1574,7 @@
           <a:p>
             <a:fld id="{59DFCC1F-3322-FD40-8733-43910790F7FA}" type="datetimeFigureOut">
               <a:rPr lang="en-US" smtClean="0"/>
-              <a:t>5/12/18</a:t>
+              <a:t>5/15/18</a:t>
             </a:fld>
             <a:endParaRPr lang="en-US"/>
           </a:p>
@@ -1370,7 +1749,7 @@
           <a:p>
             <a:fld id="{59DFCC1F-3322-FD40-8733-43910790F7FA}" type="datetimeFigureOut">
               <a:rPr lang="en-US" smtClean="0"/>
-              <a:t>5/12/18</a:t>
+              <a:t>5/15/18</a:t>
             </a:fld>
             <a:endParaRPr lang="en-US"/>
           </a:p>
@@ -1535,7 +1914,7 @@
           <a:p>
             <a:fld id="{59DFCC1F-3322-FD40-8733-43910790F7FA}" type="datetimeFigureOut">
               <a:rPr lang="en-US" smtClean="0"/>
-              <a:t>5/12/18</a:t>
+              <a:t>5/15/18</a:t>
             </a:fld>
             <a:endParaRPr lang="en-US"/>
           </a:p>
@@ -1774,7 +2153,7 @@
           <a:p>
             <a:fld id="{59DFCC1F-3322-FD40-8733-43910790F7FA}" type="datetimeFigureOut">
               <a:rPr lang="en-US" smtClean="0"/>
-              <a:t>5/12/18</a:t>
+              <a:t>5/15/18</a:t>
             </a:fld>
             <a:endParaRPr lang="en-US"/>
           </a:p>
@@ -2001,7 +2380,7 @@
           <a:p>
             <a:fld id="{59DFCC1F-3322-FD40-8733-43910790F7FA}" type="datetimeFigureOut">
               <a:rPr lang="en-US" smtClean="0"/>
-              <a:t>5/12/18</a:t>
+              <a:t>5/15/18</a:t>
             </a:fld>
             <a:endParaRPr lang="en-US"/>
           </a:p>
@@ -2363,7 +2742,7 @@
           <a:p>
             <a:fld id="{59DFCC1F-3322-FD40-8733-43910790F7FA}" type="datetimeFigureOut">
               <a:rPr lang="en-US" smtClean="0"/>
-              <a:t>5/12/18</a:t>
+              <a:t>5/15/18</a:t>
             </a:fld>
             <a:endParaRPr lang="en-US"/>
           </a:p>
@@ -2476,7 +2855,7 @@
           <a:p>
             <a:fld id="{59DFCC1F-3322-FD40-8733-43910790F7FA}" type="datetimeFigureOut">
               <a:rPr lang="en-US" smtClean="0"/>
-              <a:t>5/12/18</a:t>
+              <a:t>5/15/18</a:t>
             </a:fld>
             <a:endParaRPr lang="en-US"/>
           </a:p>
@@ -2566,7 +2945,7 @@
           <a:p>
             <a:fld id="{59DFCC1F-3322-FD40-8733-43910790F7FA}" type="datetimeFigureOut">
               <a:rPr lang="en-US" smtClean="0"/>
-              <a:t>5/12/18</a:t>
+              <a:t>5/15/18</a:t>
             </a:fld>
             <a:endParaRPr lang="en-US"/>
           </a:p>
@@ -2838,7 +3217,7 @@
           <a:p>
             <a:fld id="{59DFCC1F-3322-FD40-8733-43910790F7FA}" type="datetimeFigureOut">
               <a:rPr lang="en-US" smtClean="0"/>
-              <a:t>5/12/18</a:t>
+              <a:t>5/15/18</a:t>
             </a:fld>
             <a:endParaRPr lang="en-US"/>
           </a:p>
@@ -3090,7 +3469,7 @@
           <a:p>
             <a:fld id="{59DFCC1F-3322-FD40-8733-43910790F7FA}" type="datetimeFigureOut">
               <a:rPr lang="en-US" smtClean="0"/>
-              <a:t>5/12/18</a:t>
+              <a:t>5/15/18</a:t>
             </a:fld>
             <a:endParaRPr lang="en-US"/>
           </a:p>
@@ -3298,7 +3677,7 @@
           <a:p>
             <a:fld id="{59DFCC1F-3322-FD40-8733-43910790F7FA}" type="datetimeFigureOut">
               <a:rPr lang="en-US" smtClean="0"/>
-              <a:t>5/12/18</a:t>
+              <a:t>5/15/18</a:t>
             </a:fld>
             <a:endParaRPr lang="en-US"/>
           </a:p>
@@ -5957,6 +6336,312 @@
     <p:extLst>
       <p:ext uri="{BB962C8B-B14F-4D97-AF65-F5344CB8AC3E}">
         <p14:creationId xmlns:p14="http://schemas.microsoft.com/office/powerpoint/2010/main" val="380980928"/>
+      </p:ext>
+    </p:extLst>
+  </p:cSld>
+  <p:clrMapOvr>
+    <a:masterClrMapping/>
+  </p:clrMapOvr>
+</p:sld>
+</file>
+
+<file path=ppt/slides/slide15.xml><?xml version="1.0" encoding="utf-8"?>
+<p:sld xmlns:a="http://schemas.openxmlformats.org/drawingml/2006/main" xmlns:r="http://schemas.openxmlformats.org/officeDocument/2006/relationships" xmlns:p="http://schemas.openxmlformats.org/presentationml/2006/main">
+  <p:cSld>
+    <p:spTree>
+      <p:nvGrpSpPr>
+        <p:cNvPr id="1" name=""/>
+        <p:cNvGrpSpPr/>
+        <p:nvPr/>
+      </p:nvGrpSpPr>
+      <p:grpSpPr>
+        <a:xfrm>
+          <a:off x="0" y="0"/>
+          <a:ext cx="0" cy="0"/>
+          <a:chOff x="0" y="0"/>
+          <a:chExt cx="0" cy="0"/>
+        </a:xfrm>
+      </p:grpSpPr>
+      <p:sp>
+        <p:nvSpPr>
+          <p:cNvPr id="2" name="Titre 1"/>
+          <p:cNvSpPr>
+            <a:spLocks noGrp="1"/>
+          </p:cNvSpPr>
+          <p:nvPr>
+            <p:ph type="title"/>
+          </p:nvPr>
+        </p:nvSpPr>
+        <p:spPr/>
+        <p:txBody>
+          <a:bodyPr/>
+          <a:lstStyle/>
+          <a:p>
+            <a:endParaRPr lang="fr-FR"/>
+          </a:p>
+        </p:txBody>
+      </p:sp>
+      <p:sp>
+        <p:nvSpPr>
+          <p:cNvPr id="3" name="Espace réservé du contenu 2"/>
+          <p:cNvSpPr>
+            <a:spLocks noGrp="1"/>
+          </p:cNvSpPr>
+          <p:nvPr>
+            <p:ph idx="1"/>
+          </p:nvPr>
+        </p:nvSpPr>
+        <p:spPr/>
+        <p:txBody>
+          <a:bodyPr/>
+          <a:lstStyle/>
+          <a:p>
+            <a:endParaRPr lang="fr-FR"/>
+          </a:p>
+        </p:txBody>
+      </p:sp>
+      <p:sp>
+        <p:nvSpPr>
+          <p:cNvPr id="4" name="Rectangle 3"/>
+          <p:cNvSpPr/>
+          <p:nvPr/>
+        </p:nvSpPr>
+        <p:spPr>
+          <a:xfrm>
+            <a:off x="900113" y="1597093"/>
+            <a:ext cx="1800225" cy="406265"/>
+          </a:xfrm>
+          <a:prstGeom prst="rect">
+            <a:avLst/>
+          </a:prstGeom>
+        </p:spPr>
+        <p:txBody>
+          <a:bodyPr>
+            <a:spAutoFit/>
+          </a:bodyPr>
+          <a:lstStyle/>
+          <a:p>
+            <a:r>
+              <a:rPr lang="fr-FR" dirty="0"/>
+              <a:t>Moiré </a:t>
+            </a:r>
+            <a:r>
+              <a:rPr lang="fr-FR" dirty="0" err="1"/>
+              <a:t>effect</a:t>
+            </a:r>
+            <a:r>
+              <a:rPr lang="fr-FR" dirty="0"/>
+              <a:t> / </a:t>
+            </a:r>
+            <a:r>
+              <a:rPr lang="fr-FR" dirty="0" err="1"/>
+              <a:t>cluttered</a:t>
+            </a:r>
+            <a:r>
+              <a:rPr lang="fr-FR" dirty="0"/>
+              <a:t> </a:t>
+            </a:r>
+            <a:r>
+              <a:rPr lang="fr-FR" dirty="0" err="1"/>
+              <a:t>barplot</a:t>
+            </a:r>
+            <a:r>
+              <a:rPr lang="fr-FR" dirty="0"/>
+              <a:t>.</a:t>
+            </a:r>
+          </a:p>
+          <a:p>
+            <a:endParaRPr lang="fr-FR" dirty="0"/>
+          </a:p>
+          <a:p>
+            <a:r>
+              <a:rPr lang="fr-FR" dirty="0"/>
+              <a:t>Gros </a:t>
+            </a:r>
+            <a:r>
+              <a:rPr lang="fr-FR" dirty="0" err="1"/>
+              <a:t>barplot</a:t>
+            </a:r>
+            <a:r>
+              <a:rPr lang="fr-FR" dirty="0"/>
+              <a:t> </a:t>
+            </a:r>
+            <a:r>
+              <a:rPr lang="fr-FR" dirty="0" err="1"/>
+              <a:t>degueulasse</a:t>
+            </a:r>
+            <a:r>
+              <a:rPr lang="fr-FR" dirty="0"/>
+              <a:t> </a:t>
+            </a:r>
+            <a:r>
+              <a:rPr lang="fr-FR" dirty="0">
+                <a:sym typeface="Wingdings"/>
+              </a:rPr>
+              <a:t> </a:t>
+            </a:r>
+            <a:r>
+              <a:rPr lang="fr-FR" dirty="0" err="1">
+                <a:sym typeface="Wingdings"/>
+              </a:rPr>
+              <a:t>lollipop</a:t>
+            </a:r>
+            <a:r>
+              <a:rPr lang="fr-FR" dirty="0">
+                <a:sym typeface="Wingdings"/>
+              </a:rPr>
+              <a:t> </a:t>
+            </a:r>
+            <a:r>
+              <a:rPr lang="fr-FR" dirty="0" err="1">
+                <a:sym typeface="Wingdings"/>
+              </a:rPr>
+              <a:t>instead</a:t>
+            </a:r>
+            <a:endParaRPr lang="fr-FR" dirty="0"/>
+          </a:p>
+        </p:txBody>
+      </p:sp>
+    </p:spTree>
+    <p:extLst>
+      <p:ext uri="{BB962C8B-B14F-4D97-AF65-F5344CB8AC3E}">
+        <p14:creationId xmlns:p14="http://schemas.microsoft.com/office/powerpoint/2010/main" val="1950203366"/>
+      </p:ext>
+    </p:extLst>
+  </p:cSld>
+  <p:clrMapOvr>
+    <a:masterClrMapping/>
+  </p:clrMapOvr>
+</p:sld>
+</file>
+
+<file path=ppt/slides/slide16.xml><?xml version="1.0" encoding="utf-8"?>
+<p:sld xmlns:a="http://schemas.openxmlformats.org/drawingml/2006/main" xmlns:r="http://schemas.openxmlformats.org/officeDocument/2006/relationships" xmlns:p="http://schemas.openxmlformats.org/presentationml/2006/main">
+  <p:cSld>
+    <p:spTree>
+      <p:nvGrpSpPr>
+        <p:cNvPr id="1" name=""/>
+        <p:cNvGrpSpPr/>
+        <p:nvPr/>
+      </p:nvGrpSpPr>
+      <p:grpSpPr>
+        <a:xfrm>
+          <a:off x="0" y="0"/>
+          <a:ext cx="0" cy="0"/>
+          <a:chOff x="0" y="0"/>
+          <a:chExt cx="0" cy="0"/>
+        </a:xfrm>
+      </p:grpSpPr>
+      <p:sp>
+        <p:nvSpPr>
+          <p:cNvPr id="2" name="Titre 1"/>
+          <p:cNvSpPr>
+            <a:spLocks noGrp="1"/>
+          </p:cNvSpPr>
+          <p:nvPr>
+            <p:ph type="title"/>
+          </p:nvPr>
+        </p:nvSpPr>
+        <p:spPr/>
+        <p:txBody>
+          <a:bodyPr/>
+          <a:lstStyle/>
+          <a:p>
+            <a:endParaRPr lang="fr-FR"/>
+          </a:p>
+        </p:txBody>
+      </p:sp>
+      <p:sp>
+        <p:nvSpPr>
+          <p:cNvPr id="3" name="Espace réservé du contenu 2"/>
+          <p:cNvSpPr>
+            <a:spLocks noGrp="1"/>
+          </p:cNvSpPr>
+          <p:nvPr>
+            <p:ph idx="1"/>
+          </p:nvPr>
+        </p:nvSpPr>
+        <p:spPr/>
+        <p:txBody>
+          <a:bodyPr/>
+          <a:lstStyle/>
+          <a:p>
+            <a:endParaRPr lang="fr-FR"/>
+          </a:p>
+        </p:txBody>
+      </p:sp>
+    </p:spTree>
+    <p:extLst>
+      <p:ext uri="{BB962C8B-B14F-4D97-AF65-F5344CB8AC3E}">
+        <p14:creationId xmlns:p14="http://schemas.microsoft.com/office/powerpoint/2010/main" val="847758037"/>
+      </p:ext>
+    </p:extLst>
+  </p:cSld>
+  <p:clrMapOvr>
+    <a:masterClrMapping/>
+  </p:clrMapOvr>
+</p:sld>
+</file>
+
+<file path=ppt/slides/slide17.xml><?xml version="1.0" encoding="utf-8"?>
+<p:sld xmlns:a="http://schemas.openxmlformats.org/drawingml/2006/main" xmlns:r="http://schemas.openxmlformats.org/officeDocument/2006/relationships" xmlns:p="http://schemas.openxmlformats.org/presentationml/2006/main">
+  <p:cSld>
+    <p:spTree>
+      <p:nvGrpSpPr>
+        <p:cNvPr id="1" name=""/>
+        <p:cNvGrpSpPr/>
+        <p:nvPr/>
+      </p:nvGrpSpPr>
+      <p:grpSpPr>
+        <a:xfrm>
+          <a:off x="0" y="0"/>
+          <a:ext cx="0" cy="0"/>
+          <a:chOff x="0" y="0"/>
+          <a:chExt cx="0" cy="0"/>
+        </a:xfrm>
+      </p:grpSpPr>
+      <p:sp>
+        <p:nvSpPr>
+          <p:cNvPr id="2" name="Titre 1"/>
+          <p:cNvSpPr>
+            <a:spLocks noGrp="1"/>
+          </p:cNvSpPr>
+          <p:nvPr>
+            <p:ph type="title"/>
+          </p:nvPr>
+        </p:nvSpPr>
+        <p:spPr/>
+        <p:txBody>
+          <a:bodyPr/>
+          <a:lstStyle/>
+          <a:p>
+            <a:endParaRPr lang="fr-FR"/>
+          </a:p>
+        </p:txBody>
+      </p:sp>
+      <p:sp>
+        <p:nvSpPr>
+          <p:cNvPr id="3" name="Espace réservé du contenu 2"/>
+          <p:cNvSpPr>
+            <a:spLocks noGrp="1"/>
+          </p:cNvSpPr>
+          <p:nvPr>
+            <p:ph idx="1"/>
+          </p:nvPr>
+        </p:nvSpPr>
+        <p:spPr/>
+        <p:txBody>
+          <a:bodyPr/>
+          <a:lstStyle/>
+          <a:p>
+            <a:endParaRPr lang="fr-FR"/>
+          </a:p>
+        </p:txBody>
+      </p:sp>
+    </p:spTree>
+    <p:extLst>
+      <p:ext uri="{BB962C8B-B14F-4D97-AF65-F5344CB8AC3E}">
+        <p14:creationId xmlns:p14="http://schemas.microsoft.com/office/powerpoint/2010/main" val="1673167727"/>
       </p:ext>
     </p:extLst>
   </p:cSld>

--- a/img/mistake/mistake_logos.pptx
+++ b/img/mistake/mistake_logos.pptx
@@ -5,7 +5,7 @@
     <p:sldMasterId id="2147483660" r:id="rId1"/>
   </p:sldMasterIdLst>
   <p:notesMasterIdLst>
-    <p:notesMasterId r:id="rId19"/>
+    <p:notesMasterId r:id="rId31"/>
   </p:notesMasterIdLst>
   <p:sldIdLst>
     <p:sldId id="256" r:id="rId2"/>
@@ -22,9 +22,21 @@
     <p:sldId id="267" r:id="rId13"/>
     <p:sldId id="268" r:id="rId14"/>
     <p:sldId id="269" r:id="rId15"/>
-    <p:sldId id="270" r:id="rId16"/>
+    <p:sldId id="273" r:id="rId16"/>
     <p:sldId id="271" r:id="rId17"/>
-    <p:sldId id="272" r:id="rId18"/>
+    <p:sldId id="274" r:id="rId18"/>
+    <p:sldId id="275" r:id="rId19"/>
+    <p:sldId id="276" r:id="rId20"/>
+    <p:sldId id="277" r:id="rId21"/>
+    <p:sldId id="278" r:id="rId22"/>
+    <p:sldId id="279" r:id="rId23"/>
+    <p:sldId id="281" r:id="rId24"/>
+    <p:sldId id="282" r:id="rId25"/>
+    <p:sldId id="283" r:id="rId26"/>
+    <p:sldId id="290" r:id="rId27"/>
+    <p:sldId id="285" r:id="rId28"/>
+    <p:sldId id="291" r:id="rId29"/>
+    <p:sldId id="292" r:id="rId30"/>
   </p:sldIdLst>
   <p:sldSz cx="3600450" cy="3600450"/>
   <p:notesSz cx="6858000" cy="9144000"/>
@@ -213,7 +225,7 @@
           <a:p>
             <a:fld id="{A29C25AE-20FD-CA4A-8C80-D7AD6B352ECC}" type="datetimeFigureOut">
               <a:rPr lang="en-US" smtClean="0"/>
-              <a:t>5/15/18</a:t>
+              <a:t>5/24/18</a:t>
             </a:fld>
             <a:endParaRPr lang="en-US"/>
           </a:p>
@@ -500,6 +512,112 @@
       </p:grpSpPr>
       <p:sp>
         <p:nvSpPr>
+          <p:cNvPr id="2" name="Slide Image Placeholder 1"/>
+          <p:cNvSpPr>
+            <a:spLocks noGrp="1" noRot="1" noChangeAspect="1"/>
+          </p:cNvSpPr>
+          <p:nvPr>
+            <p:ph type="sldImg"/>
+          </p:nvPr>
+        </p:nvSpPr>
+        <p:spPr/>
+      </p:sp>
+      <p:sp>
+        <p:nvSpPr>
+          <p:cNvPr id="3" name="Notes Placeholder 2"/>
+          <p:cNvSpPr>
+            <a:spLocks noGrp="1"/>
+          </p:cNvSpPr>
+          <p:nvPr>
+            <p:ph type="body" idx="1"/>
+          </p:nvPr>
+        </p:nvSpPr>
+        <p:spPr/>
+        <p:txBody>
+          <a:bodyPr/>
+          <a:lstStyle/>
+          <a:p>
+            <a:r>
+              <a:rPr lang="en-US" dirty="0" smtClean="0"/>
+              <a:t>https://</a:t>
+            </a:r>
+            <a:r>
+              <a:rPr lang="en-US" dirty="0" err="1" smtClean="0"/>
+              <a:t>www.autodeskresearch.com</a:t>
+            </a:r>
+            <a:r>
+              <a:rPr lang="en-US" dirty="0" smtClean="0"/>
+              <a:t>/publications/</a:t>
+            </a:r>
+            <a:r>
+              <a:rPr lang="en-US" dirty="0" err="1" smtClean="0"/>
+              <a:t>samestats</a:t>
+            </a:r>
+            <a:endParaRPr lang="en-US" dirty="0" smtClean="0"/>
+          </a:p>
+          <a:p>
+            <a:endParaRPr lang="en-US" smtClean="0"/>
+          </a:p>
+          <a:p>
+            <a:endParaRPr lang="en-US"/>
+          </a:p>
+        </p:txBody>
+      </p:sp>
+      <p:sp>
+        <p:nvSpPr>
+          <p:cNvPr id="4" name="Slide Number Placeholder 3"/>
+          <p:cNvSpPr>
+            <a:spLocks noGrp="1"/>
+          </p:cNvSpPr>
+          <p:nvPr>
+            <p:ph type="sldNum" sz="quarter" idx="10"/>
+          </p:nvPr>
+        </p:nvSpPr>
+        <p:spPr/>
+        <p:txBody>
+          <a:bodyPr/>
+          <a:lstStyle/>
+          <a:p>
+            <a:fld id="{7831F866-C993-A644-BA4C-5AD247E41B58}" type="slidenum">
+              <a:rPr lang="en-US" smtClean="0"/>
+              <a:t>11</a:t>
+            </a:fld>
+            <a:endParaRPr lang="en-US"/>
+          </a:p>
+        </p:txBody>
+      </p:sp>
+    </p:spTree>
+    <p:extLst>
+      <p:ext uri="{BB962C8B-B14F-4D97-AF65-F5344CB8AC3E}">
+        <p14:creationId xmlns:p14="http://schemas.microsoft.com/office/powerpoint/2010/main" val="1349493673"/>
+      </p:ext>
+    </p:extLst>
+  </p:cSld>
+  <p:clrMapOvr>
+    <a:masterClrMapping/>
+  </p:clrMapOvr>
+</p:notes>
+</file>
+
+<file path=ppt/notesSlides/notesSlide10.xml><?xml version="1.0" encoding="utf-8"?>
+<p:notes xmlns:a="http://schemas.openxmlformats.org/drawingml/2006/main" xmlns:r="http://schemas.openxmlformats.org/officeDocument/2006/relationships" xmlns:p="http://schemas.openxmlformats.org/presentationml/2006/main">
+  <p:cSld>
+    <p:spTree>
+      <p:nvGrpSpPr>
+        <p:cNvPr id="1" name=""/>
+        <p:cNvGrpSpPr/>
+        <p:nvPr/>
+      </p:nvGrpSpPr>
+      <p:grpSpPr>
+        <a:xfrm>
+          <a:off x="0" y="0"/>
+          <a:ext cx="0" cy="0"/>
+          <a:chOff x="0" y="0"/>
+          <a:chExt cx="0" cy="0"/>
+        </a:xfrm>
+      </p:grpSpPr>
+      <p:sp>
+        <p:nvSpPr>
           <p:cNvPr id="2" name="Espace réservé de l’image des diapositives 1"/>
           <p:cNvSpPr>
             <a:spLocks noGrp="1" noRot="1" noChangeAspect="1"/>
@@ -525,51 +643,36 @@
           <a:bodyPr/>
           <a:lstStyle/>
           <a:p>
+            <a:pPr marL="0" marR="0" indent="0" algn="l" defTabSz="345560" rtl="0" eaLnBrk="1" fontAlgn="auto" latinLnBrk="0" hangingPunct="1">
+              <a:lnSpc>
+                <a:spcPct val="100000"/>
+              </a:lnSpc>
+              <a:spcBef>
+                <a:spcPts val="0"/>
+              </a:spcBef>
+              <a:spcAft>
+                <a:spcPts val="0"/>
+              </a:spcAft>
+              <a:buClrTx/>
+              <a:buSzTx/>
+              <a:buFontTx/>
+              <a:buNone/>
+              <a:tabLst/>
+              <a:defRPr/>
+            </a:pPr>
+            <a:r>
+              <a:rPr lang="fr-FR" dirty="0" smtClean="0"/>
+              <a:t>3D: are </a:t>
+            </a:r>
             <a:r>
               <a:rPr lang="fr-FR" dirty="0" err="1" smtClean="0"/>
-              <a:t>See</a:t>
+              <a:t>you</a:t>
             </a:r>
             <a:r>
               <a:rPr lang="fr-FR" dirty="0" smtClean="0"/>
-              <a:t> http://</a:t>
-            </a:r>
-            <a:r>
-              <a:rPr lang="fr-FR" dirty="0" err="1" smtClean="0"/>
-              <a:t>viz.wtf</a:t>
-            </a:r>
-            <a:r>
-              <a:rPr lang="fr-FR" dirty="0" smtClean="0"/>
-              <a:t>/post/170949426657/new-marketing-email-</a:t>
-            </a:r>
-            <a:r>
-              <a:rPr lang="fr-FR" dirty="0" err="1" smtClean="0"/>
-              <a:t>from</a:t>
-            </a:r>
-            <a:r>
-              <a:rPr lang="fr-FR" dirty="0" smtClean="0"/>
-              <a:t>-</a:t>
-            </a:r>
-            <a:r>
-              <a:rPr lang="fr-FR" dirty="0" err="1" smtClean="0"/>
-              <a:t>google</a:t>
-            </a:r>
-            <a:r>
-              <a:rPr lang="fr-FR" dirty="0" smtClean="0"/>
-              <a:t>-email-design</a:t>
-            </a:r>
-            <a:r>
-              <a:rPr lang="fr-FR" baseline="0" dirty="0" smtClean="0"/>
-              <a:t> pour un </a:t>
-            </a:r>
-            <a:r>
-              <a:rPr lang="fr-FR" baseline="0" dirty="0" err="1" smtClean="0"/>
-              <a:t>doghnut</a:t>
-            </a:r>
-            <a:r>
-              <a:rPr lang="fr-FR" baseline="0" dirty="0" smtClean="0"/>
-              <a:t> trompeur</a:t>
-            </a:r>
-            <a:endParaRPr lang="fr-FR" dirty="0" smtClean="0"/>
+              <a:t> sure?</a:t>
+            </a:r>
+            <a:endParaRPr lang="fr-FR" dirty="0"/>
           </a:p>
         </p:txBody>
       </p:sp>
@@ -590,7 +693,7 @@
           <a:p>
             <a:fld id="{7831F866-C993-A644-BA4C-5AD247E41B58}" type="slidenum">
               <a:rPr lang="en-US" smtClean="0"/>
-              <a:t>12</a:t>
+              <a:t>21</a:t>
             </a:fld>
             <a:endParaRPr lang="en-US"/>
           </a:p>
@@ -599,7 +702,1110 @@
     </p:spTree>
     <p:extLst>
       <p:ext uri="{BB962C8B-B14F-4D97-AF65-F5344CB8AC3E}">
-        <p14:creationId xmlns:p14="http://schemas.microsoft.com/office/powerpoint/2010/main" val="290159426"/>
+        <p14:creationId xmlns:p14="http://schemas.microsoft.com/office/powerpoint/2010/main" val="1985226751"/>
+      </p:ext>
+    </p:extLst>
+  </p:cSld>
+  <p:clrMapOvr>
+    <a:masterClrMapping/>
+  </p:clrMapOvr>
+</p:notes>
+</file>
+
+<file path=ppt/notesSlides/notesSlide11.xml><?xml version="1.0" encoding="utf-8"?>
+<p:notes xmlns:a="http://schemas.openxmlformats.org/drawingml/2006/main" xmlns:r="http://schemas.openxmlformats.org/officeDocument/2006/relationships" xmlns:p="http://schemas.openxmlformats.org/presentationml/2006/main">
+  <p:cSld>
+    <p:spTree>
+      <p:nvGrpSpPr>
+        <p:cNvPr id="1" name=""/>
+        <p:cNvGrpSpPr/>
+        <p:nvPr/>
+      </p:nvGrpSpPr>
+      <p:grpSpPr>
+        <a:xfrm>
+          <a:off x="0" y="0"/>
+          <a:ext cx="0" cy="0"/>
+          <a:chOff x="0" y="0"/>
+          <a:chExt cx="0" cy="0"/>
+        </a:xfrm>
+      </p:grpSpPr>
+      <p:sp>
+        <p:nvSpPr>
+          <p:cNvPr id="2" name="Espace réservé de l’image des diapositives 1"/>
+          <p:cNvSpPr>
+            <a:spLocks noGrp="1" noRot="1" noChangeAspect="1"/>
+          </p:cNvSpPr>
+          <p:nvPr>
+            <p:ph type="sldImg"/>
+          </p:nvPr>
+        </p:nvSpPr>
+        <p:spPr/>
+      </p:sp>
+      <p:sp>
+        <p:nvSpPr>
+          <p:cNvPr id="3" name="Espace réservé des commentaires 2"/>
+          <p:cNvSpPr>
+            <a:spLocks noGrp="1"/>
+          </p:cNvSpPr>
+          <p:nvPr>
+            <p:ph type="body" idx="1"/>
+          </p:nvPr>
+        </p:nvSpPr>
+        <p:spPr/>
+        <p:txBody>
+          <a:bodyPr/>
+          <a:lstStyle/>
+          <a:p>
+            <a:pPr marL="0" marR="0" indent="0" algn="l" defTabSz="345560" rtl="0" eaLnBrk="1" fontAlgn="auto" latinLnBrk="0" hangingPunct="1">
+              <a:lnSpc>
+                <a:spcPct val="100000"/>
+              </a:lnSpc>
+              <a:spcBef>
+                <a:spcPts val="0"/>
+              </a:spcBef>
+              <a:spcAft>
+                <a:spcPts val="0"/>
+              </a:spcAft>
+              <a:buClrTx/>
+              <a:buSzTx/>
+              <a:buFontTx/>
+              <a:buNone/>
+              <a:tabLst/>
+              <a:defRPr/>
+            </a:pPr>
+            <a:r>
+              <a:rPr lang="fr-FR" dirty="0" smtClean="0"/>
+              <a:t>Aspect ratio</a:t>
+            </a:r>
+            <a:endParaRPr lang="fr-FR" dirty="0"/>
+          </a:p>
+        </p:txBody>
+      </p:sp>
+      <p:sp>
+        <p:nvSpPr>
+          <p:cNvPr id="4" name="Espace réservé du numéro de diapositive 3"/>
+          <p:cNvSpPr>
+            <a:spLocks noGrp="1"/>
+          </p:cNvSpPr>
+          <p:nvPr>
+            <p:ph type="sldNum" sz="quarter" idx="10"/>
+          </p:nvPr>
+        </p:nvSpPr>
+        <p:spPr/>
+        <p:txBody>
+          <a:bodyPr/>
+          <a:lstStyle/>
+          <a:p>
+            <a:fld id="{7831F866-C993-A644-BA4C-5AD247E41B58}" type="slidenum">
+              <a:rPr lang="en-US" smtClean="0"/>
+              <a:t>22</a:t>
+            </a:fld>
+            <a:endParaRPr lang="en-US"/>
+          </a:p>
+        </p:txBody>
+      </p:sp>
+    </p:spTree>
+    <p:extLst>
+      <p:ext uri="{BB962C8B-B14F-4D97-AF65-F5344CB8AC3E}">
+        <p14:creationId xmlns:p14="http://schemas.microsoft.com/office/powerpoint/2010/main" val="433138943"/>
+      </p:ext>
+    </p:extLst>
+  </p:cSld>
+  <p:clrMapOvr>
+    <a:masterClrMapping/>
+  </p:clrMapOvr>
+</p:notes>
+</file>
+
+<file path=ppt/notesSlides/notesSlide12.xml><?xml version="1.0" encoding="utf-8"?>
+<p:notes xmlns:a="http://schemas.openxmlformats.org/drawingml/2006/main" xmlns:r="http://schemas.openxmlformats.org/officeDocument/2006/relationships" xmlns:p="http://schemas.openxmlformats.org/presentationml/2006/main">
+  <p:cSld>
+    <p:spTree>
+      <p:nvGrpSpPr>
+        <p:cNvPr id="1" name=""/>
+        <p:cNvGrpSpPr/>
+        <p:nvPr/>
+      </p:nvGrpSpPr>
+      <p:grpSpPr>
+        <a:xfrm>
+          <a:off x="0" y="0"/>
+          <a:ext cx="0" cy="0"/>
+          <a:chOff x="0" y="0"/>
+          <a:chExt cx="0" cy="0"/>
+        </a:xfrm>
+      </p:grpSpPr>
+      <p:sp>
+        <p:nvSpPr>
+          <p:cNvPr id="2" name="Espace réservé de l’image des diapositives 1"/>
+          <p:cNvSpPr>
+            <a:spLocks noGrp="1" noRot="1" noChangeAspect="1"/>
+          </p:cNvSpPr>
+          <p:nvPr>
+            <p:ph type="sldImg"/>
+          </p:nvPr>
+        </p:nvSpPr>
+        <p:spPr/>
+      </p:sp>
+      <p:sp>
+        <p:nvSpPr>
+          <p:cNvPr id="3" name="Espace réservé des commentaires 2"/>
+          <p:cNvSpPr>
+            <a:spLocks noGrp="1"/>
+          </p:cNvSpPr>
+          <p:nvPr>
+            <p:ph type="body" idx="1"/>
+          </p:nvPr>
+        </p:nvSpPr>
+        <p:spPr/>
+        <p:txBody>
+          <a:bodyPr/>
+          <a:lstStyle/>
+          <a:p>
+            <a:r>
+              <a:rPr lang="fr-FR" dirty="0" smtClean="0"/>
+              <a:t>The </a:t>
+            </a:r>
+            <a:r>
+              <a:rPr lang="fr-FR" dirty="0" err="1" smtClean="0"/>
+              <a:t>problem</a:t>
+            </a:r>
+            <a:r>
+              <a:rPr lang="fr-FR" dirty="0" smtClean="0"/>
+              <a:t> </a:t>
+            </a:r>
+            <a:r>
+              <a:rPr lang="fr-FR" dirty="0" err="1" smtClean="0"/>
+              <a:t>with</a:t>
+            </a:r>
+            <a:r>
+              <a:rPr lang="fr-FR" dirty="0" smtClean="0"/>
+              <a:t> </a:t>
+            </a:r>
+            <a:r>
+              <a:rPr lang="fr-FR" dirty="0" err="1" smtClean="0"/>
+              <a:t>stacking</a:t>
+            </a:r>
+            <a:endParaRPr lang="fr-FR" dirty="0"/>
+          </a:p>
+        </p:txBody>
+      </p:sp>
+      <p:sp>
+        <p:nvSpPr>
+          <p:cNvPr id="4" name="Espace réservé du numéro de diapositive 3"/>
+          <p:cNvSpPr>
+            <a:spLocks noGrp="1"/>
+          </p:cNvSpPr>
+          <p:nvPr>
+            <p:ph type="sldNum" sz="quarter" idx="10"/>
+          </p:nvPr>
+        </p:nvSpPr>
+        <p:spPr/>
+        <p:txBody>
+          <a:bodyPr/>
+          <a:lstStyle/>
+          <a:p>
+            <a:fld id="{7831F866-C993-A644-BA4C-5AD247E41B58}" type="slidenum">
+              <a:rPr lang="en-US" smtClean="0"/>
+              <a:t>23</a:t>
+            </a:fld>
+            <a:endParaRPr lang="en-US"/>
+          </a:p>
+        </p:txBody>
+      </p:sp>
+    </p:spTree>
+    <p:extLst>
+      <p:ext uri="{BB962C8B-B14F-4D97-AF65-F5344CB8AC3E}">
+        <p14:creationId xmlns:p14="http://schemas.microsoft.com/office/powerpoint/2010/main" val="226647971"/>
+      </p:ext>
+    </p:extLst>
+  </p:cSld>
+  <p:clrMapOvr>
+    <a:masterClrMapping/>
+  </p:clrMapOvr>
+</p:notes>
+</file>
+
+<file path=ppt/notesSlides/notesSlide13.xml><?xml version="1.0" encoding="utf-8"?>
+<p:notes xmlns:a="http://schemas.openxmlformats.org/drawingml/2006/main" xmlns:r="http://schemas.openxmlformats.org/officeDocument/2006/relationships" xmlns:p="http://schemas.openxmlformats.org/presentationml/2006/main">
+  <p:cSld>
+    <p:spTree>
+      <p:nvGrpSpPr>
+        <p:cNvPr id="1" name=""/>
+        <p:cNvGrpSpPr/>
+        <p:nvPr/>
+      </p:nvGrpSpPr>
+      <p:grpSpPr>
+        <a:xfrm>
+          <a:off x="0" y="0"/>
+          <a:ext cx="0" cy="0"/>
+          <a:chOff x="0" y="0"/>
+          <a:chExt cx="0" cy="0"/>
+        </a:xfrm>
+      </p:grpSpPr>
+      <p:sp>
+        <p:nvSpPr>
+          <p:cNvPr id="2" name="Espace réservé de l’image des diapositives 1"/>
+          <p:cNvSpPr>
+            <a:spLocks noGrp="1" noRot="1" noChangeAspect="1"/>
+          </p:cNvSpPr>
+          <p:nvPr>
+            <p:ph type="sldImg"/>
+          </p:nvPr>
+        </p:nvSpPr>
+        <p:spPr/>
+      </p:sp>
+      <p:sp>
+        <p:nvSpPr>
+          <p:cNvPr id="3" name="Espace réservé des commentaires 2"/>
+          <p:cNvSpPr>
+            <a:spLocks noGrp="1"/>
+          </p:cNvSpPr>
+          <p:nvPr>
+            <p:ph type="body" idx="1"/>
+          </p:nvPr>
+        </p:nvSpPr>
+        <p:spPr/>
+        <p:txBody>
+          <a:bodyPr/>
+          <a:lstStyle/>
+          <a:p>
+            <a:r>
+              <a:rPr lang="fr-FR" sz="454" kern="1200" dirty="0" err="1" smtClean="0">
+                <a:solidFill>
+                  <a:schemeClr val="tx1"/>
+                </a:solidFill>
+                <a:effectLst/>
+                <a:latin typeface="+mn-lt"/>
+                <a:ea typeface="+mn-ea"/>
+                <a:cs typeface="+mn-cs"/>
+              </a:rPr>
+              <a:t>Don’t</a:t>
+            </a:r>
+            <a:r>
+              <a:rPr lang="fr-FR" sz="454" kern="1200" dirty="0" smtClean="0">
+                <a:solidFill>
+                  <a:schemeClr val="tx1"/>
+                </a:solidFill>
+                <a:effectLst/>
+                <a:latin typeface="+mn-lt"/>
+                <a:ea typeface="+mn-ea"/>
+                <a:cs typeface="+mn-cs"/>
+              </a:rPr>
+              <a:t> </a:t>
+            </a:r>
+            <a:r>
+              <a:rPr lang="fr-FR" sz="454" kern="1200" dirty="0" err="1" smtClean="0">
+                <a:solidFill>
+                  <a:schemeClr val="tx1"/>
+                </a:solidFill>
+                <a:effectLst/>
+                <a:latin typeface="+mn-lt"/>
+                <a:ea typeface="+mn-ea"/>
+                <a:cs typeface="+mn-cs"/>
+              </a:rPr>
+              <a:t>make</a:t>
+            </a:r>
+            <a:r>
+              <a:rPr lang="fr-FR" sz="454" kern="1200" dirty="0" smtClean="0">
+                <a:solidFill>
+                  <a:schemeClr val="tx1"/>
+                </a:solidFill>
+                <a:effectLst/>
+                <a:latin typeface="+mn-lt"/>
+                <a:ea typeface="+mn-ea"/>
+                <a:cs typeface="+mn-cs"/>
+              </a:rPr>
+              <a:t> the </a:t>
+            </a:r>
+            <a:r>
+              <a:rPr lang="fr-FR" sz="454" kern="1200" dirty="0" err="1" smtClean="0">
+                <a:solidFill>
+                  <a:schemeClr val="tx1"/>
+                </a:solidFill>
+                <a:effectLst/>
+                <a:latin typeface="+mn-lt"/>
+                <a:ea typeface="+mn-ea"/>
+                <a:cs typeface="+mn-cs"/>
+              </a:rPr>
+              <a:t>viewer</a:t>
+            </a:r>
+            <a:r>
+              <a:rPr lang="fr-FR" sz="454" kern="1200" dirty="0" smtClean="0">
+                <a:solidFill>
+                  <a:schemeClr val="tx1"/>
+                </a:solidFill>
+                <a:effectLst/>
+                <a:latin typeface="+mn-lt"/>
+                <a:ea typeface="+mn-ea"/>
+                <a:cs typeface="+mn-cs"/>
+              </a:rPr>
+              <a:t> do mental </a:t>
+            </a:r>
+            <a:r>
+              <a:rPr lang="fr-FR" sz="454" kern="1200" dirty="0" err="1" smtClean="0">
+                <a:solidFill>
+                  <a:schemeClr val="tx1"/>
+                </a:solidFill>
+                <a:effectLst/>
+                <a:latin typeface="+mn-lt"/>
+                <a:ea typeface="+mn-ea"/>
+                <a:cs typeface="+mn-cs"/>
+              </a:rPr>
+              <a:t>arithmetic</a:t>
+            </a:r>
+            <a:r>
+              <a:rPr lang="fr-FR" sz="454" kern="1200" dirty="0" smtClean="0">
+                <a:solidFill>
+                  <a:schemeClr val="tx1"/>
+                </a:solidFill>
+                <a:effectLst/>
+                <a:latin typeface="+mn-lt"/>
+                <a:ea typeface="+mn-ea"/>
+                <a:cs typeface="+mn-cs"/>
+              </a:rPr>
+              <a:t> </a:t>
+            </a:r>
+            <a:endParaRPr lang="fr-FR" dirty="0">
+              <a:effectLst/>
+            </a:endParaRPr>
+          </a:p>
+        </p:txBody>
+      </p:sp>
+      <p:sp>
+        <p:nvSpPr>
+          <p:cNvPr id="4" name="Espace réservé du numéro de diapositive 3"/>
+          <p:cNvSpPr>
+            <a:spLocks noGrp="1"/>
+          </p:cNvSpPr>
+          <p:nvPr>
+            <p:ph type="sldNum" sz="quarter" idx="10"/>
+          </p:nvPr>
+        </p:nvSpPr>
+        <p:spPr/>
+        <p:txBody>
+          <a:bodyPr/>
+          <a:lstStyle/>
+          <a:p>
+            <a:fld id="{7831F866-C993-A644-BA4C-5AD247E41B58}" type="slidenum">
+              <a:rPr lang="en-US" smtClean="0"/>
+              <a:t>24</a:t>
+            </a:fld>
+            <a:endParaRPr lang="en-US"/>
+          </a:p>
+        </p:txBody>
+      </p:sp>
+    </p:spTree>
+    <p:extLst>
+      <p:ext uri="{BB962C8B-B14F-4D97-AF65-F5344CB8AC3E}">
+        <p14:creationId xmlns:p14="http://schemas.microsoft.com/office/powerpoint/2010/main" val="1213310755"/>
+      </p:ext>
+    </p:extLst>
+  </p:cSld>
+  <p:clrMapOvr>
+    <a:masterClrMapping/>
+  </p:clrMapOvr>
+</p:notes>
+</file>
+
+<file path=ppt/notesSlides/notesSlide14.xml><?xml version="1.0" encoding="utf-8"?>
+<p:notes xmlns:a="http://schemas.openxmlformats.org/drawingml/2006/main" xmlns:r="http://schemas.openxmlformats.org/officeDocument/2006/relationships" xmlns:p="http://schemas.openxmlformats.org/presentationml/2006/main">
+  <p:cSld>
+    <p:spTree>
+      <p:nvGrpSpPr>
+        <p:cNvPr id="1" name=""/>
+        <p:cNvGrpSpPr/>
+        <p:nvPr/>
+      </p:nvGrpSpPr>
+      <p:grpSpPr>
+        <a:xfrm>
+          <a:off x="0" y="0"/>
+          <a:ext cx="0" cy="0"/>
+          <a:chOff x="0" y="0"/>
+          <a:chExt cx="0" cy="0"/>
+        </a:xfrm>
+      </p:grpSpPr>
+      <p:sp>
+        <p:nvSpPr>
+          <p:cNvPr id="2" name="Slide Image Placeholder 1"/>
+          <p:cNvSpPr>
+            <a:spLocks noGrp="1" noRot="1" noChangeAspect="1"/>
+          </p:cNvSpPr>
+          <p:nvPr>
+            <p:ph type="sldImg"/>
+          </p:nvPr>
+        </p:nvSpPr>
+        <p:spPr/>
+      </p:sp>
+      <p:sp>
+        <p:nvSpPr>
+          <p:cNvPr id="3" name="Notes Placeholder 2"/>
+          <p:cNvSpPr>
+            <a:spLocks noGrp="1"/>
+          </p:cNvSpPr>
+          <p:nvPr>
+            <p:ph type="body" idx="1"/>
+          </p:nvPr>
+        </p:nvSpPr>
+        <p:spPr/>
+        <p:txBody>
+          <a:bodyPr/>
+          <a:lstStyle/>
+          <a:p>
+            <a:r>
+              <a:rPr lang="en-US" dirty="0" smtClean="0"/>
+              <a:t>It’s hard to read bubble sizes</a:t>
+            </a:r>
+            <a:endParaRPr lang="en-US" dirty="0"/>
+          </a:p>
+        </p:txBody>
+      </p:sp>
+      <p:sp>
+        <p:nvSpPr>
+          <p:cNvPr id="4" name="Slide Number Placeholder 3"/>
+          <p:cNvSpPr>
+            <a:spLocks noGrp="1"/>
+          </p:cNvSpPr>
+          <p:nvPr>
+            <p:ph type="sldNum" sz="quarter" idx="10"/>
+          </p:nvPr>
+        </p:nvSpPr>
+        <p:spPr/>
+        <p:txBody>
+          <a:bodyPr/>
+          <a:lstStyle/>
+          <a:p>
+            <a:fld id="{7831F866-C993-A644-BA4C-5AD247E41B58}" type="slidenum">
+              <a:rPr lang="en-US" smtClean="0"/>
+              <a:t>25</a:t>
+            </a:fld>
+            <a:endParaRPr lang="en-US"/>
+          </a:p>
+        </p:txBody>
+      </p:sp>
+    </p:spTree>
+    <p:extLst>
+      <p:ext uri="{BB962C8B-B14F-4D97-AF65-F5344CB8AC3E}">
+        <p14:creationId xmlns:p14="http://schemas.microsoft.com/office/powerpoint/2010/main" val="1134014812"/>
+      </p:ext>
+    </p:extLst>
+  </p:cSld>
+  <p:clrMapOvr>
+    <a:masterClrMapping/>
+  </p:clrMapOvr>
+</p:notes>
+</file>
+
+<file path=ppt/notesSlides/notesSlide15.xml><?xml version="1.0" encoding="utf-8"?>
+<p:notes xmlns:a="http://schemas.openxmlformats.org/drawingml/2006/main" xmlns:r="http://schemas.openxmlformats.org/officeDocument/2006/relationships" xmlns:p="http://schemas.openxmlformats.org/presentationml/2006/main">
+  <p:cSld>
+    <p:spTree>
+      <p:nvGrpSpPr>
+        <p:cNvPr id="1" name=""/>
+        <p:cNvGrpSpPr/>
+        <p:nvPr/>
+      </p:nvGrpSpPr>
+      <p:grpSpPr>
+        <a:xfrm>
+          <a:off x="0" y="0"/>
+          <a:ext cx="0" cy="0"/>
+          <a:chOff x="0" y="0"/>
+          <a:chExt cx="0" cy="0"/>
+        </a:xfrm>
+      </p:grpSpPr>
+      <p:sp>
+        <p:nvSpPr>
+          <p:cNvPr id="2" name="Espace réservé de l’image des diapositives 1"/>
+          <p:cNvSpPr>
+            <a:spLocks noGrp="1" noRot="1" noChangeAspect="1"/>
+          </p:cNvSpPr>
+          <p:nvPr>
+            <p:ph type="sldImg"/>
+          </p:nvPr>
+        </p:nvSpPr>
+        <p:spPr/>
+      </p:sp>
+      <p:sp>
+        <p:nvSpPr>
+          <p:cNvPr id="3" name="Espace réservé des commentaires 2"/>
+          <p:cNvSpPr>
+            <a:spLocks noGrp="1"/>
+          </p:cNvSpPr>
+          <p:nvPr>
+            <p:ph type="body" idx="1"/>
+          </p:nvPr>
+        </p:nvSpPr>
+        <p:spPr/>
+        <p:txBody>
+          <a:bodyPr/>
+          <a:lstStyle/>
+          <a:p>
+            <a:pPr marL="0" marR="0" indent="0" algn="l" defTabSz="345560" rtl="0" eaLnBrk="1" fontAlgn="auto" latinLnBrk="0" hangingPunct="1">
+              <a:lnSpc>
+                <a:spcPct val="100000"/>
+              </a:lnSpc>
+              <a:spcBef>
+                <a:spcPts val="0"/>
+              </a:spcBef>
+              <a:spcAft>
+                <a:spcPts val="0"/>
+              </a:spcAft>
+              <a:buClrTx/>
+              <a:buSzTx/>
+              <a:buFontTx/>
+              <a:buNone/>
+              <a:tabLst/>
+              <a:defRPr/>
+            </a:pPr>
+            <a:r>
+              <a:rPr lang="fr-FR" dirty="0" err="1" smtClean="0"/>
+              <a:t>Grouped</a:t>
+            </a:r>
+            <a:r>
+              <a:rPr lang="fr-FR" dirty="0" smtClean="0"/>
+              <a:t> </a:t>
+            </a:r>
+            <a:r>
+              <a:rPr lang="fr-FR" dirty="0" err="1" smtClean="0"/>
+              <a:t>barplot</a:t>
+            </a:r>
+            <a:r>
+              <a:rPr lang="fr-FR" dirty="0" smtClean="0"/>
+              <a:t> </a:t>
+            </a:r>
+            <a:r>
+              <a:rPr lang="fr-FR" dirty="0" err="1" smtClean="0"/>
+              <a:t>that</a:t>
+            </a:r>
+            <a:r>
+              <a:rPr lang="fr-FR" dirty="0" smtClean="0"/>
+              <a:t> </a:t>
+            </a:r>
+            <a:r>
+              <a:rPr lang="fr-FR" dirty="0" err="1" smtClean="0"/>
+              <a:t>is</a:t>
+            </a:r>
+            <a:r>
+              <a:rPr lang="fr-FR" dirty="0" smtClean="0"/>
+              <a:t> not </a:t>
+            </a:r>
+            <a:r>
+              <a:rPr lang="fr-FR" dirty="0" err="1" smtClean="0"/>
+              <a:t>grouped</a:t>
+            </a:r>
+            <a:endParaRPr lang="fr-FR" dirty="0" smtClean="0"/>
+          </a:p>
+          <a:p>
+            <a:endParaRPr lang="fr-FR" dirty="0"/>
+          </a:p>
+        </p:txBody>
+      </p:sp>
+      <p:sp>
+        <p:nvSpPr>
+          <p:cNvPr id="4" name="Espace réservé du numéro de diapositive 3"/>
+          <p:cNvSpPr>
+            <a:spLocks noGrp="1"/>
+          </p:cNvSpPr>
+          <p:nvPr>
+            <p:ph type="sldNum" sz="quarter" idx="10"/>
+          </p:nvPr>
+        </p:nvSpPr>
+        <p:spPr/>
+        <p:txBody>
+          <a:bodyPr/>
+          <a:lstStyle/>
+          <a:p>
+            <a:fld id="{7831F866-C993-A644-BA4C-5AD247E41B58}" type="slidenum">
+              <a:rPr lang="en-US" smtClean="0"/>
+              <a:t>26</a:t>
+            </a:fld>
+            <a:endParaRPr lang="en-US"/>
+          </a:p>
+        </p:txBody>
+      </p:sp>
+    </p:spTree>
+    <p:extLst>
+      <p:ext uri="{BB962C8B-B14F-4D97-AF65-F5344CB8AC3E}">
+        <p14:creationId xmlns:p14="http://schemas.microsoft.com/office/powerpoint/2010/main" val="1668698479"/>
+      </p:ext>
+    </p:extLst>
+  </p:cSld>
+  <p:clrMapOvr>
+    <a:masterClrMapping/>
+  </p:clrMapOvr>
+</p:notes>
+</file>
+
+<file path=ppt/notesSlides/notesSlide16.xml><?xml version="1.0" encoding="utf-8"?>
+<p:notes xmlns:a="http://schemas.openxmlformats.org/drawingml/2006/main" xmlns:r="http://schemas.openxmlformats.org/officeDocument/2006/relationships" xmlns:p="http://schemas.openxmlformats.org/presentationml/2006/main">
+  <p:cSld>
+    <p:spTree>
+      <p:nvGrpSpPr>
+        <p:cNvPr id="1" name=""/>
+        <p:cNvGrpSpPr/>
+        <p:nvPr/>
+      </p:nvGrpSpPr>
+      <p:grpSpPr>
+        <a:xfrm>
+          <a:off x="0" y="0"/>
+          <a:ext cx="0" cy="0"/>
+          <a:chOff x="0" y="0"/>
+          <a:chExt cx="0" cy="0"/>
+        </a:xfrm>
+      </p:grpSpPr>
+      <p:sp>
+        <p:nvSpPr>
+          <p:cNvPr id="2" name="Espace réservé de l’image des diapositives 1"/>
+          <p:cNvSpPr>
+            <a:spLocks noGrp="1" noRot="1" noChangeAspect="1"/>
+          </p:cNvSpPr>
+          <p:nvPr>
+            <p:ph type="sldImg"/>
+          </p:nvPr>
+        </p:nvSpPr>
+        <p:spPr/>
+      </p:sp>
+      <p:sp>
+        <p:nvSpPr>
+          <p:cNvPr id="3" name="Espace réservé des commentaires 2"/>
+          <p:cNvSpPr>
+            <a:spLocks noGrp="1"/>
+          </p:cNvSpPr>
+          <p:nvPr>
+            <p:ph type="body" idx="1"/>
+          </p:nvPr>
+        </p:nvSpPr>
+        <p:spPr/>
+        <p:txBody>
+          <a:bodyPr/>
+          <a:lstStyle/>
+          <a:p>
+            <a:r>
+              <a:rPr lang="fr-FR" dirty="0" smtClean="0"/>
+              <a:t>Just </a:t>
+            </a:r>
+            <a:r>
+              <a:rPr lang="fr-FR" dirty="0" err="1" smtClean="0"/>
+              <a:t>remove</a:t>
+            </a:r>
+            <a:r>
+              <a:rPr lang="fr-FR" dirty="0" smtClean="0"/>
+              <a:t> </a:t>
+            </a:r>
+            <a:r>
+              <a:rPr lang="fr-FR" dirty="0" err="1" smtClean="0"/>
+              <a:t>what</a:t>
+            </a:r>
+            <a:r>
+              <a:rPr lang="fr-FR" dirty="0" smtClean="0"/>
+              <a:t> </a:t>
+            </a:r>
+            <a:r>
+              <a:rPr lang="fr-FR" dirty="0" err="1" smtClean="0"/>
+              <a:t>is</a:t>
+            </a:r>
+            <a:r>
+              <a:rPr lang="fr-FR" dirty="0" smtClean="0"/>
+              <a:t> </a:t>
+            </a:r>
+            <a:r>
+              <a:rPr lang="fr-FR" dirty="0" err="1" smtClean="0"/>
+              <a:t>useless</a:t>
+            </a:r>
+            <a:r>
+              <a:rPr lang="fr-FR" dirty="0" smtClean="0"/>
+              <a:t>: </a:t>
+            </a:r>
+            <a:r>
+              <a:rPr lang="fr-FR" dirty="0" err="1" smtClean="0"/>
+              <a:t>decluttered</a:t>
+            </a:r>
+            <a:endParaRPr lang="fr-FR" dirty="0" smtClean="0"/>
+          </a:p>
+          <a:p>
+            <a:endParaRPr lang="fr-FR" dirty="0" smtClean="0"/>
+          </a:p>
+          <a:p>
+            <a:r>
+              <a:rPr lang="fr-FR" dirty="0" smtClean="0"/>
+              <a:t>http://</a:t>
+            </a:r>
+            <a:r>
+              <a:rPr lang="fr-FR" dirty="0" err="1" smtClean="0"/>
+              <a:t>www.storytellingwithdata.com</a:t>
+            </a:r>
+            <a:r>
+              <a:rPr lang="fr-FR" dirty="0" smtClean="0"/>
+              <a:t>/blog/2017/3/29/</a:t>
+            </a:r>
+            <a:r>
+              <a:rPr lang="fr-FR" dirty="0" err="1" smtClean="0"/>
+              <a:t>declutter</a:t>
+            </a:r>
+            <a:r>
+              <a:rPr lang="fr-FR" dirty="0" smtClean="0"/>
+              <a:t>-</a:t>
+            </a:r>
+            <a:r>
+              <a:rPr lang="fr-FR" dirty="0" err="1" smtClean="0"/>
+              <a:t>this</a:t>
+            </a:r>
+            <a:r>
+              <a:rPr lang="fr-FR" dirty="0" smtClean="0"/>
+              <a:t>-graph</a:t>
+            </a:r>
+            <a:endParaRPr lang="fr-FR" dirty="0"/>
+          </a:p>
+        </p:txBody>
+      </p:sp>
+      <p:sp>
+        <p:nvSpPr>
+          <p:cNvPr id="4" name="Espace réservé du numéro de diapositive 3"/>
+          <p:cNvSpPr>
+            <a:spLocks noGrp="1"/>
+          </p:cNvSpPr>
+          <p:nvPr>
+            <p:ph type="sldNum" sz="quarter" idx="10"/>
+          </p:nvPr>
+        </p:nvSpPr>
+        <p:spPr/>
+        <p:txBody>
+          <a:bodyPr/>
+          <a:lstStyle/>
+          <a:p>
+            <a:fld id="{7831F866-C993-A644-BA4C-5AD247E41B58}" type="slidenum">
+              <a:rPr lang="en-US" smtClean="0"/>
+              <a:t>27</a:t>
+            </a:fld>
+            <a:endParaRPr lang="en-US"/>
+          </a:p>
+        </p:txBody>
+      </p:sp>
+    </p:spTree>
+    <p:extLst>
+      <p:ext uri="{BB962C8B-B14F-4D97-AF65-F5344CB8AC3E}">
+        <p14:creationId xmlns:p14="http://schemas.microsoft.com/office/powerpoint/2010/main" val="1463572359"/>
+      </p:ext>
+    </p:extLst>
+  </p:cSld>
+  <p:clrMapOvr>
+    <a:masterClrMapping/>
+  </p:clrMapOvr>
+</p:notes>
+</file>
+
+<file path=ppt/notesSlides/notesSlide17.xml><?xml version="1.0" encoding="utf-8"?>
+<p:notes xmlns:a="http://schemas.openxmlformats.org/drawingml/2006/main" xmlns:r="http://schemas.openxmlformats.org/officeDocument/2006/relationships" xmlns:p="http://schemas.openxmlformats.org/presentationml/2006/main">
+  <p:cSld>
+    <p:spTree>
+      <p:nvGrpSpPr>
+        <p:cNvPr id="1" name=""/>
+        <p:cNvGrpSpPr/>
+        <p:nvPr/>
+      </p:nvGrpSpPr>
+      <p:grpSpPr>
+        <a:xfrm>
+          <a:off x="0" y="0"/>
+          <a:ext cx="0" cy="0"/>
+          <a:chOff x="0" y="0"/>
+          <a:chExt cx="0" cy="0"/>
+        </a:xfrm>
+      </p:grpSpPr>
+      <p:sp>
+        <p:nvSpPr>
+          <p:cNvPr id="2" name="Espace réservé de l’image des diapositives 1"/>
+          <p:cNvSpPr>
+            <a:spLocks noGrp="1" noRot="1" noChangeAspect="1"/>
+          </p:cNvSpPr>
+          <p:nvPr>
+            <p:ph type="sldImg"/>
+          </p:nvPr>
+        </p:nvSpPr>
+        <p:spPr/>
+      </p:sp>
+      <p:sp>
+        <p:nvSpPr>
+          <p:cNvPr id="3" name="Espace réservé des commentaires 2"/>
+          <p:cNvSpPr>
+            <a:spLocks noGrp="1"/>
+          </p:cNvSpPr>
+          <p:nvPr>
+            <p:ph type="body" idx="1"/>
+          </p:nvPr>
+        </p:nvSpPr>
+        <p:spPr/>
+        <p:txBody>
+          <a:bodyPr/>
+          <a:lstStyle/>
+          <a:p>
+            <a:pPr marL="0" marR="0" indent="0" algn="l" defTabSz="345560" rtl="0" eaLnBrk="1" fontAlgn="auto" latinLnBrk="0" hangingPunct="1">
+              <a:lnSpc>
+                <a:spcPct val="100000"/>
+              </a:lnSpc>
+              <a:spcBef>
+                <a:spcPts val="0"/>
+              </a:spcBef>
+              <a:spcAft>
+                <a:spcPts val="0"/>
+              </a:spcAft>
+              <a:buClrTx/>
+              <a:buSzTx/>
+              <a:buFontTx/>
+              <a:buNone/>
+              <a:tabLst/>
+              <a:defRPr/>
+            </a:pPr>
+            <a:r>
+              <a:rPr lang="fr-FR" dirty="0" err="1" smtClean="0"/>
+              <a:t>Probleme</a:t>
+            </a:r>
+            <a:r>
+              <a:rPr lang="fr-FR" dirty="0" smtClean="0"/>
+              <a:t> </a:t>
+            </a:r>
+            <a:r>
+              <a:rPr lang="fr-FR" dirty="0" err="1" smtClean="0"/>
+              <a:t>with</a:t>
+            </a:r>
+            <a:r>
+              <a:rPr lang="fr-FR" dirty="0" smtClean="0"/>
+              <a:t> </a:t>
+            </a:r>
+            <a:r>
+              <a:rPr lang="fr-FR" dirty="0" err="1" smtClean="0"/>
+              <a:t>side</a:t>
+            </a:r>
+            <a:r>
+              <a:rPr lang="fr-FR" dirty="0" smtClean="0"/>
+              <a:t> </a:t>
+            </a:r>
+            <a:r>
+              <a:rPr lang="fr-FR" dirty="0" err="1" smtClean="0"/>
+              <a:t>legend</a:t>
+            </a:r>
+            <a:endParaRPr lang="fr-FR" dirty="0" smtClean="0"/>
+          </a:p>
+          <a:p>
+            <a:pPr marL="0" marR="0" indent="0" algn="l" defTabSz="345560" rtl="0" eaLnBrk="1" fontAlgn="auto" latinLnBrk="0" hangingPunct="1">
+              <a:lnSpc>
+                <a:spcPct val="100000"/>
+              </a:lnSpc>
+              <a:spcBef>
+                <a:spcPts val="0"/>
+              </a:spcBef>
+              <a:spcAft>
+                <a:spcPts val="0"/>
+              </a:spcAft>
+              <a:buClrTx/>
+              <a:buSzTx/>
+              <a:buFontTx/>
+              <a:buNone/>
+              <a:tabLst/>
+              <a:defRPr/>
+            </a:pPr>
+            <a:r>
+              <a:rPr lang="fr-FR" dirty="0" err="1" smtClean="0"/>
+              <a:t>Color</a:t>
+            </a:r>
+            <a:r>
+              <a:rPr lang="fr-FR" dirty="0" smtClean="0"/>
+              <a:t> </a:t>
+            </a:r>
+            <a:r>
+              <a:rPr lang="fr-FR" dirty="0" err="1" smtClean="0"/>
+              <a:t>used</a:t>
+            </a:r>
+            <a:r>
+              <a:rPr lang="fr-FR" dirty="0" smtClean="0"/>
+              <a:t> </a:t>
+            </a:r>
+            <a:r>
+              <a:rPr lang="fr-FR" dirty="0" err="1" smtClean="0"/>
+              <a:t>twice</a:t>
+            </a:r>
+            <a:r>
+              <a:rPr lang="fr-FR" dirty="0" smtClean="0"/>
+              <a:t> in the </a:t>
+            </a:r>
+            <a:r>
+              <a:rPr lang="fr-FR" dirty="0" err="1" smtClean="0"/>
+              <a:t>legend</a:t>
+            </a:r>
+            <a:r>
+              <a:rPr lang="fr-FR" dirty="0" smtClean="0"/>
+              <a:t>.</a:t>
+            </a:r>
+          </a:p>
+          <a:p>
+            <a:pPr marL="0" marR="0" indent="0" algn="l" defTabSz="345560" rtl="0" eaLnBrk="1" fontAlgn="auto" latinLnBrk="0" hangingPunct="1">
+              <a:lnSpc>
+                <a:spcPct val="100000"/>
+              </a:lnSpc>
+              <a:spcBef>
+                <a:spcPts val="0"/>
+              </a:spcBef>
+              <a:spcAft>
+                <a:spcPts val="0"/>
+              </a:spcAft>
+              <a:buClrTx/>
+              <a:buSzTx/>
+              <a:buFontTx/>
+              <a:buNone/>
+              <a:tabLst/>
+              <a:defRPr/>
+            </a:pPr>
+            <a:r>
+              <a:rPr lang="fr-FR" dirty="0" smtClean="0"/>
+              <a:t>La légende sur le coté c’est chiant</a:t>
+            </a:r>
+            <a:r>
+              <a:rPr lang="fr-FR" baseline="0" dirty="0" smtClean="0"/>
+              <a:t> de faire des aller retours</a:t>
+            </a:r>
+          </a:p>
+          <a:p>
+            <a:endParaRPr lang="fr-FR" dirty="0"/>
+          </a:p>
+        </p:txBody>
+      </p:sp>
+      <p:sp>
+        <p:nvSpPr>
+          <p:cNvPr id="4" name="Espace réservé du numéro de diapositive 3"/>
+          <p:cNvSpPr>
+            <a:spLocks noGrp="1"/>
+          </p:cNvSpPr>
+          <p:nvPr>
+            <p:ph type="sldNum" sz="quarter" idx="10"/>
+          </p:nvPr>
+        </p:nvSpPr>
+        <p:spPr/>
+        <p:txBody>
+          <a:bodyPr/>
+          <a:lstStyle/>
+          <a:p>
+            <a:fld id="{7831F866-C993-A644-BA4C-5AD247E41B58}" type="slidenum">
+              <a:rPr lang="en-US" smtClean="0"/>
+              <a:t>28</a:t>
+            </a:fld>
+            <a:endParaRPr lang="en-US"/>
+          </a:p>
+        </p:txBody>
+      </p:sp>
+    </p:spTree>
+    <p:extLst>
+      <p:ext uri="{BB962C8B-B14F-4D97-AF65-F5344CB8AC3E}">
+        <p14:creationId xmlns:p14="http://schemas.microsoft.com/office/powerpoint/2010/main" val="1350383470"/>
+      </p:ext>
+    </p:extLst>
+  </p:cSld>
+  <p:clrMapOvr>
+    <a:masterClrMapping/>
+  </p:clrMapOvr>
+</p:notes>
+</file>
+
+<file path=ppt/notesSlides/notesSlide18.xml><?xml version="1.0" encoding="utf-8"?>
+<p:notes xmlns:a="http://schemas.openxmlformats.org/drawingml/2006/main" xmlns:r="http://schemas.openxmlformats.org/officeDocument/2006/relationships" xmlns:p="http://schemas.openxmlformats.org/presentationml/2006/main">
+  <p:cSld>
+    <p:spTree>
+      <p:nvGrpSpPr>
+        <p:cNvPr id="1" name=""/>
+        <p:cNvGrpSpPr/>
+        <p:nvPr/>
+      </p:nvGrpSpPr>
+      <p:grpSpPr>
+        <a:xfrm>
+          <a:off x="0" y="0"/>
+          <a:ext cx="0" cy="0"/>
+          <a:chOff x="0" y="0"/>
+          <a:chExt cx="0" cy="0"/>
+        </a:xfrm>
+      </p:grpSpPr>
+      <p:sp>
+        <p:nvSpPr>
+          <p:cNvPr id="2" name="Espace réservé de l’image des diapositives 1"/>
+          <p:cNvSpPr>
+            <a:spLocks noGrp="1" noRot="1" noChangeAspect="1"/>
+          </p:cNvSpPr>
+          <p:nvPr>
+            <p:ph type="sldImg"/>
+          </p:nvPr>
+        </p:nvSpPr>
+        <p:spPr/>
+      </p:sp>
+      <p:sp>
+        <p:nvSpPr>
+          <p:cNvPr id="3" name="Espace réservé des commentaires 2"/>
+          <p:cNvSpPr>
+            <a:spLocks noGrp="1"/>
+          </p:cNvSpPr>
+          <p:nvPr>
+            <p:ph type="body" idx="1"/>
+          </p:nvPr>
+        </p:nvSpPr>
+        <p:spPr/>
+        <p:txBody>
+          <a:bodyPr/>
+          <a:lstStyle/>
+          <a:p>
+            <a:r>
+              <a:rPr lang="fr-FR" dirty="0" err="1" smtClean="0"/>
+              <a:t>Color</a:t>
+            </a:r>
+            <a:r>
+              <a:rPr lang="fr-FR" dirty="0" smtClean="0"/>
+              <a:t> </a:t>
+            </a:r>
+            <a:r>
+              <a:rPr lang="fr-FR" dirty="0" err="1" smtClean="0"/>
+              <a:t>inconsistency</a:t>
+            </a:r>
+            <a:r>
+              <a:rPr lang="fr-FR" dirty="0" smtClean="0"/>
+              <a:t> </a:t>
+            </a:r>
+            <a:r>
+              <a:rPr lang="fr-FR" dirty="0" err="1" smtClean="0"/>
+              <a:t>among</a:t>
+            </a:r>
+            <a:r>
+              <a:rPr lang="fr-FR" dirty="0" smtClean="0"/>
+              <a:t> </a:t>
+            </a:r>
+            <a:r>
+              <a:rPr lang="fr-FR" dirty="0" err="1" smtClean="0"/>
+              <a:t>graphic</a:t>
+            </a:r>
+            <a:endParaRPr lang="fr-FR" dirty="0"/>
+          </a:p>
+        </p:txBody>
+      </p:sp>
+      <p:sp>
+        <p:nvSpPr>
+          <p:cNvPr id="4" name="Espace réservé du numéro de diapositive 3"/>
+          <p:cNvSpPr>
+            <a:spLocks noGrp="1"/>
+          </p:cNvSpPr>
+          <p:nvPr>
+            <p:ph type="sldNum" sz="quarter" idx="10"/>
+          </p:nvPr>
+        </p:nvSpPr>
+        <p:spPr/>
+        <p:txBody>
+          <a:bodyPr/>
+          <a:lstStyle/>
+          <a:p>
+            <a:fld id="{7831F866-C993-A644-BA4C-5AD247E41B58}" type="slidenum">
+              <a:rPr lang="en-US" smtClean="0"/>
+              <a:t>29</a:t>
+            </a:fld>
+            <a:endParaRPr lang="en-US"/>
+          </a:p>
+        </p:txBody>
+      </p:sp>
+    </p:spTree>
+    <p:extLst>
+      <p:ext uri="{BB962C8B-B14F-4D97-AF65-F5344CB8AC3E}">
+        <p14:creationId xmlns:p14="http://schemas.microsoft.com/office/powerpoint/2010/main" val="188531846"/>
       </p:ext>
     </p:extLst>
   </p:cSld>
@@ -655,188 +1861,11 @@
           <a:p>
             <a:r>
               <a:rPr lang="fr-FR" dirty="0" err="1" smtClean="0"/>
-              <a:t>Number</a:t>
-            </a:r>
-            <a:r>
-              <a:rPr lang="fr-FR" baseline="0" dirty="0" smtClean="0"/>
-              <a:t> must </a:t>
-            </a:r>
-            <a:r>
-              <a:rPr lang="fr-FR" baseline="0" dirty="0" err="1" smtClean="0"/>
-              <a:t>be</a:t>
-            </a:r>
-            <a:r>
-              <a:rPr lang="fr-FR" baseline="0" dirty="0" smtClean="0"/>
-              <a:t> </a:t>
-            </a:r>
-            <a:r>
-              <a:rPr lang="fr-FR" baseline="0" dirty="0" err="1" smtClean="0"/>
-              <a:t>true</a:t>
-            </a:r>
-            <a:r>
-              <a:rPr lang="fr-FR" baseline="0" dirty="0" smtClean="0"/>
-              <a:t>, double check </a:t>
-            </a:r>
-            <a:r>
-              <a:rPr lang="fr-FR" baseline="0" dirty="0" err="1" smtClean="0"/>
-              <a:t>your</a:t>
-            </a:r>
-            <a:r>
-              <a:rPr lang="fr-FR" baseline="0" dirty="0" smtClean="0"/>
-              <a:t> graph</a:t>
-            </a:r>
-          </a:p>
-          <a:p>
-            <a:r>
-              <a:rPr lang="fr-FR" baseline="0" dirty="0" smtClean="0"/>
-              <a:t>Most of the </a:t>
-            </a:r>
-            <a:r>
-              <a:rPr lang="fr-FR" baseline="0" dirty="0" err="1" smtClean="0"/>
-              <a:t>wtf</a:t>
-            </a:r>
-            <a:r>
-              <a:rPr lang="fr-FR" baseline="0" dirty="0" smtClean="0"/>
-              <a:t> </a:t>
-            </a:r>
-            <a:r>
-              <a:rPr lang="fr-FR" baseline="0" dirty="0" err="1" smtClean="0"/>
-              <a:t>viz</a:t>
-            </a:r>
-            <a:r>
-              <a:rPr lang="fr-FR" baseline="0" dirty="0" smtClean="0"/>
-              <a:t> come </a:t>
-            </a:r>
-            <a:r>
-              <a:rPr lang="fr-FR" baseline="0" dirty="0" err="1" smtClean="0"/>
-              <a:t>from</a:t>
-            </a:r>
-            <a:r>
-              <a:rPr lang="fr-FR" baseline="0" dirty="0" smtClean="0"/>
-              <a:t> </a:t>
-            </a:r>
-            <a:r>
-              <a:rPr lang="fr-FR" baseline="0" dirty="0" err="1" smtClean="0"/>
-              <a:t>this</a:t>
-            </a:r>
-            <a:r>
-              <a:rPr lang="fr-FR" baseline="0" dirty="0" smtClean="0"/>
-              <a:t> </a:t>
-            </a:r>
-            <a:r>
-              <a:rPr lang="fr-FR" baseline="0" dirty="0" err="1" smtClean="0"/>
-              <a:t>problem</a:t>
-            </a:r>
-            <a:r>
-              <a:rPr lang="fr-FR" baseline="0" dirty="0" smtClean="0"/>
-              <a:t>.</a:t>
-            </a:r>
-          </a:p>
-          <a:p>
-            <a:endParaRPr lang="fr-FR" baseline="0" dirty="0" smtClean="0"/>
-          </a:p>
-          <a:p>
-            <a:pPr marL="171450" indent="-171450">
-              <a:buFontTx/>
-              <a:buChar char="-"/>
-            </a:pPr>
-            <a:r>
-              <a:rPr lang="fr-FR" baseline="0" dirty="0" err="1" smtClean="0"/>
-              <a:t>Sum</a:t>
-            </a:r>
-            <a:r>
-              <a:rPr lang="fr-FR" baseline="0" dirty="0" smtClean="0"/>
-              <a:t> of </a:t>
-            </a:r>
-            <a:r>
-              <a:rPr lang="fr-FR" baseline="0" dirty="0" err="1" smtClean="0"/>
-              <a:t>percentage</a:t>
-            </a:r>
-            <a:r>
-              <a:rPr lang="fr-FR" baseline="0" dirty="0" smtClean="0"/>
-              <a:t> != 100</a:t>
-            </a:r>
-          </a:p>
-          <a:p>
-            <a:pPr marL="171450" indent="-171450">
-              <a:buFontTx/>
-              <a:buChar char="-"/>
-            </a:pPr>
-            <a:r>
-              <a:rPr lang="fr-FR" baseline="0" dirty="0" err="1" smtClean="0"/>
-              <a:t>Number</a:t>
-            </a:r>
-            <a:r>
-              <a:rPr lang="fr-FR" baseline="0" dirty="0" smtClean="0"/>
-              <a:t> </a:t>
-            </a:r>
-            <a:r>
-              <a:rPr lang="fr-FR" baseline="0" dirty="0" err="1" smtClean="0"/>
-              <a:t>does</a:t>
-            </a:r>
-            <a:r>
-              <a:rPr lang="fr-FR" baseline="0" dirty="0" smtClean="0"/>
-              <a:t> not match </a:t>
-            </a:r>
-            <a:r>
-              <a:rPr lang="fr-FR" baseline="0" dirty="0" err="1" smtClean="0"/>
-              <a:t>shape</a:t>
-            </a:r>
-            <a:r>
-              <a:rPr lang="fr-FR" baseline="0" dirty="0" smtClean="0"/>
-              <a:t>: </a:t>
-            </a:r>
-          </a:p>
-          <a:p>
-            <a:pPr marL="862568" lvl="4" indent="-171450">
-              <a:buFontTx/>
-              <a:buChar char="-"/>
-            </a:pPr>
-            <a:r>
-              <a:rPr lang="fr-FR" baseline="0" dirty="0" smtClean="0"/>
-              <a:t>http://</a:t>
-            </a:r>
-            <a:r>
-              <a:rPr lang="fr-FR" baseline="0" dirty="0" err="1" smtClean="0"/>
-              <a:t>viz.wtf</a:t>
-            </a:r>
-            <a:r>
-              <a:rPr lang="fr-FR" baseline="0" dirty="0" smtClean="0"/>
-              <a:t>/post/169392205697/</a:t>
-            </a:r>
-            <a:r>
-              <a:rPr lang="fr-FR" baseline="0" dirty="0" err="1" smtClean="0"/>
-              <a:t>fewer</a:t>
-            </a:r>
-            <a:r>
-              <a:rPr lang="fr-FR" baseline="0" dirty="0" smtClean="0"/>
-              <a:t>-people-</a:t>
-            </a:r>
-            <a:r>
-              <a:rPr lang="fr-FR" baseline="0" dirty="0" err="1" smtClean="0"/>
-              <a:t>would</a:t>
-            </a:r>
-            <a:r>
-              <a:rPr lang="fr-FR" baseline="0" dirty="0" smtClean="0"/>
-              <a:t>-have-a-hard-time-</a:t>
-            </a:r>
-            <a:r>
-              <a:rPr lang="fr-FR" baseline="0" dirty="0" err="1" smtClean="0"/>
-              <a:t>giving</a:t>
-            </a:r>
-            <a:r>
-              <a:rPr lang="fr-FR" baseline="0" dirty="0" smtClean="0"/>
-              <a:t>-up</a:t>
-            </a:r>
-          </a:p>
-          <a:p>
-            <a:pPr marL="862568" lvl="4" indent="-171450">
-              <a:buFontTx/>
-              <a:buChar char="-"/>
-            </a:pPr>
+              <a:t>See</a:t>
+            </a:r>
             <a:r>
               <a:rPr lang="fr-FR" dirty="0" smtClean="0"/>
-              <a:t>http://</a:t>
+              <a:t> http://</a:t>
             </a:r>
             <a:r>
               <a:rPr lang="fr-FR" dirty="0" err="1" smtClean="0"/>
@@ -859,8 +1888,20 @@
               <a:t>google</a:t>
             </a:r>
             <a:r>
-              <a:rPr lang="fr-FR" smtClean="0"/>
+              <a:rPr lang="fr-FR" dirty="0" smtClean="0"/>
               <a:t>-email-design</a:t>
+            </a:r>
+            <a:r>
+              <a:rPr lang="fr-FR" baseline="0" dirty="0" smtClean="0"/>
+              <a:t> pour un </a:t>
+            </a:r>
+            <a:r>
+              <a:rPr lang="fr-FR" baseline="0" dirty="0" err="1" smtClean="0"/>
+              <a:t>doghnut</a:t>
+            </a:r>
+            <a:r>
+              <a:rPr lang="fr-FR" baseline="0" dirty="0" smtClean="0"/>
+              <a:t> trompeur</a:t>
             </a:r>
             <a:endParaRPr lang="fr-FR" dirty="0" smtClean="0"/>
           </a:p>
@@ -883,7 +1924,7 @@
           <a:p>
             <a:fld id="{7831F866-C993-A644-BA4C-5AD247E41B58}" type="slidenum">
               <a:rPr lang="en-US" smtClean="0"/>
-              <a:t>14</a:t>
+              <a:t>12</a:t>
             </a:fld>
             <a:endParaRPr lang="en-US"/>
           </a:p>
@@ -892,7 +1933,7 @@
     </p:spTree>
     <p:extLst>
       <p:ext uri="{BB962C8B-B14F-4D97-AF65-F5344CB8AC3E}">
-        <p14:creationId xmlns:p14="http://schemas.microsoft.com/office/powerpoint/2010/main" val="1497705189"/>
+        <p14:creationId xmlns:p14="http://schemas.microsoft.com/office/powerpoint/2010/main" val="290159426"/>
       </p:ext>
     </p:extLst>
   </p:cSld>
@@ -947,41 +1988,16 @@
           <a:lstStyle/>
           <a:p>
             <a:r>
-              <a:rPr lang="fr-FR" dirty="0" smtClean="0"/>
-              <a:t>Moiré </a:t>
-            </a:r>
-            <a:r>
               <a:rPr lang="fr-FR" dirty="0" err="1" smtClean="0"/>
-              <a:t>effect</a:t>
-            </a:r>
-            <a:r>
-              <a:rPr lang="fr-FR" dirty="0" smtClean="0"/>
-              <a:t> / </a:t>
-            </a:r>
-            <a:r>
-              <a:rPr lang="fr-FR" dirty="0" err="1" smtClean="0"/>
-              <a:t>cluttered</a:t>
-            </a:r>
-            <a:r>
-              <a:rPr lang="fr-FR" dirty="0" smtClean="0"/>
-              <a:t> </a:t>
-            </a:r>
-            <a:r>
-              <a:rPr lang="fr-FR" dirty="0" err="1" smtClean="0"/>
-              <a:t>barplot</a:t>
-            </a:r>
-            <a:r>
-              <a:rPr lang="fr-FR" dirty="0" smtClean="0"/>
-              <a:t>.</a:t>
-            </a:r>
-          </a:p>
-          <a:p>
-            <a:endParaRPr lang="fr-FR" dirty="0" smtClean="0"/>
-          </a:p>
-          <a:p>
-            <a:r>
-              <a:rPr lang="fr-FR" dirty="0" smtClean="0"/>
-              <a:t>Gros</a:t>
+              <a:t>Number</a:t>
+            </a:r>
+            <a:r>
+              <a:rPr lang="fr-FR" baseline="0" dirty="0" smtClean="0"/>
+              <a:t> must </a:t>
+            </a:r>
+            <a:r>
+              <a:rPr lang="fr-FR" baseline="0" dirty="0" err="1" smtClean="0"/>
+              <a:t>be</a:t>
             </a:r>
             <a:r>
               <a:rPr lang="fr-FR" baseline="0" dirty="0" smtClean="0"/>
@@ -989,7 +2005,29 @@
             </a:r>
             <a:r>
               <a:rPr lang="fr-FR" baseline="0" dirty="0" err="1" smtClean="0"/>
-              <a:t>barplot</a:t>
+              <a:t>true</a:t>
+            </a:r>
+            <a:r>
+              <a:rPr lang="fr-FR" baseline="0" dirty="0" smtClean="0"/>
+              <a:t>, double check </a:t>
+            </a:r>
+            <a:r>
+              <a:rPr lang="fr-FR" baseline="0" dirty="0" err="1" smtClean="0"/>
+              <a:t>your</a:t>
+            </a:r>
+            <a:r>
+              <a:rPr lang="fr-FR" baseline="0" dirty="0" smtClean="0"/>
+              <a:t> graph</a:t>
+            </a:r>
+          </a:p>
+          <a:p>
+            <a:r>
+              <a:rPr lang="fr-FR" baseline="0" dirty="0" smtClean="0"/>
+              <a:t>Most of the </a:t>
+            </a:r>
+            <a:r>
+              <a:rPr lang="fr-FR" baseline="0" dirty="0" err="1" smtClean="0"/>
+              <a:t>wtf</a:t>
             </a:r>
             <a:r>
               <a:rPr lang="fr-FR" baseline="0" dirty="0" smtClean="0"/>
@@ -997,40 +2035,167 @@
             </a:r>
             <a:r>
               <a:rPr lang="fr-FR" baseline="0" dirty="0" err="1" smtClean="0"/>
-              <a:t>degueulasse</a:t>
+              <a:t>viz</a:t>
+            </a:r>
+            <a:r>
+              <a:rPr lang="fr-FR" baseline="0" dirty="0" smtClean="0"/>
+              <a:t> come </a:t>
+            </a:r>
+            <a:r>
+              <a:rPr lang="fr-FR" baseline="0" dirty="0" err="1" smtClean="0"/>
+              <a:t>from</a:t>
             </a:r>
             <a:r>
               <a:rPr lang="fr-FR" baseline="0" dirty="0" smtClean="0"/>
               <a:t> </a:t>
             </a:r>
             <a:r>
-              <a:rPr lang="fr-FR" baseline="0" dirty="0" smtClean="0">
-                <a:sym typeface="Wingdings"/>
-              </a:rPr>
-              <a:t> </a:t>
-            </a:r>
-            <a:r>
-              <a:rPr lang="fr-FR" baseline="0" dirty="0" err="1" smtClean="0">
-                <a:sym typeface="Wingdings"/>
-              </a:rPr>
-              <a:t>lollipop</a:t>
-            </a:r>
-            <a:r>
-              <a:rPr lang="fr-FR" baseline="0" dirty="0" smtClean="0">
-                <a:sym typeface="Wingdings"/>
-              </a:rPr>
+              <a:rPr lang="fr-FR" baseline="0" dirty="0" err="1" smtClean="0"/>
+              <a:t>this</a:t>
+            </a:r>
+            <a:r>
+              <a:rPr lang="fr-FR" baseline="0" dirty="0" smtClean="0"/>
               <a:t> </a:t>
             </a:r>
             <a:r>
-              <a:rPr lang="fr-FR" baseline="0" dirty="0" err="1" smtClean="0">
-                <a:sym typeface="Wingdings"/>
-              </a:rPr>
-              <a:t>instead</a:t>
-            </a:r>
-            <a:endParaRPr lang="fr-FR" smtClean="0"/>
-          </a:p>
-          <a:p>
-            <a:endParaRPr lang="fr-FR"/>
+              <a:rPr lang="fr-FR" baseline="0" dirty="0" err="1" smtClean="0"/>
+              <a:t>problem</a:t>
+            </a:r>
+            <a:r>
+              <a:rPr lang="fr-FR" baseline="0" dirty="0" smtClean="0"/>
+              <a:t>.</a:t>
+            </a:r>
+          </a:p>
+          <a:p>
+            <a:endParaRPr lang="fr-FR" baseline="0" dirty="0" smtClean="0"/>
+          </a:p>
+          <a:p>
+            <a:pPr marL="171450" indent="-171450">
+              <a:buFontTx/>
+              <a:buChar char="-"/>
+            </a:pPr>
+            <a:r>
+              <a:rPr lang="fr-FR" baseline="0" dirty="0" err="1" smtClean="0"/>
+              <a:t>Sum</a:t>
+            </a:r>
+            <a:r>
+              <a:rPr lang="fr-FR" baseline="0" dirty="0" smtClean="0"/>
+              <a:t> of </a:t>
+            </a:r>
+            <a:r>
+              <a:rPr lang="fr-FR" baseline="0" dirty="0" err="1" smtClean="0"/>
+              <a:t>percentage</a:t>
+            </a:r>
+            <a:r>
+              <a:rPr lang="fr-FR" baseline="0" dirty="0" smtClean="0"/>
+              <a:t> != 100</a:t>
+            </a:r>
+          </a:p>
+          <a:p>
+            <a:pPr marL="171450" indent="-171450">
+              <a:buFontTx/>
+              <a:buChar char="-"/>
+            </a:pPr>
+            <a:r>
+              <a:rPr lang="fr-FR" baseline="0" dirty="0" err="1" smtClean="0"/>
+              <a:t>Number</a:t>
+            </a:r>
+            <a:r>
+              <a:rPr lang="fr-FR" baseline="0" dirty="0" smtClean="0"/>
+              <a:t> </a:t>
+            </a:r>
+            <a:r>
+              <a:rPr lang="fr-FR" baseline="0" dirty="0" err="1" smtClean="0"/>
+              <a:t>does</a:t>
+            </a:r>
+            <a:r>
+              <a:rPr lang="fr-FR" baseline="0" dirty="0" smtClean="0"/>
+              <a:t> not match </a:t>
+            </a:r>
+            <a:r>
+              <a:rPr lang="fr-FR" baseline="0" dirty="0" err="1" smtClean="0"/>
+              <a:t>shape</a:t>
+            </a:r>
+            <a:r>
+              <a:rPr lang="fr-FR" baseline="0" dirty="0" smtClean="0"/>
+              <a:t>: </a:t>
+            </a:r>
+          </a:p>
+          <a:p>
+            <a:pPr marL="862568" lvl="4" indent="-171450">
+              <a:buFontTx/>
+              <a:buChar char="-"/>
+            </a:pPr>
+            <a:r>
+              <a:rPr lang="fr-FR" baseline="0" dirty="0" smtClean="0"/>
+              <a:t>http://</a:t>
+            </a:r>
+            <a:r>
+              <a:rPr lang="fr-FR" baseline="0" dirty="0" err="1" smtClean="0"/>
+              <a:t>viz.wtf</a:t>
+            </a:r>
+            <a:r>
+              <a:rPr lang="fr-FR" baseline="0" dirty="0" smtClean="0"/>
+              <a:t>/post/169392205697/</a:t>
+            </a:r>
+            <a:r>
+              <a:rPr lang="fr-FR" baseline="0" dirty="0" err="1" smtClean="0"/>
+              <a:t>fewer</a:t>
+            </a:r>
+            <a:r>
+              <a:rPr lang="fr-FR" baseline="0" dirty="0" smtClean="0"/>
+              <a:t>-people-</a:t>
+            </a:r>
+            <a:r>
+              <a:rPr lang="fr-FR" baseline="0" dirty="0" err="1" smtClean="0"/>
+              <a:t>would</a:t>
+            </a:r>
+            <a:r>
+              <a:rPr lang="fr-FR" baseline="0" dirty="0" smtClean="0"/>
+              <a:t>-have-a-hard-time-</a:t>
+            </a:r>
+            <a:r>
+              <a:rPr lang="fr-FR" baseline="0" dirty="0" err="1" smtClean="0"/>
+              <a:t>giving</a:t>
+            </a:r>
+            <a:r>
+              <a:rPr lang="fr-FR" baseline="0" dirty="0" smtClean="0"/>
+              <a:t>-up</a:t>
+            </a:r>
+          </a:p>
+          <a:p>
+            <a:pPr marL="862568" lvl="4" indent="-171450">
+              <a:buFontTx/>
+              <a:buChar char="-"/>
+            </a:pPr>
+            <a:r>
+              <a:rPr lang="fr-FR" dirty="0" smtClean="0"/>
+              <a:t>http://</a:t>
+            </a:r>
+            <a:r>
+              <a:rPr lang="fr-FR" dirty="0" err="1" smtClean="0"/>
+              <a:t>viz.wtf</a:t>
+            </a:r>
+            <a:r>
+              <a:rPr lang="fr-FR" dirty="0" smtClean="0"/>
+              <a:t>/post/170949426657/new-marketing-email-</a:t>
+            </a:r>
+            <a:r>
+              <a:rPr lang="fr-FR" dirty="0" err="1" smtClean="0"/>
+              <a:t>from</a:t>
+            </a:r>
+            <a:r>
+              <a:rPr lang="fr-FR" dirty="0" smtClean="0"/>
+              <a:t>-</a:t>
+            </a:r>
+            <a:r>
+              <a:rPr lang="fr-FR" dirty="0" err="1" smtClean="0"/>
+              <a:t>google</a:t>
+            </a:r>
+            <a:r>
+              <a:rPr lang="fr-FR" dirty="0" smtClean="0"/>
+              <a:t>-email-design</a:t>
+            </a:r>
           </a:p>
         </p:txBody>
       </p:sp>
@@ -1051,7 +2216,7 @@
           <a:p>
             <a:fld id="{7831F866-C993-A644-BA4C-5AD247E41B58}" type="slidenum">
               <a:rPr lang="en-US" smtClean="0"/>
-              <a:t>15</a:t>
+              <a:t>14</a:t>
             </a:fld>
             <a:endParaRPr lang="en-US"/>
           </a:p>
@@ -1060,7 +2225,7 @@
     </p:spTree>
     <p:extLst>
       <p:ext uri="{BB962C8B-B14F-4D97-AF65-F5344CB8AC3E}">
-        <p14:creationId xmlns:p14="http://schemas.microsoft.com/office/powerpoint/2010/main" val="1529584544"/>
+        <p14:creationId xmlns:p14="http://schemas.microsoft.com/office/powerpoint/2010/main" val="1497705189"/>
       </p:ext>
     </p:extLst>
   </p:cSld>
@@ -1115,41 +2280,66 @@
           <a:lstStyle/>
           <a:p>
             <a:r>
-              <a:rPr lang="fr-FR" dirty="0" smtClean="0"/>
-              <a:t>The </a:t>
-            </a:r>
-            <a:r>
-              <a:rPr lang="fr-FR" dirty="0" err="1" smtClean="0"/>
-              <a:t>problem</a:t>
-            </a:r>
-            <a:r>
-              <a:rPr lang="fr-FR" dirty="0" smtClean="0"/>
+              <a:rPr lang="en-US" dirty="0" smtClean="0"/>
+              <a:t>Circular </a:t>
+            </a:r>
+            <a:r>
+              <a:rPr lang="en-US" dirty="0" err="1" smtClean="0"/>
+              <a:t>barplot</a:t>
+            </a:r>
+            <a:endParaRPr lang="en-US" dirty="0" smtClean="0"/>
+          </a:p>
+          <a:p>
+            <a:endParaRPr lang="en-US" dirty="0" smtClean="0"/>
+          </a:p>
+          <a:p>
+            <a:r>
+              <a:rPr lang="en-US" dirty="0" smtClean="0"/>
+              <a:t>http://</a:t>
+            </a:r>
+            <a:r>
+              <a:rPr lang="en-US" dirty="0" err="1" smtClean="0"/>
+              <a:t>blog.visme.co</a:t>
+            </a:r>
+            <a:r>
+              <a:rPr lang="en-US" dirty="0" smtClean="0"/>
+              <a:t>/types-of-graphs/</a:t>
+            </a:r>
+          </a:p>
+          <a:p>
+            <a:endParaRPr lang="en-US" dirty="0" smtClean="0"/>
+          </a:p>
+          <a:p>
+            <a:r>
+              <a:rPr lang="en-US" dirty="0" smtClean="0"/>
+              <a:t>En version stack </a:t>
+            </a:r>
+            <a:r>
+              <a:rPr lang="en-US" dirty="0" err="1" smtClean="0"/>
+              <a:t>c’est</a:t>
+            </a:r>
+            <a:r>
+              <a:rPr lang="en-US" dirty="0" smtClean="0"/>
               <a:t> </a:t>
             </a:r>
             <a:r>
-              <a:rPr lang="fr-FR" dirty="0" err="1" smtClean="0"/>
-              <a:t>with</a:t>
-            </a:r>
-            <a:r>
-              <a:rPr lang="fr-FR" dirty="0" smtClean="0"/>
-              <a:t> </a:t>
-            </a:r>
-            <a:r>
-              <a:rPr lang="fr-FR" dirty="0" err="1" smtClean="0"/>
-              <a:t>stacked</a:t>
-            </a:r>
-            <a:r>
-              <a:rPr lang="fr-FR" dirty="0" smtClean="0"/>
-              <a:t> area </a:t>
-            </a:r>
-            <a:r>
-              <a:rPr lang="fr-FR" dirty="0" err="1" smtClean="0"/>
-              <a:t>graphics</a:t>
-            </a:r>
-            <a:r>
-              <a:rPr lang="fr-FR" dirty="0" smtClean="0"/>
-              <a:t>.</a:t>
-            </a:r>
+              <a:rPr lang="en-US" dirty="0" err="1" smtClean="0"/>
+              <a:t>juste</a:t>
+            </a:r>
+            <a:r>
+              <a:rPr lang="en-US" dirty="0" smtClean="0"/>
+              <a:t> encore </a:t>
+            </a:r>
+            <a:r>
+              <a:rPr lang="en-US" dirty="0" err="1" smtClean="0"/>
+              <a:t>pire</a:t>
+            </a:r>
+            <a:r>
+              <a:rPr lang="en-US" dirty="0" smtClean="0"/>
+              <a:t> !</a:t>
+            </a:r>
+          </a:p>
+          <a:p>
             <a:endParaRPr lang="fr-FR" dirty="0"/>
           </a:p>
         </p:txBody>
@@ -1171,7 +2361,7 @@
           <a:p>
             <a:fld id="{7831F866-C993-A644-BA4C-5AD247E41B58}" type="slidenum">
               <a:rPr lang="en-US" smtClean="0"/>
-              <a:t>16</a:t>
+              <a:t>15</a:t>
             </a:fld>
             <a:endParaRPr lang="en-US"/>
           </a:p>
@@ -1180,7 +2370,7 @@
     </p:spTree>
     <p:extLst>
       <p:ext uri="{BB962C8B-B14F-4D97-AF65-F5344CB8AC3E}">
-        <p14:creationId xmlns:p14="http://schemas.microsoft.com/office/powerpoint/2010/main" val="145110814"/>
+        <p14:creationId xmlns:p14="http://schemas.microsoft.com/office/powerpoint/2010/main" val="1148788748"/>
       </p:ext>
     </p:extLst>
   </p:cSld>
@@ -1209,6 +2399,98 @@
       </p:grpSpPr>
       <p:sp>
         <p:nvSpPr>
+          <p:cNvPr id="2" name="Slide Image Placeholder 1"/>
+          <p:cNvSpPr>
+            <a:spLocks noGrp="1" noRot="1" noChangeAspect="1"/>
+          </p:cNvSpPr>
+          <p:nvPr>
+            <p:ph type="sldImg"/>
+          </p:nvPr>
+        </p:nvSpPr>
+        <p:spPr/>
+      </p:sp>
+      <p:sp>
+        <p:nvSpPr>
+          <p:cNvPr id="3" name="Notes Placeholder 2"/>
+          <p:cNvSpPr>
+            <a:spLocks noGrp="1"/>
+          </p:cNvSpPr>
+          <p:nvPr>
+            <p:ph type="body" idx="1"/>
+          </p:nvPr>
+        </p:nvSpPr>
+        <p:spPr/>
+        <p:txBody>
+          <a:bodyPr/>
+          <a:lstStyle/>
+          <a:p>
+            <a:r>
+              <a:rPr lang="en-US" dirty="0" smtClean="0"/>
+              <a:t>Scatterplot:</a:t>
+            </a:r>
+            <a:r>
+              <a:rPr lang="en-US" baseline="0" dirty="0" smtClean="0"/>
+              <a:t> if the points are ordered, you have to do a line plot instead.</a:t>
+            </a:r>
+            <a:endParaRPr lang="en-US" dirty="0"/>
+          </a:p>
+        </p:txBody>
+      </p:sp>
+      <p:sp>
+        <p:nvSpPr>
+          <p:cNvPr id="4" name="Slide Number Placeholder 3"/>
+          <p:cNvSpPr>
+            <a:spLocks noGrp="1"/>
+          </p:cNvSpPr>
+          <p:nvPr>
+            <p:ph type="sldNum" sz="quarter" idx="10"/>
+          </p:nvPr>
+        </p:nvSpPr>
+        <p:spPr/>
+        <p:txBody>
+          <a:bodyPr/>
+          <a:lstStyle/>
+          <a:p>
+            <a:fld id="{7831F866-C993-A644-BA4C-5AD247E41B58}" type="slidenum">
+              <a:rPr lang="en-US" smtClean="0"/>
+              <a:t>16</a:t>
+            </a:fld>
+            <a:endParaRPr lang="en-US"/>
+          </a:p>
+        </p:txBody>
+      </p:sp>
+    </p:spTree>
+    <p:extLst>
+      <p:ext uri="{BB962C8B-B14F-4D97-AF65-F5344CB8AC3E}">
+        <p14:creationId xmlns:p14="http://schemas.microsoft.com/office/powerpoint/2010/main" val="2032722732"/>
+      </p:ext>
+    </p:extLst>
+  </p:cSld>
+  <p:clrMapOvr>
+    <a:masterClrMapping/>
+  </p:clrMapOvr>
+</p:notes>
+</file>
+
+<file path=ppt/notesSlides/notesSlide6.xml><?xml version="1.0" encoding="utf-8"?>
+<p:notes xmlns:a="http://schemas.openxmlformats.org/drawingml/2006/main" xmlns:r="http://schemas.openxmlformats.org/officeDocument/2006/relationships" xmlns:p="http://schemas.openxmlformats.org/presentationml/2006/main">
+  <p:cSld>
+    <p:spTree>
+      <p:nvGrpSpPr>
+        <p:cNvPr id="1" name=""/>
+        <p:cNvGrpSpPr/>
+        <p:nvPr/>
+      </p:nvGrpSpPr>
+      <p:grpSpPr>
+        <a:xfrm>
+          <a:off x="0" y="0"/>
+          <a:ext cx="0" cy="0"/>
+          <a:chOff x="0" y="0"/>
+          <a:chExt cx="0" cy="0"/>
+        </a:xfrm>
+      </p:grpSpPr>
+      <p:sp>
+        <p:nvSpPr>
           <p:cNvPr id="2" name="Espace réservé de l’image des diapositives 1"/>
           <p:cNvSpPr>
             <a:spLocks noGrp="1" noRot="1" noChangeAspect="1"/>
@@ -1234,11 +2516,42 @@
           <a:bodyPr/>
           <a:lstStyle/>
           <a:p>
-            <a:r>
-              <a:rPr lang="fr-FR" smtClean="0"/>
-              <a:t>About aspect ratio</a:t>
-            </a:r>
-            <a:endParaRPr lang="fr-FR"/>
+            <a:pPr marL="0" marR="0" indent="0" algn="l" defTabSz="345560" rtl="0" eaLnBrk="1" fontAlgn="auto" latinLnBrk="0" hangingPunct="1">
+              <a:lnSpc>
+                <a:spcPct val="100000"/>
+              </a:lnSpc>
+              <a:spcBef>
+                <a:spcPts val="0"/>
+              </a:spcBef>
+              <a:spcAft>
+                <a:spcPts val="0"/>
+              </a:spcAft>
+              <a:buClrTx/>
+              <a:buSzTx/>
+              <a:buFontTx/>
+              <a:buNone/>
+              <a:tabLst/>
+              <a:defRPr/>
+            </a:pPr>
+            <a:r>
+              <a:rPr lang="fr-FR" dirty="0" err="1" smtClean="0"/>
+              <a:t>Color</a:t>
+            </a:r>
+            <a:r>
+              <a:rPr lang="fr-FR" dirty="0" smtClean="0"/>
+              <a:t> </a:t>
+            </a:r>
+            <a:r>
+              <a:rPr lang="fr-FR" dirty="0" err="1" smtClean="0"/>
+              <a:t>communicates</a:t>
+            </a:r>
+            <a:r>
+              <a:rPr lang="fr-FR" dirty="0" smtClean="0"/>
+              <a:t> no data</a:t>
+            </a:r>
+          </a:p>
+          <a:p>
+            <a:endParaRPr lang="fr-FR" dirty="0"/>
           </a:p>
         </p:txBody>
       </p:sp>
@@ -1268,7 +2581,370 @@
     </p:spTree>
     <p:extLst>
       <p:ext uri="{BB962C8B-B14F-4D97-AF65-F5344CB8AC3E}">
-        <p14:creationId xmlns:p14="http://schemas.microsoft.com/office/powerpoint/2010/main" val="4529069"/>
+        <p14:creationId xmlns:p14="http://schemas.microsoft.com/office/powerpoint/2010/main" val="652579477"/>
+      </p:ext>
+    </p:extLst>
+  </p:cSld>
+  <p:clrMapOvr>
+    <a:masterClrMapping/>
+  </p:clrMapOvr>
+</p:notes>
+</file>
+
+<file path=ppt/notesSlides/notesSlide7.xml><?xml version="1.0" encoding="utf-8"?>
+<p:notes xmlns:a="http://schemas.openxmlformats.org/drawingml/2006/main" xmlns:r="http://schemas.openxmlformats.org/officeDocument/2006/relationships" xmlns:p="http://schemas.openxmlformats.org/presentationml/2006/main">
+  <p:cSld>
+    <p:spTree>
+      <p:nvGrpSpPr>
+        <p:cNvPr id="1" name=""/>
+        <p:cNvGrpSpPr/>
+        <p:nvPr/>
+      </p:nvGrpSpPr>
+      <p:grpSpPr>
+        <a:xfrm>
+          <a:off x="0" y="0"/>
+          <a:ext cx="0" cy="0"/>
+          <a:chOff x="0" y="0"/>
+          <a:chExt cx="0" cy="0"/>
+        </a:xfrm>
+      </p:grpSpPr>
+      <p:sp>
+        <p:nvSpPr>
+          <p:cNvPr id="2" name="Slide Image Placeholder 1"/>
+          <p:cNvSpPr>
+            <a:spLocks noGrp="1" noRot="1" noChangeAspect="1"/>
+          </p:cNvSpPr>
+          <p:nvPr>
+            <p:ph type="sldImg"/>
+          </p:nvPr>
+        </p:nvSpPr>
+        <p:spPr/>
+      </p:sp>
+      <p:sp>
+        <p:nvSpPr>
+          <p:cNvPr id="3" name="Notes Placeholder 2"/>
+          <p:cNvSpPr>
+            <a:spLocks noGrp="1"/>
+          </p:cNvSpPr>
+          <p:nvPr>
+            <p:ph type="body" idx="1"/>
+          </p:nvPr>
+        </p:nvSpPr>
+        <p:spPr/>
+        <p:txBody>
+          <a:bodyPr/>
+          <a:lstStyle/>
+          <a:p>
+            <a:r>
+              <a:rPr lang="en-US" dirty="0" smtClean="0"/>
+              <a:t>Bubble plot: mapping to radius</a:t>
+            </a:r>
+            <a:r>
+              <a:rPr lang="en-US" baseline="0" dirty="0" smtClean="0"/>
+              <a:t> or to area?</a:t>
+            </a:r>
+            <a:endParaRPr lang="en-US" dirty="0"/>
+          </a:p>
+        </p:txBody>
+      </p:sp>
+      <p:sp>
+        <p:nvSpPr>
+          <p:cNvPr id="4" name="Slide Number Placeholder 3"/>
+          <p:cNvSpPr>
+            <a:spLocks noGrp="1"/>
+          </p:cNvSpPr>
+          <p:nvPr>
+            <p:ph type="sldNum" sz="quarter" idx="10"/>
+          </p:nvPr>
+        </p:nvSpPr>
+        <p:spPr/>
+        <p:txBody>
+          <a:bodyPr/>
+          <a:lstStyle/>
+          <a:p>
+            <a:fld id="{7831F866-C993-A644-BA4C-5AD247E41B58}" type="slidenum">
+              <a:rPr lang="en-US" smtClean="0"/>
+              <a:t>18</a:t>
+            </a:fld>
+            <a:endParaRPr lang="en-US"/>
+          </a:p>
+        </p:txBody>
+      </p:sp>
+    </p:spTree>
+    <p:extLst>
+      <p:ext uri="{BB962C8B-B14F-4D97-AF65-F5344CB8AC3E}">
+        <p14:creationId xmlns:p14="http://schemas.microsoft.com/office/powerpoint/2010/main" val="1906279699"/>
+      </p:ext>
+    </p:extLst>
+  </p:cSld>
+  <p:clrMapOvr>
+    <a:masterClrMapping/>
+  </p:clrMapOvr>
+</p:notes>
+</file>
+
+<file path=ppt/notesSlides/notesSlide8.xml><?xml version="1.0" encoding="utf-8"?>
+<p:notes xmlns:a="http://schemas.openxmlformats.org/drawingml/2006/main" xmlns:r="http://schemas.openxmlformats.org/officeDocument/2006/relationships" xmlns:p="http://schemas.openxmlformats.org/presentationml/2006/main">
+  <p:cSld>
+    <p:spTree>
+      <p:nvGrpSpPr>
+        <p:cNvPr id="1" name=""/>
+        <p:cNvGrpSpPr/>
+        <p:nvPr/>
+      </p:nvGrpSpPr>
+      <p:grpSpPr>
+        <a:xfrm>
+          <a:off x="0" y="0"/>
+          <a:ext cx="0" cy="0"/>
+          <a:chOff x="0" y="0"/>
+          <a:chExt cx="0" cy="0"/>
+        </a:xfrm>
+      </p:grpSpPr>
+      <p:sp>
+        <p:nvSpPr>
+          <p:cNvPr id="2" name="Espace réservé de l’image des diapositives 1"/>
+          <p:cNvSpPr>
+            <a:spLocks noGrp="1" noRot="1" noChangeAspect="1"/>
+          </p:cNvSpPr>
+          <p:nvPr>
+            <p:ph type="sldImg"/>
+          </p:nvPr>
+        </p:nvSpPr>
+        <p:spPr/>
+      </p:sp>
+      <p:sp>
+        <p:nvSpPr>
+          <p:cNvPr id="3" name="Espace réservé des commentaires 2"/>
+          <p:cNvSpPr>
+            <a:spLocks noGrp="1"/>
+          </p:cNvSpPr>
+          <p:nvPr>
+            <p:ph type="body" idx="1"/>
+          </p:nvPr>
+        </p:nvSpPr>
+        <p:spPr/>
+        <p:txBody>
+          <a:bodyPr/>
+          <a:lstStyle/>
+          <a:p>
+            <a:pPr marL="0" marR="0" indent="0" algn="l" defTabSz="345560" rtl="0" eaLnBrk="1" fontAlgn="auto" latinLnBrk="0" hangingPunct="1">
+              <a:lnSpc>
+                <a:spcPct val="100000"/>
+              </a:lnSpc>
+              <a:spcBef>
+                <a:spcPts val="0"/>
+              </a:spcBef>
+              <a:spcAft>
+                <a:spcPts val="0"/>
+              </a:spcAft>
+              <a:buClrTx/>
+              <a:buSzTx/>
+              <a:buFontTx/>
+              <a:buNone/>
+              <a:tabLst/>
+              <a:defRPr/>
+            </a:pPr>
+            <a:r>
+              <a:rPr lang="fr-FR" dirty="0" err="1" smtClean="0"/>
+              <a:t>Color</a:t>
+            </a:r>
+            <a:r>
+              <a:rPr lang="fr-FR" dirty="0" smtClean="0"/>
+              <a:t> </a:t>
+            </a:r>
+            <a:r>
+              <a:rPr lang="fr-FR" dirty="0" err="1" smtClean="0"/>
+              <a:t>communicates</a:t>
+            </a:r>
+            <a:r>
+              <a:rPr lang="fr-FR" dirty="0" smtClean="0"/>
+              <a:t> no data</a:t>
+            </a:r>
+          </a:p>
+          <a:p>
+            <a:endParaRPr lang="fr-FR" dirty="0"/>
+          </a:p>
+        </p:txBody>
+      </p:sp>
+      <p:sp>
+        <p:nvSpPr>
+          <p:cNvPr id="4" name="Espace réservé du numéro de diapositive 3"/>
+          <p:cNvSpPr>
+            <a:spLocks noGrp="1"/>
+          </p:cNvSpPr>
+          <p:nvPr>
+            <p:ph type="sldNum" sz="quarter" idx="10"/>
+          </p:nvPr>
+        </p:nvSpPr>
+        <p:spPr/>
+        <p:txBody>
+          <a:bodyPr/>
+          <a:lstStyle/>
+          <a:p>
+            <a:fld id="{7831F866-C993-A644-BA4C-5AD247E41B58}" type="slidenum">
+              <a:rPr lang="en-US" smtClean="0"/>
+              <a:t>19</a:t>
+            </a:fld>
+            <a:endParaRPr lang="en-US"/>
+          </a:p>
+        </p:txBody>
+      </p:sp>
+    </p:spTree>
+    <p:extLst>
+      <p:ext uri="{BB962C8B-B14F-4D97-AF65-F5344CB8AC3E}">
+        <p14:creationId xmlns:p14="http://schemas.microsoft.com/office/powerpoint/2010/main" val="988377086"/>
+      </p:ext>
+    </p:extLst>
+  </p:cSld>
+  <p:clrMapOvr>
+    <a:masterClrMapping/>
+  </p:clrMapOvr>
+</p:notes>
+</file>
+
+<file path=ppt/notesSlides/notesSlide9.xml><?xml version="1.0" encoding="utf-8"?>
+<p:notes xmlns:a="http://schemas.openxmlformats.org/drawingml/2006/main" xmlns:r="http://schemas.openxmlformats.org/officeDocument/2006/relationships" xmlns:p="http://schemas.openxmlformats.org/presentationml/2006/main">
+  <p:cSld>
+    <p:spTree>
+      <p:nvGrpSpPr>
+        <p:cNvPr id="1" name=""/>
+        <p:cNvGrpSpPr/>
+        <p:nvPr/>
+      </p:nvGrpSpPr>
+      <p:grpSpPr>
+        <a:xfrm>
+          <a:off x="0" y="0"/>
+          <a:ext cx="0" cy="0"/>
+          <a:chOff x="0" y="0"/>
+          <a:chExt cx="0" cy="0"/>
+        </a:xfrm>
+      </p:grpSpPr>
+      <p:sp>
+        <p:nvSpPr>
+          <p:cNvPr id="2" name="Espace réservé de l’image des diapositives 1"/>
+          <p:cNvSpPr>
+            <a:spLocks noGrp="1" noRot="1" noChangeAspect="1"/>
+          </p:cNvSpPr>
+          <p:nvPr>
+            <p:ph type="sldImg"/>
+          </p:nvPr>
+        </p:nvSpPr>
+        <p:spPr/>
+      </p:sp>
+      <p:sp>
+        <p:nvSpPr>
+          <p:cNvPr id="3" name="Espace réservé des commentaires 2"/>
+          <p:cNvSpPr>
+            <a:spLocks noGrp="1"/>
+          </p:cNvSpPr>
+          <p:nvPr>
+            <p:ph type="body" idx="1"/>
+          </p:nvPr>
+        </p:nvSpPr>
+        <p:spPr/>
+        <p:txBody>
+          <a:bodyPr/>
+          <a:lstStyle/>
+          <a:p>
+            <a:pPr marL="0" marR="0" indent="0" algn="l" defTabSz="345560" rtl="0" eaLnBrk="1" fontAlgn="auto" latinLnBrk="0" hangingPunct="1">
+              <a:lnSpc>
+                <a:spcPct val="100000"/>
+              </a:lnSpc>
+              <a:spcBef>
+                <a:spcPts val="0"/>
+              </a:spcBef>
+              <a:spcAft>
+                <a:spcPts val="0"/>
+              </a:spcAft>
+              <a:buClrTx/>
+              <a:buSzTx/>
+              <a:buFontTx/>
+              <a:buNone/>
+              <a:tabLst/>
+              <a:defRPr/>
+            </a:pPr>
+            <a:r>
+              <a:rPr lang="fr-FR" dirty="0" err="1" smtClean="0"/>
+              <a:t>Circular</a:t>
+            </a:r>
+            <a:r>
+              <a:rPr lang="fr-FR" dirty="0" smtClean="0"/>
+              <a:t> </a:t>
+            </a:r>
+            <a:r>
+              <a:rPr lang="fr-FR" dirty="0" err="1" smtClean="0"/>
+              <a:t>barplot</a:t>
+            </a:r>
+            <a:r>
+              <a:rPr lang="fr-FR" dirty="0" smtClean="0"/>
+              <a:t>? </a:t>
+            </a:r>
+            <a:r>
+              <a:rPr lang="fr-FR" dirty="0" err="1" smtClean="0"/>
+              <a:t>Don’t</a:t>
+            </a:r>
+            <a:r>
+              <a:rPr lang="fr-FR" dirty="0" smtClean="0"/>
+              <a:t> </a:t>
+            </a:r>
+            <a:r>
+              <a:rPr lang="fr-FR" dirty="0" err="1" smtClean="0"/>
+              <a:t>deform</a:t>
+            </a:r>
+            <a:r>
+              <a:rPr lang="fr-FR" dirty="0" smtClean="0"/>
+              <a:t> to </a:t>
+            </a:r>
+            <a:r>
+              <a:rPr lang="fr-FR" dirty="0" err="1" smtClean="0"/>
+              <a:t>mush</a:t>
+            </a:r>
+            <a:r>
+              <a:rPr lang="fr-FR" baseline="0" dirty="0" smtClean="0"/>
+              <a:t> </a:t>
+            </a:r>
+            <a:r>
+              <a:rPr lang="fr-FR" baseline="0" dirty="0" err="1" smtClean="0"/>
+              <a:t>your</a:t>
+            </a:r>
+            <a:r>
+              <a:rPr lang="fr-FR" baseline="0" dirty="0" smtClean="0"/>
+              <a:t> bar</a:t>
+            </a:r>
+            <a:endParaRPr lang="fr-FR" dirty="0" smtClean="0"/>
+          </a:p>
+          <a:p>
+            <a:endParaRPr lang="fr-FR" dirty="0"/>
+          </a:p>
+        </p:txBody>
+      </p:sp>
+      <p:sp>
+        <p:nvSpPr>
+          <p:cNvPr id="4" name="Espace réservé du numéro de diapositive 3"/>
+          <p:cNvSpPr>
+            <a:spLocks noGrp="1"/>
+          </p:cNvSpPr>
+          <p:nvPr>
+            <p:ph type="sldNum" sz="quarter" idx="10"/>
+          </p:nvPr>
+        </p:nvSpPr>
+        <p:spPr/>
+        <p:txBody>
+          <a:bodyPr/>
+          <a:lstStyle/>
+          <a:p>
+            <a:fld id="{7831F866-C993-A644-BA4C-5AD247E41B58}" type="slidenum">
+              <a:rPr lang="en-US" smtClean="0"/>
+              <a:t>20</a:t>
+            </a:fld>
+            <a:endParaRPr lang="en-US"/>
+          </a:p>
+        </p:txBody>
+      </p:sp>
+    </p:spTree>
+    <p:extLst>
+      <p:ext uri="{BB962C8B-B14F-4D97-AF65-F5344CB8AC3E}">
+        <p14:creationId xmlns:p14="http://schemas.microsoft.com/office/powerpoint/2010/main" val="1775626616"/>
       </p:ext>
     </p:extLst>
   </p:cSld>
@@ -1409,7 +3085,7 @@
           <a:p>
             <a:fld id="{59DFCC1F-3322-FD40-8733-43910790F7FA}" type="datetimeFigureOut">
               <a:rPr lang="en-US" smtClean="0"/>
-              <a:t>5/15/18</a:t>
+              <a:t>5/24/18</a:t>
             </a:fld>
             <a:endParaRPr lang="en-US"/>
           </a:p>
@@ -1574,7 +3250,7 @@
           <a:p>
             <a:fld id="{59DFCC1F-3322-FD40-8733-43910790F7FA}" type="datetimeFigureOut">
               <a:rPr lang="en-US" smtClean="0"/>
-              <a:t>5/15/18</a:t>
+              <a:t>5/24/18</a:t>
             </a:fld>
             <a:endParaRPr lang="en-US"/>
           </a:p>
@@ -1749,7 +3425,7 @@
           <a:p>
             <a:fld id="{59DFCC1F-3322-FD40-8733-43910790F7FA}" type="datetimeFigureOut">
               <a:rPr lang="en-US" smtClean="0"/>
-              <a:t>5/15/18</a:t>
+              <a:t>5/24/18</a:t>
             </a:fld>
             <a:endParaRPr lang="en-US"/>
           </a:p>
@@ -1914,7 +3590,7 @@
           <a:p>
             <a:fld id="{59DFCC1F-3322-FD40-8733-43910790F7FA}" type="datetimeFigureOut">
               <a:rPr lang="en-US" smtClean="0"/>
-              <a:t>5/15/18</a:t>
+              <a:t>5/24/18</a:t>
             </a:fld>
             <a:endParaRPr lang="en-US"/>
           </a:p>
@@ -2153,7 +3829,7 @@
           <a:p>
             <a:fld id="{59DFCC1F-3322-FD40-8733-43910790F7FA}" type="datetimeFigureOut">
               <a:rPr lang="en-US" smtClean="0"/>
-              <a:t>5/15/18</a:t>
+              <a:t>5/24/18</a:t>
             </a:fld>
             <a:endParaRPr lang="en-US"/>
           </a:p>
@@ -2380,7 +4056,7 @@
           <a:p>
             <a:fld id="{59DFCC1F-3322-FD40-8733-43910790F7FA}" type="datetimeFigureOut">
               <a:rPr lang="en-US" smtClean="0"/>
-              <a:t>5/15/18</a:t>
+              <a:t>5/24/18</a:t>
             </a:fld>
             <a:endParaRPr lang="en-US"/>
           </a:p>
@@ -2742,7 +4418,7 @@
           <a:p>
             <a:fld id="{59DFCC1F-3322-FD40-8733-43910790F7FA}" type="datetimeFigureOut">
               <a:rPr lang="en-US" smtClean="0"/>
-              <a:t>5/15/18</a:t>
+              <a:t>5/24/18</a:t>
             </a:fld>
             <a:endParaRPr lang="en-US"/>
           </a:p>
@@ -2855,7 +4531,7 @@
           <a:p>
             <a:fld id="{59DFCC1F-3322-FD40-8733-43910790F7FA}" type="datetimeFigureOut">
               <a:rPr lang="en-US" smtClean="0"/>
-              <a:t>5/15/18</a:t>
+              <a:t>5/24/18</a:t>
             </a:fld>
             <a:endParaRPr lang="en-US"/>
           </a:p>
@@ -2945,7 +4621,7 @@
           <a:p>
             <a:fld id="{59DFCC1F-3322-FD40-8733-43910790F7FA}" type="datetimeFigureOut">
               <a:rPr lang="en-US" smtClean="0"/>
-              <a:t>5/15/18</a:t>
+              <a:t>5/24/18</a:t>
             </a:fld>
             <a:endParaRPr lang="en-US"/>
           </a:p>
@@ -3217,7 +4893,7 @@
           <a:p>
             <a:fld id="{59DFCC1F-3322-FD40-8733-43910790F7FA}" type="datetimeFigureOut">
               <a:rPr lang="en-US" smtClean="0"/>
-              <a:t>5/15/18</a:t>
+              <a:t>5/24/18</a:t>
             </a:fld>
             <a:endParaRPr lang="en-US"/>
           </a:p>
@@ -3469,7 +5145,7 @@
           <a:p>
             <a:fld id="{59DFCC1F-3322-FD40-8733-43910790F7FA}" type="datetimeFigureOut">
               <a:rPr lang="en-US" smtClean="0"/>
-              <a:t>5/15/18</a:t>
+              <a:t>5/24/18</a:t>
             </a:fld>
             <a:endParaRPr lang="en-US"/>
           </a:p>
@@ -3677,7 +5353,7 @@
           <a:p>
             <a:fld id="{59DFCC1F-3322-FD40-8733-43910790F7FA}" type="datetimeFigureOut">
               <a:rPr lang="en-US" smtClean="0"/>
-              <a:t>5/15/18</a:t>
+              <a:t>5/24/18</a:t>
             </a:fld>
             <a:endParaRPr lang="en-US"/>
           </a:p>
@@ -6158,7 +7834,7 @@
         <p:spPr>
           <a:xfrm>
             <a:off x="680358" y="587828"/>
-            <a:ext cx="228600" cy="276999"/>
+            <a:ext cx="228600" cy="461665"/>
           </a:xfrm>
           <a:prstGeom prst="rect">
             <a:avLst/>
@@ -6172,14 +7848,14 @@
           <a:lstStyle/>
           <a:p>
             <a:r>
-              <a:rPr lang="fr-FR" sz="1200" smtClean="0">
+              <a:rPr lang="fr-FR" sz="2400" smtClean="0">
                 <a:solidFill>
                   <a:schemeClr val="bg1"/>
                 </a:solidFill>
               </a:rPr>
               <a:t>A</a:t>
             </a:r>
-            <a:endParaRPr lang="fr-FR"/>
+            <a:endParaRPr lang="fr-FR" sz="1100"/>
           </a:p>
         </p:txBody>
       </p:sp>
@@ -6191,8 +7867,8 @@
         </p:nvSpPr>
         <p:spPr>
           <a:xfrm>
-            <a:off x="2623467" y="576939"/>
-            <a:ext cx="228600" cy="276999"/>
+            <a:off x="2528050" y="584889"/>
+            <a:ext cx="228600" cy="461665"/>
           </a:xfrm>
           <a:prstGeom prst="rect">
             <a:avLst/>
@@ -6203,17 +7879,23 @@
           <a:bodyPr wrap="square" rtlCol="0">
             <a:spAutoFit/>
           </a:bodyPr>
-          <a:lstStyle/>
-          <a:p>
-            <a:r>
-              <a:rPr lang="fr-FR" sz="1200" dirty="0" smtClean="0">
+          <a:lstStyle>
+            <a:defPPr>
+              <a:defRPr lang="en-US"/>
+            </a:defPPr>
+            <a:lvl1pPr>
+              <a:defRPr sz="2400">
                 <a:solidFill>
                   <a:schemeClr val="bg1"/>
                 </a:solidFill>
-              </a:rPr>
+              </a:defRPr>
+            </a:lvl1pPr>
+          </a:lstStyle>
+          <a:p>
+            <a:r>
+              <a:rPr lang="fr-FR" dirty="0"/>
               <a:t>B</a:t>
             </a:r>
-            <a:endParaRPr lang="fr-FR" dirty="0"/>
           </a:p>
         </p:txBody>
       </p:sp>
@@ -6306,8 +7988,8 @@
         </p:nvSpPr>
         <p:spPr>
           <a:xfrm>
-            <a:off x="390489" y="1292393"/>
-            <a:ext cx="2819479" cy="1015663"/>
+            <a:off x="410659" y="1384726"/>
+            <a:ext cx="2655270" cy="830997"/>
           </a:xfrm>
           <a:prstGeom prst="rect">
             <a:avLst/>
@@ -6321,14 +8003,14 @@
           <a:lstStyle/>
           <a:p>
             <a:r>
-              <a:rPr lang="fr-FR" sz="6000" smtClean="0">
+              <a:rPr lang="fr-FR" sz="4800" dirty="0" smtClean="0">
                 <a:solidFill>
                   <a:schemeClr val="bg1"/>
                 </a:solidFill>
               </a:rPr>
               <a:t>2 + 2 = 5</a:t>
             </a:r>
-            <a:endParaRPr lang="fr-FR" sz="3200"/>
+            <a:endParaRPr lang="fr-FR" sz="2400" dirty="0"/>
           </a:p>
         </p:txBody>
       </p:sp>
@@ -6364,148 +8046,688 @@
       </p:grpSpPr>
       <p:sp>
         <p:nvSpPr>
-          <p:cNvPr id="2" name="Titre 1"/>
-          <p:cNvSpPr>
-            <a:spLocks noGrp="1"/>
-          </p:cNvSpPr>
-          <p:nvPr>
-            <p:ph type="title"/>
-          </p:nvPr>
-        </p:nvSpPr>
-        <p:spPr/>
-        <p:txBody>
-          <a:bodyPr/>
-          <a:lstStyle/>
-          <a:p>
+          <p:cNvPr id="4" name="Oval 3"/>
+          <p:cNvSpPr/>
+          <p:nvPr/>
+        </p:nvSpPr>
+        <p:spPr>
+          <a:xfrm>
+            <a:off x="5" y="-1"/>
+            <a:ext cx="3600448" cy="3600452"/>
+          </a:xfrm>
+          <a:prstGeom prst="ellipse">
+            <a:avLst/>
+          </a:prstGeom>
+          <a:solidFill>
+            <a:srgbClr val="271569"/>
+          </a:solidFill>
+          <a:ln>
+            <a:noFill/>
+          </a:ln>
+        </p:spPr>
+        <p:style>
+          <a:lnRef idx="2">
+            <a:schemeClr val="accent1">
+              <a:shade val="50000"/>
+            </a:schemeClr>
+          </a:lnRef>
+          <a:fillRef idx="1">
+            <a:schemeClr val="accent1"/>
+          </a:fillRef>
+          <a:effectRef idx="0">
+            <a:schemeClr val="accent1"/>
+          </a:effectRef>
+          <a:fontRef idx="minor">
+            <a:schemeClr val="lt1"/>
+          </a:fontRef>
+        </p:style>
+        <p:txBody>
+          <a:bodyPr rot="0" spcFirstLastPara="0" vertOverflow="overflow" horzOverflow="overflow" vert="horz" wrap="square" lIns="91440" tIns="45720" rIns="91440" bIns="45720" numCol="1" spcCol="0" rtlCol="0" fromWordArt="0" anchor="ctr" anchorCtr="0" forceAA="0" compatLnSpc="1">
+            <a:prstTxWarp prst="textNoShape">
+              <a:avLst/>
+            </a:prstTxWarp>
+            <a:noAutofit/>
+          </a:bodyPr>
+          <a:lstStyle/>
+          <a:p>
+            <a:pPr algn="ctr"/>
+            <a:endParaRPr lang="en-US" sz="334"/>
+          </a:p>
+        </p:txBody>
+      </p:sp>
+      <p:cxnSp>
+        <p:nvCxnSpPr>
+          <p:cNvPr id="6" name="Straight Connector 5"/>
+          <p:cNvCxnSpPr/>
+          <p:nvPr/>
+        </p:nvCxnSpPr>
+        <p:spPr>
+          <a:xfrm>
+            <a:off x="1800229" y="439946"/>
+            <a:ext cx="1677" cy="770289"/>
+          </a:xfrm>
+          <a:prstGeom prst="line">
+            <a:avLst/>
+          </a:prstGeom>
+          <a:ln w="50800" cap="rnd">
+            <a:solidFill>
+              <a:schemeClr val="bg1"/>
+            </a:solidFill>
+          </a:ln>
+        </p:spPr>
+        <p:style>
+          <a:lnRef idx="1">
+            <a:schemeClr val="accent1"/>
+          </a:lnRef>
+          <a:fillRef idx="0">
+            <a:schemeClr val="accent1"/>
+          </a:fillRef>
+          <a:effectRef idx="0">
+            <a:schemeClr val="accent1"/>
+          </a:effectRef>
+          <a:fontRef idx="minor">
+            <a:schemeClr val="tx1"/>
+          </a:fontRef>
+        </p:style>
+      </p:cxnSp>
+      <p:sp>
+        <p:nvSpPr>
+          <p:cNvPr id="10" name="Bouée 9"/>
+          <p:cNvSpPr/>
+          <p:nvPr/>
+        </p:nvSpPr>
+        <p:spPr>
+          <a:xfrm>
+            <a:off x="728273" y="775251"/>
+            <a:ext cx="2143911" cy="2075525"/>
+          </a:xfrm>
+          <a:prstGeom prst="donut">
+            <a:avLst>
+              <a:gd name="adj" fmla="val 3467"/>
+            </a:avLst>
+          </a:prstGeom>
+          <a:solidFill>
+            <a:schemeClr val="bg1"/>
+          </a:solidFill>
+          <a:ln>
+            <a:noFill/>
+          </a:ln>
+        </p:spPr>
+        <p:style>
+          <a:lnRef idx="2">
+            <a:schemeClr val="accent1">
+              <a:shade val="50000"/>
+            </a:schemeClr>
+          </a:lnRef>
+          <a:fillRef idx="1">
+            <a:schemeClr val="accent1"/>
+          </a:fillRef>
+          <a:effectRef idx="0">
+            <a:schemeClr val="accent1"/>
+          </a:effectRef>
+          <a:fontRef idx="minor">
+            <a:schemeClr val="lt1"/>
+          </a:fontRef>
+        </p:style>
+        <p:txBody>
+          <a:bodyPr rtlCol="0" anchor="ctr"/>
+          <a:lstStyle/>
+          <a:p>
+            <a:pPr algn="ctr"/>
+            <a:endParaRPr lang="fr-FR">
+              <a:solidFill>
+                <a:schemeClr val="tx1"/>
+              </a:solidFill>
+            </a:endParaRPr>
+          </a:p>
+        </p:txBody>
+      </p:sp>
+      <p:sp>
+        <p:nvSpPr>
+          <p:cNvPr id="14" name="Bouée 13"/>
+          <p:cNvSpPr/>
+          <p:nvPr/>
+        </p:nvSpPr>
+        <p:spPr>
+          <a:xfrm>
+            <a:off x="988359" y="994885"/>
+            <a:ext cx="1627092" cy="1607120"/>
+          </a:xfrm>
+          <a:prstGeom prst="donut">
+            <a:avLst>
+              <a:gd name="adj" fmla="val 4898"/>
+            </a:avLst>
+          </a:prstGeom>
+          <a:solidFill>
+            <a:schemeClr val="bg1"/>
+          </a:solidFill>
+          <a:ln>
+            <a:noFill/>
+          </a:ln>
+        </p:spPr>
+        <p:style>
+          <a:lnRef idx="2">
+            <a:schemeClr val="accent1">
+              <a:shade val="50000"/>
+            </a:schemeClr>
+          </a:lnRef>
+          <a:fillRef idx="1">
+            <a:schemeClr val="accent1"/>
+          </a:fillRef>
+          <a:effectRef idx="0">
+            <a:schemeClr val="accent1"/>
+          </a:effectRef>
+          <a:fontRef idx="minor">
+            <a:schemeClr val="lt1"/>
+          </a:fontRef>
+        </p:style>
+        <p:txBody>
+          <a:bodyPr rtlCol="0" anchor="ctr"/>
+          <a:lstStyle/>
+          <a:p>
+            <a:pPr algn="ctr"/>
+            <a:endParaRPr lang="fr-FR">
+              <a:solidFill>
+                <a:schemeClr val="tx1"/>
+              </a:solidFill>
+            </a:endParaRPr>
+          </a:p>
+        </p:txBody>
+      </p:sp>
+      <p:sp>
+        <p:nvSpPr>
+          <p:cNvPr id="16" name="Bouée 15"/>
+          <p:cNvSpPr/>
+          <p:nvPr/>
+        </p:nvSpPr>
+        <p:spPr>
+          <a:xfrm>
+            <a:off x="531162" y="564779"/>
+            <a:ext cx="2540490" cy="2498912"/>
+          </a:xfrm>
+          <a:prstGeom prst="donut">
+            <a:avLst>
+              <a:gd name="adj" fmla="val 2648"/>
+            </a:avLst>
+          </a:prstGeom>
+          <a:solidFill>
+            <a:schemeClr val="bg1"/>
+          </a:solidFill>
+          <a:ln>
+            <a:noFill/>
+          </a:ln>
+        </p:spPr>
+        <p:style>
+          <a:lnRef idx="2">
+            <a:schemeClr val="accent1">
+              <a:shade val="50000"/>
+            </a:schemeClr>
+          </a:lnRef>
+          <a:fillRef idx="1">
+            <a:schemeClr val="accent1"/>
+          </a:fillRef>
+          <a:effectRef idx="0">
+            <a:schemeClr val="accent1"/>
+          </a:effectRef>
+          <a:fontRef idx="minor">
+            <a:schemeClr val="lt1"/>
+          </a:fontRef>
+        </p:style>
+        <p:txBody>
+          <a:bodyPr rtlCol="0" anchor="ctr"/>
+          <a:lstStyle/>
+          <a:p>
+            <a:pPr algn="ctr"/>
+            <a:endParaRPr lang="fr-FR">
+              <a:solidFill>
+                <a:schemeClr val="tx1"/>
+              </a:solidFill>
+            </a:endParaRPr>
+          </a:p>
+        </p:txBody>
+      </p:sp>
+      <p:cxnSp>
+        <p:nvCxnSpPr>
+          <p:cNvPr id="18" name="Connecteur droit 17"/>
+          <p:cNvCxnSpPr/>
+          <p:nvPr/>
+        </p:nvCxnSpPr>
+        <p:spPr>
+          <a:xfrm>
+            <a:off x="1855692" y="439946"/>
+            <a:ext cx="0" cy="871142"/>
+          </a:xfrm>
+          <a:prstGeom prst="line">
+            <a:avLst/>
+          </a:prstGeom>
+          <a:ln w="60325">
+            <a:solidFill>
+              <a:srgbClr val="271569"/>
+            </a:solidFill>
+          </a:ln>
+        </p:spPr>
+        <p:style>
+          <a:lnRef idx="1">
+            <a:schemeClr val="accent1"/>
+          </a:lnRef>
+          <a:fillRef idx="0">
+            <a:schemeClr val="accent1"/>
+          </a:fillRef>
+          <a:effectRef idx="0">
+            <a:schemeClr val="accent1"/>
+          </a:effectRef>
+          <a:fontRef idx="minor">
+            <a:schemeClr val="tx1"/>
+          </a:fontRef>
+        </p:style>
+      </p:cxnSp>
+      <p:cxnSp>
+        <p:nvCxnSpPr>
+          <p:cNvPr id="19" name="Connecteur droit 18"/>
+          <p:cNvCxnSpPr/>
+          <p:nvPr/>
+        </p:nvCxnSpPr>
+        <p:spPr>
+          <a:xfrm>
+            <a:off x="1739148" y="444424"/>
+            <a:ext cx="0" cy="871142"/>
+          </a:xfrm>
+          <a:prstGeom prst="line">
+            <a:avLst/>
+          </a:prstGeom>
+          <a:ln w="60325">
+            <a:solidFill>
+              <a:srgbClr val="271569"/>
+            </a:solidFill>
+          </a:ln>
+        </p:spPr>
+        <p:style>
+          <a:lnRef idx="1">
+            <a:schemeClr val="accent1"/>
+          </a:lnRef>
+          <a:fillRef idx="0">
+            <a:schemeClr val="accent1"/>
+          </a:fillRef>
+          <a:effectRef idx="0">
+            <a:schemeClr val="accent1"/>
+          </a:effectRef>
+          <a:fontRef idx="minor">
+            <a:schemeClr val="tx1"/>
+          </a:fontRef>
+        </p:style>
+      </p:cxnSp>
+      <p:sp>
+        <p:nvSpPr>
+          <p:cNvPr id="20" name="Rectangle à coins arrondis 19"/>
+          <p:cNvSpPr/>
+          <p:nvPr/>
+        </p:nvSpPr>
+        <p:spPr>
+          <a:xfrm>
+            <a:off x="639732" y="484091"/>
+            <a:ext cx="1099415" cy="1425390"/>
+          </a:xfrm>
+          <a:prstGeom prst="roundRect">
+            <a:avLst/>
+          </a:prstGeom>
+          <a:solidFill>
+            <a:srgbClr val="271569"/>
+          </a:solidFill>
+          <a:ln>
+            <a:noFill/>
+          </a:ln>
+        </p:spPr>
+        <p:style>
+          <a:lnRef idx="2">
+            <a:schemeClr val="accent1">
+              <a:shade val="50000"/>
+            </a:schemeClr>
+          </a:lnRef>
+          <a:fillRef idx="1">
+            <a:schemeClr val="accent1"/>
+          </a:fillRef>
+          <a:effectRef idx="0">
+            <a:schemeClr val="accent1"/>
+          </a:effectRef>
+          <a:fontRef idx="minor">
+            <a:schemeClr val="lt1"/>
+          </a:fontRef>
+        </p:style>
+        <p:txBody>
+          <a:bodyPr rtlCol="0" anchor="ctr"/>
+          <a:lstStyle/>
+          <a:p>
+            <a:pPr algn="ctr"/>
             <a:endParaRPr lang="fr-FR"/>
           </a:p>
         </p:txBody>
       </p:sp>
       <p:sp>
         <p:nvSpPr>
-          <p:cNvPr id="3" name="Espace réservé du contenu 2"/>
-          <p:cNvSpPr>
-            <a:spLocks noGrp="1"/>
-          </p:cNvSpPr>
-          <p:nvPr>
-            <p:ph idx="1"/>
-          </p:nvPr>
-        </p:nvSpPr>
-        <p:spPr/>
-        <p:txBody>
-          <a:bodyPr/>
-          <a:lstStyle/>
-          <a:p>
+          <p:cNvPr id="21" name="Rectangle à coins arrondis 20"/>
+          <p:cNvSpPr/>
+          <p:nvPr/>
+        </p:nvSpPr>
+        <p:spPr>
+          <a:xfrm rot="931118">
+            <a:off x="464246" y="632368"/>
+            <a:ext cx="534759" cy="1051113"/>
+          </a:xfrm>
+          <a:prstGeom prst="roundRect">
+            <a:avLst/>
+          </a:prstGeom>
+          <a:solidFill>
+            <a:srgbClr val="271569"/>
+          </a:solidFill>
+          <a:ln>
+            <a:noFill/>
+          </a:ln>
+        </p:spPr>
+        <p:style>
+          <a:lnRef idx="2">
+            <a:schemeClr val="accent1">
+              <a:shade val="50000"/>
+            </a:schemeClr>
+          </a:lnRef>
+          <a:fillRef idx="1">
+            <a:schemeClr val="accent1"/>
+          </a:fillRef>
+          <a:effectRef idx="0">
+            <a:schemeClr val="accent1"/>
+          </a:effectRef>
+          <a:fontRef idx="minor">
+            <a:schemeClr val="lt1"/>
+          </a:fontRef>
+        </p:style>
+        <p:txBody>
+          <a:bodyPr rtlCol="0" anchor="ctr"/>
+          <a:lstStyle/>
+          <a:p>
+            <a:pPr algn="ctr"/>
             <a:endParaRPr lang="fr-FR"/>
           </a:p>
         </p:txBody>
       </p:sp>
       <p:sp>
         <p:nvSpPr>
-          <p:cNvPr id="4" name="Rectangle 3"/>
+          <p:cNvPr id="22" name="Rectangle à coins arrondis 21"/>
           <p:cNvSpPr/>
           <p:nvPr/>
         </p:nvSpPr>
         <p:spPr>
-          <a:xfrm>
-            <a:off x="900113" y="1597093"/>
-            <a:ext cx="1800225" cy="406265"/>
-          </a:xfrm>
-          <a:prstGeom prst="rect">
-            <a:avLst/>
-          </a:prstGeom>
-        </p:spPr>
-        <p:txBody>
-          <a:bodyPr>
-            <a:spAutoFit/>
-          </a:bodyPr>
-          <a:lstStyle/>
-          <a:p>
-            <a:r>
-              <a:rPr lang="fr-FR" dirty="0"/>
-              <a:t>Moiré </a:t>
-            </a:r>
-            <a:r>
-              <a:rPr lang="fr-FR" dirty="0" err="1"/>
-              <a:t>effect</a:t>
-            </a:r>
-            <a:r>
-              <a:rPr lang="fr-FR" dirty="0"/>
-              <a:t> / </a:t>
-            </a:r>
-            <a:r>
-              <a:rPr lang="fr-FR" dirty="0" err="1"/>
-              <a:t>cluttered</a:t>
-            </a:r>
-            <a:r>
-              <a:rPr lang="fr-FR" dirty="0"/>
-              <a:t> </a:t>
-            </a:r>
-            <a:r>
-              <a:rPr lang="fr-FR" dirty="0" err="1"/>
-              <a:t>barplot</a:t>
-            </a:r>
-            <a:r>
-              <a:rPr lang="fr-FR" dirty="0"/>
-              <a:t>.</a:t>
-            </a:r>
-          </a:p>
-          <a:p>
-            <a:endParaRPr lang="fr-FR" dirty="0"/>
-          </a:p>
-          <a:p>
-            <a:r>
-              <a:rPr lang="fr-FR" dirty="0"/>
-              <a:t>Gros </a:t>
-            </a:r>
-            <a:r>
-              <a:rPr lang="fr-FR" dirty="0" err="1"/>
-              <a:t>barplot</a:t>
-            </a:r>
-            <a:r>
-              <a:rPr lang="fr-FR" dirty="0"/>
-              <a:t> </a:t>
-            </a:r>
-            <a:r>
-              <a:rPr lang="fr-FR" dirty="0" err="1"/>
-              <a:t>degueulasse</a:t>
-            </a:r>
-            <a:r>
-              <a:rPr lang="fr-FR" dirty="0"/>
-              <a:t> </a:t>
-            </a:r>
-            <a:r>
-              <a:rPr lang="fr-FR" dirty="0">
-                <a:sym typeface="Wingdings"/>
-              </a:rPr>
-              <a:t> </a:t>
-            </a:r>
-            <a:r>
-              <a:rPr lang="fr-FR" dirty="0" err="1">
-                <a:sym typeface="Wingdings"/>
-              </a:rPr>
-              <a:t>lollipop</a:t>
-            </a:r>
-            <a:r>
-              <a:rPr lang="fr-FR" dirty="0">
-                <a:sym typeface="Wingdings"/>
-              </a:rPr>
-              <a:t> </a:t>
-            </a:r>
-            <a:r>
-              <a:rPr lang="fr-FR" dirty="0" err="1">
-                <a:sym typeface="Wingdings"/>
-              </a:rPr>
-              <a:t>instead</a:t>
-            </a:r>
-            <a:endParaRPr lang="fr-FR" dirty="0"/>
+          <a:xfrm rot="21250001">
+            <a:off x="702906" y="1182377"/>
+            <a:ext cx="534759" cy="1051113"/>
+          </a:xfrm>
+          <a:prstGeom prst="roundRect">
+            <a:avLst/>
+          </a:prstGeom>
+          <a:solidFill>
+            <a:srgbClr val="271569"/>
+          </a:solidFill>
+          <a:ln>
+            <a:noFill/>
+          </a:ln>
+        </p:spPr>
+        <p:style>
+          <a:lnRef idx="2">
+            <a:schemeClr val="accent1">
+              <a:shade val="50000"/>
+            </a:schemeClr>
+          </a:lnRef>
+          <a:fillRef idx="1">
+            <a:schemeClr val="accent1"/>
+          </a:fillRef>
+          <a:effectRef idx="0">
+            <a:schemeClr val="accent1"/>
+          </a:effectRef>
+          <a:fontRef idx="minor">
+            <a:schemeClr val="lt1"/>
+          </a:fontRef>
+        </p:style>
+        <p:txBody>
+          <a:bodyPr rtlCol="0" anchor="ctr"/>
+          <a:lstStyle/>
+          <a:p>
+            <a:pPr algn="ctr"/>
+            <a:endParaRPr lang="fr-FR"/>
+          </a:p>
+        </p:txBody>
+      </p:sp>
+      <p:sp>
+        <p:nvSpPr>
+          <p:cNvPr id="23" name="Rectangle à coins arrondis 22"/>
+          <p:cNvSpPr/>
+          <p:nvPr/>
+        </p:nvSpPr>
+        <p:spPr>
+          <a:xfrm rot="20171061">
+            <a:off x="1001109" y="1411997"/>
+            <a:ext cx="534759" cy="1051113"/>
+          </a:xfrm>
+          <a:prstGeom prst="roundRect">
+            <a:avLst/>
+          </a:prstGeom>
+          <a:solidFill>
+            <a:srgbClr val="271569"/>
+          </a:solidFill>
+          <a:ln>
+            <a:noFill/>
+          </a:ln>
+        </p:spPr>
+        <p:style>
+          <a:lnRef idx="2">
+            <a:schemeClr val="accent1">
+              <a:shade val="50000"/>
+            </a:schemeClr>
+          </a:lnRef>
+          <a:fillRef idx="1">
+            <a:schemeClr val="accent1"/>
+          </a:fillRef>
+          <a:effectRef idx="0">
+            <a:schemeClr val="accent1"/>
+          </a:effectRef>
+          <a:fontRef idx="minor">
+            <a:schemeClr val="lt1"/>
+          </a:fontRef>
+        </p:style>
+        <p:txBody>
+          <a:bodyPr rtlCol="0" anchor="ctr"/>
+          <a:lstStyle/>
+          <a:p>
+            <a:pPr algn="ctr"/>
+            <a:endParaRPr lang="fr-FR"/>
+          </a:p>
+        </p:txBody>
+      </p:sp>
+      <p:sp>
+        <p:nvSpPr>
+          <p:cNvPr id="24" name="Rectangle à coins arrondis 23"/>
+          <p:cNvSpPr/>
+          <p:nvPr/>
+        </p:nvSpPr>
+        <p:spPr>
+          <a:xfrm rot="16200000">
+            <a:off x="1396209" y="2260114"/>
+            <a:ext cx="470746" cy="375782"/>
+          </a:xfrm>
+          <a:prstGeom prst="roundRect">
+            <a:avLst/>
+          </a:prstGeom>
+          <a:solidFill>
+            <a:srgbClr val="271569"/>
+          </a:solidFill>
+          <a:ln>
+            <a:noFill/>
+          </a:ln>
+        </p:spPr>
+        <p:style>
+          <a:lnRef idx="2">
+            <a:schemeClr val="accent1">
+              <a:shade val="50000"/>
+            </a:schemeClr>
+          </a:lnRef>
+          <a:fillRef idx="1">
+            <a:schemeClr val="accent1"/>
+          </a:fillRef>
+          <a:effectRef idx="0">
+            <a:schemeClr val="accent1"/>
+          </a:effectRef>
+          <a:fontRef idx="minor">
+            <a:schemeClr val="lt1"/>
+          </a:fontRef>
+        </p:style>
+        <p:txBody>
+          <a:bodyPr rtlCol="0" anchor="ctr"/>
+          <a:lstStyle/>
+          <a:p>
+            <a:pPr algn="ctr"/>
+            <a:endParaRPr lang="fr-FR"/>
+          </a:p>
+        </p:txBody>
+      </p:sp>
+      <p:sp>
+        <p:nvSpPr>
+          <p:cNvPr id="25" name="Rectangle à coins arrondis 24"/>
+          <p:cNvSpPr/>
+          <p:nvPr/>
+        </p:nvSpPr>
+        <p:spPr>
+          <a:xfrm rot="21250001">
+            <a:off x="780305" y="1409037"/>
+            <a:ext cx="534759" cy="1051113"/>
+          </a:xfrm>
+          <a:prstGeom prst="roundRect">
+            <a:avLst/>
+          </a:prstGeom>
+          <a:solidFill>
+            <a:srgbClr val="271569"/>
+          </a:solidFill>
+          <a:ln>
+            <a:noFill/>
+          </a:ln>
+        </p:spPr>
+        <p:style>
+          <a:lnRef idx="2">
+            <a:schemeClr val="accent1">
+              <a:shade val="50000"/>
+            </a:schemeClr>
+          </a:lnRef>
+          <a:fillRef idx="1">
+            <a:schemeClr val="accent1"/>
+          </a:fillRef>
+          <a:effectRef idx="0">
+            <a:schemeClr val="accent1"/>
+          </a:effectRef>
+          <a:fontRef idx="minor">
+            <a:schemeClr val="lt1"/>
+          </a:fontRef>
+        </p:style>
+        <p:txBody>
+          <a:bodyPr rtlCol="0" anchor="ctr"/>
+          <a:lstStyle/>
+          <a:p>
+            <a:pPr algn="ctr"/>
+            <a:endParaRPr lang="fr-FR"/>
+          </a:p>
+        </p:txBody>
+      </p:sp>
+      <p:sp>
+        <p:nvSpPr>
+          <p:cNvPr id="26" name="Rectangle à coins arrondis 25"/>
+          <p:cNvSpPr/>
+          <p:nvPr/>
+        </p:nvSpPr>
+        <p:spPr>
+          <a:xfrm rot="16200000">
+            <a:off x="1266217" y="2109948"/>
+            <a:ext cx="470746" cy="375782"/>
+          </a:xfrm>
+          <a:prstGeom prst="roundRect">
+            <a:avLst/>
+          </a:prstGeom>
+          <a:solidFill>
+            <a:srgbClr val="271569"/>
+          </a:solidFill>
+          <a:ln>
+            <a:noFill/>
+          </a:ln>
+        </p:spPr>
+        <p:style>
+          <a:lnRef idx="2">
+            <a:schemeClr val="accent1">
+              <a:shade val="50000"/>
+            </a:schemeClr>
+          </a:lnRef>
+          <a:fillRef idx="1">
+            <a:schemeClr val="accent1"/>
+          </a:fillRef>
+          <a:effectRef idx="0">
+            <a:schemeClr val="accent1"/>
+          </a:effectRef>
+          <a:fontRef idx="minor">
+            <a:schemeClr val="lt1"/>
+          </a:fontRef>
+        </p:style>
+        <p:txBody>
+          <a:bodyPr rtlCol="0" anchor="ctr"/>
+          <a:lstStyle/>
+          <a:p>
+            <a:pPr algn="ctr"/>
+            <a:endParaRPr lang="fr-FR"/>
+          </a:p>
+        </p:txBody>
+      </p:sp>
+      <p:sp>
+        <p:nvSpPr>
+          <p:cNvPr id="27" name="Rectangle à coins arrondis 26"/>
+          <p:cNvSpPr/>
+          <p:nvPr/>
+        </p:nvSpPr>
+        <p:spPr>
+          <a:xfrm rot="18765711">
+            <a:off x="842417" y="2173414"/>
+            <a:ext cx="470746" cy="243154"/>
+          </a:xfrm>
+          <a:prstGeom prst="roundRect">
+            <a:avLst/>
+          </a:prstGeom>
+          <a:solidFill>
+            <a:srgbClr val="271569"/>
+          </a:solidFill>
+          <a:ln>
+            <a:noFill/>
+          </a:ln>
+        </p:spPr>
+        <p:style>
+          <a:lnRef idx="2">
+            <a:schemeClr val="accent1">
+              <a:shade val="50000"/>
+            </a:schemeClr>
+          </a:lnRef>
+          <a:fillRef idx="1">
+            <a:schemeClr val="accent1"/>
+          </a:fillRef>
+          <a:effectRef idx="0">
+            <a:schemeClr val="accent1"/>
+          </a:effectRef>
+          <a:fontRef idx="minor">
+            <a:schemeClr val="lt1"/>
+          </a:fontRef>
+        </p:style>
+        <p:txBody>
+          <a:bodyPr rtlCol="0" anchor="ctr"/>
+          <a:lstStyle/>
+          <a:p>
+            <a:pPr algn="ctr"/>
+            <a:endParaRPr lang="fr-FR"/>
           </a:p>
         </p:txBody>
       </p:sp>
     </p:spTree>
     <p:extLst>
       <p:ext uri="{BB962C8B-B14F-4D97-AF65-F5344CB8AC3E}">
-        <p14:creationId xmlns:p14="http://schemas.microsoft.com/office/powerpoint/2010/main" val="1950203366"/>
+        <p14:creationId xmlns:p14="http://schemas.microsoft.com/office/powerpoint/2010/main" val="395860984"/>
       </p:ext>
     </p:extLst>
   </p:cSld>
@@ -6534,46 +8756,521 @@
       </p:grpSpPr>
       <p:sp>
         <p:nvSpPr>
-          <p:cNvPr id="2" name="Titre 1"/>
-          <p:cNvSpPr>
-            <a:spLocks noGrp="1"/>
-          </p:cNvSpPr>
-          <p:nvPr>
-            <p:ph type="title"/>
-          </p:nvPr>
-        </p:nvSpPr>
-        <p:spPr/>
-        <p:txBody>
-          <a:bodyPr/>
-          <a:lstStyle/>
-          <a:p>
-            <a:endParaRPr lang="fr-FR"/>
-          </a:p>
-        </p:txBody>
-      </p:sp>
-      <p:sp>
-        <p:nvSpPr>
-          <p:cNvPr id="3" name="Espace réservé du contenu 2"/>
-          <p:cNvSpPr>
-            <a:spLocks noGrp="1"/>
-          </p:cNvSpPr>
-          <p:nvPr>
-            <p:ph idx="1"/>
-          </p:nvPr>
-        </p:nvSpPr>
-        <p:spPr/>
-        <p:txBody>
-          <a:bodyPr/>
-          <a:lstStyle/>
-          <a:p>
-            <a:endParaRPr lang="fr-FR"/>
-          </a:p>
-        </p:txBody>
-      </p:sp>
+          <p:cNvPr id="4" name="Oval 3"/>
+          <p:cNvSpPr/>
+          <p:nvPr/>
+        </p:nvSpPr>
+        <p:spPr>
+          <a:xfrm>
+            <a:off x="5" y="-1"/>
+            <a:ext cx="3600448" cy="3600452"/>
+          </a:xfrm>
+          <a:prstGeom prst="ellipse">
+            <a:avLst/>
+          </a:prstGeom>
+          <a:solidFill>
+            <a:srgbClr val="271569"/>
+          </a:solidFill>
+          <a:ln>
+            <a:noFill/>
+          </a:ln>
+        </p:spPr>
+        <p:style>
+          <a:lnRef idx="2">
+            <a:schemeClr val="accent1">
+              <a:shade val="50000"/>
+            </a:schemeClr>
+          </a:lnRef>
+          <a:fillRef idx="1">
+            <a:schemeClr val="accent1"/>
+          </a:fillRef>
+          <a:effectRef idx="0">
+            <a:schemeClr val="accent1"/>
+          </a:effectRef>
+          <a:fontRef idx="minor">
+            <a:schemeClr val="lt1"/>
+          </a:fontRef>
+        </p:style>
+        <p:txBody>
+          <a:bodyPr rot="0" spcFirstLastPara="0" vertOverflow="overflow" horzOverflow="overflow" vert="horz" wrap="square" lIns="91440" tIns="45720" rIns="91440" bIns="45720" numCol="1" spcCol="0" rtlCol="0" fromWordArt="0" anchor="ctr" anchorCtr="0" forceAA="0" compatLnSpc="1">
+            <a:prstTxWarp prst="textNoShape">
+              <a:avLst/>
+            </a:prstTxWarp>
+            <a:noAutofit/>
+          </a:bodyPr>
+          <a:lstStyle/>
+          <a:p>
+            <a:pPr algn="ctr"/>
+            <a:endParaRPr lang="en-US" sz="334"/>
+          </a:p>
+        </p:txBody>
+      </p:sp>
+      <p:cxnSp>
+        <p:nvCxnSpPr>
+          <p:cNvPr id="5" name="Straight Connector 5"/>
+          <p:cNvCxnSpPr/>
+          <p:nvPr/>
+        </p:nvCxnSpPr>
+        <p:spPr>
+          <a:xfrm>
+            <a:off x="793943" y="826795"/>
+            <a:ext cx="5476" cy="1708340"/>
+          </a:xfrm>
+          <a:prstGeom prst="line">
+            <a:avLst/>
+          </a:prstGeom>
+          <a:ln w="50800" cap="rnd">
+            <a:solidFill>
+              <a:schemeClr val="bg1"/>
+            </a:solidFill>
+          </a:ln>
+        </p:spPr>
+        <p:style>
+          <a:lnRef idx="1">
+            <a:schemeClr val="accent1"/>
+          </a:lnRef>
+          <a:fillRef idx="0">
+            <a:schemeClr val="accent1"/>
+          </a:fillRef>
+          <a:effectRef idx="0">
+            <a:schemeClr val="accent1"/>
+          </a:effectRef>
+          <a:fontRef idx="minor">
+            <a:schemeClr val="tx1"/>
+          </a:fontRef>
+        </p:style>
+      </p:cxnSp>
+      <p:cxnSp>
+        <p:nvCxnSpPr>
+          <p:cNvPr id="6" name="Straight Connector 6"/>
+          <p:cNvCxnSpPr/>
+          <p:nvPr/>
+        </p:nvCxnSpPr>
+        <p:spPr>
+          <a:xfrm flipH="1">
+            <a:off x="951818" y="2677496"/>
+            <a:ext cx="1955650" cy="10038"/>
+          </a:xfrm>
+          <a:prstGeom prst="line">
+            <a:avLst/>
+          </a:prstGeom>
+          <a:ln w="50800" cap="rnd">
+            <a:solidFill>
+              <a:schemeClr val="bg1"/>
+            </a:solidFill>
+          </a:ln>
+        </p:spPr>
+        <p:style>
+          <a:lnRef idx="1">
+            <a:schemeClr val="accent1"/>
+          </a:lnRef>
+          <a:fillRef idx="0">
+            <a:schemeClr val="accent1"/>
+          </a:fillRef>
+          <a:effectRef idx="0">
+            <a:schemeClr val="accent1"/>
+          </a:effectRef>
+          <a:fontRef idx="minor">
+            <a:schemeClr val="tx1"/>
+          </a:fontRef>
+        </p:style>
+      </p:cxnSp>
+      <p:sp>
+        <p:nvSpPr>
+          <p:cNvPr id="11" name="Oval 14"/>
+          <p:cNvSpPr/>
+          <p:nvPr/>
+        </p:nvSpPr>
+        <p:spPr>
+          <a:xfrm>
+            <a:off x="1045326" y="2169493"/>
+            <a:ext cx="136071" cy="141090"/>
+          </a:xfrm>
+          <a:prstGeom prst="ellipse">
+            <a:avLst/>
+          </a:prstGeom>
+          <a:solidFill>
+            <a:schemeClr val="bg1"/>
+          </a:solidFill>
+          <a:ln>
+            <a:noFill/>
+          </a:ln>
+        </p:spPr>
+        <p:style>
+          <a:lnRef idx="2">
+            <a:schemeClr val="accent1">
+              <a:shade val="50000"/>
+            </a:schemeClr>
+          </a:lnRef>
+          <a:fillRef idx="1">
+            <a:schemeClr val="accent1"/>
+          </a:fillRef>
+          <a:effectRef idx="0">
+            <a:schemeClr val="accent1"/>
+          </a:effectRef>
+          <a:fontRef idx="minor">
+            <a:schemeClr val="lt1"/>
+          </a:fontRef>
+        </p:style>
+        <p:txBody>
+          <a:bodyPr rtlCol="0" anchor="ctr"/>
+          <a:lstStyle/>
+          <a:p>
+            <a:pPr algn="ctr"/>
+            <a:endParaRPr lang="en-US"/>
+          </a:p>
+        </p:txBody>
+      </p:sp>
+      <p:sp>
+        <p:nvSpPr>
+          <p:cNvPr id="12" name="Oval 14"/>
+          <p:cNvSpPr/>
+          <p:nvPr/>
+        </p:nvSpPr>
+        <p:spPr>
+          <a:xfrm>
+            <a:off x="1352370" y="2321893"/>
+            <a:ext cx="136071" cy="141090"/>
+          </a:xfrm>
+          <a:prstGeom prst="ellipse">
+            <a:avLst/>
+          </a:prstGeom>
+          <a:solidFill>
+            <a:schemeClr val="bg1"/>
+          </a:solidFill>
+          <a:ln>
+            <a:noFill/>
+          </a:ln>
+        </p:spPr>
+        <p:style>
+          <a:lnRef idx="2">
+            <a:schemeClr val="accent1">
+              <a:shade val="50000"/>
+            </a:schemeClr>
+          </a:lnRef>
+          <a:fillRef idx="1">
+            <a:schemeClr val="accent1"/>
+          </a:fillRef>
+          <a:effectRef idx="0">
+            <a:schemeClr val="accent1"/>
+          </a:effectRef>
+          <a:fontRef idx="minor">
+            <a:schemeClr val="lt1"/>
+          </a:fontRef>
+        </p:style>
+        <p:txBody>
+          <a:bodyPr rtlCol="0" anchor="ctr"/>
+          <a:lstStyle/>
+          <a:p>
+            <a:pPr algn="ctr"/>
+            <a:endParaRPr lang="en-US"/>
+          </a:p>
+        </p:txBody>
+      </p:sp>
+      <p:sp>
+        <p:nvSpPr>
+          <p:cNvPr id="13" name="Oval 14"/>
+          <p:cNvSpPr/>
+          <p:nvPr/>
+        </p:nvSpPr>
+        <p:spPr>
+          <a:xfrm>
+            <a:off x="1524942" y="1996919"/>
+            <a:ext cx="136071" cy="141090"/>
+          </a:xfrm>
+          <a:prstGeom prst="ellipse">
+            <a:avLst/>
+          </a:prstGeom>
+          <a:solidFill>
+            <a:schemeClr val="bg1"/>
+          </a:solidFill>
+          <a:ln>
+            <a:noFill/>
+          </a:ln>
+        </p:spPr>
+        <p:style>
+          <a:lnRef idx="2">
+            <a:schemeClr val="accent1">
+              <a:shade val="50000"/>
+            </a:schemeClr>
+          </a:lnRef>
+          <a:fillRef idx="1">
+            <a:schemeClr val="accent1"/>
+          </a:fillRef>
+          <a:effectRef idx="0">
+            <a:schemeClr val="accent1"/>
+          </a:effectRef>
+          <a:fontRef idx="minor">
+            <a:schemeClr val="lt1"/>
+          </a:fontRef>
+        </p:style>
+        <p:txBody>
+          <a:bodyPr rtlCol="0" anchor="ctr"/>
+          <a:lstStyle/>
+          <a:p>
+            <a:pPr algn="ctr"/>
+            <a:endParaRPr lang="en-US"/>
+          </a:p>
+        </p:txBody>
+      </p:sp>
+      <p:sp>
+        <p:nvSpPr>
+          <p:cNvPr id="14" name="Oval 14"/>
+          <p:cNvSpPr/>
+          <p:nvPr/>
+        </p:nvSpPr>
+        <p:spPr>
+          <a:xfrm>
+            <a:off x="1831986" y="2149319"/>
+            <a:ext cx="136071" cy="141090"/>
+          </a:xfrm>
+          <a:prstGeom prst="ellipse">
+            <a:avLst/>
+          </a:prstGeom>
+          <a:solidFill>
+            <a:schemeClr val="bg1"/>
+          </a:solidFill>
+          <a:ln>
+            <a:noFill/>
+          </a:ln>
+        </p:spPr>
+        <p:style>
+          <a:lnRef idx="2">
+            <a:schemeClr val="accent1">
+              <a:shade val="50000"/>
+            </a:schemeClr>
+          </a:lnRef>
+          <a:fillRef idx="1">
+            <a:schemeClr val="accent1"/>
+          </a:fillRef>
+          <a:effectRef idx="0">
+            <a:schemeClr val="accent1"/>
+          </a:effectRef>
+          <a:fontRef idx="minor">
+            <a:schemeClr val="lt1"/>
+          </a:fontRef>
+        </p:style>
+        <p:txBody>
+          <a:bodyPr rtlCol="0" anchor="ctr"/>
+          <a:lstStyle/>
+          <a:p>
+            <a:pPr algn="ctr"/>
+            <a:endParaRPr lang="en-US"/>
+          </a:p>
+        </p:txBody>
+      </p:sp>
+      <p:sp>
+        <p:nvSpPr>
+          <p:cNvPr id="15" name="Oval 14"/>
+          <p:cNvSpPr/>
+          <p:nvPr/>
+        </p:nvSpPr>
+        <p:spPr>
+          <a:xfrm>
+            <a:off x="1984386" y="1622639"/>
+            <a:ext cx="136071" cy="141090"/>
+          </a:xfrm>
+          <a:prstGeom prst="ellipse">
+            <a:avLst/>
+          </a:prstGeom>
+          <a:solidFill>
+            <a:schemeClr val="bg1"/>
+          </a:solidFill>
+          <a:ln>
+            <a:noFill/>
+          </a:ln>
+        </p:spPr>
+        <p:style>
+          <a:lnRef idx="2">
+            <a:schemeClr val="accent1">
+              <a:shade val="50000"/>
+            </a:schemeClr>
+          </a:lnRef>
+          <a:fillRef idx="1">
+            <a:schemeClr val="accent1"/>
+          </a:fillRef>
+          <a:effectRef idx="0">
+            <a:schemeClr val="accent1"/>
+          </a:effectRef>
+          <a:fontRef idx="minor">
+            <a:schemeClr val="lt1"/>
+          </a:fontRef>
+        </p:style>
+        <p:txBody>
+          <a:bodyPr rtlCol="0" anchor="ctr"/>
+          <a:lstStyle/>
+          <a:p>
+            <a:pPr algn="ctr"/>
+            <a:endParaRPr lang="en-US"/>
+          </a:p>
+        </p:txBody>
+      </p:sp>
+      <p:sp>
+        <p:nvSpPr>
+          <p:cNvPr id="16" name="Oval 14"/>
+          <p:cNvSpPr/>
+          <p:nvPr/>
+        </p:nvSpPr>
+        <p:spPr>
+          <a:xfrm>
+            <a:off x="2264536" y="1479201"/>
+            <a:ext cx="136071" cy="141090"/>
+          </a:xfrm>
+          <a:prstGeom prst="ellipse">
+            <a:avLst/>
+          </a:prstGeom>
+          <a:solidFill>
+            <a:schemeClr val="bg1"/>
+          </a:solidFill>
+          <a:ln>
+            <a:noFill/>
+          </a:ln>
+        </p:spPr>
+        <p:style>
+          <a:lnRef idx="2">
+            <a:schemeClr val="accent1">
+              <a:shade val="50000"/>
+            </a:schemeClr>
+          </a:lnRef>
+          <a:fillRef idx="1">
+            <a:schemeClr val="accent1"/>
+          </a:fillRef>
+          <a:effectRef idx="0">
+            <a:schemeClr val="accent1"/>
+          </a:effectRef>
+          <a:fontRef idx="minor">
+            <a:schemeClr val="lt1"/>
+          </a:fontRef>
+        </p:style>
+        <p:txBody>
+          <a:bodyPr rtlCol="0" anchor="ctr"/>
+          <a:lstStyle/>
+          <a:p>
+            <a:pPr algn="ctr"/>
+            <a:endParaRPr lang="en-US"/>
+          </a:p>
+        </p:txBody>
+      </p:sp>
+      <p:sp>
+        <p:nvSpPr>
+          <p:cNvPr id="17" name="Oval 14"/>
+          <p:cNvSpPr/>
+          <p:nvPr/>
+        </p:nvSpPr>
+        <p:spPr>
+          <a:xfrm>
+            <a:off x="2625368" y="1208015"/>
+            <a:ext cx="136071" cy="141090"/>
+          </a:xfrm>
+          <a:prstGeom prst="ellipse">
+            <a:avLst/>
+          </a:prstGeom>
+          <a:solidFill>
+            <a:schemeClr val="bg1"/>
+          </a:solidFill>
+          <a:ln>
+            <a:noFill/>
+          </a:ln>
+        </p:spPr>
+        <p:style>
+          <a:lnRef idx="2">
+            <a:schemeClr val="accent1">
+              <a:shade val="50000"/>
+            </a:schemeClr>
+          </a:lnRef>
+          <a:fillRef idx="1">
+            <a:schemeClr val="accent1"/>
+          </a:fillRef>
+          <a:effectRef idx="0">
+            <a:schemeClr val="accent1"/>
+          </a:effectRef>
+          <a:fontRef idx="minor">
+            <a:schemeClr val="lt1"/>
+          </a:fontRef>
+        </p:style>
+        <p:txBody>
+          <a:bodyPr rtlCol="0" anchor="ctr"/>
+          <a:lstStyle/>
+          <a:p>
+            <a:pPr algn="ctr"/>
+            <a:endParaRPr lang="en-US"/>
+          </a:p>
+        </p:txBody>
+      </p:sp>
+      <p:cxnSp>
+        <p:nvCxnSpPr>
+          <p:cNvPr id="18" name="Straight Connector 6"/>
+          <p:cNvCxnSpPr/>
+          <p:nvPr/>
+        </p:nvCxnSpPr>
+        <p:spPr>
+          <a:xfrm flipH="1" flipV="1">
+            <a:off x="2761439" y="2504922"/>
+            <a:ext cx="152400" cy="172574"/>
+          </a:xfrm>
+          <a:prstGeom prst="line">
+            <a:avLst/>
+          </a:prstGeom>
+          <a:ln w="50800" cap="rnd">
+            <a:solidFill>
+              <a:schemeClr val="bg1"/>
+            </a:solidFill>
+          </a:ln>
+        </p:spPr>
+        <p:style>
+          <a:lnRef idx="1">
+            <a:schemeClr val="accent1"/>
+          </a:lnRef>
+          <a:fillRef idx="0">
+            <a:schemeClr val="accent1"/>
+          </a:fillRef>
+          <a:effectRef idx="0">
+            <a:schemeClr val="accent1"/>
+          </a:effectRef>
+          <a:fontRef idx="minor">
+            <a:schemeClr val="tx1"/>
+          </a:fontRef>
+        </p:style>
+      </p:cxnSp>
+      <p:cxnSp>
+        <p:nvCxnSpPr>
+          <p:cNvPr id="20" name="Straight Connector 6"/>
+          <p:cNvCxnSpPr/>
+          <p:nvPr/>
+        </p:nvCxnSpPr>
+        <p:spPr>
+          <a:xfrm flipH="1">
+            <a:off x="2761439" y="2692201"/>
+            <a:ext cx="158772" cy="167907"/>
+          </a:xfrm>
+          <a:prstGeom prst="line">
+            <a:avLst/>
+          </a:prstGeom>
+          <a:ln w="50800" cap="rnd">
+            <a:solidFill>
+              <a:schemeClr val="bg1"/>
+            </a:solidFill>
+          </a:ln>
+        </p:spPr>
+        <p:style>
+          <a:lnRef idx="1">
+            <a:schemeClr val="accent1"/>
+          </a:lnRef>
+          <a:fillRef idx="0">
+            <a:schemeClr val="accent1"/>
+          </a:fillRef>
+          <a:effectRef idx="0">
+            <a:schemeClr val="accent1"/>
+          </a:effectRef>
+          <a:fontRef idx="minor">
+            <a:schemeClr val="tx1"/>
+          </a:fontRef>
+        </p:style>
+      </p:cxnSp>
     </p:spTree>
     <p:extLst>
       <p:ext uri="{BB962C8B-B14F-4D97-AF65-F5344CB8AC3E}">
-        <p14:creationId xmlns:p14="http://schemas.microsoft.com/office/powerpoint/2010/main" val="847758037"/>
+        <p14:creationId xmlns:p14="http://schemas.microsoft.com/office/powerpoint/2010/main" val="1489572773"/>
       </p:ext>
     </p:extLst>
   </p:cSld>
@@ -6602,46 +9299,1290 @@
       </p:grpSpPr>
       <p:sp>
         <p:nvSpPr>
-          <p:cNvPr id="2" name="Titre 1"/>
-          <p:cNvSpPr>
-            <a:spLocks noGrp="1"/>
-          </p:cNvSpPr>
-          <p:nvPr>
-            <p:ph type="title"/>
-          </p:nvPr>
-        </p:nvSpPr>
-        <p:spPr/>
-        <p:txBody>
-          <a:bodyPr/>
-          <a:lstStyle/>
-          <a:p>
-            <a:endParaRPr lang="fr-FR"/>
-          </a:p>
-        </p:txBody>
-      </p:sp>
-      <p:sp>
-        <p:nvSpPr>
-          <p:cNvPr id="3" name="Espace réservé du contenu 2"/>
-          <p:cNvSpPr>
-            <a:spLocks noGrp="1"/>
-          </p:cNvSpPr>
-          <p:nvPr>
-            <p:ph idx="1"/>
-          </p:nvPr>
-        </p:nvSpPr>
-        <p:spPr/>
-        <p:txBody>
-          <a:bodyPr/>
-          <a:lstStyle/>
-          <a:p>
-            <a:endParaRPr lang="fr-FR"/>
+          <p:cNvPr id="4" name="Oval 3"/>
+          <p:cNvSpPr/>
+          <p:nvPr/>
+        </p:nvSpPr>
+        <p:spPr>
+          <a:xfrm>
+            <a:off x="5" y="-1"/>
+            <a:ext cx="3600448" cy="3600452"/>
+          </a:xfrm>
+          <a:prstGeom prst="ellipse">
+            <a:avLst/>
+          </a:prstGeom>
+          <a:solidFill>
+            <a:srgbClr val="271569"/>
+          </a:solidFill>
+          <a:ln>
+            <a:noFill/>
+          </a:ln>
+        </p:spPr>
+        <p:style>
+          <a:lnRef idx="2">
+            <a:schemeClr val="accent1">
+              <a:shade val="50000"/>
+            </a:schemeClr>
+          </a:lnRef>
+          <a:fillRef idx="1">
+            <a:schemeClr val="accent1"/>
+          </a:fillRef>
+          <a:effectRef idx="0">
+            <a:schemeClr val="accent1"/>
+          </a:effectRef>
+          <a:fontRef idx="minor">
+            <a:schemeClr val="lt1"/>
+          </a:fontRef>
+        </p:style>
+        <p:txBody>
+          <a:bodyPr rot="0" spcFirstLastPara="0" vertOverflow="overflow" horzOverflow="overflow" vert="horz" wrap="square" lIns="91440" tIns="45720" rIns="91440" bIns="45720" numCol="1" spcCol="0" rtlCol="0" fromWordArt="0" anchor="ctr" anchorCtr="0" forceAA="0" compatLnSpc="1">
+            <a:prstTxWarp prst="textNoShape">
+              <a:avLst/>
+            </a:prstTxWarp>
+            <a:noAutofit/>
+          </a:bodyPr>
+          <a:lstStyle/>
+          <a:p>
+            <a:pPr algn="ctr"/>
+            <a:endParaRPr lang="en-US" sz="334"/>
+          </a:p>
+        </p:txBody>
+      </p:sp>
+      <p:cxnSp>
+        <p:nvCxnSpPr>
+          <p:cNvPr id="7" name="Straight Connector 6"/>
+          <p:cNvCxnSpPr/>
+          <p:nvPr/>
+        </p:nvCxnSpPr>
+        <p:spPr>
+          <a:xfrm flipH="1">
+            <a:off x="904753" y="2677496"/>
+            <a:ext cx="1955650" cy="10038"/>
+          </a:xfrm>
+          <a:prstGeom prst="line">
+            <a:avLst/>
+          </a:prstGeom>
+          <a:ln w="50800" cap="rnd">
+            <a:solidFill>
+              <a:schemeClr val="bg1"/>
+            </a:solidFill>
+          </a:ln>
+        </p:spPr>
+        <p:style>
+          <a:lnRef idx="1">
+            <a:schemeClr val="accent1"/>
+          </a:lnRef>
+          <a:fillRef idx="0">
+            <a:schemeClr val="accent1"/>
+          </a:fillRef>
+          <a:effectRef idx="0">
+            <a:schemeClr val="accent1"/>
+          </a:effectRef>
+          <a:fontRef idx="minor">
+            <a:schemeClr val="tx1"/>
+          </a:fontRef>
+        </p:style>
+      </p:cxnSp>
+      <p:sp>
+        <p:nvSpPr>
+          <p:cNvPr id="2" name="Rectangle 1"/>
+          <p:cNvSpPr/>
+          <p:nvPr/>
+        </p:nvSpPr>
+        <p:spPr>
+          <a:xfrm>
+            <a:off x="935207" y="1108420"/>
+            <a:ext cx="498172" cy="1402279"/>
+          </a:xfrm>
+          <a:prstGeom prst="rect">
+            <a:avLst/>
+          </a:prstGeom>
+          <a:solidFill>
+            <a:schemeClr val="bg1">
+              <a:lumMod val="85000"/>
+              <a:alpha val="79000"/>
+            </a:schemeClr>
+          </a:solidFill>
+          <a:ln w="28575">
+            <a:solidFill>
+              <a:schemeClr val="bg1"/>
+            </a:solidFill>
+          </a:ln>
+        </p:spPr>
+        <p:style>
+          <a:lnRef idx="2">
+            <a:schemeClr val="accent1">
+              <a:shade val="50000"/>
+            </a:schemeClr>
+          </a:lnRef>
+          <a:fillRef idx="1">
+            <a:schemeClr val="accent1"/>
+          </a:fillRef>
+          <a:effectRef idx="0">
+            <a:schemeClr val="accent1"/>
+          </a:effectRef>
+          <a:fontRef idx="minor">
+            <a:schemeClr val="lt1"/>
+          </a:fontRef>
+        </p:style>
+        <p:txBody>
+          <a:bodyPr rtlCol="0" anchor="ctr"/>
+          <a:lstStyle/>
+          <a:p>
+            <a:pPr algn="ctr"/>
+            <a:endParaRPr lang="en-US"/>
+          </a:p>
+        </p:txBody>
+      </p:sp>
+      <p:sp>
+        <p:nvSpPr>
+          <p:cNvPr id="8" name="Rectangle 7"/>
+          <p:cNvSpPr/>
+          <p:nvPr/>
+        </p:nvSpPr>
+        <p:spPr>
+          <a:xfrm>
+            <a:off x="1612046" y="1106174"/>
+            <a:ext cx="498172" cy="1402279"/>
+          </a:xfrm>
+          <a:prstGeom prst="rect">
+            <a:avLst/>
+          </a:prstGeom>
+          <a:solidFill>
+            <a:schemeClr val="bg1">
+              <a:lumMod val="85000"/>
+              <a:alpha val="46000"/>
+            </a:schemeClr>
+          </a:solidFill>
+          <a:ln w="28575">
+            <a:solidFill>
+              <a:schemeClr val="bg1"/>
+            </a:solidFill>
+          </a:ln>
+        </p:spPr>
+        <p:style>
+          <a:lnRef idx="2">
+            <a:schemeClr val="accent1">
+              <a:shade val="50000"/>
+            </a:schemeClr>
+          </a:lnRef>
+          <a:fillRef idx="1">
+            <a:schemeClr val="accent1"/>
+          </a:fillRef>
+          <a:effectRef idx="0">
+            <a:schemeClr val="accent1"/>
+          </a:effectRef>
+          <a:fontRef idx="minor">
+            <a:schemeClr val="lt1"/>
+          </a:fontRef>
+        </p:style>
+        <p:txBody>
+          <a:bodyPr rtlCol="0" anchor="ctr"/>
+          <a:lstStyle/>
+          <a:p>
+            <a:pPr algn="ctr"/>
+            <a:endParaRPr lang="en-US"/>
+          </a:p>
+        </p:txBody>
+      </p:sp>
+      <p:sp>
+        <p:nvSpPr>
+          <p:cNvPr id="9" name="Rectangle 8"/>
+          <p:cNvSpPr/>
+          <p:nvPr/>
+        </p:nvSpPr>
+        <p:spPr>
+          <a:xfrm>
+            <a:off x="2288885" y="1110646"/>
+            <a:ext cx="498172" cy="1402279"/>
+          </a:xfrm>
+          <a:prstGeom prst="rect">
+            <a:avLst/>
+          </a:prstGeom>
+          <a:solidFill>
+            <a:schemeClr val="bg1">
+              <a:lumMod val="85000"/>
+              <a:alpha val="0"/>
+            </a:schemeClr>
+          </a:solidFill>
+          <a:ln w="28575">
+            <a:solidFill>
+              <a:schemeClr val="bg1"/>
+            </a:solidFill>
+          </a:ln>
+        </p:spPr>
+        <p:style>
+          <a:lnRef idx="2">
+            <a:schemeClr val="accent1">
+              <a:shade val="50000"/>
+            </a:schemeClr>
+          </a:lnRef>
+          <a:fillRef idx="1">
+            <a:schemeClr val="accent1"/>
+          </a:fillRef>
+          <a:effectRef idx="0">
+            <a:schemeClr val="accent1"/>
+          </a:effectRef>
+          <a:fontRef idx="minor">
+            <a:schemeClr val="lt1"/>
+          </a:fontRef>
+        </p:style>
+        <p:txBody>
+          <a:bodyPr rtlCol="0" anchor="ctr"/>
+          <a:lstStyle/>
+          <a:p>
+            <a:pPr algn="ctr"/>
+            <a:endParaRPr lang="en-US"/>
+          </a:p>
+        </p:txBody>
+      </p:sp>
+      <p:sp>
+        <p:nvSpPr>
+          <p:cNvPr id="10" name="ZoneTexte 9"/>
+          <p:cNvSpPr txBox="1"/>
+          <p:nvPr/>
+        </p:nvSpPr>
+        <p:spPr>
+          <a:xfrm>
+            <a:off x="1027222" y="644509"/>
+            <a:ext cx="228600" cy="461665"/>
+          </a:xfrm>
+          <a:prstGeom prst="rect">
+            <a:avLst/>
+          </a:prstGeom>
+          <a:noFill/>
+        </p:spPr>
+        <p:txBody>
+          <a:bodyPr wrap="square" rtlCol="0">
+            <a:spAutoFit/>
+          </a:bodyPr>
+          <a:lstStyle/>
+          <a:p>
+            <a:r>
+              <a:rPr lang="fr-FR" sz="2400" smtClean="0">
+                <a:solidFill>
+                  <a:schemeClr val="bg1"/>
+                </a:solidFill>
+              </a:rPr>
+              <a:t>A</a:t>
+            </a:r>
+            <a:endParaRPr lang="fr-FR" sz="1100"/>
+          </a:p>
+        </p:txBody>
+      </p:sp>
+      <p:sp>
+        <p:nvSpPr>
+          <p:cNvPr id="11" name="ZoneTexte 10"/>
+          <p:cNvSpPr txBox="1"/>
+          <p:nvPr/>
+        </p:nvSpPr>
+        <p:spPr>
+          <a:xfrm>
+            <a:off x="1675303" y="644509"/>
+            <a:ext cx="228600" cy="461665"/>
+          </a:xfrm>
+          <a:prstGeom prst="rect">
+            <a:avLst/>
+          </a:prstGeom>
+          <a:noFill/>
+        </p:spPr>
+        <p:txBody>
+          <a:bodyPr wrap="square" rtlCol="0">
+            <a:spAutoFit/>
+          </a:bodyPr>
+          <a:lstStyle/>
+          <a:p>
+            <a:r>
+              <a:rPr lang="fr-FR" sz="2400" dirty="0" smtClean="0">
+                <a:solidFill>
+                  <a:schemeClr val="bg1"/>
+                </a:solidFill>
+              </a:rPr>
+              <a:t>B</a:t>
+            </a:r>
+            <a:endParaRPr lang="fr-FR" sz="1100" dirty="0"/>
+          </a:p>
+        </p:txBody>
+      </p:sp>
+      <p:sp>
+        <p:nvSpPr>
+          <p:cNvPr id="13" name="ZoneTexte 12"/>
+          <p:cNvSpPr txBox="1"/>
+          <p:nvPr/>
+        </p:nvSpPr>
+        <p:spPr>
+          <a:xfrm>
+            <a:off x="2359379" y="644508"/>
+            <a:ext cx="228600" cy="461665"/>
+          </a:xfrm>
+          <a:prstGeom prst="rect">
+            <a:avLst/>
+          </a:prstGeom>
+          <a:noFill/>
+        </p:spPr>
+        <p:txBody>
+          <a:bodyPr wrap="square" rtlCol="0">
+            <a:spAutoFit/>
+          </a:bodyPr>
+          <a:lstStyle/>
+          <a:p>
+            <a:r>
+              <a:rPr lang="fr-FR" sz="2400" dirty="0">
+                <a:solidFill>
+                  <a:schemeClr val="bg1"/>
+                </a:solidFill>
+              </a:rPr>
+              <a:t>C</a:t>
+            </a:r>
+            <a:endParaRPr lang="fr-FR" sz="1100" dirty="0"/>
           </a:p>
         </p:txBody>
       </p:sp>
     </p:spTree>
     <p:extLst>
       <p:ext uri="{BB962C8B-B14F-4D97-AF65-F5344CB8AC3E}">
-        <p14:creationId xmlns:p14="http://schemas.microsoft.com/office/powerpoint/2010/main" val="1673167727"/>
+        <p14:creationId xmlns:p14="http://schemas.microsoft.com/office/powerpoint/2010/main" val="1207589239"/>
+      </p:ext>
+    </p:extLst>
+  </p:cSld>
+  <p:clrMapOvr>
+    <a:masterClrMapping/>
+  </p:clrMapOvr>
+</p:sld>
+</file>
+
+<file path=ppt/slides/slide18.xml><?xml version="1.0" encoding="utf-8"?>
+<p:sld xmlns:a="http://schemas.openxmlformats.org/drawingml/2006/main" xmlns:r="http://schemas.openxmlformats.org/officeDocument/2006/relationships" xmlns:p="http://schemas.openxmlformats.org/presentationml/2006/main">
+  <p:cSld>
+    <p:spTree>
+      <p:nvGrpSpPr>
+        <p:cNvPr id="1" name=""/>
+        <p:cNvGrpSpPr/>
+        <p:nvPr/>
+      </p:nvGrpSpPr>
+      <p:grpSpPr>
+        <a:xfrm>
+          <a:off x="0" y="0"/>
+          <a:ext cx="0" cy="0"/>
+          <a:chOff x="0" y="0"/>
+          <a:chExt cx="0" cy="0"/>
+        </a:xfrm>
+      </p:grpSpPr>
+      <p:sp>
+        <p:nvSpPr>
+          <p:cNvPr id="4" name="Oval 3"/>
+          <p:cNvSpPr/>
+          <p:nvPr/>
+        </p:nvSpPr>
+        <p:spPr>
+          <a:xfrm>
+            <a:off x="5" y="-1"/>
+            <a:ext cx="3600448" cy="3600452"/>
+          </a:xfrm>
+          <a:prstGeom prst="ellipse">
+            <a:avLst/>
+          </a:prstGeom>
+          <a:solidFill>
+            <a:srgbClr val="271569"/>
+          </a:solidFill>
+          <a:ln>
+            <a:noFill/>
+          </a:ln>
+        </p:spPr>
+        <p:style>
+          <a:lnRef idx="2">
+            <a:schemeClr val="accent1">
+              <a:shade val="50000"/>
+            </a:schemeClr>
+          </a:lnRef>
+          <a:fillRef idx="1">
+            <a:schemeClr val="accent1"/>
+          </a:fillRef>
+          <a:effectRef idx="0">
+            <a:schemeClr val="accent1"/>
+          </a:effectRef>
+          <a:fontRef idx="minor">
+            <a:schemeClr val="lt1"/>
+          </a:fontRef>
+        </p:style>
+        <p:txBody>
+          <a:bodyPr rot="0" spcFirstLastPara="0" vertOverflow="overflow" horzOverflow="overflow" vert="horz" wrap="square" lIns="91440" tIns="45720" rIns="91440" bIns="45720" numCol="1" spcCol="0" rtlCol="0" fromWordArt="0" anchor="ctr" anchorCtr="0" forceAA="0" compatLnSpc="1">
+            <a:prstTxWarp prst="textNoShape">
+              <a:avLst/>
+            </a:prstTxWarp>
+            <a:noAutofit/>
+          </a:bodyPr>
+          <a:lstStyle/>
+          <a:p>
+            <a:pPr algn="ctr"/>
+            <a:endParaRPr lang="en-US" sz="334"/>
+          </a:p>
+        </p:txBody>
+      </p:sp>
+      <p:sp>
+        <p:nvSpPr>
+          <p:cNvPr id="11" name="Oval 14"/>
+          <p:cNvSpPr/>
+          <p:nvPr/>
+        </p:nvSpPr>
+        <p:spPr>
+          <a:xfrm>
+            <a:off x="470075" y="1343434"/>
+            <a:ext cx="136071" cy="141090"/>
+          </a:xfrm>
+          <a:prstGeom prst="ellipse">
+            <a:avLst/>
+          </a:prstGeom>
+          <a:solidFill>
+            <a:schemeClr val="bg1"/>
+          </a:solidFill>
+          <a:ln>
+            <a:noFill/>
+          </a:ln>
+        </p:spPr>
+        <p:style>
+          <a:lnRef idx="2">
+            <a:schemeClr val="accent1">
+              <a:shade val="50000"/>
+            </a:schemeClr>
+          </a:lnRef>
+          <a:fillRef idx="1">
+            <a:schemeClr val="accent1"/>
+          </a:fillRef>
+          <a:effectRef idx="0">
+            <a:schemeClr val="accent1"/>
+          </a:effectRef>
+          <a:fontRef idx="minor">
+            <a:schemeClr val="lt1"/>
+          </a:fontRef>
+        </p:style>
+        <p:txBody>
+          <a:bodyPr rtlCol="0" anchor="ctr"/>
+          <a:lstStyle/>
+          <a:p>
+            <a:pPr algn="ctr"/>
+            <a:endParaRPr lang="en-US"/>
+          </a:p>
+        </p:txBody>
+      </p:sp>
+      <p:sp>
+        <p:nvSpPr>
+          <p:cNvPr id="19" name="Oval 14"/>
+          <p:cNvSpPr/>
+          <p:nvPr/>
+        </p:nvSpPr>
+        <p:spPr>
+          <a:xfrm>
+            <a:off x="988351" y="1267080"/>
+            <a:ext cx="303045" cy="284678"/>
+          </a:xfrm>
+          <a:prstGeom prst="ellipse">
+            <a:avLst/>
+          </a:prstGeom>
+          <a:solidFill>
+            <a:schemeClr val="bg1"/>
+          </a:solidFill>
+          <a:ln>
+            <a:noFill/>
+          </a:ln>
+        </p:spPr>
+        <p:style>
+          <a:lnRef idx="2">
+            <a:schemeClr val="accent1">
+              <a:shade val="50000"/>
+            </a:schemeClr>
+          </a:lnRef>
+          <a:fillRef idx="1">
+            <a:schemeClr val="accent1"/>
+          </a:fillRef>
+          <a:effectRef idx="0">
+            <a:schemeClr val="accent1"/>
+          </a:effectRef>
+          <a:fontRef idx="minor">
+            <a:schemeClr val="lt1"/>
+          </a:fontRef>
+        </p:style>
+        <p:txBody>
+          <a:bodyPr rtlCol="0" anchor="ctr"/>
+          <a:lstStyle/>
+          <a:p>
+            <a:pPr algn="ctr"/>
+            <a:endParaRPr lang="en-US" sz="1200"/>
+          </a:p>
+        </p:txBody>
+      </p:sp>
+      <p:sp>
+        <p:nvSpPr>
+          <p:cNvPr id="22" name="Oval 14"/>
+          <p:cNvSpPr/>
+          <p:nvPr/>
+        </p:nvSpPr>
+        <p:spPr>
+          <a:xfrm>
+            <a:off x="2522684" y="1033131"/>
+            <a:ext cx="691401" cy="735154"/>
+          </a:xfrm>
+          <a:prstGeom prst="ellipse">
+            <a:avLst/>
+          </a:prstGeom>
+          <a:solidFill>
+            <a:schemeClr val="bg1"/>
+          </a:solidFill>
+          <a:ln>
+            <a:noFill/>
+          </a:ln>
+        </p:spPr>
+        <p:style>
+          <a:lnRef idx="2">
+            <a:schemeClr val="accent1">
+              <a:shade val="50000"/>
+            </a:schemeClr>
+          </a:lnRef>
+          <a:fillRef idx="1">
+            <a:schemeClr val="accent1"/>
+          </a:fillRef>
+          <a:effectRef idx="0">
+            <a:schemeClr val="accent1"/>
+          </a:effectRef>
+          <a:fontRef idx="minor">
+            <a:schemeClr val="lt1"/>
+          </a:fontRef>
+        </p:style>
+        <p:txBody>
+          <a:bodyPr rtlCol="0" anchor="ctr"/>
+          <a:lstStyle/>
+          <a:p>
+            <a:pPr algn="ctr"/>
+            <a:endParaRPr lang="en-US"/>
+          </a:p>
+        </p:txBody>
+      </p:sp>
+      <p:sp>
+        <p:nvSpPr>
+          <p:cNvPr id="23" name="Oval 14"/>
+          <p:cNvSpPr/>
+          <p:nvPr/>
+        </p:nvSpPr>
+        <p:spPr>
+          <a:xfrm>
+            <a:off x="1673601" y="1188791"/>
+            <a:ext cx="466878" cy="430201"/>
+          </a:xfrm>
+          <a:prstGeom prst="ellipse">
+            <a:avLst/>
+          </a:prstGeom>
+          <a:solidFill>
+            <a:schemeClr val="bg1"/>
+          </a:solidFill>
+          <a:ln>
+            <a:noFill/>
+          </a:ln>
+        </p:spPr>
+        <p:style>
+          <a:lnRef idx="2">
+            <a:schemeClr val="accent1">
+              <a:shade val="50000"/>
+            </a:schemeClr>
+          </a:lnRef>
+          <a:fillRef idx="1">
+            <a:schemeClr val="accent1"/>
+          </a:fillRef>
+          <a:effectRef idx="0">
+            <a:schemeClr val="accent1"/>
+          </a:effectRef>
+          <a:fontRef idx="minor">
+            <a:schemeClr val="lt1"/>
+          </a:fontRef>
+        </p:style>
+        <p:txBody>
+          <a:bodyPr rtlCol="0" anchor="ctr"/>
+          <a:lstStyle/>
+          <a:p>
+            <a:pPr algn="ctr"/>
+            <a:endParaRPr lang="en-US" sz="1200"/>
+          </a:p>
+        </p:txBody>
+      </p:sp>
+      <p:sp>
+        <p:nvSpPr>
+          <p:cNvPr id="24" name="Oval 14"/>
+          <p:cNvSpPr/>
+          <p:nvPr/>
+        </p:nvSpPr>
+        <p:spPr>
+          <a:xfrm>
+            <a:off x="494725" y="2154746"/>
+            <a:ext cx="136071" cy="141090"/>
+          </a:xfrm>
+          <a:prstGeom prst="ellipse">
+            <a:avLst/>
+          </a:prstGeom>
+          <a:solidFill>
+            <a:schemeClr val="bg1"/>
+          </a:solidFill>
+          <a:ln>
+            <a:noFill/>
+          </a:ln>
+        </p:spPr>
+        <p:style>
+          <a:lnRef idx="2">
+            <a:schemeClr val="accent1">
+              <a:shade val="50000"/>
+            </a:schemeClr>
+          </a:lnRef>
+          <a:fillRef idx="1">
+            <a:schemeClr val="accent1"/>
+          </a:fillRef>
+          <a:effectRef idx="0">
+            <a:schemeClr val="accent1"/>
+          </a:effectRef>
+          <a:fontRef idx="minor">
+            <a:schemeClr val="lt1"/>
+          </a:fontRef>
+        </p:style>
+        <p:txBody>
+          <a:bodyPr rtlCol="0" anchor="ctr"/>
+          <a:lstStyle/>
+          <a:p>
+            <a:pPr algn="ctr"/>
+            <a:endParaRPr lang="en-US"/>
+          </a:p>
+        </p:txBody>
+      </p:sp>
+      <p:sp>
+        <p:nvSpPr>
+          <p:cNvPr id="25" name="Oval 14"/>
+          <p:cNvSpPr/>
+          <p:nvPr/>
+        </p:nvSpPr>
+        <p:spPr>
+          <a:xfrm>
+            <a:off x="1013002" y="2134575"/>
+            <a:ext cx="224128" cy="208324"/>
+          </a:xfrm>
+          <a:prstGeom prst="ellipse">
+            <a:avLst/>
+          </a:prstGeom>
+          <a:solidFill>
+            <a:schemeClr val="bg1"/>
+          </a:solidFill>
+          <a:ln>
+            <a:noFill/>
+          </a:ln>
+        </p:spPr>
+        <p:style>
+          <a:lnRef idx="2">
+            <a:schemeClr val="accent1">
+              <a:shade val="50000"/>
+            </a:schemeClr>
+          </a:lnRef>
+          <a:fillRef idx="1">
+            <a:schemeClr val="accent1"/>
+          </a:fillRef>
+          <a:effectRef idx="0">
+            <a:schemeClr val="accent1"/>
+          </a:effectRef>
+          <a:fontRef idx="minor">
+            <a:schemeClr val="lt1"/>
+          </a:fontRef>
+        </p:style>
+        <p:txBody>
+          <a:bodyPr rtlCol="0" anchor="ctr"/>
+          <a:lstStyle/>
+          <a:p>
+            <a:pPr algn="ctr"/>
+            <a:endParaRPr lang="en-US" sz="1200"/>
+          </a:p>
+        </p:txBody>
+      </p:sp>
+      <p:sp>
+        <p:nvSpPr>
+          <p:cNvPr id="26" name="Oval 14"/>
+          <p:cNvSpPr/>
+          <p:nvPr/>
+        </p:nvSpPr>
+        <p:spPr>
+          <a:xfrm>
+            <a:off x="2648187" y="2080783"/>
+            <a:ext cx="337061" cy="317274"/>
+          </a:xfrm>
+          <a:prstGeom prst="ellipse">
+            <a:avLst/>
+          </a:prstGeom>
+          <a:solidFill>
+            <a:schemeClr val="bg1"/>
+          </a:solidFill>
+          <a:ln>
+            <a:noFill/>
+          </a:ln>
+        </p:spPr>
+        <p:style>
+          <a:lnRef idx="2">
+            <a:schemeClr val="accent1">
+              <a:shade val="50000"/>
+            </a:schemeClr>
+          </a:lnRef>
+          <a:fillRef idx="1">
+            <a:schemeClr val="accent1"/>
+          </a:fillRef>
+          <a:effectRef idx="0">
+            <a:schemeClr val="accent1"/>
+          </a:effectRef>
+          <a:fontRef idx="minor">
+            <a:schemeClr val="lt1"/>
+          </a:fontRef>
+        </p:style>
+        <p:txBody>
+          <a:bodyPr rtlCol="0" anchor="ctr"/>
+          <a:lstStyle/>
+          <a:p>
+            <a:pPr algn="ctr"/>
+            <a:endParaRPr lang="en-US"/>
+          </a:p>
+        </p:txBody>
+      </p:sp>
+      <p:sp>
+        <p:nvSpPr>
+          <p:cNvPr id="27" name="Oval 14"/>
+          <p:cNvSpPr/>
+          <p:nvPr/>
+        </p:nvSpPr>
+        <p:spPr>
+          <a:xfrm>
+            <a:off x="1698251" y="2080783"/>
+            <a:ext cx="312084" cy="295729"/>
+          </a:xfrm>
+          <a:prstGeom prst="ellipse">
+            <a:avLst/>
+          </a:prstGeom>
+          <a:solidFill>
+            <a:schemeClr val="bg1"/>
+          </a:solidFill>
+          <a:ln>
+            <a:noFill/>
+          </a:ln>
+        </p:spPr>
+        <p:style>
+          <a:lnRef idx="2">
+            <a:schemeClr val="accent1">
+              <a:shade val="50000"/>
+            </a:schemeClr>
+          </a:lnRef>
+          <a:fillRef idx="1">
+            <a:schemeClr val="accent1"/>
+          </a:fillRef>
+          <a:effectRef idx="0">
+            <a:schemeClr val="accent1"/>
+          </a:effectRef>
+          <a:fontRef idx="minor">
+            <a:schemeClr val="lt1"/>
+          </a:fontRef>
+        </p:style>
+        <p:txBody>
+          <a:bodyPr rtlCol="0" anchor="ctr"/>
+          <a:lstStyle/>
+          <a:p>
+            <a:pPr algn="ctr"/>
+            <a:endParaRPr lang="en-US" sz="1200"/>
+          </a:p>
+        </p:txBody>
+      </p:sp>
+    </p:spTree>
+    <p:extLst>
+      <p:ext uri="{BB962C8B-B14F-4D97-AF65-F5344CB8AC3E}">
+        <p14:creationId xmlns:p14="http://schemas.microsoft.com/office/powerpoint/2010/main" val="96454391"/>
+      </p:ext>
+    </p:extLst>
+  </p:cSld>
+  <p:clrMapOvr>
+    <a:masterClrMapping/>
+  </p:clrMapOvr>
+</p:sld>
+</file>
+
+<file path=ppt/slides/slide19.xml><?xml version="1.0" encoding="utf-8"?>
+<p:sld xmlns:a="http://schemas.openxmlformats.org/drawingml/2006/main" xmlns:r="http://schemas.openxmlformats.org/officeDocument/2006/relationships" xmlns:p="http://schemas.openxmlformats.org/presentationml/2006/main">
+  <p:cSld>
+    <p:spTree>
+      <p:nvGrpSpPr>
+        <p:cNvPr id="1" name=""/>
+        <p:cNvGrpSpPr/>
+        <p:nvPr/>
+      </p:nvGrpSpPr>
+      <p:grpSpPr>
+        <a:xfrm>
+          <a:off x="0" y="0"/>
+          <a:ext cx="0" cy="0"/>
+          <a:chOff x="0" y="0"/>
+          <a:chExt cx="0" cy="0"/>
+        </a:xfrm>
+      </p:grpSpPr>
+      <p:sp>
+        <p:nvSpPr>
+          <p:cNvPr id="4" name="Oval 3"/>
+          <p:cNvSpPr/>
+          <p:nvPr/>
+        </p:nvSpPr>
+        <p:spPr>
+          <a:xfrm>
+            <a:off x="5" y="-1"/>
+            <a:ext cx="3600448" cy="3600452"/>
+          </a:xfrm>
+          <a:prstGeom prst="ellipse">
+            <a:avLst/>
+          </a:prstGeom>
+          <a:solidFill>
+            <a:srgbClr val="271569"/>
+          </a:solidFill>
+          <a:ln>
+            <a:noFill/>
+          </a:ln>
+        </p:spPr>
+        <p:style>
+          <a:lnRef idx="2">
+            <a:schemeClr val="accent1">
+              <a:shade val="50000"/>
+            </a:schemeClr>
+          </a:lnRef>
+          <a:fillRef idx="1">
+            <a:schemeClr val="accent1"/>
+          </a:fillRef>
+          <a:effectRef idx="0">
+            <a:schemeClr val="accent1"/>
+          </a:effectRef>
+          <a:fontRef idx="minor">
+            <a:schemeClr val="lt1"/>
+          </a:fontRef>
+        </p:style>
+        <p:txBody>
+          <a:bodyPr rot="0" spcFirstLastPara="0" vertOverflow="overflow" horzOverflow="overflow" vert="horz" wrap="square" lIns="91440" tIns="45720" rIns="91440" bIns="45720" numCol="1" spcCol="0" rtlCol="0" fromWordArt="0" anchor="ctr" anchorCtr="0" forceAA="0" compatLnSpc="1">
+            <a:prstTxWarp prst="textNoShape">
+              <a:avLst/>
+            </a:prstTxWarp>
+            <a:noAutofit/>
+          </a:bodyPr>
+          <a:lstStyle/>
+          <a:p>
+            <a:pPr algn="ctr"/>
+            <a:endParaRPr lang="en-US" sz="334"/>
+          </a:p>
+        </p:txBody>
+      </p:sp>
+      <p:cxnSp>
+        <p:nvCxnSpPr>
+          <p:cNvPr id="7" name="Straight Connector 6"/>
+          <p:cNvCxnSpPr/>
+          <p:nvPr/>
+        </p:nvCxnSpPr>
+        <p:spPr>
+          <a:xfrm flipH="1">
+            <a:off x="807006" y="2287528"/>
+            <a:ext cx="1955650" cy="10038"/>
+          </a:xfrm>
+          <a:prstGeom prst="line">
+            <a:avLst/>
+          </a:prstGeom>
+          <a:ln w="50800" cap="rnd">
+            <a:solidFill>
+              <a:schemeClr val="bg1"/>
+            </a:solidFill>
+          </a:ln>
+        </p:spPr>
+        <p:style>
+          <a:lnRef idx="1">
+            <a:schemeClr val="accent1"/>
+          </a:lnRef>
+          <a:fillRef idx="0">
+            <a:schemeClr val="accent1"/>
+          </a:fillRef>
+          <a:effectRef idx="0">
+            <a:schemeClr val="accent1"/>
+          </a:effectRef>
+          <a:fontRef idx="minor">
+            <a:schemeClr val="tx1"/>
+          </a:fontRef>
+        </p:style>
+      </p:cxnSp>
+      <p:sp>
+        <p:nvSpPr>
+          <p:cNvPr id="2" name="Rectangle 1"/>
+          <p:cNvSpPr/>
+          <p:nvPr/>
+        </p:nvSpPr>
+        <p:spPr>
+          <a:xfrm>
+            <a:off x="1122080" y="718452"/>
+            <a:ext cx="213552" cy="1402279"/>
+          </a:xfrm>
+          <a:prstGeom prst="rect">
+            <a:avLst/>
+          </a:prstGeom>
+          <a:solidFill>
+            <a:schemeClr val="bg1"/>
+          </a:solidFill>
+          <a:ln w="28575">
+            <a:solidFill>
+              <a:schemeClr val="bg1"/>
+            </a:solidFill>
+          </a:ln>
+        </p:spPr>
+        <p:style>
+          <a:lnRef idx="2">
+            <a:schemeClr val="accent1">
+              <a:shade val="50000"/>
+            </a:schemeClr>
+          </a:lnRef>
+          <a:fillRef idx="1">
+            <a:schemeClr val="accent1"/>
+          </a:fillRef>
+          <a:effectRef idx="0">
+            <a:schemeClr val="accent1"/>
+          </a:effectRef>
+          <a:fontRef idx="minor">
+            <a:schemeClr val="lt1"/>
+          </a:fontRef>
+        </p:style>
+        <p:txBody>
+          <a:bodyPr rtlCol="0" anchor="ctr"/>
+          <a:lstStyle/>
+          <a:p>
+            <a:pPr algn="ctr"/>
+            <a:endParaRPr lang="en-US"/>
+          </a:p>
+        </p:txBody>
+      </p:sp>
+      <p:sp>
+        <p:nvSpPr>
+          <p:cNvPr id="10" name="ZoneTexte 9"/>
+          <p:cNvSpPr txBox="1"/>
+          <p:nvPr/>
+        </p:nvSpPr>
+        <p:spPr>
+          <a:xfrm rot="19321951">
+            <a:off x="301374" y="2197504"/>
+            <a:ext cx="1950710" cy="307777"/>
+          </a:xfrm>
+          <a:prstGeom prst="rect">
+            <a:avLst/>
+          </a:prstGeom>
+          <a:noFill/>
+        </p:spPr>
+        <p:txBody>
+          <a:bodyPr wrap="square" rtlCol="0">
+            <a:spAutoFit/>
+          </a:bodyPr>
+          <a:lstStyle/>
+          <a:p>
+            <a:r>
+              <a:rPr lang="fr-FR" sz="1400" dirty="0" smtClean="0">
+                <a:solidFill>
+                  <a:schemeClr val="bg1"/>
+                </a:solidFill>
+              </a:rPr>
+              <a:t>This long</a:t>
+            </a:r>
+            <a:endParaRPr lang="fr-FR" sz="800" dirty="0"/>
+          </a:p>
+        </p:txBody>
+      </p:sp>
+      <p:sp>
+        <p:nvSpPr>
+          <p:cNvPr id="12" name="ZoneTexte 11"/>
+          <p:cNvSpPr txBox="1"/>
+          <p:nvPr/>
+        </p:nvSpPr>
+        <p:spPr>
+          <a:xfrm rot="19321951">
+            <a:off x="663307" y="2188783"/>
+            <a:ext cx="2321508" cy="307777"/>
+          </a:xfrm>
+          <a:prstGeom prst="rect">
+            <a:avLst/>
+          </a:prstGeom>
+          <a:noFill/>
+        </p:spPr>
+        <p:txBody>
+          <a:bodyPr wrap="square" rtlCol="0">
+            <a:spAutoFit/>
+          </a:bodyPr>
+          <a:lstStyle/>
+          <a:p>
+            <a:r>
+              <a:rPr lang="fr-FR" sz="1400" dirty="0" smtClean="0">
+                <a:solidFill>
+                  <a:schemeClr val="bg1"/>
+                </a:solidFill>
+              </a:rPr>
+              <a:t>This </a:t>
+            </a:r>
+            <a:r>
+              <a:rPr lang="fr-FR" sz="1400" dirty="0" err="1" smtClean="0">
+                <a:solidFill>
+                  <a:schemeClr val="bg1"/>
+                </a:solidFill>
+              </a:rPr>
+              <a:t>is</a:t>
+            </a:r>
+            <a:r>
+              <a:rPr lang="fr-FR" sz="1400" dirty="0" smtClean="0">
+                <a:solidFill>
+                  <a:schemeClr val="bg1"/>
+                </a:solidFill>
+              </a:rPr>
+              <a:t> long</a:t>
+            </a:r>
+            <a:endParaRPr lang="fr-FR" sz="800" dirty="0"/>
+          </a:p>
+        </p:txBody>
+      </p:sp>
+      <p:sp>
+        <p:nvSpPr>
+          <p:cNvPr id="14" name="ZoneTexte 13"/>
+          <p:cNvSpPr txBox="1"/>
+          <p:nvPr/>
+        </p:nvSpPr>
+        <p:spPr>
+          <a:xfrm rot="19321951">
+            <a:off x="1117194" y="2320850"/>
+            <a:ext cx="1950449" cy="307777"/>
+          </a:xfrm>
+          <a:prstGeom prst="rect">
+            <a:avLst/>
+          </a:prstGeom>
+          <a:noFill/>
+        </p:spPr>
+        <p:txBody>
+          <a:bodyPr wrap="square" rtlCol="0">
+            <a:spAutoFit/>
+          </a:bodyPr>
+          <a:lstStyle/>
+          <a:p>
+            <a:r>
+              <a:rPr lang="fr-FR" sz="1400" dirty="0" smtClean="0">
+                <a:solidFill>
+                  <a:schemeClr val="bg1"/>
+                </a:solidFill>
+              </a:rPr>
+              <a:t>This </a:t>
+            </a:r>
+            <a:r>
+              <a:rPr lang="fr-FR" sz="1400" dirty="0" err="1" smtClean="0">
+                <a:solidFill>
+                  <a:schemeClr val="bg1"/>
+                </a:solidFill>
+              </a:rPr>
+              <a:t>is</a:t>
+            </a:r>
+            <a:r>
+              <a:rPr lang="fr-FR" sz="1400" dirty="0" smtClean="0">
+                <a:solidFill>
+                  <a:schemeClr val="bg1"/>
+                </a:solidFill>
+              </a:rPr>
+              <a:t> long</a:t>
+            </a:r>
+            <a:endParaRPr lang="fr-FR" sz="800" dirty="0"/>
+          </a:p>
+        </p:txBody>
+      </p:sp>
+      <p:sp>
+        <p:nvSpPr>
+          <p:cNvPr id="15" name="Rectangle 14"/>
+          <p:cNvSpPr/>
+          <p:nvPr/>
+        </p:nvSpPr>
+        <p:spPr>
+          <a:xfrm>
+            <a:off x="1506875" y="1092222"/>
+            <a:ext cx="213552" cy="1026555"/>
+          </a:xfrm>
+          <a:prstGeom prst="rect">
+            <a:avLst/>
+          </a:prstGeom>
+          <a:solidFill>
+            <a:schemeClr val="bg1"/>
+          </a:solidFill>
+          <a:ln w="28575">
+            <a:solidFill>
+              <a:schemeClr val="bg1"/>
+            </a:solidFill>
+          </a:ln>
+        </p:spPr>
+        <p:style>
+          <a:lnRef idx="2">
+            <a:schemeClr val="accent1">
+              <a:shade val="50000"/>
+            </a:schemeClr>
+          </a:lnRef>
+          <a:fillRef idx="1">
+            <a:schemeClr val="accent1"/>
+          </a:fillRef>
+          <a:effectRef idx="0">
+            <a:schemeClr val="accent1"/>
+          </a:effectRef>
+          <a:fontRef idx="minor">
+            <a:schemeClr val="lt1"/>
+          </a:fontRef>
+        </p:style>
+        <p:txBody>
+          <a:bodyPr rtlCol="0" anchor="ctr"/>
+          <a:lstStyle/>
+          <a:p>
+            <a:pPr algn="ctr"/>
+            <a:endParaRPr lang="en-US"/>
+          </a:p>
+        </p:txBody>
+      </p:sp>
+      <p:sp>
+        <p:nvSpPr>
+          <p:cNvPr id="16" name="Rectangle 15"/>
+          <p:cNvSpPr/>
+          <p:nvPr/>
+        </p:nvSpPr>
+        <p:spPr>
+          <a:xfrm>
+            <a:off x="1891670" y="1484867"/>
+            <a:ext cx="213552" cy="637932"/>
+          </a:xfrm>
+          <a:prstGeom prst="rect">
+            <a:avLst/>
+          </a:prstGeom>
+          <a:solidFill>
+            <a:schemeClr val="bg1"/>
+          </a:solidFill>
+          <a:ln w="28575">
+            <a:solidFill>
+              <a:schemeClr val="bg1"/>
+            </a:solidFill>
+          </a:ln>
+        </p:spPr>
+        <p:style>
+          <a:lnRef idx="2">
+            <a:schemeClr val="accent1">
+              <a:shade val="50000"/>
+            </a:schemeClr>
+          </a:lnRef>
+          <a:fillRef idx="1">
+            <a:schemeClr val="accent1"/>
+          </a:fillRef>
+          <a:effectRef idx="0">
+            <a:schemeClr val="accent1"/>
+          </a:effectRef>
+          <a:fontRef idx="minor">
+            <a:schemeClr val="lt1"/>
+          </a:fontRef>
+        </p:style>
+        <p:txBody>
+          <a:bodyPr rtlCol="0" anchor="ctr"/>
+          <a:lstStyle/>
+          <a:p>
+            <a:pPr algn="ctr"/>
+            <a:endParaRPr lang="en-US"/>
+          </a:p>
+        </p:txBody>
+      </p:sp>
+      <p:sp>
+        <p:nvSpPr>
+          <p:cNvPr id="17" name="Rectangle 16"/>
+          <p:cNvSpPr/>
+          <p:nvPr/>
+        </p:nvSpPr>
+        <p:spPr>
+          <a:xfrm>
+            <a:off x="2276465" y="1741391"/>
+            <a:ext cx="213552" cy="393183"/>
+          </a:xfrm>
+          <a:prstGeom prst="rect">
+            <a:avLst/>
+          </a:prstGeom>
+          <a:solidFill>
+            <a:schemeClr val="bg1"/>
+          </a:solidFill>
+          <a:ln w="28575">
+            <a:solidFill>
+              <a:schemeClr val="bg1"/>
+            </a:solidFill>
+          </a:ln>
+        </p:spPr>
+        <p:style>
+          <a:lnRef idx="2">
+            <a:schemeClr val="accent1">
+              <a:shade val="50000"/>
+            </a:schemeClr>
+          </a:lnRef>
+          <a:fillRef idx="1">
+            <a:schemeClr val="accent1"/>
+          </a:fillRef>
+          <a:effectRef idx="0">
+            <a:schemeClr val="accent1"/>
+          </a:effectRef>
+          <a:fontRef idx="minor">
+            <a:schemeClr val="lt1"/>
+          </a:fontRef>
+        </p:style>
+        <p:txBody>
+          <a:bodyPr rtlCol="0" anchor="ctr"/>
+          <a:lstStyle/>
+          <a:p>
+            <a:pPr algn="ctr"/>
+            <a:endParaRPr lang="en-US"/>
+          </a:p>
+        </p:txBody>
+      </p:sp>
+      <p:sp>
+        <p:nvSpPr>
+          <p:cNvPr id="18" name="ZoneTexte 17"/>
+          <p:cNvSpPr txBox="1"/>
+          <p:nvPr/>
+        </p:nvSpPr>
+        <p:spPr>
+          <a:xfrm rot="19321951">
+            <a:off x="1573276" y="2396539"/>
+            <a:ext cx="1719337" cy="307777"/>
+          </a:xfrm>
+          <a:prstGeom prst="rect">
+            <a:avLst/>
+          </a:prstGeom>
+          <a:noFill/>
+        </p:spPr>
+        <p:txBody>
+          <a:bodyPr wrap="square" rtlCol="0">
+            <a:spAutoFit/>
+          </a:bodyPr>
+          <a:lstStyle/>
+          <a:p>
+            <a:r>
+              <a:rPr lang="fr-FR" sz="1400" dirty="0" smtClean="0">
+                <a:solidFill>
+                  <a:schemeClr val="bg1"/>
+                </a:solidFill>
+              </a:rPr>
+              <a:t>This </a:t>
+            </a:r>
+            <a:r>
+              <a:rPr lang="fr-FR" sz="1400" dirty="0" err="1" smtClean="0">
+                <a:solidFill>
+                  <a:schemeClr val="bg1"/>
+                </a:solidFill>
+              </a:rPr>
+              <a:t>is</a:t>
+            </a:r>
+            <a:r>
+              <a:rPr lang="fr-FR" sz="1400" dirty="0" smtClean="0">
+                <a:solidFill>
+                  <a:schemeClr val="bg1"/>
+                </a:solidFill>
+              </a:rPr>
+              <a:t> long</a:t>
+            </a:r>
+            <a:endParaRPr lang="fr-FR" sz="800" dirty="0"/>
+          </a:p>
+        </p:txBody>
+      </p:sp>
+    </p:spTree>
+    <p:extLst>
+      <p:ext uri="{BB962C8B-B14F-4D97-AF65-F5344CB8AC3E}">
+        <p14:creationId xmlns:p14="http://schemas.microsoft.com/office/powerpoint/2010/main" val="341213168"/>
       </p:ext>
     </p:extLst>
   </p:cSld>
@@ -7003,6 +10944,4129 @@
     <p:extLst>
       <p:ext uri="{BB962C8B-B14F-4D97-AF65-F5344CB8AC3E}">
         <p14:creationId xmlns:p14="http://schemas.microsoft.com/office/powerpoint/2010/main" val="1989552869"/>
+      </p:ext>
+    </p:extLst>
+  </p:cSld>
+  <p:clrMapOvr>
+    <a:masterClrMapping/>
+  </p:clrMapOvr>
+</p:sld>
+</file>
+
+<file path=ppt/slides/slide20.xml><?xml version="1.0" encoding="utf-8"?>
+<p:sld xmlns:a="http://schemas.openxmlformats.org/drawingml/2006/main" xmlns:r="http://schemas.openxmlformats.org/officeDocument/2006/relationships" xmlns:p="http://schemas.openxmlformats.org/presentationml/2006/main">
+  <p:cSld>
+    <p:spTree>
+      <p:nvGrpSpPr>
+        <p:cNvPr id="1" name=""/>
+        <p:cNvGrpSpPr/>
+        <p:nvPr/>
+      </p:nvGrpSpPr>
+      <p:grpSpPr>
+        <a:xfrm>
+          <a:off x="0" y="0"/>
+          <a:ext cx="0" cy="0"/>
+          <a:chOff x="0" y="0"/>
+          <a:chExt cx="0" cy="0"/>
+        </a:xfrm>
+      </p:grpSpPr>
+      <p:sp>
+        <p:nvSpPr>
+          <p:cNvPr id="13" name="Oval 3"/>
+          <p:cNvSpPr/>
+          <p:nvPr/>
+        </p:nvSpPr>
+        <p:spPr>
+          <a:xfrm>
+            <a:off x="5" y="-1"/>
+            <a:ext cx="3600448" cy="3600452"/>
+          </a:xfrm>
+          <a:prstGeom prst="ellipse">
+            <a:avLst/>
+          </a:prstGeom>
+          <a:solidFill>
+            <a:srgbClr val="271569"/>
+          </a:solidFill>
+          <a:ln>
+            <a:noFill/>
+          </a:ln>
+        </p:spPr>
+        <p:style>
+          <a:lnRef idx="2">
+            <a:schemeClr val="accent1">
+              <a:shade val="50000"/>
+            </a:schemeClr>
+          </a:lnRef>
+          <a:fillRef idx="1">
+            <a:schemeClr val="accent1"/>
+          </a:fillRef>
+          <a:effectRef idx="0">
+            <a:schemeClr val="accent1"/>
+          </a:effectRef>
+          <a:fontRef idx="minor">
+            <a:schemeClr val="lt1"/>
+          </a:fontRef>
+        </p:style>
+        <p:txBody>
+          <a:bodyPr rot="0" spcFirstLastPara="0" vertOverflow="overflow" horzOverflow="overflow" vert="horz" wrap="square" lIns="91440" tIns="45720" rIns="91440" bIns="45720" numCol="1" spcCol="0" rtlCol="0" fromWordArt="0" anchor="ctr" anchorCtr="0" forceAA="0" compatLnSpc="1">
+            <a:prstTxWarp prst="textNoShape">
+              <a:avLst/>
+            </a:prstTxWarp>
+            <a:noAutofit/>
+          </a:bodyPr>
+          <a:lstStyle/>
+          <a:p>
+            <a:pPr algn="ctr"/>
+            <a:endParaRPr lang="en-US" sz="334"/>
+          </a:p>
+        </p:txBody>
+      </p:sp>
+      <p:cxnSp>
+        <p:nvCxnSpPr>
+          <p:cNvPr id="19" name="Straight Connector 6"/>
+          <p:cNvCxnSpPr/>
+          <p:nvPr/>
+        </p:nvCxnSpPr>
+        <p:spPr>
+          <a:xfrm flipH="1">
+            <a:off x="1792795" y="1759289"/>
+            <a:ext cx="1226185" cy="10038"/>
+          </a:xfrm>
+          <a:prstGeom prst="line">
+            <a:avLst/>
+          </a:prstGeom>
+          <a:ln w="73025" cap="rnd">
+            <a:solidFill>
+              <a:schemeClr val="bg1"/>
+            </a:solidFill>
+          </a:ln>
+        </p:spPr>
+        <p:style>
+          <a:lnRef idx="1">
+            <a:schemeClr val="accent1"/>
+          </a:lnRef>
+          <a:fillRef idx="0">
+            <a:schemeClr val="accent1"/>
+          </a:fillRef>
+          <a:effectRef idx="0">
+            <a:schemeClr val="accent1"/>
+          </a:effectRef>
+          <a:fontRef idx="minor">
+            <a:schemeClr val="tx1"/>
+          </a:fontRef>
+        </p:style>
+      </p:cxnSp>
+      <p:sp>
+        <p:nvSpPr>
+          <p:cNvPr id="20" name="Oval 18"/>
+          <p:cNvSpPr/>
+          <p:nvPr/>
+        </p:nvSpPr>
+        <p:spPr>
+          <a:xfrm>
+            <a:off x="613322" y="564995"/>
+            <a:ext cx="2413092" cy="2408664"/>
+          </a:xfrm>
+          <a:prstGeom prst="ellipse">
+            <a:avLst/>
+          </a:prstGeom>
+          <a:noFill/>
+          <a:ln w="47625">
+            <a:solidFill>
+              <a:schemeClr val="bg1"/>
+            </a:solidFill>
+          </a:ln>
+        </p:spPr>
+        <p:style>
+          <a:lnRef idx="2">
+            <a:schemeClr val="accent1">
+              <a:shade val="50000"/>
+            </a:schemeClr>
+          </a:lnRef>
+          <a:fillRef idx="1">
+            <a:schemeClr val="accent1"/>
+          </a:fillRef>
+          <a:effectRef idx="0">
+            <a:schemeClr val="accent1"/>
+          </a:effectRef>
+          <a:fontRef idx="minor">
+            <a:schemeClr val="lt1"/>
+          </a:fontRef>
+        </p:style>
+        <p:txBody>
+          <a:bodyPr rot="0" spcFirstLastPara="0" vertOverflow="overflow" horzOverflow="overflow" vert="horz" wrap="square" lIns="91440" tIns="45720" rIns="91440" bIns="45720" numCol="1" spcCol="0" rtlCol="0" fromWordArt="0" anchor="ctr" anchorCtr="0" forceAA="0" compatLnSpc="1">
+            <a:prstTxWarp prst="textNoShape">
+              <a:avLst/>
+            </a:prstTxWarp>
+            <a:noAutofit/>
+          </a:bodyPr>
+          <a:lstStyle/>
+          <a:p>
+            <a:pPr algn="ctr"/>
+            <a:endParaRPr lang="en-US" sz="334"/>
+          </a:p>
+        </p:txBody>
+      </p:sp>
+      <p:cxnSp>
+        <p:nvCxnSpPr>
+          <p:cNvPr id="21" name="Straight Connector 19"/>
+          <p:cNvCxnSpPr/>
+          <p:nvPr/>
+        </p:nvCxnSpPr>
+        <p:spPr>
+          <a:xfrm flipH="1" flipV="1">
+            <a:off x="1792795" y="1769327"/>
+            <a:ext cx="734816" cy="914401"/>
+          </a:xfrm>
+          <a:prstGeom prst="line">
+            <a:avLst/>
+          </a:prstGeom>
+          <a:ln w="73025" cap="rnd">
+            <a:solidFill>
+              <a:schemeClr val="bg1"/>
+            </a:solidFill>
+          </a:ln>
+        </p:spPr>
+        <p:style>
+          <a:lnRef idx="1">
+            <a:schemeClr val="accent1"/>
+          </a:lnRef>
+          <a:fillRef idx="0">
+            <a:schemeClr val="accent1"/>
+          </a:fillRef>
+          <a:effectRef idx="0">
+            <a:schemeClr val="accent1"/>
+          </a:effectRef>
+          <a:fontRef idx="minor">
+            <a:schemeClr val="tx1"/>
+          </a:fontRef>
+        </p:style>
+      </p:cxnSp>
+      <p:cxnSp>
+        <p:nvCxnSpPr>
+          <p:cNvPr id="22" name="Straight Connector 22"/>
+          <p:cNvCxnSpPr/>
+          <p:nvPr/>
+        </p:nvCxnSpPr>
+        <p:spPr>
+          <a:xfrm flipH="1">
+            <a:off x="1800230" y="1142535"/>
+            <a:ext cx="1013727" cy="606716"/>
+          </a:xfrm>
+          <a:prstGeom prst="line">
+            <a:avLst/>
+          </a:prstGeom>
+          <a:ln w="73025" cap="rnd">
+            <a:solidFill>
+              <a:schemeClr val="bg1"/>
+            </a:solidFill>
+          </a:ln>
+        </p:spPr>
+        <p:style>
+          <a:lnRef idx="1">
+            <a:schemeClr val="accent1"/>
+          </a:lnRef>
+          <a:fillRef idx="0">
+            <a:schemeClr val="accent1"/>
+          </a:fillRef>
+          <a:effectRef idx="0">
+            <a:schemeClr val="accent1"/>
+          </a:effectRef>
+          <a:fontRef idx="minor">
+            <a:schemeClr val="tx1"/>
+          </a:fontRef>
+        </p:style>
+      </p:cxnSp>
+      <p:sp>
+        <p:nvSpPr>
+          <p:cNvPr id="23" name="Oval 25"/>
+          <p:cNvSpPr/>
+          <p:nvPr/>
+        </p:nvSpPr>
+        <p:spPr>
+          <a:xfrm>
+            <a:off x="2" y="0"/>
+            <a:ext cx="3600448" cy="3600452"/>
+          </a:xfrm>
+          <a:prstGeom prst="ellipse">
+            <a:avLst/>
+          </a:prstGeom>
+          <a:solidFill>
+            <a:srgbClr val="271569"/>
+          </a:solidFill>
+          <a:ln>
+            <a:noFill/>
+          </a:ln>
+        </p:spPr>
+        <p:style>
+          <a:lnRef idx="2">
+            <a:schemeClr val="accent1">
+              <a:shade val="50000"/>
+            </a:schemeClr>
+          </a:lnRef>
+          <a:fillRef idx="1">
+            <a:schemeClr val="accent1"/>
+          </a:fillRef>
+          <a:effectRef idx="0">
+            <a:schemeClr val="accent1"/>
+          </a:effectRef>
+          <a:fontRef idx="minor">
+            <a:schemeClr val="lt1"/>
+          </a:fontRef>
+        </p:style>
+        <p:txBody>
+          <a:bodyPr rot="0" spcFirstLastPara="0" vertOverflow="overflow" horzOverflow="overflow" vert="horz" wrap="square" lIns="91440" tIns="45720" rIns="91440" bIns="45720" numCol="1" spcCol="0" rtlCol="0" fromWordArt="0" anchor="ctr" anchorCtr="0" forceAA="0" compatLnSpc="1">
+            <a:prstTxWarp prst="textNoShape">
+              <a:avLst/>
+            </a:prstTxWarp>
+            <a:noAutofit/>
+          </a:bodyPr>
+          <a:lstStyle/>
+          <a:p>
+            <a:pPr algn="ctr"/>
+            <a:endParaRPr lang="en-US" sz="334"/>
+          </a:p>
+        </p:txBody>
+      </p:sp>
+      <p:cxnSp>
+        <p:nvCxnSpPr>
+          <p:cNvPr id="24" name="Straight Connector 26"/>
+          <p:cNvCxnSpPr/>
+          <p:nvPr/>
+        </p:nvCxnSpPr>
+        <p:spPr>
+          <a:xfrm flipH="1">
+            <a:off x="1792792" y="1759290"/>
+            <a:ext cx="1226185" cy="10038"/>
+          </a:xfrm>
+          <a:prstGeom prst="line">
+            <a:avLst/>
+          </a:prstGeom>
+          <a:ln w="73025" cap="rnd">
+            <a:solidFill>
+              <a:schemeClr val="bg1"/>
+            </a:solidFill>
+          </a:ln>
+        </p:spPr>
+        <p:style>
+          <a:lnRef idx="1">
+            <a:schemeClr val="accent1"/>
+          </a:lnRef>
+          <a:fillRef idx="0">
+            <a:schemeClr val="accent1"/>
+          </a:fillRef>
+          <a:effectRef idx="0">
+            <a:schemeClr val="accent1"/>
+          </a:effectRef>
+          <a:fontRef idx="minor">
+            <a:schemeClr val="tx1"/>
+          </a:fontRef>
+        </p:style>
+      </p:cxnSp>
+      <p:sp>
+        <p:nvSpPr>
+          <p:cNvPr id="25" name="Oval 27"/>
+          <p:cNvSpPr/>
+          <p:nvPr/>
+        </p:nvSpPr>
+        <p:spPr>
+          <a:xfrm>
+            <a:off x="613319" y="564996"/>
+            <a:ext cx="2413092" cy="2408664"/>
+          </a:xfrm>
+          <a:prstGeom prst="ellipse">
+            <a:avLst/>
+          </a:prstGeom>
+          <a:noFill/>
+          <a:ln w="47625">
+            <a:solidFill>
+              <a:schemeClr val="bg1"/>
+            </a:solidFill>
+          </a:ln>
+        </p:spPr>
+        <p:style>
+          <a:lnRef idx="2">
+            <a:schemeClr val="accent1">
+              <a:shade val="50000"/>
+            </a:schemeClr>
+          </a:lnRef>
+          <a:fillRef idx="1">
+            <a:schemeClr val="accent1"/>
+          </a:fillRef>
+          <a:effectRef idx="0">
+            <a:schemeClr val="accent1"/>
+          </a:effectRef>
+          <a:fontRef idx="minor">
+            <a:schemeClr val="lt1"/>
+          </a:fontRef>
+        </p:style>
+        <p:txBody>
+          <a:bodyPr rot="0" spcFirstLastPara="0" vertOverflow="overflow" horzOverflow="overflow" vert="horz" wrap="square" lIns="91440" tIns="45720" rIns="91440" bIns="45720" numCol="1" spcCol="0" rtlCol="0" fromWordArt="0" anchor="ctr" anchorCtr="0" forceAA="0" compatLnSpc="1">
+            <a:prstTxWarp prst="textNoShape">
+              <a:avLst/>
+            </a:prstTxWarp>
+            <a:noAutofit/>
+          </a:bodyPr>
+          <a:lstStyle/>
+          <a:p>
+            <a:pPr algn="ctr"/>
+            <a:endParaRPr lang="en-US" sz="334"/>
+          </a:p>
+        </p:txBody>
+      </p:sp>
+      <p:cxnSp>
+        <p:nvCxnSpPr>
+          <p:cNvPr id="26" name="Straight Connector 28"/>
+          <p:cNvCxnSpPr/>
+          <p:nvPr/>
+        </p:nvCxnSpPr>
+        <p:spPr>
+          <a:xfrm flipH="1" flipV="1">
+            <a:off x="1792792" y="1769328"/>
+            <a:ext cx="734816" cy="914401"/>
+          </a:xfrm>
+          <a:prstGeom prst="line">
+            <a:avLst/>
+          </a:prstGeom>
+          <a:ln w="73025" cap="rnd">
+            <a:solidFill>
+              <a:schemeClr val="bg1"/>
+            </a:solidFill>
+          </a:ln>
+        </p:spPr>
+        <p:style>
+          <a:lnRef idx="1">
+            <a:schemeClr val="accent1"/>
+          </a:lnRef>
+          <a:fillRef idx="0">
+            <a:schemeClr val="accent1"/>
+          </a:fillRef>
+          <a:effectRef idx="0">
+            <a:schemeClr val="accent1"/>
+          </a:effectRef>
+          <a:fontRef idx="minor">
+            <a:schemeClr val="tx1"/>
+          </a:fontRef>
+        </p:style>
+      </p:cxnSp>
+      <p:cxnSp>
+        <p:nvCxnSpPr>
+          <p:cNvPr id="27" name="Straight Connector 29"/>
+          <p:cNvCxnSpPr/>
+          <p:nvPr/>
+        </p:nvCxnSpPr>
+        <p:spPr>
+          <a:xfrm flipH="1">
+            <a:off x="1800227" y="1142536"/>
+            <a:ext cx="1013727" cy="606716"/>
+          </a:xfrm>
+          <a:prstGeom prst="line">
+            <a:avLst/>
+          </a:prstGeom>
+          <a:ln w="73025" cap="rnd">
+            <a:solidFill>
+              <a:schemeClr val="bg1"/>
+            </a:solidFill>
+          </a:ln>
+        </p:spPr>
+        <p:style>
+          <a:lnRef idx="1">
+            <a:schemeClr val="accent1"/>
+          </a:lnRef>
+          <a:fillRef idx="0">
+            <a:schemeClr val="accent1"/>
+          </a:fillRef>
+          <a:effectRef idx="0">
+            <a:schemeClr val="accent1"/>
+          </a:effectRef>
+          <a:fontRef idx="minor">
+            <a:schemeClr val="tx1"/>
+          </a:fontRef>
+        </p:style>
+      </p:cxnSp>
+      <p:sp>
+        <p:nvSpPr>
+          <p:cNvPr id="28" name="Oval 30"/>
+          <p:cNvSpPr/>
+          <p:nvPr/>
+        </p:nvSpPr>
+        <p:spPr>
+          <a:xfrm>
+            <a:off x="6" y="0"/>
+            <a:ext cx="3600448" cy="3600452"/>
+          </a:xfrm>
+          <a:prstGeom prst="ellipse">
+            <a:avLst/>
+          </a:prstGeom>
+          <a:solidFill>
+            <a:srgbClr val="271569"/>
+          </a:solidFill>
+          <a:ln>
+            <a:noFill/>
+          </a:ln>
+        </p:spPr>
+        <p:style>
+          <a:lnRef idx="2">
+            <a:schemeClr val="accent1">
+              <a:shade val="50000"/>
+            </a:schemeClr>
+          </a:lnRef>
+          <a:fillRef idx="1">
+            <a:schemeClr val="accent1"/>
+          </a:fillRef>
+          <a:effectRef idx="0">
+            <a:schemeClr val="accent1"/>
+          </a:effectRef>
+          <a:fontRef idx="minor">
+            <a:schemeClr val="lt1"/>
+          </a:fontRef>
+        </p:style>
+        <p:txBody>
+          <a:bodyPr rot="0" spcFirstLastPara="0" vertOverflow="overflow" horzOverflow="overflow" vert="horz" wrap="square" lIns="91440" tIns="45720" rIns="91440" bIns="45720" numCol="1" spcCol="0" rtlCol="0" fromWordArt="0" anchor="ctr" anchorCtr="0" forceAA="0" compatLnSpc="1">
+            <a:prstTxWarp prst="textNoShape">
+              <a:avLst/>
+            </a:prstTxWarp>
+            <a:noAutofit/>
+          </a:bodyPr>
+          <a:lstStyle/>
+          <a:p>
+            <a:pPr algn="ctr"/>
+            <a:endParaRPr lang="en-US" sz="334"/>
+          </a:p>
+        </p:txBody>
+      </p:sp>
+      <p:cxnSp>
+        <p:nvCxnSpPr>
+          <p:cNvPr id="33" name="Straight Connector 6"/>
+          <p:cNvCxnSpPr/>
+          <p:nvPr/>
+        </p:nvCxnSpPr>
+        <p:spPr>
+          <a:xfrm flipH="1">
+            <a:off x="832112" y="1785613"/>
+            <a:ext cx="2465936" cy="0"/>
+          </a:xfrm>
+          <a:prstGeom prst="line">
+            <a:avLst/>
+          </a:prstGeom>
+          <a:ln w="50800" cap="rnd">
+            <a:solidFill>
+              <a:schemeClr val="bg1"/>
+            </a:solidFill>
+          </a:ln>
+        </p:spPr>
+        <p:style>
+          <a:lnRef idx="1">
+            <a:schemeClr val="accent1"/>
+          </a:lnRef>
+          <a:fillRef idx="0">
+            <a:schemeClr val="accent1"/>
+          </a:fillRef>
+          <a:effectRef idx="0">
+            <a:schemeClr val="accent1"/>
+          </a:effectRef>
+          <a:fontRef idx="minor">
+            <a:schemeClr val="tx1"/>
+          </a:fontRef>
+        </p:style>
+      </p:cxnSp>
+      <p:cxnSp>
+        <p:nvCxnSpPr>
+          <p:cNvPr id="34" name="Straight Connector 6"/>
+          <p:cNvCxnSpPr/>
+          <p:nvPr/>
+        </p:nvCxnSpPr>
+        <p:spPr>
+          <a:xfrm flipH="1" flipV="1">
+            <a:off x="765580" y="1343247"/>
+            <a:ext cx="2244440" cy="913956"/>
+          </a:xfrm>
+          <a:prstGeom prst="line">
+            <a:avLst/>
+          </a:prstGeom>
+          <a:ln w="50800" cap="rnd">
+            <a:solidFill>
+              <a:schemeClr val="bg1"/>
+            </a:solidFill>
+          </a:ln>
+        </p:spPr>
+        <p:style>
+          <a:lnRef idx="1">
+            <a:schemeClr val="accent1"/>
+          </a:lnRef>
+          <a:fillRef idx="0">
+            <a:schemeClr val="accent1"/>
+          </a:fillRef>
+          <a:effectRef idx="0">
+            <a:schemeClr val="accent1"/>
+          </a:effectRef>
+          <a:fontRef idx="minor">
+            <a:schemeClr val="tx1"/>
+          </a:fontRef>
+        </p:style>
+      </p:cxnSp>
+      <p:cxnSp>
+        <p:nvCxnSpPr>
+          <p:cNvPr id="35" name="Straight Connector 6"/>
+          <p:cNvCxnSpPr/>
+          <p:nvPr/>
+        </p:nvCxnSpPr>
+        <p:spPr>
+          <a:xfrm flipH="1" flipV="1">
+            <a:off x="921124" y="834848"/>
+            <a:ext cx="1704083" cy="1729554"/>
+          </a:xfrm>
+          <a:prstGeom prst="line">
+            <a:avLst/>
+          </a:prstGeom>
+          <a:ln w="50800" cap="rnd">
+            <a:solidFill>
+              <a:schemeClr val="bg1"/>
+            </a:solidFill>
+          </a:ln>
+        </p:spPr>
+        <p:style>
+          <a:lnRef idx="1">
+            <a:schemeClr val="accent1"/>
+          </a:lnRef>
+          <a:fillRef idx="0">
+            <a:schemeClr val="accent1"/>
+          </a:fillRef>
+          <a:effectRef idx="0">
+            <a:schemeClr val="accent1"/>
+          </a:effectRef>
+          <a:fontRef idx="minor">
+            <a:schemeClr val="tx1"/>
+          </a:fontRef>
+        </p:style>
+      </p:cxnSp>
+      <p:cxnSp>
+        <p:nvCxnSpPr>
+          <p:cNvPr id="36" name="Straight Connector 6"/>
+          <p:cNvCxnSpPr/>
+          <p:nvPr/>
+        </p:nvCxnSpPr>
+        <p:spPr>
+          <a:xfrm flipH="1" flipV="1">
+            <a:off x="1834269" y="688018"/>
+            <a:ext cx="18286" cy="2195189"/>
+          </a:xfrm>
+          <a:prstGeom prst="line">
+            <a:avLst/>
+          </a:prstGeom>
+          <a:ln w="50800" cap="rnd">
+            <a:solidFill>
+              <a:schemeClr val="bg1"/>
+            </a:solidFill>
+          </a:ln>
+        </p:spPr>
+        <p:style>
+          <a:lnRef idx="1">
+            <a:schemeClr val="accent1"/>
+          </a:lnRef>
+          <a:fillRef idx="0">
+            <a:schemeClr val="accent1"/>
+          </a:fillRef>
+          <a:effectRef idx="0">
+            <a:schemeClr val="accent1"/>
+          </a:effectRef>
+          <a:fontRef idx="minor">
+            <a:schemeClr val="tx1"/>
+          </a:fontRef>
+        </p:style>
+      </p:cxnSp>
+      <p:cxnSp>
+        <p:nvCxnSpPr>
+          <p:cNvPr id="37" name="Straight Connector 6"/>
+          <p:cNvCxnSpPr/>
+          <p:nvPr/>
+        </p:nvCxnSpPr>
+        <p:spPr>
+          <a:xfrm flipV="1">
+            <a:off x="990668" y="979469"/>
+            <a:ext cx="1708535" cy="1635984"/>
+          </a:xfrm>
+          <a:prstGeom prst="line">
+            <a:avLst/>
+          </a:prstGeom>
+          <a:ln w="50800" cap="rnd">
+            <a:solidFill>
+              <a:schemeClr val="bg1"/>
+            </a:solidFill>
+          </a:ln>
+        </p:spPr>
+        <p:style>
+          <a:lnRef idx="1">
+            <a:schemeClr val="accent1"/>
+          </a:lnRef>
+          <a:fillRef idx="0">
+            <a:schemeClr val="accent1"/>
+          </a:fillRef>
+          <a:effectRef idx="0">
+            <a:schemeClr val="accent1"/>
+          </a:effectRef>
+          <a:fontRef idx="minor">
+            <a:schemeClr val="tx1"/>
+          </a:fontRef>
+        </p:style>
+      </p:cxnSp>
+      <p:cxnSp>
+        <p:nvCxnSpPr>
+          <p:cNvPr id="41" name="Straight Connector 6"/>
+          <p:cNvCxnSpPr/>
+          <p:nvPr/>
+        </p:nvCxnSpPr>
+        <p:spPr>
+          <a:xfrm flipV="1">
+            <a:off x="832108" y="1363201"/>
+            <a:ext cx="2130451" cy="837692"/>
+          </a:xfrm>
+          <a:prstGeom prst="line">
+            <a:avLst/>
+          </a:prstGeom>
+          <a:ln w="50800" cap="rnd">
+            <a:solidFill>
+              <a:schemeClr val="bg1"/>
+            </a:solidFill>
+          </a:ln>
+        </p:spPr>
+        <p:style>
+          <a:lnRef idx="1">
+            <a:schemeClr val="accent1"/>
+          </a:lnRef>
+          <a:fillRef idx="0">
+            <a:schemeClr val="accent1"/>
+          </a:fillRef>
+          <a:effectRef idx="0">
+            <a:schemeClr val="accent1"/>
+          </a:effectRef>
+          <a:fontRef idx="minor">
+            <a:schemeClr val="tx1"/>
+          </a:fontRef>
+        </p:style>
+      </p:cxnSp>
+      <p:cxnSp>
+        <p:nvCxnSpPr>
+          <p:cNvPr id="43" name="Straight Connector 6"/>
+          <p:cNvCxnSpPr/>
+          <p:nvPr/>
+        </p:nvCxnSpPr>
+        <p:spPr>
+          <a:xfrm>
+            <a:off x="1277471" y="570212"/>
+            <a:ext cx="1250137" cy="2657284"/>
+          </a:xfrm>
+          <a:prstGeom prst="line">
+            <a:avLst/>
+          </a:prstGeom>
+          <a:ln w="50800" cap="rnd">
+            <a:solidFill>
+              <a:schemeClr val="bg1"/>
+            </a:solidFill>
+          </a:ln>
+        </p:spPr>
+        <p:style>
+          <a:lnRef idx="1">
+            <a:schemeClr val="accent1"/>
+          </a:lnRef>
+          <a:fillRef idx="0">
+            <a:schemeClr val="accent1"/>
+          </a:fillRef>
+          <a:effectRef idx="0">
+            <a:schemeClr val="accent1"/>
+          </a:effectRef>
+          <a:fontRef idx="minor">
+            <a:schemeClr val="tx1"/>
+          </a:fontRef>
+        </p:style>
+      </p:cxnSp>
+      <p:sp>
+        <p:nvSpPr>
+          <p:cNvPr id="30" name="Oval 32"/>
+          <p:cNvSpPr/>
+          <p:nvPr/>
+        </p:nvSpPr>
+        <p:spPr>
+          <a:xfrm>
+            <a:off x="1007059" y="979469"/>
+            <a:ext cx="1625612" cy="1559639"/>
+          </a:xfrm>
+          <a:prstGeom prst="ellipse">
+            <a:avLst/>
+          </a:prstGeom>
+          <a:solidFill>
+            <a:srgbClr val="271569"/>
+          </a:solidFill>
+          <a:ln w="47625">
+            <a:solidFill>
+              <a:schemeClr val="bg1"/>
+            </a:solidFill>
+          </a:ln>
+        </p:spPr>
+        <p:style>
+          <a:lnRef idx="2">
+            <a:schemeClr val="accent1">
+              <a:shade val="50000"/>
+            </a:schemeClr>
+          </a:lnRef>
+          <a:fillRef idx="1">
+            <a:schemeClr val="accent1"/>
+          </a:fillRef>
+          <a:effectRef idx="0">
+            <a:schemeClr val="accent1"/>
+          </a:effectRef>
+          <a:fontRef idx="minor">
+            <a:schemeClr val="lt1"/>
+          </a:fontRef>
+        </p:style>
+        <p:txBody>
+          <a:bodyPr rot="0" spcFirstLastPara="0" vertOverflow="overflow" horzOverflow="overflow" vert="horz" wrap="square" lIns="91440" tIns="45720" rIns="91440" bIns="45720" numCol="1" spcCol="0" rtlCol="0" fromWordArt="0" anchor="ctr" anchorCtr="0" forceAA="0" compatLnSpc="1">
+            <a:prstTxWarp prst="textNoShape">
+              <a:avLst/>
+            </a:prstTxWarp>
+            <a:noAutofit/>
+          </a:bodyPr>
+          <a:lstStyle/>
+          <a:p>
+            <a:pPr algn="ctr"/>
+            <a:endParaRPr lang="en-US" sz="334"/>
+          </a:p>
+        </p:txBody>
+      </p:sp>
+    </p:spTree>
+    <p:extLst>
+      <p:ext uri="{BB962C8B-B14F-4D97-AF65-F5344CB8AC3E}">
+        <p14:creationId xmlns:p14="http://schemas.microsoft.com/office/powerpoint/2010/main" val="1590242733"/>
+      </p:ext>
+    </p:extLst>
+  </p:cSld>
+  <p:clrMapOvr>
+    <a:masterClrMapping/>
+  </p:clrMapOvr>
+</p:sld>
+</file>
+
+<file path=ppt/slides/slide21.xml><?xml version="1.0" encoding="utf-8"?>
+<p:sld xmlns:a="http://schemas.openxmlformats.org/drawingml/2006/main" xmlns:r="http://schemas.openxmlformats.org/officeDocument/2006/relationships" xmlns:p="http://schemas.openxmlformats.org/presentationml/2006/main">
+  <p:cSld>
+    <p:spTree>
+      <p:nvGrpSpPr>
+        <p:cNvPr id="1" name=""/>
+        <p:cNvGrpSpPr/>
+        <p:nvPr/>
+      </p:nvGrpSpPr>
+      <p:grpSpPr>
+        <a:xfrm>
+          <a:off x="0" y="0"/>
+          <a:ext cx="0" cy="0"/>
+          <a:chOff x="0" y="0"/>
+          <a:chExt cx="0" cy="0"/>
+        </a:xfrm>
+      </p:grpSpPr>
+      <p:sp>
+        <p:nvSpPr>
+          <p:cNvPr id="4" name="Oval 3"/>
+          <p:cNvSpPr/>
+          <p:nvPr/>
+        </p:nvSpPr>
+        <p:spPr>
+          <a:xfrm>
+            <a:off x="5" y="-1"/>
+            <a:ext cx="3600448" cy="3600452"/>
+          </a:xfrm>
+          <a:prstGeom prst="ellipse">
+            <a:avLst/>
+          </a:prstGeom>
+          <a:solidFill>
+            <a:srgbClr val="271569"/>
+          </a:solidFill>
+          <a:ln>
+            <a:noFill/>
+          </a:ln>
+        </p:spPr>
+        <p:style>
+          <a:lnRef idx="2">
+            <a:schemeClr val="accent1">
+              <a:shade val="50000"/>
+            </a:schemeClr>
+          </a:lnRef>
+          <a:fillRef idx="1">
+            <a:schemeClr val="accent1"/>
+          </a:fillRef>
+          <a:effectRef idx="0">
+            <a:schemeClr val="accent1"/>
+          </a:effectRef>
+          <a:fontRef idx="minor">
+            <a:schemeClr val="lt1"/>
+          </a:fontRef>
+        </p:style>
+        <p:txBody>
+          <a:bodyPr rot="0" spcFirstLastPara="0" vertOverflow="overflow" horzOverflow="overflow" vert="horz" wrap="square" lIns="91440" tIns="45720" rIns="91440" bIns="45720" numCol="1" spcCol="0" rtlCol="0" fromWordArt="0" anchor="ctr" anchorCtr="0" forceAA="0" compatLnSpc="1">
+            <a:prstTxWarp prst="textNoShape">
+              <a:avLst/>
+            </a:prstTxWarp>
+            <a:noAutofit/>
+          </a:bodyPr>
+          <a:lstStyle/>
+          <a:p>
+            <a:pPr algn="ctr"/>
+            <a:endParaRPr lang="en-US" sz="334"/>
+          </a:p>
+        </p:txBody>
+      </p:sp>
+      <p:cxnSp>
+        <p:nvCxnSpPr>
+          <p:cNvPr id="7" name="Straight Connector 6"/>
+          <p:cNvCxnSpPr/>
+          <p:nvPr/>
+        </p:nvCxnSpPr>
+        <p:spPr>
+          <a:xfrm flipH="1">
+            <a:off x="807006" y="2522863"/>
+            <a:ext cx="1955650" cy="10038"/>
+          </a:xfrm>
+          <a:prstGeom prst="line">
+            <a:avLst/>
+          </a:prstGeom>
+          <a:ln w="50800" cap="rnd">
+            <a:solidFill>
+              <a:schemeClr val="bg1"/>
+            </a:solidFill>
+          </a:ln>
+        </p:spPr>
+        <p:style>
+          <a:lnRef idx="1">
+            <a:schemeClr val="accent1"/>
+          </a:lnRef>
+          <a:fillRef idx="0">
+            <a:schemeClr val="accent1"/>
+          </a:fillRef>
+          <a:effectRef idx="0">
+            <a:schemeClr val="accent1"/>
+          </a:effectRef>
+          <a:fontRef idx="minor">
+            <a:schemeClr val="tx1"/>
+          </a:fontRef>
+        </p:style>
+      </p:cxnSp>
+      <p:sp>
+        <p:nvSpPr>
+          <p:cNvPr id="3" name="Cube 2"/>
+          <p:cNvSpPr/>
+          <p:nvPr/>
+        </p:nvSpPr>
+        <p:spPr>
+          <a:xfrm>
+            <a:off x="1458278" y="880791"/>
+            <a:ext cx="726867" cy="1516899"/>
+          </a:xfrm>
+          <a:prstGeom prst="cube">
+            <a:avLst>
+              <a:gd name="adj" fmla="val 37025"/>
+            </a:avLst>
+          </a:prstGeom>
+          <a:solidFill>
+            <a:schemeClr val="bg1"/>
+          </a:solidFill>
+          <a:ln w="41275">
+            <a:solidFill>
+              <a:srgbClr val="271569"/>
+            </a:solidFill>
+          </a:ln>
+        </p:spPr>
+        <p:style>
+          <a:lnRef idx="2">
+            <a:schemeClr val="accent1">
+              <a:shade val="50000"/>
+            </a:schemeClr>
+          </a:lnRef>
+          <a:fillRef idx="1">
+            <a:schemeClr val="accent1"/>
+          </a:fillRef>
+          <a:effectRef idx="0">
+            <a:schemeClr val="accent1"/>
+          </a:effectRef>
+          <a:fontRef idx="minor">
+            <a:schemeClr val="lt1"/>
+          </a:fontRef>
+        </p:style>
+        <p:txBody>
+          <a:bodyPr rtlCol="0" anchor="ctr"/>
+          <a:lstStyle/>
+          <a:p>
+            <a:pPr algn="ctr"/>
+            <a:endParaRPr lang="fr-FR"/>
+          </a:p>
+        </p:txBody>
+      </p:sp>
+    </p:spTree>
+    <p:extLst>
+      <p:ext uri="{BB962C8B-B14F-4D97-AF65-F5344CB8AC3E}">
+        <p14:creationId xmlns:p14="http://schemas.microsoft.com/office/powerpoint/2010/main" val="1394890029"/>
+      </p:ext>
+    </p:extLst>
+  </p:cSld>
+  <p:clrMapOvr>
+    <a:masterClrMapping/>
+  </p:clrMapOvr>
+</p:sld>
+</file>
+
+<file path=ppt/slides/slide22.xml><?xml version="1.0" encoding="utf-8"?>
+<p:sld xmlns:a="http://schemas.openxmlformats.org/drawingml/2006/main" xmlns:r="http://schemas.openxmlformats.org/officeDocument/2006/relationships" xmlns:p="http://schemas.openxmlformats.org/presentationml/2006/main">
+  <p:cSld>
+    <p:spTree>
+      <p:nvGrpSpPr>
+        <p:cNvPr id="1" name=""/>
+        <p:cNvGrpSpPr/>
+        <p:nvPr/>
+      </p:nvGrpSpPr>
+      <p:grpSpPr>
+        <a:xfrm>
+          <a:off x="0" y="0"/>
+          <a:ext cx="0" cy="0"/>
+          <a:chOff x="0" y="0"/>
+          <a:chExt cx="0" cy="0"/>
+        </a:xfrm>
+      </p:grpSpPr>
+      <p:sp>
+        <p:nvSpPr>
+          <p:cNvPr id="4" name="Oval 3"/>
+          <p:cNvSpPr/>
+          <p:nvPr/>
+        </p:nvSpPr>
+        <p:spPr>
+          <a:xfrm>
+            <a:off x="5" y="-1"/>
+            <a:ext cx="3600448" cy="3600452"/>
+          </a:xfrm>
+          <a:prstGeom prst="ellipse">
+            <a:avLst/>
+          </a:prstGeom>
+          <a:solidFill>
+            <a:srgbClr val="271569"/>
+          </a:solidFill>
+          <a:ln>
+            <a:noFill/>
+          </a:ln>
+        </p:spPr>
+        <p:style>
+          <a:lnRef idx="2">
+            <a:schemeClr val="accent1">
+              <a:shade val="50000"/>
+            </a:schemeClr>
+          </a:lnRef>
+          <a:fillRef idx="1">
+            <a:schemeClr val="accent1"/>
+          </a:fillRef>
+          <a:effectRef idx="0">
+            <a:schemeClr val="accent1"/>
+          </a:effectRef>
+          <a:fontRef idx="minor">
+            <a:schemeClr val="lt1"/>
+          </a:fontRef>
+        </p:style>
+        <p:txBody>
+          <a:bodyPr rot="0" spcFirstLastPara="0" vertOverflow="overflow" horzOverflow="overflow" vert="horz" wrap="square" lIns="91440" tIns="45720" rIns="91440" bIns="45720" numCol="1" spcCol="0" rtlCol="0" fromWordArt="0" anchor="ctr" anchorCtr="0" forceAA="0" compatLnSpc="1">
+            <a:prstTxWarp prst="textNoShape">
+              <a:avLst/>
+            </a:prstTxWarp>
+            <a:noAutofit/>
+          </a:bodyPr>
+          <a:lstStyle/>
+          <a:p>
+            <a:pPr algn="ctr"/>
+            <a:endParaRPr lang="en-US" sz="334"/>
+          </a:p>
+        </p:txBody>
+      </p:sp>
+      <p:cxnSp>
+        <p:nvCxnSpPr>
+          <p:cNvPr id="7" name="Straight Connector 6"/>
+          <p:cNvCxnSpPr/>
+          <p:nvPr/>
+        </p:nvCxnSpPr>
+        <p:spPr>
+          <a:xfrm flipH="1">
+            <a:off x="916534" y="2153068"/>
+            <a:ext cx="1955650" cy="10038"/>
+          </a:xfrm>
+          <a:prstGeom prst="line">
+            <a:avLst/>
+          </a:prstGeom>
+          <a:ln w="101600" cap="rnd">
+            <a:solidFill>
+              <a:schemeClr val="bg1"/>
+            </a:solidFill>
+          </a:ln>
+        </p:spPr>
+        <p:style>
+          <a:lnRef idx="1">
+            <a:schemeClr val="accent1"/>
+          </a:lnRef>
+          <a:fillRef idx="0">
+            <a:schemeClr val="accent1"/>
+          </a:fillRef>
+          <a:effectRef idx="0">
+            <a:schemeClr val="accent1"/>
+          </a:effectRef>
+          <a:fontRef idx="minor">
+            <a:schemeClr val="tx1"/>
+          </a:fontRef>
+        </p:style>
+      </p:cxnSp>
+      <p:cxnSp>
+        <p:nvCxnSpPr>
+          <p:cNvPr id="5" name="Straight Connector 6"/>
+          <p:cNvCxnSpPr/>
+          <p:nvPr/>
+        </p:nvCxnSpPr>
+        <p:spPr>
+          <a:xfrm>
+            <a:off x="916533" y="1800225"/>
+            <a:ext cx="1" cy="338788"/>
+          </a:xfrm>
+          <a:prstGeom prst="line">
+            <a:avLst/>
+          </a:prstGeom>
+          <a:ln w="101600" cap="rnd">
+            <a:solidFill>
+              <a:schemeClr val="bg1"/>
+            </a:solidFill>
+          </a:ln>
+        </p:spPr>
+        <p:style>
+          <a:lnRef idx="1">
+            <a:schemeClr val="accent1"/>
+          </a:lnRef>
+          <a:fillRef idx="0">
+            <a:schemeClr val="accent1"/>
+          </a:fillRef>
+          <a:effectRef idx="0">
+            <a:schemeClr val="accent1"/>
+          </a:effectRef>
+          <a:fontRef idx="minor">
+            <a:schemeClr val="tx1"/>
+          </a:fontRef>
+        </p:style>
+      </p:cxnSp>
+    </p:spTree>
+    <p:extLst>
+      <p:ext uri="{BB962C8B-B14F-4D97-AF65-F5344CB8AC3E}">
+        <p14:creationId xmlns:p14="http://schemas.microsoft.com/office/powerpoint/2010/main" val="1088653169"/>
+      </p:ext>
+    </p:extLst>
+  </p:cSld>
+  <p:clrMapOvr>
+    <a:masterClrMapping/>
+  </p:clrMapOvr>
+</p:sld>
+</file>
+
+<file path=ppt/slides/slide23.xml><?xml version="1.0" encoding="utf-8"?>
+<p:sld xmlns:a="http://schemas.openxmlformats.org/drawingml/2006/main" xmlns:r="http://schemas.openxmlformats.org/officeDocument/2006/relationships" xmlns:p="http://schemas.openxmlformats.org/presentationml/2006/main">
+  <p:cSld>
+    <p:spTree>
+      <p:nvGrpSpPr>
+        <p:cNvPr id="1" name=""/>
+        <p:cNvGrpSpPr/>
+        <p:nvPr/>
+      </p:nvGrpSpPr>
+      <p:grpSpPr>
+        <a:xfrm>
+          <a:off x="0" y="0"/>
+          <a:ext cx="0" cy="0"/>
+          <a:chOff x="0" y="0"/>
+          <a:chExt cx="0" cy="0"/>
+        </a:xfrm>
+      </p:grpSpPr>
+      <p:sp>
+        <p:nvSpPr>
+          <p:cNvPr id="4" name="Oval 3"/>
+          <p:cNvSpPr/>
+          <p:nvPr/>
+        </p:nvSpPr>
+        <p:spPr>
+          <a:xfrm>
+            <a:off x="5" y="-1"/>
+            <a:ext cx="3600448" cy="3600452"/>
+          </a:xfrm>
+          <a:prstGeom prst="ellipse">
+            <a:avLst/>
+          </a:prstGeom>
+          <a:solidFill>
+            <a:srgbClr val="271569"/>
+          </a:solidFill>
+          <a:ln>
+            <a:noFill/>
+          </a:ln>
+        </p:spPr>
+        <p:style>
+          <a:lnRef idx="2">
+            <a:schemeClr val="accent1">
+              <a:shade val="50000"/>
+            </a:schemeClr>
+          </a:lnRef>
+          <a:fillRef idx="1">
+            <a:schemeClr val="accent1"/>
+          </a:fillRef>
+          <a:effectRef idx="0">
+            <a:schemeClr val="accent1"/>
+          </a:effectRef>
+          <a:fontRef idx="minor">
+            <a:schemeClr val="lt1"/>
+          </a:fontRef>
+        </p:style>
+        <p:txBody>
+          <a:bodyPr rot="0" spcFirstLastPara="0" vertOverflow="overflow" horzOverflow="overflow" vert="horz" wrap="square" lIns="91440" tIns="45720" rIns="91440" bIns="45720" numCol="1" spcCol="0" rtlCol="0" fromWordArt="0" anchor="ctr" anchorCtr="0" forceAA="0" compatLnSpc="1">
+            <a:prstTxWarp prst="textNoShape">
+              <a:avLst/>
+            </a:prstTxWarp>
+            <a:noAutofit/>
+          </a:bodyPr>
+          <a:lstStyle/>
+          <a:p>
+            <a:pPr algn="ctr"/>
+            <a:endParaRPr lang="en-US" sz="334"/>
+          </a:p>
+        </p:txBody>
+      </p:sp>
+      <p:cxnSp>
+        <p:nvCxnSpPr>
+          <p:cNvPr id="6" name="Straight Connector 5"/>
+          <p:cNvCxnSpPr/>
+          <p:nvPr/>
+        </p:nvCxnSpPr>
+        <p:spPr>
+          <a:xfrm>
+            <a:off x="793943" y="826795"/>
+            <a:ext cx="5476" cy="1708340"/>
+          </a:xfrm>
+          <a:prstGeom prst="line">
+            <a:avLst/>
+          </a:prstGeom>
+          <a:ln w="50800" cap="rnd">
+            <a:solidFill>
+              <a:schemeClr val="bg1"/>
+            </a:solidFill>
+          </a:ln>
+        </p:spPr>
+        <p:style>
+          <a:lnRef idx="1">
+            <a:schemeClr val="accent1"/>
+          </a:lnRef>
+          <a:fillRef idx="0">
+            <a:schemeClr val="accent1"/>
+          </a:fillRef>
+          <a:effectRef idx="0">
+            <a:schemeClr val="accent1"/>
+          </a:effectRef>
+          <a:fontRef idx="minor">
+            <a:schemeClr val="tx1"/>
+          </a:fontRef>
+        </p:style>
+      </p:cxnSp>
+      <p:cxnSp>
+        <p:nvCxnSpPr>
+          <p:cNvPr id="7" name="Straight Connector 6"/>
+          <p:cNvCxnSpPr/>
+          <p:nvPr/>
+        </p:nvCxnSpPr>
+        <p:spPr>
+          <a:xfrm flipH="1">
+            <a:off x="951818" y="2677496"/>
+            <a:ext cx="1955650" cy="10038"/>
+          </a:xfrm>
+          <a:prstGeom prst="line">
+            <a:avLst/>
+          </a:prstGeom>
+          <a:ln w="50800" cap="rnd">
+            <a:solidFill>
+              <a:schemeClr val="bg1"/>
+            </a:solidFill>
+          </a:ln>
+        </p:spPr>
+        <p:style>
+          <a:lnRef idx="1">
+            <a:schemeClr val="accent1"/>
+          </a:lnRef>
+          <a:fillRef idx="0">
+            <a:schemeClr val="accent1"/>
+          </a:fillRef>
+          <a:effectRef idx="0">
+            <a:schemeClr val="accent1"/>
+          </a:effectRef>
+          <a:fontRef idx="minor">
+            <a:schemeClr val="tx1"/>
+          </a:fontRef>
+        </p:style>
+      </p:cxnSp>
+      <p:sp>
+        <p:nvSpPr>
+          <p:cNvPr id="2" name="Forme libre 1"/>
+          <p:cNvSpPr/>
+          <p:nvPr/>
+        </p:nvSpPr>
+        <p:spPr>
+          <a:xfrm>
+            <a:off x="981625" y="2057764"/>
+            <a:ext cx="1896035" cy="477371"/>
+          </a:xfrm>
+          <a:custGeom>
+            <a:avLst/>
+            <a:gdLst>
+              <a:gd name="connsiteX0" fmla="*/ 0 w 1896035"/>
+              <a:gd name="connsiteY0" fmla="*/ 477371 h 477371"/>
+              <a:gd name="connsiteX1" fmla="*/ 457200 w 1896035"/>
+              <a:gd name="connsiteY1" fmla="*/ 141194 h 477371"/>
+              <a:gd name="connsiteX2" fmla="*/ 746312 w 1896035"/>
+              <a:gd name="connsiteY2" fmla="*/ 248771 h 477371"/>
+              <a:gd name="connsiteX3" fmla="*/ 1546412 w 1896035"/>
+              <a:gd name="connsiteY3" fmla="*/ 0 h 477371"/>
+              <a:gd name="connsiteX4" fmla="*/ 1896035 w 1896035"/>
+              <a:gd name="connsiteY4" fmla="*/ 463924 h 477371"/>
+              <a:gd name="connsiteX5" fmla="*/ 0 w 1896035"/>
+              <a:gd name="connsiteY5" fmla="*/ 477371 h 477371"/>
+            </a:gdLst>
+            <a:ahLst/>
+            <a:cxnLst>
+              <a:cxn ang="0">
+                <a:pos x="connsiteX0" y="connsiteY0"/>
+              </a:cxn>
+              <a:cxn ang="0">
+                <a:pos x="connsiteX1" y="connsiteY1"/>
+              </a:cxn>
+              <a:cxn ang="0">
+                <a:pos x="connsiteX2" y="connsiteY2"/>
+              </a:cxn>
+              <a:cxn ang="0">
+                <a:pos x="connsiteX3" y="connsiteY3"/>
+              </a:cxn>
+              <a:cxn ang="0">
+                <a:pos x="connsiteX4" y="connsiteY4"/>
+              </a:cxn>
+              <a:cxn ang="0">
+                <a:pos x="connsiteX5" y="connsiteY5"/>
+              </a:cxn>
+            </a:cxnLst>
+            <a:rect l="l" t="t" r="r" b="b"/>
+            <a:pathLst>
+              <a:path w="1896035" h="477371">
+                <a:moveTo>
+                  <a:pt x="0" y="477371"/>
+                </a:moveTo>
+                <a:lnTo>
+                  <a:pt x="457200" y="141194"/>
+                </a:lnTo>
+                <a:lnTo>
+                  <a:pt x="746312" y="248771"/>
+                </a:lnTo>
+                <a:lnTo>
+                  <a:pt x="1546412" y="0"/>
+                </a:lnTo>
+                <a:lnTo>
+                  <a:pt x="1896035" y="463924"/>
+                </a:lnTo>
+                <a:lnTo>
+                  <a:pt x="0" y="477371"/>
+                </a:lnTo>
+                <a:close/>
+              </a:path>
+            </a:pathLst>
+          </a:custGeom>
+          <a:solidFill>
+            <a:schemeClr val="bg1">
+              <a:alpha val="60000"/>
+            </a:schemeClr>
+          </a:solidFill>
+          <a:ln>
+            <a:noFill/>
+          </a:ln>
+        </p:spPr>
+        <p:style>
+          <a:lnRef idx="2">
+            <a:schemeClr val="accent1">
+              <a:shade val="50000"/>
+            </a:schemeClr>
+          </a:lnRef>
+          <a:fillRef idx="1">
+            <a:schemeClr val="accent1"/>
+          </a:fillRef>
+          <a:effectRef idx="0">
+            <a:schemeClr val="accent1"/>
+          </a:effectRef>
+          <a:fontRef idx="minor">
+            <a:schemeClr val="lt1"/>
+          </a:fontRef>
+        </p:style>
+        <p:txBody>
+          <a:bodyPr rtlCol="0" anchor="ctr"/>
+          <a:lstStyle/>
+          <a:p>
+            <a:pPr algn="ctr"/>
+            <a:endParaRPr lang="fr-FR"/>
+          </a:p>
+        </p:txBody>
+      </p:sp>
+      <p:sp>
+        <p:nvSpPr>
+          <p:cNvPr id="3" name="Forme libre 2"/>
+          <p:cNvSpPr/>
+          <p:nvPr/>
+        </p:nvSpPr>
+        <p:spPr>
+          <a:xfrm>
+            <a:off x="981625" y="847165"/>
+            <a:ext cx="1929663" cy="1640541"/>
+          </a:xfrm>
+          <a:custGeom>
+            <a:avLst/>
+            <a:gdLst>
+              <a:gd name="connsiteX0" fmla="*/ 0 w 1929653"/>
+              <a:gd name="connsiteY0" fmla="*/ 1196788 h 1633817"/>
+              <a:gd name="connsiteX1" fmla="*/ 369794 w 1929653"/>
+              <a:gd name="connsiteY1" fmla="*/ 611841 h 1633817"/>
+              <a:gd name="connsiteX2" fmla="*/ 746312 w 1929653"/>
+              <a:gd name="connsiteY2" fmla="*/ 1136276 h 1633817"/>
+              <a:gd name="connsiteX3" fmla="*/ 1539689 w 1929653"/>
+              <a:gd name="connsiteY3" fmla="*/ 0 h 1633817"/>
+              <a:gd name="connsiteX4" fmla="*/ 1909483 w 1929653"/>
+              <a:gd name="connsiteY4" fmla="*/ 1015253 h 1633817"/>
+              <a:gd name="connsiteX5" fmla="*/ 1929653 w 1929653"/>
+              <a:gd name="connsiteY5" fmla="*/ 1633817 h 1633817"/>
+              <a:gd name="connsiteX6" fmla="*/ 1553136 w 1929653"/>
+              <a:gd name="connsiteY6" fmla="*/ 1136276 h 1633817"/>
+              <a:gd name="connsiteX7" fmla="*/ 753036 w 1929653"/>
+              <a:gd name="connsiteY7" fmla="*/ 1391770 h 1633817"/>
+              <a:gd name="connsiteX8" fmla="*/ 457200 w 1929653"/>
+              <a:gd name="connsiteY8" fmla="*/ 1290917 h 1633817"/>
+              <a:gd name="connsiteX9" fmla="*/ 13447 w 1929653"/>
+              <a:gd name="connsiteY9" fmla="*/ 1627094 h 1633817"/>
+              <a:gd name="connsiteX10" fmla="*/ 0 w 1929653"/>
+              <a:gd name="connsiteY10" fmla="*/ 1196788 h 1633817"/>
+            </a:gdLst>
+            <a:ahLst/>
+            <a:cxnLst>
+              <a:cxn ang="0">
+                <a:pos x="connsiteX0" y="connsiteY0"/>
+              </a:cxn>
+              <a:cxn ang="0">
+                <a:pos x="connsiteX1" y="connsiteY1"/>
+              </a:cxn>
+              <a:cxn ang="0">
+                <a:pos x="connsiteX2" y="connsiteY2"/>
+              </a:cxn>
+              <a:cxn ang="0">
+                <a:pos x="connsiteX3" y="connsiteY3"/>
+              </a:cxn>
+              <a:cxn ang="0">
+                <a:pos x="connsiteX4" y="connsiteY4"/>
+              </a:cxn>
+              <a:cxn ang="0">
+                <a:pos x="connsiteX5" y="connsiteY5"/>
+              </a:cxn>
+              <a:cxn ang="0">
+                <a:pos x="connsiteX6" y="connsiteY6"/>
+              </a:cxn>
+              <a:cxn ang="0">
+                <a:pos x="connsiteX7" y="connsiteY7"/>
+              </a:cxn>
+              <a:cxn ang="0">
+                <a:pos x="connsiteX8" y="connsiteY8"/>
+              </a:cxn>
+              <a:cxn ang="0">
+                <a:pos x="connsiteX9" y="connsiteY9"/>
+              </a:cxn>
+              <a:cxn ang="0">
+                <a:pos x="connsiteX10" y="connsiteY10"/>
+              </a:cxn>
+            </a:cxnLst>
+            <a:rect l="l" t="t" r="r" b="b"/>
+            <a:pathLst>
+              <a:path w="1929653" h="1633817">
+                <a:moveTo>
+                  <a:pt x="0" y="1196788"/>
+                </a:moveTo>
+                <a:lnTo>
+                  <a:pt x="369794" y="611841"/>
+                </a:lnTo>
+                <a:lnTo>
+                  <a:pt x="746312" y="1136276"/>
+                </a:lnTo>
+                <a:lnTo>
+                  <a:pt x="1539689" y="0"/>
+                </a:lnTo>
+                <a:lnTo>
+                  <a:pt x="1909483" y="1015253"/>
+                </a:lnTo>
+                <a:lnTo>
+                  <a:pt x="1929653" y="1633817"/>
+                </a:lnTo>
+                <a:lnTo>
+                  <a:pt x="1553136" y="1136276"/>
+                </a:lnTo>
+                <a:lnTo>
+                  <a:pt x="753036" y="1391770"/>
+                </a:lnTo>
+                <a:lnTo>
+                  <a:pt x="457200" y="1290917"/>
+                </a:lnTo>
+                <a:lnTo>
+                  <a:pt x="13447" y="1627094"/>
+                </a:lnTo>
+                <a:lnTo>
+                  <a:pt x="0" y="1196788"/>
+                </a:lnTo>
+                <a:close/>
+              </a:path>
+            </a:pathLst>
+          </a:custGeom>
+          <a:solidFill>
+            <a:schemeClr val="bg1">
+              <a:alpha val="82000"/>
+            </a:schemeClr>
+          </a:solidFill>
+          <a:ln>
+            <a:noFill/>
+          </a:ln>
+        </p:spPr>
+        <p:style>
+          <a:lnRef idx="2">
+            <a:schemeClr val="accent1">
+              <a:shade val="50000"/>
+            </a:schemeClr>
+          </a:lnRef>
+          <a:fillRef idx="1">
+            <a:schemeClr val="accent1"/>
+          </a:fillRef>
+          <a:effectRef idx="0">
+            <a:schemeClr val="accent1"/>
+          </a:effectRef>
+          <a:fontRef idx="minor">
+            <a:schemeClr val="lt1"/>
+          </a:fontRef>
+        </p:style>
+        <p:txBody>
+          <a:bodyPr rtlCol="0" anchor="ctr"/>
+          <a:lstStyle/>
+          <a:p>
+            <a:pPr algn="ctr"/>
+            <a:endParaRPr lang="fr-FR"/>
+          </a:p>
+        </p:txBody>
+      </p:sp>
+      <p:sp>
+        <p:nvSpPr>
+          <p:cNvPr id="5" name="Forme libre 4"/>
+          <p:cNvSpPr/>
+          <p:nvPr/>
+        </p:nvSpPr>
+        <p:spPr>
+          <a:xfrm>
+            <a:off x="978714" y="2017057"/>
+            <a:ext cx="1946023" cy="504629"/>
+          </a:xfrm>
+          <a:custGeom>
+            <a:avLst/>
+            <a:gdLst>
+              <a:gd name="connsiteX0" fmla="*/ 0 w 1902759"/>
+              <a:gd name="connsiteY0" fmla="*/ 470647 h 484094"/>
+              <a:gd name="connsiteX1" fmla="*/ 443753 w 1902759"/>
+              <a:gd name="connsiteY1" fmla="*/ 147918 h 484094"/>
+              <a:gd name="connsiteX2" fmla="*/ 726142 w 1902759"/>
+              <a:gd name="connsiteY2" fmla="*/ 242047 h 484094"/>
+              <a:gd name="connsiteX3" fmla="*/ 1532965 w 1902759"/>
+              <a:gd name="connsiteY3" fmla="*/ 0 h 484094"/>
+              <a:gd name="connsiteX4" fmla="*/ 1902759 w 1902759"/>
+              <a:gd name="connsiteY4" fmla="*/ 484094 h 484094"/>
+              <a:gd name="connsiteX5" fmla="*/ 1902759 w 1902759"/>
+              <a:gd name="connsiteY5" fmla="*/ 484094 h 484094"/>
+            </a:gdLst>
+            <a:ahLst/>
+            <a:cxnLst>
+              <a:cxn ang="0">
+                <a:pos x="connsiteX0" y="connsiteY0"/>
+              </a:cxn>
+              <a:cxn ang="0">
+                <a:pos x="connsiteX1" y="connsiteY1"/>
+              </a:cxn>
+              <a:cxn ang="0">
+                <a:pos x="connsiteX2" y="connsiteY2"/>
+              </a:cxn>
+              <a:cxn ang="0">
+                <a:pos x="connsiteX3" y="connsiteY3"/>
+              </a:cxn>
+              <a:cxn ang="0">
+                <a:pos x="connsiteX4" y="connsiteY4"/>
+              </a:cxn>
+              <a:cxn ang="0">
+                <a:pos x="connsiteX5" y="connsiteY5"/>
+              </a:cxn>
+            </a:cxnLst>
+            <a:rect l="l" t="t" r="r" b="b"/>
+            <a:pathLst>
+              <a:path w="1902759" h="484094">
+                <a:moveTo>
+                  <a:pt x="0" y="470647"/>
+                </a:moveTo>
+                <a:lnTo>
+                  <a:pt x="443753" y="147918"/>
+                </a:lnTo>
+                <a:lnTo>
+                  <a:pt x="726142" y="242047"/>
+                </a:lnTo>
+                <a:lnTo>
+                  <a:pt x="1532965" y="0"/>
+                </a:lnTo>
+                <a:lnTo>
+                  <a:pt x="1902759" y="484094"/>
+                </a:lnTo>
+                <a:lnTo>
+                  <a:pt x="1902759" y="484094"/>
+                </a:lnTo>
+              </a:path>
+            </a:pathLst>
+          </a:custGeom>
+          <a:noFill/>
+          <a:ln w="63500">
+            <a:solidFill>
+              <a:srgbClr val="271569"/>
+            </a:solidFill>
+          </a:ln>
+        </p:spPr>
+        <p:style>
+          <a:lnRef idx="2">
+            <a:schemeClr val="accent1">
+              <a:shade val="50000"/>
+            </a:schemeClr>
+          </a:lnRef>
+          <a:fillRef idx="1">
+            <a:schemeClr val="accent1"/>
+          </a:fillRef>
+          <a:effectRef idx="0">
+            <a:schemeClr val="accent1"/>
+          </a:effectRef>
+          <a:fontRef idx="minor">
+            <a:schemeClr val="lt1"/>
+          </a:fontRef>
+        </p:style>
+        <p:txBody>
+          <a:bodyPr rtlCol="0" anchor="ctr"/>
+          <a:lstStyle/>
+          <a:p>
+            <a:pPr algn="ctr"/>
+            <a:endParaRPr lang="fr-FR"/>
+          </a:p>
+        </p:txBody>
+      </p:sp>
+    </p:spTree>
+    <p:extLst>
+      <p:ext uri="{BB962C8B-B14F-4D97-AF65-F5344CB8AC3E}">
+        <p14:creationId xmlns:p14="http://schemas.microsoft.com/office/powerpoint/2010/main" val="767464554"/>
+      </p:ext>
+    </p:extLst>
+  </p:cSld>
+  <p:clrMapOvr>
+    <a:masterClrMapping/>
+  </p:clrMapOvr>
+</p:sld>
+</file>
+
+<file path=ppt/slides/slide24.xml><?xml version="1.0" encoding="utf-8"?>
+<p:sld xmlns:a="http://schemas.openxmlformats.org/drawingml/2006/main" xmlns:r="http://schemas.openxmlformats.org/officeDocument/2006/relationships" xmlns:p="http://schemas.openxmlformats.org/presentationml/2006/main">
+  <p:cSld>
+    <p:spTree>
+      <p:nvGrpSpPr>
+        <p:cNvPr id="1" name=""/>
+        <p:cNvGrpSpPr/>
+        <p:nvPr/>
+      </p:nvGrpSpPr>
+      <p:grpSpPr>
+        <a:xfrm>
+          <a:off x="0" y="0"/>
+          <a:ext cx="0" cy="0"/>
+          <a:chOff x="0" y="0"/>
+          <a:chExt cx="0" cy="0"/>
+        </a:xfrm>
+      </p:grpSpPr>
+      <p:sp>
+        <p:nvSpPr>
+          <p:cNvPr id="4" name="Oval 3"/>
+          <p:cNvSpPr/>
+          <p:nvPr/>
+        </p:nvSpPr>
+        <p:spPr>
+          <a:xfrm>
+            <a:off x="5" y="-1"/>
+            <a:ext cx="3600448" cy="3600452"/>
+          </a:xfrm>
+          <a:prstGeom prst="ellipse">
+            <a:avLst/>
+          </a:prstGeom>
+          <a:solidFill>
+            <a:srgbClr val="271569"/>
+          </a:solidFill>
+          <a:ln>
+            <a:noFill/>
+          </a:ln>
+        </p:spPr>
+        <p:style>
+          <a:lnRef idx="2">
+            <a:schemeClr val="accent1">
+              <a:shade val="50000"/>
+            </a:schemeClr>
+          </a:lnRef>
+          <a:fillRef idx="1">
+            <a:schemeClr val="accent1"/>
+          </a:fillRef>
+          <a:effectRef idx="0">
+            <a:schemeClr val="accent1"/>
+          </a:effectRef>
+          <a:fontRef idx="minor">
+            <a:schemeClr val="lt1"/>
+          </a:fontRef>
+        </p:style>
+        <p:txBody>
+          <a:bodyPr rot="0" spcFirstLastPara="0" vertOverflow="overflow" horzOverflow="overflow" vert="horz" wrap="square" lIns="91440" tIns="45720" rIns="91440" bIns="45720" numCol="1" spcCol="0" rtlCol="0" fromWordArt="0" anchor="ctr" anchorCtr="0" forceAA="0" compatLnSpc="1">
+            <a:prstTxWarp prst="textNoShape">
+              <a:avLst/>
+            </a:prstTxWarp>
+            <a:noAutofit/>
+          </a:bodyPr>
+          <a:lstStyle/>
+          <a:p>
+            <a:pPr algn="ctr"/>
+            <a:endParaRPr lang="en-US" sz="334"/>
+          </a:p>
+        </p:txBody>
+      </p:sp>
+      <p:cxnSp>
+        <p:nvCxnSpPr>
+          <p:cNvPr id="6" name="Straight Connector 5"/>
+          <p:cNvCxnSpPr/>
+          <p:nvPr/>
+        </p:nvCxnSpPr>
+        <p:spPr>
+          <a:xfrm>
+            <a:off x="793943" y="826795"/>
+            <a:ext cx="5476" cy="1708340"/>
+          </a:xfrm>
+          <a:prstGeom prst="line">
+            <a:avLst/>
+          </a:prstGeom>
+          <a:ln w="50800" cap="rnd">
+            <a:solidFill>
+              <a:schemeClr val="bg1"/>
+            </a:solidFill>
+          </a:ln>
+        </p:spPr>
+        <p:style>
+          <a:lnRef idx="1">
+            <a:schemeClr val="accent1"/>
+          </a:lnRef>
+          <a:fillRef idx="0">
+            <a:schemeClr val="accent1"/>
+          </a:fillRef>
+          <a:effectRef idx="0">
+            <a:schemeClr val="accent1"/>
+          </a:effectRef>
+          <a:fontRef idx="minor">
+            <a:schemeClr val="tx1"/>
+          </a:fontRef>
+        </p:style>
+      </p:cxnSp>
+      <p:cxnSp>
+        <p:nvCxnSpPr>
+          <p:cNvPr id="7" name="Straight Connector 6"/>
+          <p:cNvCxnSpPr/>
+          <p:nvPr/>
+        </p:nvCxnSpPr>
+        <p:spPr>
+          <a:xfrm flipH="1">
+            <a:off x="951818" y="2677496"/>
+            <a:ext cx="1955650" cy="10038"/>
+          </a:xfrm>
+          <a:prstGeom prst="line">
+            <a:avLst/>
+          </a:prstGeom>
+          <a:ln w="50800" cap="rnd">
+            <a:solidFill>
+              <a:schemeClr val="bg1"/>
+            </a:solidFill>
+          </a:ln>
+        </p:spPr>
+        <p:style>
+          <a:lnRef idx="1">
+            <a:schemeClr val="accent1"/>
+          </a:lnRef>
+          <a:fillRef idx="0">
+            <a:schemeClr val="accent1"/>
+          </a:fillRef>
+          <a:effectRef idx="0">
+            <a:schemeClr val="accent1"/>
+          </a:effectRef>
+          <a:fontRef idx="minor">
+            <a:schemeClr val="tx1"/>
+          </a:fontRef>
+        </p:style>
+      </p:cxnSp>
+      <p:cxnSp>
+        <p:nvCxnSpPr>
+          <p:cNvPr id="35" name="Straight Connector 34"/>
+          <p:cNvCxnSpPr/>
+          <p:nvPr/>
+        </p:nvCxnSpPr>
+        <p:spPr>
+          <a:xfrm>
+            <a:off x="1078369" y="1629075"/>
+            <a:ext cx="550469" cy="660276"/>
+          </a:xfrm>
+          <a:prstGeom prst="line">
+            <a:avLst/>
+          </a:prstGeom>
+          <a:ln w="47625" cap="rnd">
+            <a:solidFill>
+              <a:schemeClr val="bg1"/>
+            </a:solidFill>
+          </a:ln>
+        </p:spPr>
+        <p:style>
+          <a:lnRef idx="1">
+            <a:schemeClr val="accent1"/>
+          </a:lnRef>
+          <a:fillRef idx="0">
+            <a:schemeClr val="accent1"/>
+          </a:fillRef>
+          <a:effectRef idx="0">
+            <a:schemeClr val="accent1"/>
+          </a:effectRef>
+          <a:fontRef idx="minor">
+            <a:schemeClr val="tx1"/>
+          </a:fontRef>
+        </p:style>
+      </p:cxnSp>
+      <p:cxnSp>
+        <p:nvCxnSpPr>
+          <p:cNvPr id="36" name="Straight Connector 35"/>
+          <p:cNvCxnSpPr/>
+          <p:nvPr/>
+        </p:nvCxnSpPr>
+        <p:spPr>
+          <a:xfrm flipV="1">
+            <a:off x="1652881" y="2209800"/>
+            <a:ext cx="639469" cy="79551"/>
+          </a:xfrm>
+          <a:prstGeom prst="line">
+            <a:avLst/>
+          </a:prstGeom>
+          <a:ln w="47625" cap="rnd">
+            <a:solidFill>
+              <a:schemeClr val="bg1"/>
+            </a:solidFill>
+          </a:ln>
+        </p:spPr>
+        <p:style>
+          <a:lnRef idx="1">
+            <a:schemeClr val="accent1"/>
+          </a:lnRef>
+          <a:fillRef idx="0">
+            <a:schemeClr val="accent1"/>
+          </a:fillRef>
+          <a:effectRef idx="0">
+            <a:schemeClr val="accent1"/>
+          </a:effectRef>
+          <a:fontRef idx="minor">
+            <a:schemeClr val="tx1"/>
+          </a:fontRef>
+        </p:style>
+      </p:cxnSp>
+      <p:cxnSp>
+        <p:nvCxnSpPr>
+          <p:cNvPr id="37" name="Straight Connector 36"/>
+          <p:cNvCxnSpPr/>
+          <p:nvPr/>
+        </p:nvCxnSpPr>
+        <p:spPr>
+          <a:xfrm flipV="1">
+            <a:off x="2292350" y="1878550"/>
+            <a:ext cx="556234" cy="331249"/>
+          </a:xfrm>
+          <a:prstGeom prst="line">
+            <a:avLst/>
+          </a:prstGeom>
+          <a:ln w="47625" cap="rnd">
+            <a:solidFill>
+              <a:schemeClr val="bg1"/>
+            </a:solidFill>
+          </a:ln>
+        </p:spPr>
+        <p:style>
+          <a:lnRef idx="1">
+            <a:schemeClr val="accent1"/>
+          </a:lnRef>
+          <a:fillRef idx="0">
+            <a:schemeClr val="accent1"/>
+          </a:fillRef>
+          <a:effectRef idx="0">
+            <a:schemeClr val="accent1"/>
+          </a:effectRef>
+          <a:fontRef idx="minor">
+            <a:schemeClr val="tx1"/>
+          </a:fontRef>
+        </p:style>
+      </p:cxnSp>
+      <p:cxnSp>
+        <p:nvCxnSpPr>
+          <p:cNvPr id="41" name="Straight Connector 40"/>
+          <p:cNvCxnSpPr/>
+          <p:nvPr/>
+        </p:nvCxnSpPr>
+        <p:spPr>
+          <a:xfrm>
+            <a:off x="1094887" y="1409877"/>
+            <a:ext cx="618114" cy="456395"/>
+          </a:xfrm>
+          <a:prstGeom prst="line">
+            <a:avLst/>
+          </a:prstGeom>
+          <a:ln w="47625" cap="rnd">
+            <a:solidFill>
+              <a:schemeClr val="bg1"/>
+            </a:solidFill>
+          </a:ln>
+        </p:spPr>
+        <p:style>
+          <a:lnRef idx="1">
+            <a:schemeClr val="accent1"/>
+          </a:lnRef>
+          <a:fillRef idx="0">
+            <a:schemeClr val="accent1"/>
+          </a:fillRef>
+          <a:effectRef idx="0">
+            <a:schemeClr val="accent1"/>
+          </a:effectRef>
+          <a:fontRef idx="minor">
+            <a:schemeClr val="tx1"/>
+          </a:fontRef>
+        </p:style>
+      </p:cxnSp>
+      <p:cxnSp>
+        <p:nvCxnSpPr>
+          <p:cNvPr id="42" name="Straight Connector 41"/>
+          <p:cNvCxnSpPr/>
+          <p:nvPr/>
+        </p:nvCxnSpPr>
+        <p:spPr>
+          <a:xfrm flipV="1">
+            <a:off x="1713001" y="1022350"/>
+            <a:ext cx="579349" cy="843921"/>
+          </a:xfrm>
+          <a:prstGeom prst="line">
+            <a:avLst/>
+          </a:prstGeom>
+          <a:ln w="47625" cap="rnd">
+            <a:solidFill>
+              <a:schemeClr val="bg1"/>
+            </a:solidFill>
+          </a:ln>
+        </p:spPr>
+        <p:style>
+          <a:lnRef idx="1">
+            <a:schemeClr val="accent1"/>
+          </a:lnRef>
+          <a:fillRef idx="0">
+            <a:schemeClr val="accent1"/>
+          </a:fillRef>
+          <a:effectRef idx="0">
+            <a:schemeClr val="accent1"/>
+          </a:effectRef>
+          <a:fontRef idx="minor">
+            <a:schemeClr val="tx1"/>
+          </a:fontRef>
+        </p:style>
+      </p:cxnSp>
+      <p:cxnSp>
+        <p:nvCxnSpPr>
+          <p:cNvPr id="43" name="Straight Connector 42"/>
+          <p:cNvCxnSpPr/>
+          <p:nvPr/>
+        </p:nvCxnSpPr>
+        <p:spPr>
+          <a:xfrm>
+            <a:off x="2292350" y="1028700"/>
+            <a:ext cx="634785" cy="442960"/>
+          </a:xfrm>
+          <a:prstGeom prst="line">
+            <a:avLst/>
+          </a:prstGeom>
+          <a:ln w="47625" cap="rnd">
+            <a:solidFill>
+              <a:schemeClr val="bg1"/>
+            </a:solidFill>
+          </a:ln>
+        </p:spPr>
+        <p:style>
+          <a:lnRef idx="1">
+            <a:schemeClr val="accent1"/>
+          </a:lnRef>
+          <a:fillRef idx="0">
+            <a:schemeClr val="accent1"/>
+          </a:fillRef>
+          <a:effectRef idx="0">
+            <a:schemeClr val="accent1"/>
+          </a:effectRef>
+          <a:fontRef idx="minor">
+            <a:schemeClr val="tx1"/>
+          </a:fontRef>
+        </p:style>
+      </p:cxnSp>
+      <p:cxnSp>
+        <p:nvCxnSpPr>
+          <p:cNvPr id="29" name="Connecteur droit avec flèche 28"/>
+          <p:cNvCxnSpPr/>
+          <p:nvPr/>
+        </p:nvCxnSpPr>
+        <p:spPr>
+          <a:xfrm>
+            <a:off x="2292350" y="1296883"/>
+            <a:ext cx="0" cy="747291"/>
+          </a:xfrm>
+          <a:prstGeom prst="straightConnector1">
+            <a:avLst/>
+          </a:prstGeom>
+          <a:ln>
+            <a:solidFill>
+              <a:schemeClr val="bg1"/>
+            </a:solidFill>
+            <a:headEnd type="triangle"/>
+            <a:tailEnd type="triangle"/>
+          </a:ln>
+        </p:spPr>
+        <p:style>
+          <a:lnRef idx="1">
+            <a:schemeClr val="accent1"/>
+          </a:lnRef>
+          <a:fillRef idx="0">
+            <a:schemeClr val="accent1"/>
+          </a:fillRef>
+          <a:effectRef idx="0">
+            <a:schemeClr val="accent1"/>
+          </a:effectRef>
+          <a:fontRef idx="minor">
+            <a:schemeClr val="tx1"/>
+          </a:fontRef>
+        </p:style>
+      </p:cxnSp>
+      <p:sp>
+        <p:nvSpPr>
+          <p:cNvPr id="38" name="ZoneTexte 37"/>
+          <p:cNvSpPr txBox="1"/>
+          <p:nvPr/>
+        </p:nvSpPr>
+        <p:spPr>
+          <a:xfrm>
+            <a:off x="2292349" y="1442083"/>
+            <a:ext cx="228600" cy="461665"/>
+          </a:xfrm>
+          <a:prstGeom prst="rect">
+            <a:avLst/>
+          </a:prstGeom>
+          <a:noFill/>
+        </p:spPr>
+        <p:txBody>
+          <a:bodyPr wrap="square" rtlCol="0">
+            <a:spAutoFit/>
+          </a:bodyPr>
+          <a:lstStyle/>
+          <a:p>
+            <a:r>
+              <a:rPr lang="fr-FR" sz="2400" dirty="0" smtClean="0">
+                <a:solidFill>
+                  <a:schemeClr val="bg1"/>
+                </a:solidFill>
+              </a:rPr>
+              <a:t>?</a:t>
+            </a:r>
+            <a:endParaRPr lang="fr-FR" sz="1100" dirty="0"/>
+          </a:p>
+        </p:txBody>
+      </p:sp>
+    </p:spTree>
+    <p:extLst>
+      <p:ext uri="{BB962C8B-B14F-4D97-AF65-F5344CB8AC3E}">
+        <p14:creationId xmlns:p14="http://schemas.microsoft.com/office/powerpoint/2010/main" val="7432256"/>
+      </p:ext>
+    </p:extLst>
+  </p:cSld>
+  <p:clrMapOvr>
+    <a:masterClrMapping/>
+  </p:clrMapOvr>
+</p:sld>
+</file>
+
+<file path=ppt/slides/slide25.xml><?xml version="1.0" encoding="utf-8"?>
+<p:sld xmlns:a="http://schemas.openxmlformats.org/drawingml/2006/main" xmlns:r="http://schemas.openxmlformats.org/officeDocument/2006/relationships" xmlns:p="http://schemas.openxmlformats.org/presentationml/2006/main">
+  <p:cSld>
+    <p:spTree>
+      <p:nvGrpSpPr>
+        <p:cNvPr id="1" name=""/>
+        <p:cNvGrpSpPr/>
+        <p:nvPr/>
+      </p:nvGrpSpPr>
+      <p:grpSpPr>
+        <a:xfrm>
+          <a:off x="0" y="0"/>
+          <a:ext cx="0" cy="0"/>
+          <a:chOff x="0" y="0"/>
+          <a:chExt cx="0" cy="0"/>
+        </a:xfrm>
+      </p:grpSpPr>
+      <p:sp>
+        <p:nvSpPr>
+          <p:cNvPr id="4" name="Oval 3"/>
+          <p:cNvSpPr/>
+          <p:nvPr/>
+        </p:nvSpPr>
+        <p:spPr>
+          <a:xfrm>
+            <a:off x="5" y="-1"/>
+            <a:ext cx="3600448" cy="3600452"/>
+          </a:xfrm>
+          <a:prstGeom prst="ellipse">
+            <a:avLst/>
+          </a:prstGeom>
+          <a:solidFill>
+            <a:srgbClr val="271569"/>
+          </a:solidFill>
+          <a:ln>
+            <a:noFill/>
+          </a:ln>
+        </p:spPr>
+        <p:style>
+          <a:lnRef idx="2">
+            <a:schemeClr val="accent1">
+              <a:shade val="50000"/>
+            </a:schemeClr>
+          </a:lnRef>
+          <a:fillRef idx="1">
+            <a:schemeClr val="accent1"/>
+          </a:fillRef>
+          <a:effectRef idx="0">
+            <a:schemeClr val="accent1"/>
+          </a:effectRef>
+          <a:fontRef idx="minor">
+            <a:schemeClr val="lt1"/>
+          </a:fontRef>
+        </p:style>
+        <p:txBody>
+          <a:bodyPr rot="0" spcFirstLastPara="0" vertOverflow="overflow" horzOverflow="overflow" vert="horz" wrap="square" lIns="91440" tIns="45720" rIns="91440" bIns="45720" numCol="1" spcCol="0" rtlCol="0" fromWordArt="0" anchor="ctr" anchorCtr="0" forceAA="0" compatLnSpc="1">
+            <a:prstTxWarp prst="textNoShape">
+              <a:avLst/>
+            </a:prstTxWarp>
+            <a:noAutofit/>
+          </a:bodyPr>
+          <a:lstStyle/>
+          <a:p>
+            <a:pPr algn="ctr"/>
+            <a:endParaRPr lang="en-US" sz="334"/>
+          </a:p>
+        </p:txBody>
+      </p:sp>
+      <p:sp>
+        <p:nvSpPr>
+          <p:cNvPr id="11" name="Oval 14"/>
+          <p:cNvSpPr/>
+          <p:nvPr/>
+        </p:nvSpPr>
+        <p:spPr>
+          <a:xfrm>
+            <a:off x="1731633" y="2984225"/>
+            <a:ext cx="136071" cy="141090"/>
+          </a:xfrm>
+          <a:prstGeom prst="ellipse">
+            <a:avLst/>
+          </a:prstGeom>
+          <a:solidFill>
+            <a:schemeClr val="bg1"/>
+          </a:solidFill>
+          <a:ln>
+            <a:noFill/>
+          </a:ln>
+        </p:spPr>
+        <p:style>
+          <a:lnRef idx="2">
+            <a:schemeClr val="accent1">
+              <a:shade val="50000"/>
+            </a:schemeClr>
+          </a:lnRef>
+          <a:fillRef idx="1">
+            <a:schemeClr val="accent1"/>
+          </a:fillRef>
+          <a:effectRef idx="0">
+            <a:schemeClr val="accent1"/>
+          </a:effectRef>
+          <a:fontRef idx="minor">
+            <a:schemeClr val="lt1"/>
+          </a:fontRef>
+        </p:style>
+        <p:txBody>
+          <a:bodyPr rtlCol="0" anchor="ctr"/>
+          <a:lstStyle/>
+          <a:p>
+            <a:pPr algn="ctr"/>
+            <a:endParaRPr lang="en-US"/>
+          </a:p>
+        </p:txBody>
+      </p:sp>
+      <p:sp>
+        <p:nvSpPr>
+          <p:cNvPr id="19" name="Oval 14"/>
+          <p:cNvSpPr/>
+          <p:nvPr/>
+        </p:nvSpPr>
+        <p:spPr>
+          <a:xfrm>
+            <a:off x="1648147" y="2506591"/>
+            <a:ext cx="303045" cy="284678"/>
+          </a:xfrm>
+          <a:prstGeom prst="ellipse">
+            <a:avLst/>
+          </a:prstGeom>
+          <a:solidFill>
+            <a:schemeClr val="bg1"/>
+          </a:solidFill>
+          <a:ln>
+            <a:noFill/>
+          </a:ln>
+        </p:spPr>
+        <p:style>
+          <a:lnRef idx="2">
+            <a:schemeClr val="accent1">
+              <a:shade val="50000"/>
+            </a:schemeClr>
+          </a:lnRef>
+          <a:fillRef idx="1">
+            <a:schemeClr val="accent1"/>
+          </a:fillRef>
+          <a:effectRef idx="0">
+            <a:schemeClr val="accent1"/>
+          </a:effectRef>
+          <a:fontRef idx="minor">
+            <a:schemeClr val="lt1"/>
+          </a:fontRef>
+        </p:style>
+        <p:txBody>
+          <a:bodyPr rtlCol="0" anchor="ctr"/>
+          <a:lstStyle/>
+          <a:p>
+            <a:pPr algn="ctr"/>
+            <a:endParaRPr lang="en-US" sz="1200"/>
+          </a:p>
+        </p:txBody>
+      </p:sp>
+      <p:sp>
+        <p:nvSpPr>
+          <p:cNvPr id="22" name="Oval 14"/>
+          <p:cNvSpPr/>
+          <p:nvPr/>
+        </p:nvSpPr>
+        <p:spPr>
+          <a:xfrm>
+            <a:off x="1331628" y="578229"/>
+            <a:ext cx="936084" cy="872739"/>
+          </a:xfrm>
+          <a:prstGeom prst="ellipse">
+            <a:avLst/>
+          </a:prstGeom>
+          <a:solidFill>
+            <a:schemeClr val="bg1"/>
+          </a:solidFill>
+          <a:ln>
+            <a:noFill/>
+          </a:ln>
+        </p:spPr>
+        <p:style>
+          <a:lnRef idx="2">
+            <a:schemeClr val="accent1">
+              <a:shade val="50000"/>
+            </a:schemeClr>
+          </a:lnRef>
+          <a:fillRef idx="1">
+            <a:schemeClr val="accent1"/>
+          </a:fillRef>
+          <a:effectRef idx="0">
+            <a:schemeClr val="accent1"/>
+          </a:effectRef>
+          <a:fontRef idx="minor">
+            <a:schemeClr val="lt1"/>
+          </a:fontRef>
+        </p:style>
+        <p:txBody>
+          <a:bodyPr rtlCol="0" anchor="ctr"/>
+          <a:lstStyle/>
+          <a:p>
+            <a:pPr algn="ctr"/>
+            <a:endParaRPr lang="en-US"/>
+          </a:p>
+        </p:txBody>
+      </p:sp>
+      <p:sp>
+        <p:nvSpPr>
+          <p:cNvPr id="23" name="Oval 14"/>
+          <p:cNvSpPr/>
+          <p:nvPr/>
+        </p:nvSpPr>
+        <p:spPr>
+          <a:xfrm>
+            <a:off x="1522081" y="1748880"/>
+            <a:ext cx="555178" cy="517886"/>
+          </a:xfrm>
+          <a:prstGeom prst="ellipse">
+            <a:avLst/>
+          </a:prstGeom>
+          <a:solidFill>
+            <a:schemeClr val="bg1"/>
+          </a:solidFill>
+          <a:ln>
+            <a:noFill/>
+          </a:ln>
+        </p:spPr>
+        <p:style>
+          <a:lnRef idx="2">
+            <a:schemeClr val="accent1">
+              <a:shade val="50000"/>
+            </a:schemeClr>
+          </a:lnRef>
+          <a:fillRef idx="1">
+            <a:schemeClr val="accent1"/>
+          </a:fillRef>
+          <a:effectRef idx="0">
+            <a:schemeClr val="accent1"/>
+          </a:effectRef>
+          <a:fontRef idx="minor">
+            <a:schemeClr val="lt1"/>
+          </a:fontRef>
+        </p:style>
+        <p:txBody>
+          <a:bodyPr rtlCol="0" anchor="ctr"/>
+          <a:lstStyle/>
+          <a:p>
+            <a:pPr algn="ctr"/>
+            <a:endParaRPr lang="en-US" sz="1200"/>
+          </a:p>
+        </p:txBody>
+      </p:sp>
+    </p:spTree>
+    <p:extLst>
+      <p:ext uri="{BB962C8B-B14F-4D97-AF65-F5344CB8AC3E}">
+        <p14:creationId xmlns:p14="http://schemas.microsoft.com/office/powerpoint/2010/main" val="435646205"/>
+      </p:ext>
+    </p:extLst>
+  </p:cSld>
+  <p:clrMapOvr>
+    <a:masterClrMapping/>
+  </p:clrMapOvr>
+</p:sld>
+</file>
+
+<file path=ppt/slides/slide26.xml><?xml version="1.0" encoding="utf-8"?>
+<p:sld xmlns:a="http://schemas.openxmlformats.org/drawingml/2006/main" xmlns:r="http://schemas.openxmlformats.org/officeDocument/2006/relationships" xmlns:p="http://schemas.openxmlformats.org/presentationml/2006/main">
+  <p:cSld>
+    <p:spTree>
+      <p:nvGrpSpPr>
+        <p:cNvPr id="1" name=""/>
+        <p:cNvGrpSpPr/>
+        <p:nvPr/>
+      </p:nvGrpSpPr>
+      <p:grpSpPr>
+        <a:xfrm>
+          <a:off x="0" y="0"/>
+          <a:ext cx="0" cy="0"/>
+          <a:chOff x="0" y="0"/>
+          <a:chExt cx="0" cy="0"/>
+        </a:xfrm>
+      </p:grpSpPr>
+      <p:sp>
+        <p:nvSpPr>
+          <p:cNvPr id="4" name="Oval 3"/>
+          <p:cNvSpPr/>
+          <p:nvPr/>
+        </p:nvSpPr>
+        <p:spPr>
+          <a:xfrm>
+            <a:off x="5" y="-1"/>
+            <a:ext cx="3600448" cy="3600452"/>
+          </a:xfrm>
+          <a:prstGeom prst="ellipse">
+            <a:avLst/>
+          </a:prstGeom>
+          <a:solidFill>
+            <a:srgbClr val="271569"/>
+          </a:solidFill>
+          <a:ln>
+            <a:noFill/>
+          </a:ln>
+        </p:spPr>
+        <p:style>
+          <a:lnRef idx="2">
+            <a:schemeClr val="accent1">
+              <a:shade val="50000"/>
+            </a:schemeClr>
+          </a:lnRef>
+          <a:fillRef idx="1">
+            <a:schemeClr val="accent1"/>
+          </a:fillRef>
+          <a:effectRef idx="0">
+            <a:schemeClr val="accent1"/>
+          </a:effectRef>
+          <a:fontRef idx="minor">
+            <a:schemeClr val="lt1"/>
+          </a:fontRef>
+        </p:style>
+        <p:txBody>
+          <a:bodyPr rot="0" spcFirstLastPara="0" vertOverflow="overflow" horzOverflow="overflow" vert="horz" wrap="square" lIns="91440" tIns="45720" rIns="91440" bIns="45720" numCol="1" spcCol="0" rtlCol="0" fromWordArt="0" anchor="ctr" anchorCtr="0" forceAA="0" compatLnSpc="1">
+            <a:prstTxWarp prst="textNoShape">
+              <a:avLst/>
+            </a:prstTxWarp>
+            <a:noAutofit/>
+          </a:bodyPr>
+          <a:lstStyle/>
+          <a:p>
+            <a:pPr algn="ctr"/>
+            <a:endParaRPr lang="en-US" sz="334"/>
+          </a:p>
+        </p:txBody>
+      </p:sp>
+      <p:cxnSp>
+        <p:nvCxnSpPr>
+          <p:cNvPr id="6" name="Straight Connector 5"/>
+          <p:cNvCxnSpPr/>
+          <p:nvPr/>
+        </p:nvCxnSpPr>
+        <p:spPr>
+          <a:xfrm>
+            <a:off x="793943" y="826795"/>
+            <a:ext cx="5476" cy="1708340"/>
+          </a:xfrm>
+          <a:prstGeom prst="line">
+            <a:avLst/>
+          </a:prstGeom>
+          <a:ln w="50800" cap="rnd">
+            <a:solidFill>
+              <a:schemeClr val="bg1"/>
+            </a:solidFill>
+          </a:ln>
+        </p:spPr>
+        <p:style>
+          <a:lnRef idx="1">
+            <a:schemeClr val="accent1"/>
+          </a:lnRef>
+          <a:fillRef idx="0">
+            <a:schemeClr val="accent1"/>
+          </a:fillRef>
+          <a:effectRef idx="0">
+            <a:schemeClr val="accent1"/>
+          </a:effectRef>
+          <a:fontRef idx="minor">
+            <a:schemeClr val="tx1"/>
+          </a:fontRef>
+        </p:style>
+      </p:cxnSp>
+      <p:cxnSp>
+        <p:nvCxnSpPr>
+          <p:cNvPr id="7" name="Straight Connector 6"/>
+          <p:cNvCxnSpPr/>
+          <p:nvPr/>
+        </p:nvCxnSpPr>
+        <p:spPr>
+          <a:xfrm flipH="1">
+            <a:off x="951818" y="2677496"/>
+            <a:ext cx="1955650" cy="10038"/>
+          </a:xfrm>
+          <a:prstGeom prst="line">
+            <a:avLst/>
+          </a:prstGeom>
+          <a:ln w="50800" cap="rnd">
+            <a:solidFill>
+              <a:schemeClr val="bg1"/>
+            </a:solidFill>
+          </a:ln>
+        </p:spPr>
+        <p:style>
+          <a:lnRef idx="1">
+            <a:schemeClr val="accent1"/>
+          </a:lnRef>
+          <a:fillRef idx="0">
+            <a:schemeClr val="accent1"/>
+          </a:fillRef>
+          <a:effectRef idx="0">
+            <a:schemeClr val="accent1"/>
+          </a:effectRef>
+          <a:fontRef idx="minor">
+            <a:schemeClr val="tx1"/>
+          </a:fontRef>
+        </p:style>
+      </p:cxnSp>
+      <p:cxnSp>
+        <p:nvCxnSpPr>
+          <p:cNvPr id="9" name="Straight Connector 8"/>
+          <p:cNvCxnSpPr/>
+          <p:nvPr/>
+        </p:nvCxnSpPr>
+        <p:spPr>
+          <a:xfrm flipH="1">
+            <a:off x="1127034" y="1303161"/>
+            <a:ext cx="914" cy="1199124"/>
+          </a:xfrm>
+          <a:prstGeom prst="line">
+            <a:avLst/>
+          </a:prstGeom>
+          <a:ln w="139700" cap="rnd">
+            <a:solidFill>
+              <a:schemeClr val="bg1"/>
+            </a:solidFill>
+          </a:ln>
+        </p:spPr>
+        <p:style>
+          <a:lnRef idx="1">
+            <a:schemeClr val="accent1"/>
+          </a:lnRef>
+          <a:fillRef idx="0">
+            <a:schemeClr val="accent1"/>
+          </a:fillRef>
+          <a:effectRef idx="0">
+            <a:schemeClr val="accent1"/>
+          </a:effectRef>
+          <a:fontRef idx="minor">
+            <a:schemeClr val="tx1"/>
+          </a:fontRef>
+        </p:style>
+      </p:cxnSp>
+      <p:cxnSp>
+        <p:nvCxnSpPr>
+          <p:cNvPr id="11" name="Straight Connector 10"/>
+          <p:cNvCxnSpPr/>
+          <p:nvPr/>
+        </p:nvCxnSpPr>
+        <p:spPr>
+          <a:xfrm flipH="1">
+            <a:off x="1455294" y="1472894"/>
+            <a:ext cx="910" cy="1029386"/>
+          </a:xfrm>
+          <a:prstGeom prst="line">
+            <a:avLst/>
+          </a:prstGeom>
+          <a:ln w="139700" cap="rnd">
+            <a:solidFill>
+              <a:schemeClr val="bg1">
+                <a:alpha val="31000"/>
+              </a:schemeClr>
+            </a:solidFill>
+          </a:ln>
+        </p:spPr>
+        <p:style>
+          <a:lnRef idx="1">
+            <a:schemeClr val="accent1"/>
+          </a:lnRef>
+          <a:fillRef idx="0">
+            <a:schemeClr val="accent1"/>
+          </a:fillRef>
+          <a:effectRef idx="0">
+            <a:schemeClr val="accent1"/>
+          </a:effectRef>
+          <a:fontRef idx="minor">
+            <a:schemeClr val="tx1"/>
+          </a:fontRef>
+        </p:style>
+      </p:cxnSp>
+      <p:cxnSp>
+        <p:nvCxnSpPr>
+          <p:cNvPr id="13" name="Straight Connector 12"/>
+          <p:cNvCxnSpPr/>
+          <p:nvPr/>
+        </p:nvCxnSpPr>
+        <p:spPr>
+          <a:xfrm flipH="1">
+            <a:off x="1810981" y="826795"/>
+            <a:ext cx="8675" cy="1678604"/>
+          </a:xfrm>
+          <a:prstGeom prst="line">
+            <a:avLst/>
+          </a:prstGeom>
+          <a:ln w="139700" cap="rnd">
+            <a:solidFill>
+              <a:schemeClr val="bg1"/>
+            </a:solidFill>
+          </a:ln>
+        </p:spPr>
+        <p:style>
+          <a:lnRef idx="1">
+            <a:schemeClr val="accent1"/>
+          </a:lnRef>
+          <a:fillRef idx="0">
+            <a:schemeClr val="accent1"/>
+          </a:fillRef>
+          <a:effectRef idx="0">
+            <a:schemeClr val="accent1"/>
+          </a:effectRef>
+          <a:fontRef idx="minor">
+            <a:schemeClr val="tx1"/>
+          </a:fontRef>
+        </p:style>
+      </p:cxnSp>
+      <p:cxnSp>
+        <p:nvCxnSpPr>
+          <p:cNvPr id="15" name="Straight Connector 14"/>
+          <p:cNvCxnSpPr/>
+          <p:nvPr/>
+        </p:nvCxnSpPr>
+        <p:spPr>
+          <a:xfrm>
+            <a:off x="2474433" y="2242574"/>
+            <a:ext cx="3664" cy="262822"/>
+          </a:xfrm>
+          <a:prstGeom prst="line">
+            <a:avLst/>
+          </a:prstGeom>
+          <a:ln w="139700" cap="rnd">
+            <a:solidFill>
+              <a:schemeClr val="bg1"/>
+            </a:solidFill>
+          </a:ln>
+        </p:spPr>
+        <p:style>
+          <a:lnRef idx="1">
+            <a:schemeClr val="accent1"/>
+          </a:lnRef>
+          <a:fillRef idx="0">
+            <a:schemeClr val="accent1"/>
+          </a:fillRef>
+          <a:effectRef idx="0">
+            <a:schemeClr val="accent1"/>
+          </a:effectRef>
+          <a:fontRef idx="minor">
+            <a:schemeClr val="tx1"/>
+          </a:fontRef>
+        </p:style>
+      </p:cxnSp>
+      <p:cxnSp>
+        <p:nvCxnSpPr>
+          <p:cNvPr id="10" name="Straight Connector 12"/>
+          <p:cNvCxnSpPr/>
+          <p:nvPr/>
+        </p:nvCxnSpPr>
+        <p:spPr>
+          <a:xfrm flipH="1">
+            <a:off x="2137118" y="649224"/>
+            <a:ext cx="2578" cy="1853127"/>
+          </a:xfrm>
+          <a:prstGeom prst="line">
+            <a:avLst/>
+          </a:prstGeom>
+          <a:ln w="139700" cap="rnd">
+            <a:solidFill>
+              <a:schemeClr val="bg1">
+                <a:alpha val="31000"/>
+              </a:schemeClr>
+            </a:solidFill>
+          </a:ln>
+        </p:spPr>
+        <p:style>
+          <a:lnRef idx="1">
+            <a:schemeClr val="accent1"/>
+          </a:lnRef>
+          <a:fillRef idx="0">
+            <a:schemeClr val="accent1"/>
+          </a:fillRef>
+          <a:effectRef idx="0">
+            <a:schemeClr val="accent1"/>
+          </a:effectRef>
+          <a:fontRef idx="minor">
+            <a:schemeClr val="tx1"/>
+          </a:fontRef>
+        </p:style>
+      </p:cxnSp>
+      <p:cxnSp>
+        <p:nvCxnSpPr>
+          <p:cNvPr id="12" name="Straight Connector 14"/>
+          <p:cNvCxnSpPr/>
+          <p:nvPr/>
+        </p:nvCxnSpPr>
+        <p:spPr>
+          <a:xfrm flipH="1">
+            <a:off x="2804233" y="2340864"/>
+            <a:ext cx="2975" cy="161484"/>
+          </a:xfrm>
+          <a:prstGeom prst="line">
+            <a:avLst/>
+          </a:prstGeom>
+          <a:ln w="139700" cap="rnd">
+            <a:solidFill>
+              <a:schemeClr val="bg1">
+                <a:alpha val="31000"/>
+              </a:schemeClr>
+            </a:solidFill>
+          </a:ln>
+        </p:spPr>
+        <p:style>
+          <a:lnRef idx="1">
+            <a:schemeClr val="accent1"/>
+          </a:lnRef>
+          <a:fillRef idx="0">
+            <a:schemeClr val="accent1"/>
+          </a:fillRef>
+          <a:effectRef idx="0">
+            <a:schemeClr val="accent1"/>
+          </a:effectRef>
+          <a:fontRef idx="minor">
+            <a:schemeClr val="tx1"/>
+          </a:fontRef>
+        </p:style>
+      </p:cxnSp>
+    </p:spTree>
+    <p:extLst>
+      <p:ext uri="{BB962C8B-B14F-4D97-AF65-F5344CB8AC3E}">
+        <p14:creationId xmlns:p14="http://schemas.microsoft.com/office/powerpoint/2010/main" val="404752518"/>
+      </p:ext>
+    </p:extLst>
+  </p:cSld>
+  <p:clrMapOvr>
+    <a:masterClrMapping/>
+  </p:clrMapOvr>
+</p:sld>
+</file>
+
+<file path=ppt/slides/slide27.xml><?xml version="1.0" encoding="utf-8"?>
+<p:sld xmlns:a="http://schemas.openxmlformats.org/drawingml/2006/main" xmlns:r="http://schemas.openxmlformats.org/officeDocument/2006/relationships" xmlns:p="http://schemas.openxmlformats.org/presentationml/2006/main">
+  <p:cSld>
+    <p:spTree>
+      <p:nvGrpSpPr>
+        <p:cNvPr id="1" name=""/>
+        <p:cNvGrpSpPr/>
+        <p:nvPr/>
+      </p:nvGrpSpPr>
+      <p:grpSpPr>
+        <a:xfrm>
+          <a:off x="0" y="0"/>
+          <a:ext cx="0" cy="0"/>
+          <a:chOff x="0" y="0"/>
+          <a:chExt cx="0" cy="0"/>
+        </a:xfrm>
+      </p:grpSpPr>
+      <p:sp>
+        <p:nvSpPr>
+          <p:cNvPr id="5" name="Oval 3"/>
+          <p:cNvSpPr/>
+          <p:nvPr/>
+        </p:nvSpPr>
+        <p:spPr>
+          <a:xfrm>
+            <a:off x="5" y="-1"/>
+            <a:ext cx="3600448" cy="3600452"/>
+          </a:xfrm>
+          <a:prstGeom prst="ellipse">
+            <a:avLst/>
+          </a:prstGeom>
+          <a:solidFill>
+            <a:srgbClr val="271569"/>
+          </a:solidFill>
+          <a:ln>
+            <a:noFill/>
+          </a:ln>
+        </p:spPr>
+        <p:style>
+          <a:lnRef idx="2">
+            <a:schemeClr val="accent1">
+              <a:shade val="50000"/>
+            </a:schemeClr>
+          </a:lnRef>
+          <a:fillRef idx="1">
+            <a:schemeClr val="accent1"/>
+          </a:fillRef>
+          <a:effectRef idx="0">
+            <a:schemeClr val="accent1"/>
+          </a:effectRef>
+          <a:fontRef idx="minor">
+            <a:schemeClr val="lt1"/>
+          </a:fontRef>
+        </p:style>
+        <p:txBody>
+          <a:bodyPr rot="0" spcFirstLastPara="0" vertOverflow="overflow" horzOverflow="overflow" vert="horz" wrap="square" lIns="91440" tIns="45720" rIns="91440" bIns="45720" numCol="1" spcCol="0" rtlCol="0" fromWordArt="0" anchor="ctr" anchorCtr="0" forceAA="0" compatLnSpc="1">
+            <a:prstTxWarp prst="textNoShape">
+              <a:avLst/>
+            </a:prstTxWarp>
+            <a:noAutofit/>
+          </a:bodyPr>
+          <a:lstStyle/>
+          <a:p>
+            <a:pPr algn="ctr"/>
+            <a:endParaRPr lang="en-US" sz="334"/>
+          </a:p>
+        </p:txBody>
+      </p:sp>
+      <p:sp>
+        <p:nvSpPr>
+          <p:cNvPr id="6" name="ZoneTexte 5"/>
+          <p:cNvSpPr txBox="1"/>
+          <p:nvPr/>
+        </p:nvSpPr>
+        <p:spPr>
+          <a:xfrm>
+            <a:off x="355477" y="646063"/>
+            <a:ext cx="2889504" cy="2308324"/>
+          </a:xfrm>
+          <a:prstGeom prst="rect">
+            <a:avLst/>
+          </a:prstGeom>
+          <a:noFill/>
+        </p:spPr>
+        <p:txBody>
+          <a:bodyPr wrap="square" rtlCol="0">
+            <a:spAutoFit/>
+          </a:bodyPr>
+          <a:lstStyle/>
+          <a:p>
+            <a:pPr algn="ctr"/>
+            <a:r>
+              <a:rPr lang="fr-FR" sz="4800" b="1" dirty="0" smtClean="0">
+                <a:solidFill>
+                  <a:schemeClr val="bg1"/>
+                </a:solidFill>
+              </a:rPr>
+              <a:t>LESS</a:t>
+            </a:r>
+          </a:p>
+          <a:p>
+            <a:pPr algn="ctr"/>
+            <a:r>
+              <a:rPr lang="fr-FR" sz="4800" b="1" dirty="0" smtClean="0">
+                <a:solidFill>
+                  <a:schemeClr val="bg1"/>
+                </a:solidFill>
+              </a:rPr>
+              <a:t>Is</a:t>
+            </a:r>
+          </a:p>
+          <a:p>
+            <a:pPr algn="ctr"/>
+            <a:r>
+              <a:rPr lang="fr-FR" sz="4800" b="1" dirty="0" smtClean="0">
+                <a:solidFill>
+                  <a:schemeClr val="bg1"/>
+                </a:solidFill>
+              </a:rPr>
+              <a:t>MORE</a:t>
+            </a:r>
+            <a:endParaRPr lang="fr-FR" sz="4800" b="1" dirty="0">
+              <a:solidFill>
+                <a:schemeClr val="bg1"/>
+              </a:solidFill>
+            </a:endParaRPr>
+          </a:p>
+        </p:txBody>
+      </p:sp>
+    </p:spTree>
+    <p:extLst>
+      <p:ext uri="{BB962C8B-B14F-4D97-AF65-F5344CB8AC3E}">
+        <p14:creationId xmlns:p14="http://schemas.microsoft.com/office/powerpoint/2010/main" val="1626511746"/>
+      </p:ext>
+    </p:extLst>
+  </p:cSld>
+  <p:clrMapOvr>
+    <a:masterClrMapping/>
+  </p:clrMapOvr>
+</p:sld>
+</file>
+
+<file path=ppt/slides/slide28.xml><?xml version="1.0" encoding="utf-8"?>
+<p:sld xmlns:a="http://schemas.openxmlformats.org/drawingml/2006/main" xmlns:r="http://schemas.openxmlformats.org/officeDocument/2006/relationships" xmlns:p="http://schemas.openxmlformats.org/presentationml/2006/main">
+  <p:cSld>
+    <p:spTree>
+      <p:nvGrpSpPr>
+        <p:cNvPr id="1" name=""/>
+        <p:cNvGrpSpPr/>
+        <p:nvPr/>
+      </p:nvGrpSpPr>
+      <p:grpSpPr>
+        <a:xfrm>
+          <a:off x="0" y="0"/>
+          <a:ext cx="0" cy="0"/>
+          <a:chOff x="0" y="0"/>
+          <a:chExt cx="0" cy="0"/>
+        </a:xfrm>
+      </p:grpSpPr>
+      <p:sp>
+        <p:nvSpPr>
+          <p:cNvPr id="4" name="Oval 3"/>
+          <p:cNvSpPr/>
+          <p:nvPr/>
+        </p:nvSpPr>
+        <p:spPr>
+          <a:xfrm>
+            <a:off x="5" y="-1"/>
+            <a:ext cx="3600448" cy="3600452"/>
+          </a:xfrm>
+          <a:prstGeom prst="ellipse">
+            <a:avLst/>
+          </a:prstGeom>
+          <a:solidFill>
+            <a:srgbClr val="271569"/>
+          </a:solidFill>
+          <a:ln>
+            <a:noFill/>
+          </a:ln>
+        </p:spPr>
+        <p:style>
+          <a:lnRef idx="2">
+            <a:schemeClr val="accent1">
+              <a:shade val="50000"/>
+            </a:schemeClr>
+          </a:lnRef>
+          <a:fillRef idx="1">
+            <a:schemeClr val="accent1"/>
+          </a:fillRef>
+          <a:effectRef idx="0">
+            <a:schemeClr val="accent1"/>
+          </a:effectRef>
+          <a:fontRef idx="minor">
+            <a:schemeClr val="lt1"/>
+          </a:fontRef>
+        </p:style>
+        <p:txBody>
+          <a:bodyPr rot="0" spcFirstLastPara="0" vertOverflow="overflow" horzOverflow="overflow" vert="horz" wrap="square" lIns="91440" tIns="45720" rIns="91440" bIns="45720" numCol="1" spcCol="0" rtlCol="0" fromWordArt="0" anchor="ctr" anchorCtr="0" forceAA="0" compatLnSpc="1">
+            <a:prstTxWarp prst="textNoShape">
+              <a:avLst/>
+            </a:prstTxWarp>
+            <a:noAutofit/>
+          </a:bodyPr>
+          <a:lstStyle/>
+          <a:p>
+            <a:pPr algn="ctr"/>
+            <a:endParaRPr lang="en-US" sz="334"/>
+          </a:p>
+        </p:txBody>
+      </p:sp>
+      <p:cxnSp>
+        <p:nvCxnSpPr>
+          <p:cNvPr id="6" name="Straight Connector 5"/>
+          <p:cNvCxnSpPr/>
+          <p:nvPr/>
+        </p:nvCxnSpPr>
+        <p:spPr>
+          <a:xfrm>
+            <a:off x="793943" y="826795"/>
+            <a:ext cx="5476" cy="1708340"/>
+          </a:xfrm>
+          <a:prstGeom prst="line">
+            <a:avLst/>
+          </a:prstGeom>
+          <a:ln w="50800" cap="rnd">
+            <a:solidFill>
+              <a:schemeClr val="bg1"/>
+            </a:solidFill>
+          </a:ln>
+        </p:spPr>
+        <p:style>
+          <a:lnRef idx="1">
+            <a:schemeClr val="accent1"/>
+          </a:lnRef>
+          <a:fillRef idx="0">
+            <a:schemeClr val="accent1"/>
+          </a:fillRef>
+          <a:effectRef idx="0">
+            <a:schemeClr val="accent1"/>
+          </a:effectRef>
+          <a:fontRef idx="minor">
+            <a:schemeClr val="tx1"/>
+          </a:fontRef>
+        </p:style>
+      </p:cxnSp>
+      <p:cxnSp>
+        <p:nvCxnSpPr>
+          <p:cNvPr id="7" name="Straight Connector 6"/>
+          <p:cNvCxnSpPr/>
+          <p:nvPr/>
+        </p:nvCxnSpPr>
+        <p:spPr>
+          <a:xfrm flipH="1">
+            <a:off x="951818" y="2677496"/>
+            <a:ext cx="1955650" cy="10038"/>
+          </a:xfrm>
+          <a:prstGeom prst="line">
+            <a:avLst/>
+          </a:prstGeom>
+          <a:ln w="50800" cap="rnd">
+            <a:solidFill>
+              <a:schemeClr val="bg1"/>
+            </a:solidFill>
+          </a:ln>
+        </p:spPr>
+        <p:style>
+          <a:lnRef idx="1">
+            <a:schemeClr val="accent1"/>
+          </a:lnRef>
+          <a:fillRef idx="0">
+            <a:schemeClr val="accent1"/>
+          </a:fillRef>
+          <a:effectRef idx="0">
+            <a:schemeClr val="accent1"/>
+          </a:effectRef>
+          <a:fontRef idx="minor">
+            <a:schemeClr val="tx1"/>
+          </a:fontRef>
+        </p:style>
+      </p:cxnSp>
+      <p:cxnSp>
+        <p:nvCxnSpPr>
+          <p:cNvPr id="9" name="Straight Connector 8"/>
+          <p:cNvCxnSpPr/>
+          <p:nvPr/>
+        </p:nvCxnSpPr>
+        <p:spPr>
+          <a:xfrm flipH="1">
+            <a:off x="1154466" y="1303161"/>
+            <a:ext cx="914" cy="1199124"/>
+          </a:xfrm>
+          <a:prstGeom prst="line">
+            <a:avLst/>
+          </a:prstGeom>
+          <a:ln w="66675" cap="rnd">
+            <a:solidFill>
+              <a:schemeClr val="bg1">
+                <a:alpha val="85000"/>
+              </a:schemeClr>
+            </a:solidFill>
+          </a:ln>
+        </p:spPr>
+        <p:style>
+          <a:lnRef idx="1">
+            <a:schemeClr val="accent1"/>
+          </a:lnRef>
+          <a:fillRef idx="0">
+            <a:schemeClr val="accent1"/>
+          </a:fillRef>
+          <a:effectRef idx="0">
+            <a:schemeClr val="accent1"/>
+          </a:effectRef>
+          <a:fontRef idx="minor">
+            <a:schemeClr val="tx1"/>
+          </a:fontRef>
+        </p:style>
+      </p:cxnSp>
+      <p:cxnSp>
+        <p:nvCxnSpPr>
+          <p:cNvPr id="11" name="Straight Connector 10"/>
+          <p:cNvCxnSpPr/>
+          <p:nvPr/>
+        </p:nvCxnSpPr>
+        <p:spPr>
+          <a:xfrm flipH="1">
+            <a:off x="1473582" y="1472894"/>
+            <a:ext cx="910" cy="1029386"/>
+          </a:xfrm>
+          <a:prstGeom prst="line">
+            <a:avLst/>
+          </a:prstGeom>
+          <a:ln w="66675" cap="rnd">
+            <a:solidFill>
+              <a:schemeClr val="bg1">
+                <a:alpha val="68000"/>
+              </a:schemeClr>
+            </a:solidFill>
+          </a:ln>
+        </p:spPr>
+        <p:style>
+          <a:lnRef idx="1">
+            <a:schemeClr val="accent1"/>
+          </a:lnRef>
+          <a:fillRef idx="0">
+            <a:schemeClr val="accent1"/>
+          </a:fillRef>
+          <a:effectRef idx="0">
+            <a:schemeClr val="accent1"/>
+          </a:effectRef>
+          <a:fontRef idx="minor">
+            <a:schemeClr val="tx1"/>
+          </a:fontRef>
+        </p:style>
+      </p:cxnSp>
+      <p:cxnSp>
+        <p:nvCxnSpPr>
+          <p:cNvPr id="13" name="Straight Connector 12"/>
+          <p:cNvCxnSpPr/>
+          <p:nvPr/>
+        </p:nvCxnSpPr>
+        <p:spPr>
+          <a:xfrm>
+            <a:off x="2057869" y="1795075"/>
+            <a:ext cx="0" cy="710324"/>
+          </a:xfrm>
+          <a:prstGeom prst="line">
+            <a:avLst/>
+          </a:prstGeom>
+          <a:ln w="66675" cap="rnd">
+            <a:solidFill>
+              <a:schemeClr val="bg1">
+                <a:alpha val="38000"/>
+              </a:schemeClr>
+            </a:solidFill>
+          </a:ln>
+        </p:spPr>
+        <p:style>
+          <a:lnRef idx="1">
+            <a:schemeClr val="accent1"/>
+          </a:lnRef>
+          <a:fillRef idx="0">
+            <a:schemeClr val="accent1"/>
+          </a:fillRef>
+          <a:effectRef idx="0">
+            <a:schemeClr val="accent1"/>
+          </a:effectRef>
+          <a:fontRef idx="minor">
+            <a:schemeClr val="tx1"/>
+          </a:fontRef>
+        </p:style>
+      </p:cxnSp>
+      <p:cxnSp>
+        <p:nvCxnSpPr>
+          <p:cNvPr id="15" name="Straight Connector 14"/>
+          <p:cNvCxnSpPr/>
+          <p:nvPr/>
+        </p:nvCxnSpPr>
+        <p:spPr>
+          <a:xfrm>
+            <a:off x="2345438" y="2239458"/>
+            <a:ext cx="3664" cy="262822"/>
+          </a:xfrm>
+          <a:prstGeom prst="line">
+            <a:avLst/>
+          </a:prstGeom>
+          <a:ln w="66675" cap="rnd">
+            <a:solidFill>
+              <a:schemeClr val="bg1">
+                <a:alpha val="24000"/>
+              </a:schemeClr>
+            </a:solidFill>
+          </a:ln>
+        </p:spPr>
+        <p:style>
+          <a:lnRef idx="1">
+            <a:schemeClr val="accent1"/>
+          </a:lnRef>
+          <a:fillRef idx="0">
+            <a:schemeClr val="accent1"/>
+          </a:fillRef>
+          <a:effectRef idx="0">
+            <a:schemeClr val="accent1"/>
+          </a:effectRef>
+          <a:fontRef idx="minor">
+            <a:schemeClr val="tx1"/>
+          </a:fontRef>
+        </p:style>
+      </p:cxnSp>
+      <p:cxnSp>
+        <p:nvCxnSpPr>
+          <p:cNvPr id="10" name="Straight Connector 10"/>
+          <p:cNvCxnSpPr/>
+          <p:nvPr/>
+        </p:nvCxnSpPr>
+        <p:spPr>
+          <a:xfrm flipH="1">
+            <a:off x="1764815" y="1472894"/>
+            <a:ext cx="910" cy="1029386"/>
+          </a:xfrm>
+          <a:prstGeom prst="line">
+            <a:avLst/>
+          </a:prstGeom>
+          <a:ln w="66675" cap="rnd">
+            <a:solidFill>
+              <a:schemeClr val="bg1">
+                <a:alpha val="56000"/>
+              </a:schemeClr>
+            </a:solidFill>
+          </a:ln>
+        </p:spPr>
+        <p:style>
+          <a:lnRef idx="1">
+            <a:schemeClr val="accent1"/>
+          </a:lnRef>
+          <a:fillRef idx="0">
+            <a:schemeClr val="accent1"/>
+          </a:fillRef>
+          <a:effectRef idx="0">
+            <a:schemeClr val="accent1"/>
+          </a:effectRef>
+          <a:fontRef idx="minor">
+            <a:schemeClr val="tx1"/>
+          </a:fontRef>
+        </p:style>
+      </p:cxnSp>
+      <p:sp>
+        <p:nvSpPr>
+          <p:cNvPr id="2" name="Rectangle 1"/>
+          <p:cNvSpPr/>
+          <p:nvPr/>
+        </p:nvSpPr>
+        <p:spPr>
+          <a:xfrm>
+            <a:off x="2188608" y="722376"/>
+            <a:ext cx="246888" cy="173736"/>
+          </a:xfrm>
+          <a:prstGeom prst="rect">
+            <a:avLst/>
+          </a:prstGeom>
+          <a:solidFill>
+            <a:schemeClr val="bg1"/>
+          </a:solidFill>
+          <a:ln>
+            <a:noFill/>
+          </a:ln>
+        </p:spPr>
+        <p:style>
+          <a:lnRef idx="2">
+            <a:schemeClr val="accent1">
+              <a:shade val="50000"/>
+            </a:schemeClr>
+          </a:lnRef>
+          <a:fillRef idx="1">
+            <a:schemeClr val="accent1"/>
+          </a:fillRef>
+          <a:effectRef idx="0">
+            <a:schemeClr val="accent1"/>
+          </a:effectRef>
+          <a:fontRef idx="minor">
+            <a:schemeClr val="lt1"/>
+          </a:fontRef>
+        </p:style>
+        <p:txBody>
+          <a:bodyPr rtlCol="0" anchor="ctr"/>
+          <a:lstStyle/>
+          <a:p>
+            <a:pPr algn="ctr"/>
+            <a:endParaRPr lang="fr-FR"/>
+          </a:p>
+        </p:txBody>
+      </p:sp>
+      <p:sp>
+        <p:nvSpPr>
+          <p:cNvPr id="14" name="Rectangle 13"/>
+          <p:cNvSpPr/>
+          <p:nvPr/>
+        </p:nvSpPr>
+        <p:spPr>
+          <a:xfrm>
+            <a:off x="2190024" y="1048512"/>
+            <a:ext cx="246888" cy="173736"/>
+          </a:xfrm>
+          <a:prstGeom prst="rect">
+            <a:avLst/>
+          </a:prstGeom>
+          <a:solidFill>
+            <a:schemeClr val="bg1">
+              <a:alpha val="69000"/>
+            </a:schemeClr>
+          </a:solidFill>
+          <a:ln>
+            <a:noFill/>
+          </a:ln>
+        </p:spPr>
+        <p:style>
+          <a:lnRef idx="2">
+            <a:schemeClr val="accent1">
+              <a:shade val="50000"/>
+            </a:schemeClr>
+          </a:lnRef>
+          <a:fillRef idx="1">
+            <a:schemeClr val="accent1"/>
+          </a:fillRef>
+          <a:effectRef idx="0">
+            <a:schemeClr val="accent1"/>
+          </a:effectRef>
+          <a:fontRef idx="minor">
+            <a:schemeClr val="lt1"/>
+          </a:fontRef>
+        </p:style>
+        <p:txBody>
+          <a:bodyPr rtlCol="0" anchor="ctr"/>
+          <a:lstStyle/>
+          <a:p>
+            <a:pPr algn="ctr"/>
+            <a:endParaRPr lang="fr-FR"/>
+          </a:p>
+        </p:txBody>
+      </p:sp>
+      <p:sp>
+        <p:nvSpPr>
+          <p:cNvPr id="16" name="Rectangle 15"/>
+          <p:cNvSpPr/>
+          <p:nvPr/>
+        </p:nvSpPr>
+        <p:spPr>
+          <a:xfrm>
+            <a:off x="2186976" y="1383792"/>
+            <a:ext cx="246888" cy="173736"/>
+          </a:xfrm>
+          <a:prstGeom prst="rect">
+            <a:avLst/>
+          </a:prstGeom>
+          <a:solidFill>
+            <a:schemeClr val="bg1">
+              <a:alpha val="37000"/>
+            </a:schemeClr>
+          </a:solidFill>
+          <a:ln>
+            <a:noFill/>
+          </a:ln>
+        </p:spPr>
+        <p:style>
+          <a:lnRef idx="2">
+            <a:schemeClr val="accent1">
+              <a:shade val="50000"/>
+            </a:schemeClr>
+          </a:lnRef>
+          <a:fillRef idx="1">
+            <a:schemeClr val="accent1"/>
+          </a:fillRef>
+          <a:effectRef idx="0">
+            <a:schemeClr val="accent1"/>
+          </a:effectRef>
+          <a:fontRef idx="minor">
+            <a:schemeClr val="lt1"/>
+          </a:fontRef>
+        </p:style>
+        <p:txBody>
+          <a:bodyPr rtlCol="0" anchor="ctr"/>
+          <a:lstStyle/>
+          <a:p>
+            <a:pPr algn="ctr"/>
+            <a:endParaRPr lang="fr-FR"/>
+          </a:p>
+        </p:txBody>
+      </p:sp>
+      <p:sp>
+        <p:nvSpPr>
+          <p:cNvPr id="17" name="Rectangle 16"/>
+          <p:cNvSpPr/>
+          <p:nvPr/>
+        </p:nvSpPr>
+        <p:spPr>
+          <a:xfrm>
+            <a:off x="2563186" y="722376"/>
+            <a:ext cx="246888" cy="173736"/>
+          </a:xfrm>
+          <a:prstGeom prst="rect">
+            <a:avLst/>
+          </a:prstGeom>
+          <a:solidFill>
+            <a:schemeClr val="bg1">
+              <a:alpha val="84000"/>
+            </a:schemeClr>
+          </a:solidFill>
+          <a:ln>
+            <a:noFill/>
+          </a:ln>
+        </p:spPr>
+        <p:style>
+          <a:lnRef idx="2">
+            <a:schemeClr val="accent1">
+              <a:shade val="50000"/>
+            </a:schemeClr>
+          </a:lnRef>
+          <a:fillRef idx="1">
+            <a:schemeClr val="accent1"/>
+          </a:fillRef>
+          <a:effectRef idx="0">
+            <a:schemeClr val="accent1"/>
+          </a:effectRef>
+          <a:fontRef idx="minor">
+            <a:schemeClr val="lt1"/>
+          </a:fontRef>
+        </p:style>
+        <p:txBody>
+          <a:bodyPr rtlCol="0" anchor="ctr"/>
+          <a:lstStyle/>
+          <a:p>
+            <a:pPr algn="ctr"/>
+            <a:endParaRPr lang="fr-FR"/>
+          </a:p>
+        </p:txBody>
+      </p:sp>
+      <p:sp>
+        <p:nvSpPr>
+          <p:cNvPr id="18" name="Rectangle 17"/>
+          <p:cNvSpPr/>
+          <p:nvPr/>
+        </p:nvSpPr>
+        <p:spPr>
+          <a:xfrm>
+            <a:off x="2559286" y="1048512"/>
+            <a:ext cx="246888" cy="173736"/>
+          </a:xfrm>
+          <a:prstGeom prst="rect">
+            <a:avLst/>
+          </a:prstGeom>
+          <a:solidFill>
+            <a:schemeClr val="bg1">
+              <a:alpha val="54000"/>
+            </a:schemeClr>
+          </a:solidFill>
+          <a:ln>
+            <a:noFill/>
+          </a:ln>
+        </p:spPr>
+        <p:style>
+          <a:lnRef idx="2">
+            <a:schemeClr val="accent1">
+              <a:shade val="50000"/>
+            </a:schemeClr>
+          </a:lnRef>
+          <a:fillRef idx="1">
+            <a:schemeClr val="accent1"/>
+          </a:fillRef>
+          <a:effectRef idx="0">
+            <a:schemeClr val="accent1"/>
+          </a:effectRef>
+          <a:fontRef idx="minor">
+            <a:schemeClr val="lt1"/>
+          </a:fontRef>
+        </p:style>
+        <p:txBody>
+          <a:bodyPr rtlCol="0" anchor="ctr"/>
+          <a:lstStyle/>
+          <a:p>
+            <a:pPr algn="ctr"/>
+            <a:endParaRPr lang="fr-FR"/>
+          </a:p>
+        </p:txBody>
+      </p:sp>
+      <p:sp>
+        <p:nvSpPr>
+          <p:cNvPr id="19" name="Rectangle 18"/>
+          <p:cNvSpPr/>
+          <p:nvPr/>
+        </p:nvSpPr>
+        <p:spPr>
+          <a:xfrm>
+            <a:off x="2559286" y="1383792"/>
+            <a:ext cx="246888" cy="173736"/>
+          </a:xfrm>
+          <a:prstGeom prst="rect">
+            <a:avLst/>
+          </a:prstGeom>
+          <a:solidFill>
+            <a:schemeClr val="bg1">
+              <a:alpha val="23000"/>
+            </a:schemeClr>
+          </a:solidFill>
+          <a:ln>
+            <a:noFill/>
+          </a:ln>
+        </p:spPr>
+        <p:style>
+          <a:lnRef idx="2">
+            <a:schemeClr val="accent1">
+              <a:shade val="50000"/>
+            </a:schemeClr>
+          </a:lnRef>
+          <a:fillRef idx="1">
+            <a:schemeClr val="accent1"/>
+          </a:fillRef>
+          <a:effectRef idx="0">
+            <a:schemeClr val="accent1"/>
+          </a:effectRef>
+          <a:fontRef idx="minor">
+            <a:schemeClr val="lt1"/>
+          </a:fontRef>
+        </p:style>
+        <p:txBody>
+          <a:bodyPr rtlCol="0" anchor="ctr"/>
+          <a:lstStyle/>
+          <a:p>
+            <a:pPr algn="ctr"/>
+            <a:endParaRPr lang="fr-FR"/>
+          </a:p>
+        </p:txBody>
+      </p:sp>
+    </p:spTree>
+    <p:extLst>
+      <p:ext uri="{BB962C8B-B14F-4D97-AF65-F5344CB8AC3E}">
+        <p14:creationId xmlns:p14="http://schemas.microsoft.com/office/powerpoint/2010/main" val="722502286"/>
+      </p:ext>
+    </p:extLst>
+  </p:cSld>
+  <p:clrMapOvr>
+    <a:masterClrMapping/>
+  </p:clrMapOvr>
+</p:sld>
+</file>
+
+<file path=ppt/slides/slide29.xml><?xml version="1.0" encoding="utf-8"?>
+<p:sld xmlns:a="http://schemas.openxmlformats.org/drawingml/2006/main" xmlns:r="http://schemas.openxmlformats.org/officeDocument/2006/relationships" xmlns:p="http://schemas.openxmlformats.org/presentationml/2006/main">
+  <p:cSld>
+    <p:spTree>
+      <p:nvGrpSpPr>
+        <p:cNvPr id="1" name=""/>
+        <p:cNvGrpSpPr/>
+        <p:nvPr/>
+      </p:nvGrpSpPr>
+      <p:grpSpPr>
+        <a:xfrm>
+          <a:off x="0" y="0"/>
+          <a:ext cx="0" cy="0"/>
+          <a:chOff x="0" y="0"/>
+          <a:chExt cx="0" cy="0"/>
+        </a:xfrm>
+      </p:grpSpPr>
+      <p:sp>
+        <p:nvSpPr>
+          <p:cNvPr id="4" name="Oval 3"/>
+          <p:cNvSpPr/>
+          <p:nvPr/>
+        </p:nvSpPr>
+        <p:spPr>
+          <a:xfrm>
+            <a:off x="5" y="-1"/>
+            <a:ext cx="3600448" cy="3600452"/>
+          </a:xfrm>
+          <a:prstGeom prst="ellipse">
+            <a:avLst/>
+          </a:prstGeom>
+          <a:solidFill>
+            <a:srgbClr val="271569"/>
+          </a:solidFill>
+          <a:ln>
+            <a:noFill/>
+          </a:ln>
+        </p:spPr>
+        <p:style>
+          <a:lnRef idx="2">
+            <a:schemeClr val="accent1">
+              <a:shade val="50000"/>
+            </a:schemeClr>
+          </a:lnRef>
+          <a:fillRef idx="1">
+            <a:schemeClr val="accent1"/>
+          </a:fillRef>
+          <a:effectRef idx="0">
+            <a:schemeClr val="accent1"/>
+          </a:effectRef>
+          <a:fontRef idx="minor">
+            <a:schemeClr val="lt1"/>
+          </a:fontRef>
+        </p:style>
+        <p:txBody>
+          <a:bodyPr rot="0" spcFirstLastPara="0" vertOverflow="overflow" horzOverflow="overflow" vert="horz" wrap="square" lIns="91440" tIns="45720" rIns="91440" bIns="45720" numCol="1" spcCol="0" rtlCol="0" fromWordArt="0" anchor="ctr" anchorCtr="0" forceAA="0" compatLnSpc="1">
+            <a:prstTxWarp prst="textNoShape">
+              <a:avLst/>
+            </a:prstTxWarp>
+            <a:noAutofit/>
+          </a:bodyPr>
+          <a:lstStyle/>
+          <a:p>
+            <a:pPr algn="ctr"/>
+            <a:endParaRPr lang="en-US" sz="334"/>
+          </a:p>
+        </p:txBody>
+      </p:sp>
+      <p:grpSp>
+        <p:nvGrpSpPr>
+          <p:cNvPr id="8" name="Grouper 7"/>
+          <p:cNvGrpSpPr/>
+          <p:nvPr/>
+        </p:nvGrpSpPr>
+        <p:grpSpPr>
+          <a:xfrm>
+            <a:off x="437327" y="1248930"/>
+            <a:ext cx="1236025" cy="1102589"/>
+            <a:chOff x="793943" y="826795"/>
+            <a:chExt cx="2130794" cy="1860739"/>
+          </a:xfrm>
+        </p:grpSpPr>
+        <p:cxnSp>
+          <p:nvCxnSpPr>
+            <p:cNvPr id="6" name="Straight Connector 5"/>
+            <p:cNvCxnSpPr/>
+            <p:nvPr/>
+          </p:nvCxnSpPr>
+          <p:spPr>
+            <a:xfrm>
+              <a:off x="793943" y="826795"/>
+              <a:ext cx="5476" cy="1708340"/>
+            </a:xfrm>
+            <a:prstGeom prst="line">
+              <a:avLst/>
+            </a:prstGeom>
+            <a:ln w="50800" cap="rnd">
+              <a:solidFill>
+                <a:schemeClr val="bg1"/>
+              </a:solidFill>
+            </a:ln>
+          </p:spPr>
+          <p:style>
+            <a:lnRef idx="1">
+              <a:schemeClr val="accent1"/>
+            </a:lnRef>
+            <a:fillRef idx="0">
+              <a:schemeClr val="accent1"/>
+            </a:fillRef>
+            <a:effectRef idx="0">
+              <a:schemeClr val="accent1"/>
+            </a:effectRef>
+            <a:fontRef idx="minor">
+              <a:schemeClr val="tx1"/>
+            </a:fontRef>
+          </p:style>
+        </p:cxnSp>
+        <p:cxnSp>
+          <p:nvCxnSpPr>
+            <p:cNvPr id="7" name="Straight Connector 6"/>
+            <p:cNvCxnSpPr/>
+            <p:nvPr/>
+          </p:nvCxnSpPr>
+          <p:spPr>
+            <a:xfrm flipH="1">
+              <a:off x="951818" y="2677496"/>
+              <a:ext cx="1955650" cy="10038"/>
+            </a:xfrm>
+            <a:prstGeom prst="line">
+              <a:avLst/>
+            </a:prstGeom>
+            <a:ln w="50800" cap="rnd">
+              <a:solidFill>
+                <a:schemeClr val="bg1"/>
+              </a:solidFill>
+            </a:ln>
+          </p:spPr>
+          <p:style>
+            <a:lnRef idx="1">
+              <a:schemeClr val="accent1"/>
+            </a:lnRef>
+            <a:fillRef idx="0">
+              <a:schemeClr val="accent1"/>
+            </a:fillRef>
+            <a:effectRef idx="0">
+              <a:schemeClr val="accent1"/>
+            </a:effectRef>
+            <a:fontRef idx="minor">
+              <a:schemeClr val="tx1"/>
+            </a:fontRef>
+          </p:style>
+        </p:cxnSp>
+        <p:sp>
+          <p:nvSpPr>
+            <p:cNvPr id="2" name="Forme libre 1"/>
+            <p:cNvSpPr/>
+            <p:nvPr/>
+          </p:nvSpPr>
+          <p:spPr>
+            <a:xfrm>
+              <a:off x="981625" y="2057764"/>
+              <a:ext cx="1896035" cy="477371"/>
+            </a:xfrm>
+            <a:custGeom>
+              <a:avLst/>
+              <a:gdLst>
+                <a:gd name="connsiteX0" fmla="*/ 0 w 1896035"/>
+                <a:gd name="connsiteY0" fmla="*/ 477371 h 477371"/>
+                <a:gd name="connsiteX1" fmla="*/ 457200 w 1896035"/>
+                <a:gd name="connsiteY1" fmla="*/ 141194 h 477371"/>
+                <a:gd name="connsiteX2" fmla="*/ 746312 w 1896035"/>
+                <a:gd name="connsiteY2" fmla="*/ 248771 h 477371"/>
+                <a:gd name="connsiteX3" fmla="*/ 1546412 w 1896035"/>
+                <a:gd name="connsiteY3" fmla="*/ 0 h 477371"/>
+                <a:gd name="connsiteX4" fmla="*/ 1896035 w 1896035"/>
+                <a:gd name="connsiteY4" fmla="*/ 463924 h 477371"/>
+                <a:gd name="connsiteX5" fmla="*/ 0 w 1896035"/>
+                <a:gd name="connsiteY5" fmla="*/ 477371 h 477371"/>
+              </a:gdLst>
+              <a:ahLst/>
+              <a:cxnLst>
+                <a:cxn ang="0">
+                  <a:pos x="connsiteX0" y="connsiteY0"/>
+                </a:cxn>
+                <a:cxn ang="0">
+                  <a:pos x="connsiteX1" y="connsiteY1"/>
+                </a:cxn>
+                <a:cxn ang="0">
+                  <a:pos x="connsiteX2" y="connsiteY2"/>
+                </a:cxn>
+                <a:cxn ang="0">
+                  <a:pos x="connsiteX3" y="connsiteY3"/>
+                </a:cxn>
+                <a:cxn ang="0">
+                  <a:pos x="connsiteX4" y="connsiteY4"/>
+                </a:cxn>
+                <a:cxn ang="0">
+                  <a:pos x="connsiteX5" y="connsiteY5"/>
+                </a:cxn>
+              </a:cxnLst>
+              <a:rect l="l" t="t" r="r" b="b"/>
+              <a:pathLst>
+                <a:path w="1896035" h="477371">
+                  <a:moveTo>
+                    <a:pt x="0" y="477371"/>
+                  </a:moveTo>
+                  <a:lnTo>
+                    <a:pt x="457200" y="141194"/>
+                  </a:lnTo>
+                  <a:lnTo>
+                    <a:pt x="746312" y="248771"/>
+                  </a:lnTo>
+                  <a:lnTo>
+                    <a:pt x="1546412" y="0"/>
+                  </a:lnTo>
+                  <a:lnTo>
+                    <a:pt x="1896035" y="463924"/>
+                  </a:lnTo>
+                  <a:lnTo>
+                    <a:pt x="0" y="477371"/>
+                  </a:lnTo>
+                  <a:close/>
+                </a:path>
+              </a:pathLst>
+            </a:custGeom>
+            <a:solidFill>
+              <a:schemeClr val="bg1">
+                <a:alpha val="60000"/>
+              </a:schemeClr>
+            </a:solidFill>
+            <a:ln>
+              <a:noFill/>
+            </a:ln>
+          </p:spPr>
+          <p:style>
+            <a:lnRef idx="2">
+              <a:schemeClr val="accent1">
+                <a:shade val="50000"/>
+              </a:schemeClr>
+            </a:lnRef>
+            <a:fillRef idx="1">
+              <a:schemeClr val="accent1"/>
+            </a:fillRef>
+            <a:effectRef idx="0">
+              <a:schemeClr val="accent1"/>
+            </a:effectRef>
+            <a:fontRef idx="minor">
+              <a:schemeClr val="lt1"/>
+            </a:fontRef>
+          </p:style>
+          <p:txBody>
+            <a:bodyPr rtlCol="0" anchor="ctr"/>
+            <a:lstStyle/>
+            <a:p>
+              <a:pPr algn="ctr"/>
+              <a:endParaRPr lang="fr-FR"/>
+            </a:p>
+          </p:txBody>
+        </p:sp>
+        <p:sp>
+          <p:nvSpPr>
+            <p:cNvPr id="3" name="Forme libre 2"/>
+            <p:cNvSpPr/>
+            <p:nvPr/>
+          </p:nvSpPr>
+          <p:spPr>
+            <a:xfrm>
+              <a:off x="981625" y="847165"/>
+              <a:ext cx="1929663" cy="1640541"/>
+            </a:xfrm>
+            <a:custGeom>
+              <a:avLst/>
+              <a:gdLst>
+                <a:gd name="connsiteX0" fmla="*/ 0 w 1929653"/>
+                <a:gd name="connsiteY0" fmla="*/ 1196788 h 1633817"/>
+                <a:gd name="connsiteX1" fmla="*/ 369794 w 1929653"/>
+                <a:gd name="connsiteY1" fmla="*/ 611841 h 1633817"/>
+                <a:gd name="connsiteX2" fmla="*/ 746312 w 1929653"/>
+                <a:gd name="connsiteY2" fmla="*/ 1136276 h 1633817"/>
+                <a:gd name="connsiteX3" fmla="*/ 1539689 w 1929653"/>
+                <a:gd name="connsiteY3" fmla="*/ 0 h 1633817"/>
+                <a:gd name="connsiteX4" fmla="*/ 1909483 w 1929653"/>
+                <a:gd name="connsiteY4" fmla="*/ 1015253 h 1633817"/>
+                <a:gd name="connsiteX5" fmla="*/ 1929653 w 1929653"/>
+                <a:gd name="connsiteY5" fmla="*/ 1633817 h 1633817"/>
+                <a:gd name="connsiteX6" fmla="*/ 1553136 w 1929653"/>
+                <a:gd name="connsiteY6" fmla="*/ 1136276 h 1633817"/>
+                <a:gd name="connsiteX7" fmla="*/ 753036 w 1929653"/>
+                <a:gd name="connsiteY7" fmla="*/ 1391770 h 1633817"/>
+                <a:gd name="connsiteX8" fmla="*/ 457200 w 1929653"/>
+                <a:gd name="connsiteY8" fmla="*/ 1290917 h 1633817"/>
+                <a:gd name="connsiteX9" fmla="*/ 13447 w 1929653"/>
+                <a:gd name="connsiteY9" fmla="*/ 1627094 h 1633817"/>
+                <a:gd name="connsiteX10" fmla="*/ 0 w 1929653"/>
+                <a:gd name="connsiteY10" fmla="*/ 1196788 h 1633817"/>
+              </a:gdLst>
+              <a:ahLst/>
+              <a:cxnLst>
+                <a:cxn ang="0">
+                  <a:pos x="connsiteX0" y="connsiteY0"/>
+                </a:cxn>
+                <a:cxn ang="0">
+                  <a:pos x="connsiteX1" y="connsiteY1"/>
+                </a:cxn>
+                <a:cxn ang="0">
+                  <a:pos x="connsiteX2" y="connsiteY2"/>
+                </a:cxn>
+                <a:cxn ang="0">
+                  <a:pos x="connsiteX3" y="connsiteY3"/>
+                </a:cxn>
+                <a:cxn ang="0">
+                  <a:pos x="connsiteX4" y="connsiteY4"/>
+                </a:cxn>
+                <a:cxn ang="0">
+                  <a:pos x="connsiteX5" y="connsiteY5"/>
+                </a:cxn>
+                <a:cxn ang="0">
+                  <a:pos x="connsiteX6" y="connsiteY6"/>
+                </a:cxn>
+                <a:cxn ang="0">
+                  <a:pos x="connsiteX7" y="connsiteY7"/>
+                </a:cxn>
+                <a:cxn ang="0">
+                  <a:pos x="connsiteX8" y="connsiteY8"/>
+                </a:cxn>
+                <a:cxn ang="0">
+                  <a:pos x="connsiteX9" y="connsiteY9"/>
+                </a:cxn>
+                <a:cxn ang="0">
+                  <a:pos x="connsiteX10" y="connsiteY10"/>
+                </a:cxn>
+              </a:cxnLst>
+              <a:rect l="l" t="t" r="r" b="b"/>
+              <a:pathLst>
+                <a:path w="1929653" h="1633817">
+                  <a:moveTo>
+                    <a:pt x="0" y="1196788"/>
+                  </a:moveTo>
+                  <a:lnTo>
+                    <a:pt x="369794" y="611841"/>
+                  </a:lnTo>
+                  <a:lnTo>
+                    <a:pt x="746312" y="1136276"/>
+                  </a:lnTo>
+                  <a:lnTo>
+                    <a:pt x="1539689" y="0"/>
+                  </a:lnTo>
+                  <a:lnTo>
+                    <a:pt x="1909483" y="1015253"/>
+                  </a:lnTo>
+                  <a:lnTo>
+                    <a:pt x="1929653" y="1633817"/>
+                  </a:lnTo>
+                  <a:lnTo>
+                    <a:pt x="1553136" y="1136276"/>
+                  </a:lnTo>
+                  <a:lnTo>
+                    <a:pt x="753036" y="1391770"/>
+                  </a:lnTo>
+                  <a:lnTo>
+                    <a:pt x="457200" y="1290917"/>
+                  </a:lnTo>
+                  <a:lnTo>
+                    <a:pt x="13447" y="1627094"/>
+                  </a:lnTo>
+                  <a:lnTo>
+                    <a:pt x="0" y="1196788"/>
+                  </a:lnTo>
+                  <a:close/>
+                </a:path>
+              </a:pathLst>
+            </a:custGeom>
+            <a:solidFill>
+              <a:schemeClr val="bg1">
+                <a:alpha val="82000"/>
+              </a:schemeClr>
+            </a:solidFill>
+            <a:ln>
+              <a:noFill/>
+            </a:ln>
+          </p:spPr>
+          <p:style>
+            <a:lnRef idx="2">
+              <a:schemeClr val="accent1">
+                <a:shade val="50000"/>
+              </a:schemeClr>
+            </a:lnRef>
+            <a:fillRef idx="1">
+              <a:schemeClr val="accent1"/>
+            </a:fillRef>
+            <a:effectRef idx="0">
+              <a:schemeClr val="accent1"/>
+            </a:effectRef>
+            <a:fontRef idx="minor">
+              <a:schemeClr val="lt1"/>
+            </a:fontRef>
+          </p:style>
+          <p:txBody>
+            <a:bodyPr rtlCol="0" anchor="ctr"/>
+            <a:lstStyle/>
+            <a:p>
+              <a:pPr algn="ctr"/>
+              <a:endParaRPr lang="fr-FR"/>
+            </a:p>
+          </p:txBody>
+        </p:sp>
+        <p:sp>
+          <p:nvSpPr>
+            <p:cNvPr id="5" name="Forme libre 4"/>
+            <p:cNvSpPr/>
+            <p:nvPr/>
+          </p:nvSpPr>
+          <p:spPr>
+            <a:xfrm>
+              <a:off x="978714" y="2017057"/>
+              <a:ext cx="1946023" cy="504629"/>
+            </a:xfrm>
+            <a:custGeom>
+              <a:avLst/>
+              <a:gdLst>
+                <a:gd name="connsiteX0" fmla="*/ 0 w 1902759"/>
+                <a:gd name="connsiteY0" fmla="*/ 470647 h 484094"/>
+                <a:gd name="connsiteX1" fmla="*/ 443753 w 1902759"/>
+                <a:gd name="connsiteY1" fmla="*/ 147918 h 484094"/>
+                <a:gd name="connsiteX2" fmla="*/ 726142 w 1902759"/>
+                <a:gd name="connsiteY2" fmla="*/ 242047 h 484094"/>
+                <a:gd name="connsiteX3" fmla="*/ 1532965 w 1902759"/>
+                <a:gd name="connsiteY3" fmla="*/ 0 h 484094"/>
+                <a:gd name="connsiteX4" fmla="*/ 1902759 w 1902759"/>
+                <a:gd name="connsiteY4" fmla="*/ 484094 h 484094"/>
+                <a:gd name="connsiteX5" fmla="*/ 1902759 w 1902759"/>
+                <a:gd name="connsiteY5" fmla="*/ 484094 h 484094"/>
+              </a:gdLst>
+              <a:ahLst/>
+              <a:cxnLst>
+                <a:cxn ang="0">
+                  <a:pos x="connsiteX0" y="connsiteY0"/>
+                </a:cxn>
+                <a:cxn ang="0">
+                  <a:pos x="connsiteX1" y="connsiteY1"/>
+                </a:cxn>
+                <a:cxn ang="0">
+                  <a:pos x="connsiteX2" y="connsiteY2"/>
+                </a:cxn>
+                <a:cxn ang="0">
+                  <a:pos x="connsiteX3" y="connsiteY3"/>
+                </a:cxn>
+                <a:cxn ang="0">
+                  <a:pos x="connsiteX4" y="connsiteY4"/>
+                </a:cxn>
+                <a:cxn ang="0">
+                  <a:pos x="connsiteX5" y="connsiteY5"/>
+                </a:cxn>
+              </a:cxnLst>
+              <a:rect l="l" t="t" r="r" b="b"/>
+              <a:pathLst>
+                <a:path w="1902759" h="484094">
+                  <a:moveTo>
+                    <a:pt x="0" y="470647"/>
+                  </a:moveTo>
+                  <a:lnTo>
+                    <a:pt x="443753" y="147918"/>
+                  </a:lnTo>
+                  <a:lnTo>
+                    <a:pt x="726142" y="242047"/>
+                  </a:lnTo>
+                  <a:lnTo>
+                    <a:pt x="1532965" y="0"/>
+                  </a:lnTo>
+                  <a:lnTo>
+                    <a:pt x="1902759" y="484094"/>
+                  </a:lnTo>
+                  <a:lnTo>
+                    <a:pt x="1902759" y="484094"/>
+                  </a:lnTo>
+                </a:path>
+              </a:pathLst>
+            </a:custGeom>
+            <a:noFill/>
+            <a:ln w="63500">
+              <a:solidFill>
+                <a:srgbClr val="271569"/>
+              </a:solidFill>
+            </a:ln>
+          </p:spPr>
+          <p:style>
+            <a:lnRef idx="2">
+              <a:schemeClr val="accent1">
+                <a:shade val="50000"/>
+              </a:schemeClr>
+            </a:lnRef>
+            <a:fillRef idx="1">
+              <a:schemeClr val="accent1"/>
+            </a:fillRef>
+            <a:effectRef idx="0">
+              <a:schemeClr val="accent1"/>
+            </a:effectRef>
+            <a:fontRef idx="minor">
+              <a:schemeClr val="lt1"/>
+            </a:fontRef>
+          </p:style>
+          <p:txBody>
+            <a:bodyPr rtlCol="0" anchor="ctr"/>
+            <a:lstStyle/>
+            <a:p>
+              <a:pPr algn="ctr"/>
+              <a:endParaRPr lang="fr-FR"/>
+            </a:p>
+          </p:txBody>
+        </p:sp>
+      </p:grpSp>
+      <p:grpSp>
+        <p:nvGrpSpPr>
+          <p:cNvPr id="9" name="Grouper 8"/>
+          <p:cNvGrpSpPr/>
+          <p:nvPr/>
+        </p:nvGrpSpPr>
+        <p:grpSpPr>
+          <a:xfrm>
+            <a:off x="2055077" y="1261000"/>
+            <a:ext cx="1117891" cy="1103170"/>
+            <a:chOff x="1612046" y="1110646"/>
+            <a:chExt cx="1248357" cy="1568546"/>
+          </a:xfrm>
+        </p:grpSpPr>
+        <p:cxnSp>
+          <p:nvCxnSpPr>
+            <p:cNvPr id="10" name="Straight Connector 6"/>
+            <p:cNvCxnSpPr/>
+            <p:nvPr/>
+          </p:nvCxnSpPr>
+          <p:spPr>
+            <a:xfrm flipH="1">
+              <a:off x="1612046" y="2677496"/>
+              <a:ext cx="1248357" cy="1696"/>
+            </a:xfrm>
+            <a:prstGeom prst="line">
+              <a:avLst/>
+            </a:prstGeom>
+            <a:ln w="50800" cap="rnd">
+              <a:solidFill>
+                <a:schemeClr val="bg1"/>
+              </a:solidFill>
+            </a:ln>
+          </p:spPr>
+          <p:style>
+            <a:lnRef idx="1">
+              <a:schemeClr val="accent1"/>
+            </a:lnRef>
+            <a:fillRef idx="0">
+              <a:schemeClr val="accent1"/>
+            </a:fillRef>
+            <a:effectRef idx="0">
+              <a:schemeClr val="accent1"/>
+            </a:effectRef>
+            <a:fontRef idx="minor">
+              <a:schemeClr val="tx1"/>
+            </a:fontRef>
+          </p:style>
+        </p:cxnSp>
+        <p:sp>
+          <p:nvSpPr>
+            <p:cNvPr id="11" name="Rectangle 10"/>
+            <p:cNvSpPr/>
+            <p:nvPr/>
+          </p:nvSpPr>
+          <p:spPr>
+            <a:xfrm>
+              <a:off x="1612046" y="1545336"/>
+              <a:ext cx="498172" cy="963117"/>
+            </a:xfrm>
+            <a:prstGeom prst="rect">
+              <a:avLst/>
+            </a:prstGeom>
+            <a:solidFill>
+              <a:schemeClr val="bg1">
+                <a:lumMod val="85000"/>
+                <a:alpha val="46000"/>
+              </a:schemeClr>
+            </a:solidFill>
+            <a:ln w="28575">
+              <a:solidFill>
+                <a:schemeClr val="bg1"/>
+              </a:solidFill>
+            </a:ln>
+          </p:spPr>
+          <p:style>
+            <a:lnRef idx="2">
+              <a:schemeClr val="accent1">
+                <a:shade val="50000"/>
+              </a:schemeClr>
+            </a:lnRef>
+            <a:fillRef idx="1">
+              <a:schemeClr val="accent1"/>
+            </a:fillRef>
+            <a:effectRef idx="0">
+              <a:schemeClr val="accent1"/>
+            </a:effectRef>
+            <a:fontRef idx="minor">
+              <a:schemeClr val="lt1"/>
+            </a:fontRef>
+          </p:style>
+          <p:txBody>
+            <a:bodyPr rtlCol="0" anchor="ctr"/>
+            <a:lstStyle/>
+            <a:p>
+              <a:pPr algn="ctr"/>
+              <a:endParaRPr lang="en-US"/>
+            </a:p>
+          </p:txBody>
+        </p:sp>
+        <p:sp>
+          <p:nvSpPr>
+            <p:cNvPr id="12" name="Rectangle 11"/>
+            <p:cNvSpPr/>
+            <p:nvPr/>
+          </p:nvSpPr>
+          <p:spPr>
+            <a:xfrm>
+              <a:off x="2288885" y="1110646"/>
+              <a:ext cx="498172" cy="1402279"/>
+            </a:xfrm>
+            <a:prstGeom prst="rect">
+              <a:avLst/>
+            </a:prstGeom>
+            <a:solidFill>
+              <a:schemeClr val="bg1">
+                <a:lumMod val="85000"/>
+                <a:alpha val="0"/>
+              </a:schemeClr>
+            </a:solidFill>
+            <a:ln w="28575">
+              <a:solidFill>
+                <a:schemeClr val="bg1"/>
+              </a:solidFill>
+            </a:ln>
+          </p:spPr>
+          <p:style>
+            <a:lnRef idx="2">
+              <a:schemeClr val="accent1">
+                <a:shade val="50000"/>
+              </a:schemeClr>
+            </a:lnRef>
+            <a:fillRef idx="1">
+              <a:schemeClr val="accent1"/>
+            </a:fillRef>
+            <a:effectRef idx="0">
+              <a:schemeClr val="accent1"/>
+            </a:effectRef>
+            <a:fontRef idx="minor">
+              <a:schemeClr val="lt1"/>
+            </a:fontRef>
+          </p:style>
+          <p:txBody>
+            <a:bodyPr rtlCol="0" anchor="ctr"/>
+            <a:lstStyle/>
+            <a:p>
+              <a:pPr algn="ctr"/>
+              <a:endParaRPr lang="en-US"/>
+            </a:p>
+          </p:txBody>
+        </p:sp>
+      </p:grpSp>
+    </p:spTree>
+    <p:extLst>
+      <p:ext uri="{BB962C8B-B14F-4D97-AF65-F5344CB8AC3E}">
+        <p14:creationId xmlns:p14="http://schemas.microsoft.com/office/powerpoint/2010/main" val="115518162"/>
       </p:ext>
     </p:extLst>
   </p:cSld>
@@ -8073,8 +16137,8 @@
         </p:nvCxnSpPr>
         <p:spPr>
           <a:xfrm flipH="1">
-            <a:off x="1792796" y="1759290"/>
-            <a:ext cx="1226185" cy="10038"/>
+            <a:off x="1792797" y="1769326"/>
+            <a:ext cx="1194561" cy="2"/>
           </a:xfrm>
           <a:prstGeom prst="line">
             <a:avLst/>
@@ -8159,8 +16223,8 @@
         </p:nvCxnSpPr>
         <p:spPr>
           <a:xfrm flipH="1" flipV="1">
-            <a:off x="1792796" y="1769328"/>
-            <a:ext cx="734816" cy="914401"/>
+            <a:off x="1792796" y="1769329"/>
+            <a:ext cx="1194562" cy="60604"/>
           </a:xfrm>
           <a:prstGeom prst="line">
             <a:avLst/>
@@ -8196,6 +16260,426 @@
           <a:xfrm flipH="1">
             <a:off x="1800231" y="1142536"/>
             <a:ext cx="1013727" cy="606716"/>
+          </a:xfrm>
+          <a:prstGeom prst="line">
+            <a:avLst/>
+          </a:prstGeom>
+          <a:ln w="73025" cap="rnd">
+            <a:solidFill>
+              <a:schemeClr val="bg1"/>
+            </a:solidFill>
+          </a:ln>
+        </p:spPr>
+        <p:style>
+          <a:lnRef idx="1">
+            <a:schemeClr val="accent1"/>
+          </a:lnRef>
+          <a:fillRef idx="0">
+            <a:schemeClr val="accent1"/>
+          </a:fillRef>
+          <a:effectRef idx="0">
+            <a:schemeClr val="accent1"/>
+          </a:effectRef>
+          <a:fontRef idx="minor">
+            <a:schemeClr val="tx1"/>
+          </a:fontRef>
+        </p:style>
+      </p:cxnSp>
+      <p:cxnSp>
+        <p:nvCxnSpPr>
+          <p:cNvPr id="17" name="Straight Connector 37"/>
+          <p:cNvCxnSpPr/>
+          <p:nvPr/>
+        </p:nvCxnSpPr>
+        <p:spPr>
+          <a:xfrm flipH="1">
+            <a:off x="1929288" y="1208878"/>
+            <a:ext cx="915326" cy="544739"/>
+          </a:xfrm>
+          <a:prstGeom prst="line">
+            <a:avLst/>
+          </a:prstGeom>
+          <a:ln w="123825" cap="rnd">
+            <a:solidFill>
+              <a:schemeClr val="bg1"/>
+            </a:solidFill>
+          </a:ln>
+        </p:spPr>
+        <p:style>
+          <a:lnRef idx="1">
+            <a:schemeClr val="accent1"/>
+          </a:lnRef>
+          <a:fillRef idx="0">
+            <a:schemeClr val="accent1"/>
+          </a:fillRef>
+          <a:effectRef idx="0">
+            <a:schemeClr val="accent1"/>
+          </a:effectRef>
+          <a:fontRef idx="minor">
+            <a:schemeClr val="tx1"/>
+          </a:fontRef>
+        </p:style>
+      </p:cxnSp>
+      <p:cxnSp>
+        <p:nvCxnSpPr>
+          <p:cNvPr id="21" name="Straight Connector 37"/>
+          <p:cNvCxnSpPr/>
+          <p:nvPr/>
+        </p:nvCxnSpPr>
+        <p:spPr>
+          <a:xfrm flipH="1">
+            <a:off x="2122696" y="1290918"/>
+            <a:ext cx="729352" cy="440702"/>
+          </a:xfrm>
+          <a:prstGeom prst="line">
+            <a:avLst/>
+          </a:prstGeom>
+          <a:ln w="123825" cap="rnd">
+            <a:solidFill>
+              <a:schemeClr val="bg1"/>
+            </a:solidFill>
+          </a:ln>
+        </p:spPr>
+        <p:style>
+          <a:lnRef idx="1">
+            <a:schemeClr val="accent1"/>
+          </a:lnRef>
+          <a:fillRef idx="0">
+            <a:schemeClr val="accent1"/>
+          </a:fillRef>
+          <a:effectRef idx="0">
+            <a:schemeClr val="accent1"/>
+          </a:effectRef>
+          <a:fontRef idx="minor">
+            <a:schemeClr val="tx1"/>
+          </a:fontRef>
+        </p:style>
+      </p:cxnSp>
+      <p:cxnSp>
+        <p:nvCxnSpPr>
+          <p:cNvPr id="24" name="Straight Connector 37"/>
+          <p:cNvCxnSpPr/>
+          <p:nvPr/>
+        </p:nvCxnSpPr>
+        <p:spPr>
+          <a:xfrm flipH="1">
+            <a:off x="2296725" y="1371600"/>
+            <a:ext cx="555323" cy="377652"/>
+          </a:xfrm>
+          <a:prstGeom prst="line">
+            <a:avLst/>
+          </a:prstGeom>
+          <a:ln w="123825" cap="rnd">
+            <a:solidFill>
+              <a:schemeClr val="bg1"/>
+            </a:solidFill>
+          </a:ln>
+        </p:spPr>
+        <p:style>
+          <a:lnRef idx="1">
+            <a:schemeClr val="accent1"/>
+          </a:lnRef>
+          <a:fillRef idx="0">
+            <a:schemeClr val="accent1"/>
+          </a:fillRef>
+          <a:effectRef idx="0">
+            <a:schemeClr val="accent1"/>
+          </a:effectRef>
+          <a:fontRef idx="minor">
+            <a:schemeClr val="tx1"/>
+          </a:fontRef>
+        </p:style>
+      </p:cxnSp>
+      <p:cxnSp>
+        <p:nvCxnSpPr>
+          <p:cNvPr id="25" name="Straight Connector 37"/>
+          <p:cNvCxnSpPr/>
+          <p:nvPr/>
+        </p:nvCxnSpPr>
+        <p:spPr>
+          <a:xfrm>
+            <a:off x="2881121" y="1350889"/>
+            <a:ext cx="41007" cy="207620"/>
+          </a:xfrm>
+          <a:prstGeom prst="line">
+            <a:avLst/>
+          </a:prstGeom>
+          <a:ln w="123825" cap="rnd">
+            <a:solidFill>
+              <a:schemeClr val="bg1"/>
+            </a:solidFill>
+          </a:ln>
+        </p:spPr>
+        <p:style>
+          <a:lnRef idx="1">
+            <a:schemeClr val="accent1"/>
+          </a:lnRef>
+          <a:fillRef idx="0">
+            <a:schemeClr val="accent1"/>
+          </a:fillRef>
+          <a:effectRef idx="0">
+            <a:schemeClr val="accent1"/>
+          </a:effectRef>
+          <a:fontRef idx="minor">
+            <a:schemeClr val="tx1"/>
+          </a:fontRef>
+        </p:style>
+      </p:cxnSp>
+      <p:cxnSp>
+        <p:nvCxnSpPr>
+          <p:cNvPr id="35" name="Straight Connector 37"/>
+          <p:cNvCxnSpPr/>
+          <p:nvPr/>
+        </p:nvCxnSpPr>
+        <p:spPr>
+          <a:xfrm flipH="1">
+            <a:off x="2946458" y="1524000"/>
+            <a:ext cx="3988" cy="207620"/>
+          </a:xfrm>
+          <a:prstGeom prst="line">
+            <a:avLst/>
+          </a:prstGeom>
+          <a:ln w="123825" cap="rnd">
+            <a:solidFill>
+              <a:schemeClr val="bg1"/>
+            </a:solidFill>
+          </a:ln>
+        </p:spPr>
+        <p:style>
+          <a:lnRef idx="1">
+            <a:schemeClr val="accent1"/>
+          </a:lnRef>
+          <a:fillRef idx="0">
+            <a:schemeClr val="accent1"/>
+          </a:fillRef>
+          <a:effectRef idx="0">
+            <a:schemeClr val="accent1"/>
+          </a:effectRef>
+          <a:fontRef idx="minor">
+            <a:schemeClr val="tx1"/>
+          </a:fontRef>
+        </p:style>
+      </p:cxnSp>
+      <p:cxnSp>
+        <p:nvCxnSpPr>
+          <p:cNvPr id="36" name="Straight Connector 37"/>
+          <p:cNvCxnSpPr/>
+          <p:nvPr/>
+        </p:nvCxnSpPr>
+        <p:spPr>
+          <a:xfrm flipH="1">
+            <a:off x="2842901" y="1511269"/>
+            <a:ext cx="3988" cy="207620"/>
+          </a:xfrm>
+          <a:prstGeom prst="line">
+            <a:avLst/>
+          </a:prstGeom>
+          <a:ln w="123825" cap="rnd">
+            <a:solidFill>
+              <a:schemeClr val="bg1"/>
+            </a:solidFill>
+          </a:ln>
+        </p:spPr>
+        <p:style>
+          <a:lnRef idx="1">
+            <a:schemeClr val="accent1"/>
+          </a:lnRef>
+          <a:fillRef idx="0">
+            <a:schemeClr val="accent1"/>
+          </a:fillRef>
+          <a:effectRef idx="0">
+            <a:schemeClr val="accent1"/>
+          </a:effectRef>
+          <a:fontRef idx="minor">
+            <a:schemeClr val="tx1"/>
+          </a:fontRef>
+        </p:style>
+      </p:cxnSp>
+      <p:cxnSp>
+        <p:nvCxnSpPr>
+          <p:cNvPr id="37" name="Straight Connector 37"/>
+          <p:cNvCxnSpPr/>
+          <p:nvPr/>
+        </p:nvCxnSpPr>
+        <p:spPr>
+          <a:xfrm flipH="1">
+            <a:off x="2766695" y="1529192"/>
+            <a:ext cx="3988" cy="207620"/>
+          </a:xfrm>
+          <a:prstGeom prst="line">
+            <a:avLst/>
+          </a:prstGeom>
+          <a:ln w="123825" cap="rnd">
+            <a:solidFill>
+              <a:schemeClr val="bg1"/>
+            </a:solidFill>
+          </a:ln>
+        </p:spPr>
+        <p:style>
+          <a:lnRef idx="1">
+            <a:schemeClr val="accent1"/>
+          </a:lnRef>
+          <a:fillRef idx="0">
+            <a:schemeClr val="accent1"/>
+          </a:fillRef>
+          <a:effectRef idx="0">
+            <a:schemeClr val="accent1"/>
+          </a:effectRef>
+          <a:fontRef idx="minor">
+            <a:schemeClr val="tx1"/>
+          </a:fontRef>
+        </p:style>
+      </p:cxnSp>
+      <p:cxnSp>
+        <p:nvCxnSpPr>
+          <p:cNvPr id="39" name="Straight Connector 37"/>
+          <p:cNvCxnSpPr/>
+          <p:nvPr/>
+        </p:nvCxnSpPr>
+        <p:spPr>
+          <a:xfrm flipH="1">
+            <a:off x="2650151" y="1526948"/>
+            <a:ext cx="3988" cy="207620"/>
+          </a:xfrm>
+          <a:prstGeom prst="line">
+            <a:avLst/>
+          </a:prstGeom>
+          <a:ln w="123825" cap="rnd">
+            <a:solidFill>
+              <a:schemeClr val="bg1"/>
+            </a:solidFill>
+          </a:ln>
+        </p:spPr>
+        <p:style>
+          <a:lnRef idx="1">
+            <a:schemeClr val="accent1"/>
+          </a:lnRef>
+          <a:fillRef idx="0">
+            <a:schemeClr val="accent1"/>
+          </a:fillRef>
+          <a:effectRef idx="0">
+            <a:schemeClr val="accent1"/>
+          </a:effectRef>
+          <a:fontRef idx="minor">
+            <a:schemeClr val="tx1"/>
+          </a:fontRef>
+        </p:style>
+      </p:cxnSp>
+      <p:cxnSp>
+        <p:nvCxnSpPr>
+          <p:cNvPr id="40" name="Straight Connector 37"/>
+          <p:cNvCxnSpPr/>
+          <p:nvPr/>
+        </p:nvCxnSpPr>
+        <p:spPr>
+          <a:xfrm flipH="1">
+            <a:off x="2486534" y="1592129"/>
+            <a:ext cx="142735" cy="153642"/>
+          </a:xfrm>
+          <a:prstGeom prst="line">
+            <a:avLst/>
+          </a:prstGeom>
+          <a:ln w="123825" cap="rnd">
+            <a:solidFill>
+              <a:schemeClr val="bg1"/>
+            </a:solidFill>
+          </a:ln>
+        </p:spPr>
+        <p:style>
+          <a:lnRef idx="1">
+            <a:schemeClr val="accent1"/>
+          </a:lnRef>
+          <a:fillRef idx="0">
+            <a:schemeClr val="accent1"/>
+          </a:fillRef>
+          <a:effectRef idx="0">
+            <a:schemeClr val="accent1"/>
+          </a:effectRef>
+          <a:fontRef idx="minor">
+            <a:schemeClr val="tx1"/>
+          </a:fontRef>
+        </p:style>
+      </p:cxnSp>
+      <p:cxnSp>
+        <p:nvCxnSpPr>
+          <p:cNvPr id="41" name="Straight Connector 33"/>
+          <p:cNvCxnSpPr/>
+          <p:nvPr/>
+        </p:nvCxnSpPr>
+        <p:spPr>
+          <a:xfrm flipH="1" flipV="1">
+            <a:off x="1803434" y="1779366"/>
+            <a:ext cx="1183924" cy="222310"/>
+          </a:xfrm>
+          <a:prstGeom prst="line">
+            <a:avLst/>
+          </a:prstGeom>
+          <a:ln w="73025" cap="rnd">
+            <a:solidFill>
+              <a:schemeClr val="bg1"/>
+            </a:solidFill>
+          </a:ln>
+        </p:spPr>
+        <p:style>
+          <a:lnRef idx="1">
+            <a:schemeClr val="accent1"/>
+          </a:lnRef>
+          <a:fillRef idx="0">
+            <a:schemeClr val="accent1"/>
+          </a:fillRef>
+          <a:effectRef idx="0">
+            <a:schemeClr val="accent1"/>
+          </a:effectRef>
+          <a:fontRef idx="minor">
+            <a:schemeClr val="tx1"/>
+          </a:fontRef>
+        </p:style>
+      </p:cxnSp>
+      <p:cxnSp>
+        <p:nvCxnSpPr>
+          <p:cNvPr id="42" name="Straight Connector 33"/>
+          <p:cNvCxnSpPr/>
+          <p:nvPr/>
+        </p:nvCxnSpPr>
+        <p:spPr>
+          <a:xfrm flipH="1" flipV="1">
+            <a:off x="1800916" y="1765838"/>
+            <a:ext cx="1186442" cy="121130"/>
+          </a:xfrm>
+          <a:prstGeom prst="line">
+            <a:avLst/>
+          </a:prstGeom>
+          <a:ln w="73025" cap="rnd">
+            <a:solidFill>
+              <a:schemeClr val="bg1"/>
+            </a:solidFill>
+          </a:ln>
+        </p:spPr>
+        <p:style>
+          <a:lnRef idx="1">
+            <a:schemeClr val="accent1"/>
+          </a:lnRef>
+          <a:fillRef idx="0">
+            <a:schemeClr val="accent1"/>
+          </a:fillRef>
+          <a:effectRef idx="0">
+            <a:schemeClr val="accent1"/>
+          </a:effectRef>
+          <a:fontRef idx="minor">
+            <a:schemeClr val="tx1"/>
+          </a:fontRef>
+        </p:style>
+      </p:cxnSp>
+      <p:cxnSp>
+        <p:nvCxnSpPr>
+          <p:cNvPr id="43" name="Straight Connector 33"/>
+          <p:cNvCxnSpPr/>
+          <p:nvPr/>
+        </p:nvCxnSpPr>
+        <p:spPr>
+          <a:xfrm flipH="1" flipV="1">
+            <a:off x="1777945" y="1769415"/>
+            <a:ext cx="1209413" cy="170003"/>
           </a:xfrm>
           <a:prstGeom prst="line">
             <a:avLst/>

--- a/img/mistake/mistake_logos.pptx
+++ b/img/mistake/mistake_logos.pptx
@@ -5,7 +5,7 @@
     <p:sldMasterId id="2147483660" r:id="rId1"/>
   </p:sldMasterIdLst>
   <p:notesMasterIdLst>
-    <p:notesMasterId r:id="rId31"/>
+    <p:notesMasterId r:id="rId32"/>
   </p:notesMasterIdLst>
   <p:sldIdLst>
     <p:sldId id="256" r:id="rId2"/>
@@ -37,6 +37,7 @@
     <p:sldId id="285" r:id="rId28"/>
     <p:sldId id="291" r:id="rId29"/>
     <p:sldId id="292" r:id="rId30"/>
+    <p:sldId id="293" r:id="rId31"/>
   </p:sldIdLst>
   <p:sldSz cx="3600450" cy="3600450"/>
   <p:notesSz cx="6858000" cy="9144000"/>
@@ -225,7 +226,7 @@
           <a:p>
             <a:fld id="{A29C25AE-20FD-CA4A-8C80-D7AD6B352ECC}" type="datetimeFigureOut">
               <a:rPr lang="en-US" smtClean="0"/>
-              <a:t>5/24/18</a:t>
+              <a:t>6/8/18</a:t>
             </a:fld>
             <a:endParaRPr lang="en-US"/>
           </a:p>
@@ -1815,6 +1816,130 @@
 </p:notes>
 </file>
 
+<file path=ppt/notesSlides/notesSlide19.xml><?xml version="1.0" encoding="utf-8"?>
+<p:notes xmlns:a="http://schemas.openxmlformats.org/drawingml/2006/main" xmlns:r="http://schemas.openxmlformats.org/officeDocument/2006/relationships" xmlns:p="http://schemas.openxmlformats.org/presentationml/2006/main">
+  <p:cSld>
+    <p:spTree>
+      <p:nvGrpSpPr>
+        <p:cNvPr id="1" name=""/>
+        <p:cNvGrpSpPr/>
+        <p:nvPr/>
+      </p:nvGrpSpPr>
+      <p:grpSpPr>
+        <a:xfrm>
+          <a:off x="0" y="0"/>
+          <a:ext cx="0" cy="0"/>
+          <a:chOff x="0" y="0"/>
+          <a:chExt cx="0" cy="0"/>
+        </a:xfrm>
+      </p:grpSpPr>
+      <p:sp>
+        <p:nvSpPr>
+          <p:cNvPr id="2" name="Slide Image Placeholder 1"/>
+          <p:cNvSpPr>
+            <a:spLocks noGrp="1" noRot="1" noChangeAspect="1"/>
+          </p:cNvSpPr>
+          <p:nvPr>
+            <p:ph type="sldImg"/>
+          </p:nvPr>
+        </p:nvSpPr>
+        <p:spPr/>
+      </p:sp>
+      <p:sp>
+        <p:nvSpPr>
+          <p:cNvPr id="3" name="Notes Placeholder 2"/>
+          <p:cNvSpPr>
+            <a:spLocks noGrp="1"/>
+          </p:cNvSpPr>
+          <p:nvPr>
+            <p:ph type="body" idx="1"/>
+          </p:nvPr>
+        </p:nvSpPr>
+        <p:spPr/>
+        <p:txBody>
+          <a:bodyPr/>
+          <a:lstStyle/>
+          <a:p>
+            <a:r>
+              <a:rPr lang="en-US" dirty="0" smtClean="0"/>
+              <a:t>Radar chart</a:t>
+            </a:r>
+          </a:p>
+          <a:p>
+            <a:endParaRPr lang="en-US" dirty="0" smtClean="0"/>
+          </a:p>
+          <a:p>
+            <a:r>
+              <a:rPr lang="en-US" dirty="0" smtClean="0"/>
+              <a:t>https://</a:t>
+            </a:r>
+            <a:r>
+              <a:rPr lang="en-US" dirty="0" err="1" smtClean="0"/>
+              <a:t>blog.scottlogic.com</a:t>
+            </a:r>
+            <a:r>
+              <a:rPr lang="en-US" dirty="0" smtClean="0"/>
+              <a:t>/2011/09/23/a-critique-of-radar-</a:t>
+            </a:r>
+            <a:r>
+              <a:rPr lang="en-US" dirty="0" err="1" smtClean="0"/>
+              <a:t>charts.html</a:t>
+            </a:r>
+            <a:endParaRPr lang="en-US" dirty="0" smtClean="0"/>
+          </a:p>
+          <a:p>
+            <a:r>
+              <a:rPr lang="en-US" dirty="0" smtClean="0"/>
+              <a:t>http://</a:t>
+            </a:r>
+            <a:r>
+              <a:rPr lang="en-US" dirty="0" err="1" smtClean="0"/>
+              <a:t>blog.minitab.com</a:t>
+            </a:r>
+            <a:r>
+              <a:rPr lang="en-US" smtClean="0"/>
+              <a:t>/blog/fun-with-statistics/beware-the-radar-chart</a:t>
+            </a:r>
+            <a:endParaRPr lang="en-US"/>
+          </a:p>
+        </p:txBody>
+      </p:sp>
+      <p:sp>
+        <p:nvSpPr>
+          <p:cNvPr id="4" name="Slide Number Placeholder 3"/>
+          <p:cNvSpPr>
+            <a:spLocks noGrp="1"/>
+          </p:cNvSpPr>
+          <p:nvPr>
+            <p:ph type="sldNum" sz="quarter" idx="10"/>
+          </p:nvPr>
+        </p:nvSpPr>
+        <p:spPr/>
+        <p:txBody>
+          <a:bodyPr/>
+          <a:lstStyle/>
+          <a:p>
+            <a:fld id="{7831F866-C993-A644-BA4C-5AD247E41B58}" type="slidenum">
+              <a:rPr lang="en-US" smtClean="0"/>
+              <a:t>30</a:t>
+            </a:fld>
+            <a:endParaRPr lang="en-US"/>
+          </a:p>
+        </p:txBody>
+      </p:sp>
+    </p:spTree>
+    <p:extLst>
+      <p:ext uri="{BB962C8B-B14F-4D97-AF65-F5344CB8AC3E}">
+        <p14:creationId xmlns:p14="http://schemas.microsoft.com/office/powerpoint/2010/main" val="1929463078"/>
+      </p:ext>
+    </p:extLst>
+  </p:cSld>
+  <p:clrMapOvr>
+    <a:masterClrMapping/>
+  </p:clrMapOvr>
+</p:notes>
+</file>
+
 <file path=ppt/notesSlides/notesSlide2.xml><?xml version="1.0" encoding="utf-8"?>
 <p:notes xmlns:a="http://schemas.openxmlformats.org/drawingml/2006/main" xmlns:r="http://schemas.openxmlformats.org/officeDocument/2006/relationships" xmlns:p="http://schemas.openxmlformats.org/presentationml/2006/main">
   <p:cSld>
@@ -3085,7 +3210,7 @@
           <a:p>
             <a:fld id="{59DFCC1F-3322-FD40-8733-43910790F7FA}" type="datetimeFigureOut">
               <a:rPr lang="en-US" smtClean="0"/>
-              <a:t>5/24/18</a:t>
+              <a:t>6/8/18</a:t>
             </a:fld>
             <a:endParaRPr lang="en-US"/>
           </a:p>
@@ -3250,7 +3375,7 @@
           <a:p>
             <a:fld id="{59DFCC1F-3322-FD40-8733-43910790F7FA}" type="datetimeFigureOut">
               <a:rPr lang="en-US" smtClean="0"/>
-              <a:t>5/24/18</a:t>
+              <a:t>6/8/18</a:t>
             </a:fld>
             <a:endParaRPr lang="en-US"/>
           </a:p>
@@ -3425,7 +3550,7 @@
           <a:p>
             <a:fld id="{59DFCC1F-3322-FD40-8733-43910790F7FA}" type="datetimeFigureOut">
               <a:rPr lang="en-US" smtClean="0"/>
-              <a:t>5/24/18</a:t>
+              <a:t>6/8/18</a:t>
             </a:fld>
             <a:endParaRPr lang="en-US"/>
           </a:p>
@@ -3590,7 +3715,7 @@
           <a:p>
             <a:fld id="{59DFCC1F-3322-FD40-8733-43910790F7FA}" type="datetimeFigureOut">
               <a:rPr lang="en-US" smtClean="0"/>
-              <a:t>5/24/18</a:t>
+              <a:t>6/8/18</a:t>
             </a:fld>
             <a:endParaRPr lang="en-US"/>
           </a:p>
@@ -3829,7 +3954,7 @@
           <a:p>
             <a:fld id="{59DFCC1F-3322-FD40-8733-43910790F7FA}" type="datetimeFigureOut">
               <a:rPr lang="en-US" smtClean="0"/>
-              <a:t>5/24/18</a:t>
+              <a:t>6/8/18</a:t>
             </a:fld>
             <a:endParaRPr lang="en-US"/>
           </a:p>
@@ -4056,7 +4181,7 @@
           <a:p>
             <a:fld id="{59DFCC1F-3322-FD40-8733-43910790F7FA}" type="datetimeFigureOut">
               <a:rPr lang="en-US" smtClean="0"/>
-              <a:t>5/24/18</a:t>
+              <a:t>6/8/18</a:t>
             </a:fld>
             <a:endParaRPr lang="en-US"/>
           </a:p>
@@ -4418,7 +4543,7 @@
           <a:p>
             <a:fld id="{59DFCC1F-3322-FD40-8733-43910790F7FA}" type="datetimeFigureOut">
               <a:rPr lang="en-US" smtClean="0"/>
-              <a:t>5/24/18</a:t>
+              <a:t>6/8/18</a:t>
             </a:fld>
             <a:endParaRPr lang="en-US"/>
           </a:p>
@@ -4531,7 +4656,7 @@
           <a:p>
             <a:fld id="{59DFCC1F-3322-FD40-8733-43910790F7FA}" type="datetimeFigureOut">
               <a:rPr lang="en-US" smtClean="0"/>
-              <a:t>5/24/18</a:t>
+              <a:t>6/8/18</a:t>
             </a:fld>
             <a:endParaRPr lang="en-US"/>
           </a:p>
@@ -4621,7 +4746,7 @@
           <a:p>
             <a:fld id="{59DFCC1F-3322-FD40-8733-43910790F7FA}" type="datetimeFigureOut">
               <a:rPr lang="en-US" smtClean="0"/>
-              <a:t>5/24/18</a:t>
+              <a:t>6/8/18</a:t>
             </a:fld>
             <a:endParaRPr lang="en-US"/>
           </a:p>
@@ -4893,7 +5018,7 @@
           <a:p>
             <a:fld id="{59DFCC1F-3322-FD40-8733-43910790F7FA}" type="datetimeFigureOut">
               <a:rPr lang="en-US" smtClean="0"/>
-              <a:t>5/24/18</a:t>
+              <a:t>6/8/18</a:t>
             </a:fld>
             <a:endParaRPr lang="en-US"/>
           </a:p>
@@ -5145,7 +5270,7 @@
           <a:p>
             <a:fld id="{59DFCC1F-3322-FD40-8733-43910790F7FA}" type="datetimeFigureOut">
               <a:rPr lang="en-US" smtClean="0"/>
-              <a:t>5/24/18</a:t>
+              <a:t>6/8/18</a:t>
             </a:fld>
             <a:endParaRPr lang="en-US"/>
           </a:p>
@@ -5353,7 +5478,7 @@
           <a:p>
             <a:fld id="{59DFCC1F-3322-FD40-8733-43910790F7FA}" type="datetimeFigureOut">
               <a:rPr lang="en-US" smtClean="0"/>
-              <a:t>5/24/18</a:t>
+              <a:t>6/8/18</a:t>
             </a:fld>
             <a:endParaRPr lang="en-US"/>
           </a:p>
@@ -15638,6 +15763,74 @@
     <p:extLst>
       <p:ext uri="{BB962C8B-B14F-4D97-AF65-F5344CB8AC3E}">
         <p14:creationId xmlns:p14="http://schemas.microsoft.com/office/powerpoint/2010/main" val="1877074188"/>
+      </p:ext>
+    </p:extLst>
+  </p:cSld>
+  <p:clrMapOvr>
+    <a:masterClrMapping/>
+  </p:clrMapOvr>
+</p:sld>
+</file>
+
+<file path=ppt/slides/slide30.xml><?xml version="1.0" encoding="utf-8"?>
+<p:sld xmlns:a="http://schemas.openxmlformats.org/drawingml/2006/main" xmlns:r="http://schemas.openxmlformats.org/officeDocument/2006/relationships" xmlns:p="http://schemas.openxmlformats.org/presentationml/2006/main">
+  <p:cSld>
+    <p:spTree>
+      <p:nvGrpSpPr>
+        <p:cNvPr id="1" name=""/>
+        <p:cNvGrpSpPr/>
+        <p:nvPr/>
+      </p:nvGrpSpPr>
+      <p:grpSpPr>
+        <a:xfrm>
+          <a:off x="0" y="0"/>
+          <a:ext cx="0" cy="0"/>
+          <a:chOff x="0" y="0"/>
+          <a:chExt cx="0" cy="0"/>
+        </a:xfrm>
+      </p:grpSpPr>
+      <p:sp>
+        <p:nvSpPr>
+          <p:cNvPr id="2" name="Title 1"/>
+          <p:cNvSpPr>
+            <a:spLocks noGrp="1"/>
+          </p:cNvSpPr>
+          <p:nvPr>
+            <p:ph type="title"/>
+          </p:nvPr>
+        </p:nvSpPr>
+        <p:spPr/>
+        <p:txBody>
+          <a:bodyPr/>
+          <a:lstStyle/>
+          <a:p>
+            <a:endParaRPr lang="en-US"/>
+          </a:p>
+        </p:txBody>
+      </p:sp>
+      <p:sp>
+        <p:nvSpPr>
+          <p:cNvPr id="3" name="Content Placeholder 2"/>
+          <p:cNvSpPr>
+            <a:spLocks noGrp="1"/>
+          </p:cNvSpPr>
+          <p:nvPr>
+            <p:ph idx="1"/>
+          </p:nvPr>
+        </p:nvSpPr>
+        <p:spPr/>
+        <p:txBody>
+          <a:bodyPr/>
+          <a:lstStyle/>
+          <a:p>
+            <a:endParaRPr lang="en-US"/>
+          </a:p>
+        </p:txBody>
+      </p:sp>
+    </p:spTree>
+    <p:extLst>
+      <p:ext uri="{BB962C8B-B14F-4D97-AF65-F5344CB8AC3E}">
+        <p14:creationId xmlns:p14="http://schemas.microsoft.com/office/powerpoint/2010/main" val="1808999551"/>
       </p:ext>
     </p:extLst>
   </p:cSld>

--- a/img/mistake/mistake_logos.pptx
+++ b/img/mistake/mistake_logos.pptx
@@ -1897,10 +1897,10 @@
               <a:t>blog.minitab.com</a:t>
             </a:r>
             <a:r>
-              <a:rPr lang="en-US" smtClean="0"/>
+              <a:rPr lang="en-US" dirty="0" smtClean="0"/>
               <a:t>/blog/fun-with-statistics/beware-the-radar-chart</a:t>
             </a:r>
-            <a:endParaRPr lang="en-US"/>
+            <a:endParaRPr lang="en-US" dirty="0"/>
           </a:p>
         </p:txBody>
       </p:sp>

--- a/img/mistake/mistake_logos.pptx
+++ b/img/mistake/mistake_logos.pptx
@@ -5,7 +5,7 @@
     <p:sldMasterId id="2147483660" r:id="rId1"/>
   </p:sldMasterIdLst>
   <p:notesMasterIdLst>
-    <p:notesMasterId r:id="rId32"/>
+    <p:notesMasterId r:id="rId33"/>
   </p:notesMasterIdLst>
   <p:sldIdLst>
     <p:sldId id="256" r:id="rId2"/>
@@ -38,6 +38,7 @@
     <p:sldId id="291" r:id="rId29"/>
     <p:sldId id="292" r:id="rId30"/>
     <p:sldId id="293" r:id="rId31"/>
+    <p:sldId id="295" r:id="rId32"/>
   </p:sldIdLst>
   <p:sldSz cx="3600450" cy="3600450"/>
   <p:notesSz cx="6858000" cy="9144000"/>
@@ -540,27 +541,13 @@
           <a:p>
             <a:r>
               <a:rPr lang="en-US" dirty="0" smtClean="0"/>
-              <a:t>https://</a:t>
+              <a:t>Mind the </a:t>
             </a:r>
             <a:r>
               <a:rPr lang="en-US" dirty="0" err="1" smtClean="0"/>
-              <a:t>www.autodeskresearch.com</a:t>
-            </a:r>
-            <a:r>
-              <a:rPr lang="en-US" dirty="0" smtClean="0"/>
-              <a:t>/publications/</a:t>
-            </a:r>
-            <a:r>
-              <a:rPr lang="en-US" dirty="0" err="1" smtClean="0"/>
-              <a:t>samestats</a:t>
-            </a:r>
-            <a:endParaRPr lang="en-US" dirty="0" smtClean="0"/>
-          </a:p>
-          <a:p>
-            <a:endParaRPr lang="en-US" smtClean="0"/>
-          </a:p>
-          <a:p>
-            <a:endParaRPr lang="en-US"/>
+              <a:t>heatmap</a:t>
+            </a:r>
+            <a:endParaRPr lang="en-US" dirty="0"/>
           </a:p>
         </p:txBody>
       </p:sp>
@@ -581,7 +568,7 @@
           <a:p>
             <a:fld id="{7831F866-C993-A644-BA4C-5AD247E41B58}" type="slidenum">
               <a:rPr lang="en-US" smtClean="0"/>
-              <a:t>11</a:t>
+              <a:t>1</a:t>
             </a:fld>
             <a:endParaRPr lang="en-US"/>
           </a:p>
@@ -590,7 +577,7 @@
     </p:spTree>
     <p:extLst>
       <p:ext uri="{BB962C8B-B14F-4D97-AF65-F5344CB8AC3E}">
-        <p14:creationId xmlns:p14="http://schemas.microsoft.com/office/powerpoint/2010/main" val="1349493673"/>
+        <p14:creationId xmlns:p14="http://schemas.microsoft.com/office/powerpoint/2010/main" val="922633965"/>
       </p:ext>
     </p:extLst>
   </p:cSld>
@@ -662,17 +649,56 @@
               <a:defRPr/>
             </a:pPr>
             <a:r>
+              <a:rPr lang="fr-FR" dirty="0" err="1" smtClean="0"/>
+              <a:t>Circular</a:t>
+            </a:r>
+            <a:r>
               <a:rPr lang="fr-FR" dirty="0" smtClean="0"/>
-              <a:t>3D: are </a:t>
+              <a:t> </a:t>
             </a:r>
             <a:r>
               <a:rPr lang="fr-FR" dirty="0" err="1" smtClean="0"/>
-              <a:t>you</a:t>
+              <a:t>barplot</a:t>
             </a:r>
             <a:r>
               <a:rPr lang="fr-FR" dirty="0" smtClean="0"/>
-              <a:t> sure?</a:t>
-            </a:r>
+              <a:t>? </a:t>
+            </a:r>
+            <a:r>
+              <a:rPr lang="fr-FR" dirty="0" err="1" smtClean="0"/>
+              <a:t>Don’t</a:t>
+            </a:r>
+            <a:r>
+              <a:rPr lang="fr-FR" dirty="0" smtClean="0"/>
+              <a:t> </a:t>
+            </a:r>
+            <a:r>
+              <a:rPr lang="fr-FR" dirty="0" err="1" smtClean="0"/>
+              <a:t>deform</a:t>
+            </a:r>
+            <a:r>
+              <a:rPr lang="fr-FR" dirty="0" smtClean="0"/>
+              <a:t> to </a:t>
+            </a:r>
+            <a:r>
+              <a:rPr lang="fr-FR" dirty="0" err="1" smtClean="0"/>
+              <a:t>mush</a:t>
+            </a:r>
+            <a:r>
+              <a:rPr lang="fr-FR" baseline="0" dirty="0" smtClean="0"/>
+              <a:t> </a:t>
+            </a:r>
+            <a:r>
+              <a:rPr lang="fr-FR" baseline="0" dirty="0" err="1" smtClean="0"/>
+              <a:t>your</a:t>
+            </a:r>
+            <a:r>
+              <a:rPr lang="fr-FR" baseline="0" dirty="0" smtClean="0"/>
+              <a:t> bar</a:t>
+            </a:r>
+            <a:endParaRPr lang="fr-FR" dirty="0" smtClean="0"/>
+          </a:p>
+          <a:p>
             <a:endParaRPr lang="fr-FR" dirty="0"/>
           </a:p>
         </p:txBody>
@@ -694,7 +720,7 @@
           <a:p>
             <a:fld id="{7831F866-C993-A644-BA4C-5AD247E41B58}" type="slidenum">
               <a:rPr lang="en-US" smtClean="0"/>
-              <a:t>21</a:t>
+              <a:t>20</a:t>
             </a:fld>
             <a:endParaRPr lang="en-US"/>
           </a:p>
@@ -703,7 +729,7 @@
     </p:spTree>
     <p:extLst>
       <p:ext uri="{BB962C8B-B14F-4D97-AF65-F5344CB8AC3E}">
-        <p14:creationId xmlns:p14="http://schemas.microsoft.com/office/powerpoint/2010/main" val="1985226751"/>
+        <p14:creationId xmlns:p14="http://schemas.microsoft.com/office/powerpoint/2010/main" val="1775626616"/>
       </p:ext>
     </p:extLst>
   </p:cSld>
@@ -776,7 +802,15 @@
             </a:pPr>
             <a:r>
               <a:rPr lang="fr-FR" dirty="0" smtClean="0"/>
-              <a:t>Aspect ratio</a:t>
+              <a:t>3D: are </a:t>
+            </a:r>
+            <a:r>
+              <a:rPr lang="fr-FR" dirty="0" err="1" smtClean="0"/>
+              <a:t>you</a:t>
+            </a:r>
+            <a:r>
+              <a:rPr lang="fr-FR" dirty="0" smtClean="0"/>
+              <a:t> sure?</a:t>
             </a:r>
             <a:endParaRPr lang="fr-FR" dirty="0"/>
           </a:p>
@@ -799,7 +833,7 @@
           <a:p>
             <a:fld id="{7831F866-C993-A644-BA4C-5AD247E41B58}" type="slidenum">
               <a:rPr lang="en-US" smtClean="0"/>
-              <a:t>22</a:t>
+              <a:t>21</a:t>
             </a:fld>
             <a:endParaRPr lang="en-US"/>
           </a:p>
@@ -808,7 +842,7 @@
     </p:spTree>
     <p:extLst>
       <p:ext uri="{BB962C8B-B14F-4D97-AF65-F5344CB8AC3E}">
-        <p14:creationId xmlns:p14="http://schemas.microsoft.com/office/powerpoint/2010/main" val="433138943"/>
+        <p14:creationId xmlns:p14="http://schemas.microsoft.com/office/powerpoint/2010/main" val="1985226751"/>
       </p:ext>
     </p:extLst>
   </p:cSld>
@@ -862,29 +896,26 @@
           <a:bodyPr/>
           <a:lstStyle/>
           <a:p>
+            <a:pPr marL="0" marR="0" indent="0" algn="l" defTabSz="345560" rtl="0" eaLnBrk="1" fontAlgn="auto" latinLnBrk="0" hangingPunct="1">
+              <a:lnSpc>
+                <a:spcPct val="100000"/>
+              </a:lnSpc>
+              <a:spcBef>
+                <a:spcPts val="0"/>
+              </a:spcBef>
+              <a:spcAft>
+                <a:spcPts val="0"/>
+              </a:spcAft>
+              <a:buClrTx/>
+              <a:buSzTx/>
+              <a:buFontTx/>
+              <a:buNone/>
+              <a:tabLst/>
+              <a:defRPr/>
+            </a:pPr>
             <a:r>
               <a:rPr lang="fr-FR" dirty="0" smtClean="0"/>
-              <a:t>The </a:t>
-            </a:r>
-            <a:r>
-              <a:rPr lang="fr-FR" dirty="0" err="1" smtClean="0"/>
-              <a:t>problem</a:t>
-            </a:r>
-            <a:r>
-              <a:rPr lang="fr-FR" dirty="0" smtClean="0"/>
-              <a:t> </a:t>
-            </a:r>
-            <a:r>
-              <a:rPr lang="fr-FR" dirty="0" err="1" smtClean="0"/>
-              <a:t>with</a:t>
-            </a:r>
-            <a:r>
-              <a:rPr lang="fr-FR" dirty="0" smtClean="0"/>
-              <a:t> </a:t>
-            </a:r>
-            <a:r>
-              <a:rPr lang="fr-FR" dirty="0" err="1" smtClean="0"/>
-              <a:t>stacking</a:t>
+              <a:t>Aspect ratio</a:t>
             </a:r>
             <a:endParaRPr lang="fr-FR" dirty="0"/>
           </a:p>
@@ -907,7 +938,7 @@
           <a:p>
             <a:fld id="{7831F866-C993-A644-BA4C-5AD247E41B58}" type="slidenum">
               <a:rPr lang="en-US" smtClean="0"/>
-              <a:t>23</a:t>
+              <a:t>22</a:t>
             </a:fld>
             <a:endParaRPr lang="en-US"/>
           </a:p>
@@ -916,7 +947,7 @@
     </p:spTree>
     <p:extLst>
       <p:ext uri="{BB962C8B-B14F-4D97-AF65-F5344CB8AC3E}">
-        <p14:creationId xmlns:p14="http://schemas.microsoft.com/office/powerpoint/2010/main" val="226647971"/>
+        <p14:creationId xmlns:p14="http://schemas.microsoft.com/office/powerpoint/2010/main" val="433138943"/>
       </p:ext>
     </p:extLst>
   </p:cSld>
@@ -971,104 +1002,30 @@
           <a:lstStyle/>
           <a:p>
             <a:r>
-              <a:rPr lang="fr-FR" sz="454" kern="1200" dirty="0" err="1" smtClean="0">
-                <a:solidFill>
-                  <a:schemeClr val="tx1"/>
-                </a:solidFill>
-                <a:effectLst/>
-                <a:latin typeface="+mn-lt"/>
-                <a:ea typeface="+mn-ea"/>
-                <a:cs typeface="+mn-cs"/>
-              </a:rPr>
-              <a:t>Don’t</a:t>
-            </a:r>
-            <a:r>
-              <a:rPr lang="fr-FR" sz="454" kern="1200" dirty="0" smtClean="0">
-                <a:solidFill>
-                  <a:schemeClr val="tx1"/>
-                </a:solidFill>
-                <a:effectLst/>
-                <a:latin typeface="+mn-lt"/>
-                <a:ea typeface="+mn-ea"/>
-                <a:cs typeface="+mn-cs"/>
-              </a:rPr>
+              <a:rPr lang="fr-FR" dirty="0" smtClean="0"/>
+              <a:t>The </a:t>
+            </a:r>
+            <a:r>
+              <a:rPr lang="fr-FR" dirty="0" err="1" smtClean="0"/>
+              <a:t>problem</a:t>
+            </a:r>
+            <a:r>
+              <a:rPr lang="fr-FR" dirty="0" smtClean="0"/>
               <a:t> </a:t>
             </a:r>
             <a:r>
-              <a:rPr lang="fr-FR" sz="454" kern="1200" dirty="0" err="1" smtClean="0">
-                <a:solidFill>
-                  <a:schemeClr val="tx1"/>
-                </a:solidFill>
-                <a:effectLst/>
-                <a:latin typeface="+mn-lt"/>
-                <a:ea typeface="+mn-ea"/>
-                <a:cs typeface="+mn-cs"/>
-              </a:rPr>
-              <a:t>make</a:t>
-            </a:r>
-            <a:r>
-              <a:rPr lang="fr-FR" sz="454" kern="1200" dirty="0" smtClean="0">
-                <a:solidFill>
-                  <a:schemeClr val="tx1"/>
-                </a:solidFill>
-                <a:effectLst/>
-                <a:latin typeface="+mn-lt"/>
-                <a:ea typeface="+mn-ea"/>
-                <a:cs typeface="+mn-cs"/>
-              </a:rPr>
-              <a:t> the </a:t>
-            </a:r>
-            <a:r>
-              <a:rPr lang="fr-FR" sz="454" kern="1200" dirty="0" err="1" smtClean="0">
-                <a:solidFill>
-                  <a:schemeClr val="tx1"/>
-                </a:solidFill>
-                <a:effectLst/>
-                <a:latin typeface="+mn-lt"/>
-                <a:ea typeface="+mn-ea"/>
-                <a:cs typeface="+mn-cs"/>
-              </a:rPr>
-              <a:t>viewer</a:t>
-            </a:r>
-            <a:r>
-              <a:rPr lang="fr-FR" sz="454" kern="1200" dirty="0" smtClean="0">
-                <a:solidFill>
-                  <a:schemeClr val="tx1"/>
-                </a:solidFill>
-                <a:effectLst/>
-                <a:latin typeface="+mn-lt"/>
-                <a:ea typeface="+mn-ea"/>
-                <a:cs typeface="+mn-cs"/>
-              </a:rPr>
-              <a:t> do mental </a:t>
-            </a:r>
-            <a:r>
-              <a:rPr lang="fr-FR" sz="454" kern="1200" dirty="0" err="1" smtClean="0">
-                <a:solidFill>
-                  <a:schemeClr val="tx1"/>
-                </a:solidFill>
-                <a:effectLst/>
-                <a:latin typeface="+mn-lt"/>
-                <a:ea typeface="+mn-ea"/>
-                <a:cs typeface="+mn-cs"/>
-              </a:rPr>
-              <a:t>arithmetic</a:t>
-            </a:r>
-            <a:r>
-              <a:rPr lang="fr-FR" sz="454" kern="1200" dirty="0" smtClean="0">
-                <a:solidFill>
-                  <a:schemeClr val="tx1"/>
-                </a:solidFill>
-                <a:effectLst/>
-                <a:latin typeface="+mn-lt"/>
-                <a:ea typeface="+mn-ea"/>
-                <a:cs typeface="+mn-cs"/>
-              </a:rPr>
+              <a:rPr lang="fr-FR" dirty="0" err="1" smtClean="0"/>
+              <a:t>with</a:t>
+            </a:r>
+            <a:r>
+              <a:rPr lang="fr-FR" dirty="0" smtClean="0"/>
               <a:t> </a:t>
             </a:r>
-            <a:endParaRPr lang="fr-FR" dirty="0">
-              <a:effectLst/>
-            </a:endParaRPr>
+            <a:r>
+              <a:rPr lang="fr-FR" dirty="0" err="1" smtClean="0"/>
+              <a:t>stacking</a:t>
+            </a:r>
+            <a:endParaRPr lang="fr-FR" dirty="0"/>
           </a:p>
         </p:txBody>
       </p:sp>
@@ -1089,7 +1046,7 @@
           <a:p>
             <a:fld id="{7831F866-C993-A644-BA4C-5AD247E41B58}" type="slidenum">
               <a:rPr lang="en-US" smtClean="0"/>
-              <a:t>24</a:t>
+              <a:t>23</a:t>
             </a:fld>
             <a:endParaRPr lang="en-US"/>
           </a:p>
@@ -1098,7 +1055,7 @@
     </p:spTree>
     <p:extLst>
       <p:ext uri="{BB962C8B-B14F-4D97-AF65-F5344CB8AC3E}">
-        <p14:creationId xmlns:p14="http://schemas.microsoft.com/office/powerpoint/2010/main" val="1213310755"/>
+        <p14:creationId xmlns:p14="http://schemas.microsoft.com/office/powerpoint/2010/main" val="226647971"/>
       </p:ext>
     </p:extLst>
   </p:cSld>
@@ -1127,7 +1084,7 @@
       </p:grpSpPr>
       <p:sp>
         <p:nvSpPr>
-          <p:cNvPr id="2" name="Slide Image Placeholder 1"/>
+          <p:cNvPr id="2" name="Espace réservé de l’image des diapositives 1"/>
           <p:cNvSpPr>
             <a:spLocks noGrp="1" noRot="1" noChangeAspect="1"/>
           </p:cNvSpPr>
@@ -1139,7 +1096,7 @@
       </p:sp>
       <p:sp>
         <p:nvSpPr>
-          <p:cNvPr id="3" name="Notes Placeholder 2"/>
+          <p:cNvPr id="3" name="Espace réservé des commentaires 2"/>
           <p:cNvSpPr>
             <a:spLocks noGrp="1"/>
           </p:cNvSpPr>
@@ -1153,16 +1110,110 @@
           <a:lstStyle/>
           <a:p>
             <a:r>
-              <a:rPr lang="en-US" dirty="0" smtClean="0"/>
-              <a:t>It’s hard to read bubble sizes</a:t>
-            </a:r>
-            <a:endParaRPr lang="en-US" dirty="0"/>
-          </a:p>
-        </p:txBody>
-      </p:sp>
-      <p:sp>
-        <p:nvSpPr>
-          <p:cNvPr id="4" name="Slide Number Placeholder 3"/>
+              <a:rPr lang="fr-FR" sz="454" kern="1200" dirty="0" err="1" smtClean="0">
+                <a:solidFill>
+                  <a:schemeClr val="tx1"/>
+                </a:solidFill>
+                <a:effectLst/>
+                <a:latin typeface="+mn-lt"/>
+                <a:ea typeface="+mn-ea"/>
+                <a:cs typeface="+mn-cs"/>
+              </a:rPr>
+              <a:t>Don’t</a:t>
+            </a:r>
+            <a:r>
+              <a:rPr lang="fr-FR" sz="454" kern="1200" dirty="0" smtClean="0">
+                <a:solidFill>
+                  <a:schemeClr val="tx1"/>
+                </a:solidFill>
+                <a:effectLst/>
+                <a:latin typeface="+mn-lt"/>
+                <a:ea typeface="+mn-ea"/>
+                <a:cs typeface="+mn-cs"/>
+              </a:rPr>
+              <a:t> </a:t>
+            </a:r>
+            <a:r>
+              <a:rPr lang="fr-FR" sz="454" kern="1200" dirty="0" err="1" smtClean="0">
+                <a:solidFill>
+                  <a:schemeClr val="tx1"/>
+                </a:solidFill>
+                <a:effectLst/>
+                <a:latin typeface="+mn-lt"/>
+                <a:ea typeface="+mn-ea"/>
+                <a:cs typeface="+mn-cs"/>
+              </a:rPr>
+              <a:t>make</a:t>
+            </a:r>
+            <a:r>
+              <a:rPr lang="fr-FR" sz="454" kern="1200" dirty="0" smtClean="0">
+                <a:solidFill>
+                  <a:schemeClr val="tx1"/>
+                </a:solidFill>
+                <a:effectLst/>
+                <a:latin typeface="+mn-lt"/>
+                <a:ea typeface="+mn-ea"/>
+                <a:cs typeface="+mn-cs"/>
+              </a:rPr>
+              <a:t> the </a:t>
+            </a:r>
+            <a:r>
+              <a:rPr lang="fr-FR" sz="454" kern="1200" dirty="0" err="1" smtClean="0">
+                <a:solidFill>
+                  <a:schemeClr val="tx1"/>
+                </a:solidFill>
+                <a:effectLst/>
+                <a:latin typeface="+mn-lt"/>
+                <a:ea typeface="+mn-ea"/>
+                <a:cs typeface="+mn-cs"/>
+              </a:rPr>
+              <a:t>viewer</a:t>
+            </a:r>
+            <a:r>
+              <a:rPr lang="fr-FR" sz="454" kern="1200" dirty="0" smtClean="0">
+                <a:solidFill>
+                  <a:schemeClr val="tx1"/>
+                </a:solidFill>
+                <a:effectLst/>
+                <a:latin typeface="+mn-lt"/>
+                <a:ea typeface="+mn-ea"/>
+                <a:cs typeface="+mn-cs"/>
+              </a:rPr>
+              <a:t> do mental </a:t>
+            </a:r>
+            <a:r>
+              <a:rPr lang="fr-FR" sz="454" kern="1200" dirty="0" err="1" smtClean="0">
+                <a:solidFill>
+                  <a:schemeClr val="tx1"/>
+                </a:solidFill>
+                <a:effectLst/>
+                <a:latin typeface="+mn-lt"/>
+                <a:ea typeface="+mn-ea"/>
+                <a:cs typeface="+mn-cs"/>
+              </a:rPr>
+              <a:t>arithmetic</a:t>
+            </a:r>
+            <a:r>
+              <a:rPr lang="fr-FR" sz="454" kern="1200" dirty="0" smtClean="0">
+                <a:solidFill>
+                  <a:schemeClr val="tx1"/>
+                </a:solidFill>
+                <a:effectLst/>
+                <a:latin typeface="+mn-lt"/>
+                <a:ea typeface="+mn-ea"/>
+                <a:cs typeface="+mn-cs"/>
+              </a:rPr>
+              <a:t> </a:t>
+            </a:r>
+            <a:endParaRPr lang="fr-FR" dirty="0">
+              <a:effectLst/>
+            </a:endParaRPr>
+          </a:p>
+        </p:txBody>
+      </p:sp>
+      <p:sp>
+        <p:nvSpPr>
+          <p:cNvPr id="4" name="Espace réservé du numéro de diapositive 3"/>
           <p:cNvSpPr>
             <a:spLocks noGrp="1"/>
           </p:cNvSpPr>
@@ -1177,7 +1228,7 @@
           <a:p>
             <a:fld id="{7831F866-C993-A644-BA4C-5AD247E41B58}" type="slidenum">
               <a:rPr lang="en-US" smtClean="0"/>
-              <a:t>25</a:t>
+              <a:t>24</a:t>
             </a:fld>
             <a:endParaRPr lang="en-US"/>
           </a:p>
@@ -1186,7 +1237,7 @@
     </p:spTree>
     <p:extLst>
       <p:ext uri="{BB962C8B-B14F-4D97-AF65-F5344CB8AC3E}">
-        <p14:creationId xmlns:p14="http://schemas.microsoft.com/office/powerpoint/2010/main" val="1134014812"/>
+        <p14:creationId xmlns:p14="http://schemas.microsoft.com/office/powerpoint/2010/main" val="1213310755"/>
       </p:ext>
     </p:extLst>
   </p:cSld>
@@ -1215,7 +1266,7 @@
       </p:grpSpPr>
       <p:sp>
         <p:nvSpPr>
-          <p:cNvPr id="2" name="Espace réservé de l’image des diapositives 1"/>
+          <p:cNvPr id="2" name="Slide Image Placeholder 1"/>
           <p:cNvSpPr>
             <a:spLocks noGrp="1" noRot="1" noChangeAspect="1"/>
           </p:cNvSpPr>
@@ -1227,7 +1278,7 @@
       </p:sp>
       <p:sp>
         <p:nvSpPr>
-          <p:cNvPr id="3" name="Espace réservé des commentaires 2"/>
+          <p:cNvPr id="3" name="Notes Placeholder 2"/>
           <p:cNvSpPr>
             <a:spLocks noGrp="1"/>
           </p:cNvSpPr>
@@ -1240,69 +1291,17 @@
           <a:bodyPr/>
           <a:lstStyle/>
           <a:p>
-            <a:pPr marL="0" marR="0" indent="0" algn="l" defTabSz="345560" rtl="0" eaLnBrk="1" fontAlgn="auto" latinLnBrk="0" hangingPunct="1">
-              <a:lnSpc>
-                <a:spcPct val="100000"/>
-              </a:lnSpc>
-              <a:spcBef>
-                <a:spcPts val="0"/>
-              </a:spcBef>
-              <a:spcAft>
-                <a:spcPts val="0"/>
-              </a:spcAft>
-              <a:buClrTx/>
-              <a:buSzTx/>
-              <a:buFontTx/>
-              <a:buNone/>
-              <a:tabLst/>
-              <a:defRPr/>
-            </a:pPr>
-            <a:r>
-              <a:rPr lang="fr-FR" dirty="0" err="1" smtClean="0"/>
-              <a:t>Grouped</a:t>
-            </a:r>
-            <a:r>
-              <a:rPr lang="fr-FR" dirty="0" smtClean="0"/>
-              <a:t> </a:t>
-            </a:r>
-            <a:r>
-              <a:rPr lang="fr-FR" dirty="0" err="1" smtClean="0"/>
-              <a:t>barplot</a:t>
-            </a:r>
-            <a:r>
-              <a:rPr lang="fr-FR" dirty="0" smtClean="0"/>
-              <a:t> </a:t>
-            </a:r>
-            <a:r>
-              <a:rPr lang="fr-FR" dirty="0" err="1" smtClean="0"/>
-              <a:t>that</a:t>
-            </a:r>
-            <a:r>
-              <a:rPr lang="fr-FR" dirty="0" smtClean="0"/>
-              <a:t> </a:t>
-            </a:r>
-            <a:r>
-              <a:rPr lang="fr-FR" dirty="0" err="1" smtClean="0"/>
-              <a:t>is</a:t>
-            </a:r>
-            <a:r>
-              <a:rPr lang="fr-FR" dirty="0" smtClean="0"/>
-              <a:t> not </a:t>
-            </a:r>
-            <a:r>
-              <a:rPr lang="fr-FR" dirty="0" err="1" smtClean="0"/>
-              <a:t>grouped</a:t>
-            </a:r>
-            <a:endParaRPr lang="fr-FR" dirty="0" smtClean="0"/>
-          </a:p>
-          <a:p>
-            <a:endParaRPr lang="fr-FR" dirty="0"/>
-          </a:p>
-        </p:txBody>
-      </p:sp>
-      <p:sp>
-        <p:nvSpPr>
-          <p:cNvPr id="4" name="Espace réservé du numéro de diapositive 3"/>
+            <a:r>
+              <a:rPr lang="en-US" dirty="0" smtClean="0"/>
+              <a:t>It’s hard to read bubble sizes</a:t>
+            </a:r>
+            <a:endParaRPr lang="en-US" dirty="0"/>
+          </a:p>
+        </p:txBody>
+      </p:sp>
+      <p:sp>
+        <p:nvSpPr>
+          <p:cNvPr id="4" name="Slide Number Placeholder 3"/>
           <p:cNvSpPr>
             <a:spLocks noGrp="1"/>
           </p:cNvSpPr>
@@ -1317,7 +1316,7 @@
           <a:p>
             <a:fld id="{7831F866-C993-A644-BA4C-5AD247E41B58}" type="slidenum">
               <a:rPr lang="en-US" smtClean="0"/>
-              <a:t>26</a:t>
+              <a:t>25</a:t>
             </a:fld>
             <a:endParaRPr lang="en-US"/>
           </a:p>
@@ -1326,7 +1325,7 @@
     </p:spTree>
     <p:extLst>
       <p:ext uri="{BB962C8B-B14F-4D97-AF65-F5344CB8AC3E}">
-        <p14:creationId xmlns:p14="http://schemas.microsoft.com/office/powerpoint/2010/main" val="1668698479"/>
+        <p14:creationId xmlns:p14="http://schemas.microsoft.com/office/powerpoint/2010/main" val="1134014812"/>
       </p:ext>
     </p:extLst>
   </p:cSld>
@@ -1380,13 +1379,26 @@
           <a:bodyPr/>
           <a:lstStyle/>
           <a:p>
-            <a:r>
-              <a:rPr lang="fr-FR" dirty="0" smtClean="0"/>
-              <a:t>Just </a:t>
-            </a:r>
+            <a:pPr marL="0" marR="0" indent="0" algn="l" defTabSz="345560" rtl="0" eaLnBrk="1" fontAlgn="auto" latinLnBrk="0" hangingPunct="1">
+              <a:lnSpc>
+                <a:spcPct val="100000"/>
+              </a:lnSpc>
+              <a:spcBef>
+                <a:spcPts val="0"/>
+              </a:spcBef>
+              <a:spcAft>
+                <a:spcPts val="0"/>
+              </a:spcAft>
+              <a:buClrTx/>
+              <a:buSzTx/>
+              <a:buFontTx/>
+              <a:buNone/>
+              <a:tabLst/>
+              <a:defRPr/>
+            </a:pPr>
             <a:r>
               <a:rPr lang="fr-FR" dirty="0" err="1" smtClean="0"/>
-              <a:t>remove</a:t>
+              <a:t>Grouped</a:t>
             </a:r>
             <a:r>
               <a:rPr lang="fr-FR" dirty="0" smtClean="0"/>
@@ -1394,7 +1406,7 @@
             </a:r>
             <a:r>
               <a:rPr lang="fr-FR" dirty="0" err="1" smtClean="0"/>
-              <a:t>what</a:t>
+              <a:t>barplot</a:t>
             </a:r>
             <a:r>
               <a:rPr lang="fr-FR" dirty="0" smtClean="0"/>
@@ -1402,7 +1414,7 @@
             </a:r>
             <a:r>
               <a:rPr lang="fr-FR" dirty="0" err="1" smtClean="0"/>
-              <a:t>is</a:t>
+              <a:t>that</a:t>
             </a:r>
             <a:r>
               <a:rPr lang="fr-FR" dirty="0" smtClean="0"/>
@@ -1410,50 +1422,19 @@
             </a:r>
             <a:r>
               <a:rPr lang="fr-FR" dirty="0" err="1" smtClean="0"/>
-              <a:t>useless</a:t>
+              <a:t>is</a:t>
             </a:r>
             <a:r>
               <a:rPr lang="fr-FR" dirty="0" smtClean="0"/>
-              <a:t>: </a:t>
+              <a:t> not </a:t>
             </a:r>
             <a:r>
               <a:rPr lang="fr-FR" dirty="0" err="1" smtClean="0"/>
-              <a:t>decluttered</a:t>
+              <a:t>grouped</a:t>
             </a:r>
             <a:endParaRPr lang="fr-FR" dirty="0" smtClean="0"/>
           </a:p>
           <a:p>
-            <a:endParaRPr lang="fr-FR" dirty="0" smtClean="0"/>
-          </a:p>
-          <a:p>
-            <a:r>
-              <a:rPr lang="fr-FR" dirty="0" smtClean="0"/>
-              <a:t>http://</a:t>
-            </a:r>
-            <a:r>
-              <a:rPr lang="fr-FR" dirty="0" err="1" smtClean="0"/>
-              <a:t>www.storytellingwithdata.com</a:t>
-            </a:r>
-            <a:r>
-              <a:rPr lang="fr-FR" dirty="0" smtClean="0"/>
-              <a:t>/blog/2017/3/29/</a:t>
-            </a:r>
-            <a:r>
-              <a:rPr lang="fr-FR" dirty="0" err="1" smtClean="0"/>
-              <a:t>declutter</a:t>
-            </a:r>
-            <a:r>
-              <a:rPr lang="fr-FR" dirty="0" smtClean="0"/>
-              <a:t>-</a:t>
-            </a:r>
-            <a:r>
-              <a:rPr lang="fr-FR" dirty="0" err="1" smtClean="0"/>
-              <a:t>this</a:t>
-            </a:r>
-            <a:r>
-              <a:rPr lang="fr-FR" dirty="0" smtClean="0"/>
-              <a:t>-graph</a:t>
-            </a:r>
             <a:endParaRPr lang="fr-FR" dirty="0"/>
           </a:p>
         </p:txBody>
@@ -1475,7 +1456,7 @@
           <a:p>
             <a:fld id="{7831F866-C993-A644-BA4C-5AD247E41B58}" type="slidenum">
               <a:rPr lang="en-US" smtClean="0"/>
-              <a:t>27</a:t>
+              <a:t>26</a:t>
             </a:fld>
             <a:endParaRPr lang="en-US"/>
           </a:p>
@@ -1484,7 +1465,7 @@
     </p:spTree>
     <p:extLst>
       <p:ext uri="{BB962C8B-B14F-4D97-AF65-F5344CB8AC3E}">
-        <p14:creationId xmlns:p14="http://schemas.microsoft.com/office/powerpoint/2010/main" val="1463572359"/>
+        <p14:creationId xmlns:p14="http://schemas.microsoft.com/office/powerpoint/2010/main" val="1668698479"/>
       </p:ext>
     </p:extLst>
   </p:cSld>
@@ -1538,26 +1519,13 @@
           <a:bodyPr/>
           <a:lstStyle/>
           <a:p>
-            <a:pPr marL="0" marR="0" indent="0" algn="l" defTabSz="345560" rtl="0" eaLnBrk="1" fontAlgn="auto" latinLnBrk="0" hangingPunct="1">
-              <a:lnSpc>
-                <a:spcPct val="100000"/>
-              </a:lnSpc>
-              <a:spcBef>
-                <a:spcPts val="0"/>
-              </a:spcBef>
-              <a:spcAft>
-                <a:spcPts val="0"/>
-              </a:spcAft>
-              <a:buClrTx/>
-              <a:buSzTx/>
-              <a:buFontTx/>
-              <a:buNone/>
-              <a:tabLst/>
-              <a:defRPr/>
-            </a:pPr>
+            <a:r>
+              <a:rPr lang="fr-FR" dirty="0" smtClean="0"/>
+              <a:t>Just </a:t>
+            </a:r>
             <a:r>
               <a:rPr lang="fr-FR" dirty="0" err="1" smtClean="0"/>
-              <a:t>Probleme</a:t>
+              <a:t>remove</a:t>
             </a:r>
             <a:r>
               <a:rPr lang="fr-FR" dirty="0" smtClean="0"/>
@@ -1565,7 +1533,7 @@
             </a:r>
             <a:r>
               <a:rPr lang="fr-FR" dirty="0" err="1" smtClean="0"/>
-              <a:t>with</a:t>
+              <a:t>what</a:t>
             </a:r>
             <a:r>
               <a:rPr lang="fr-FR" dirty="0" smtClean="0"/>
@@ -1573,7 +1541,7 @@
             </a:r>
             <a:r>
               <a:rPr lang="fr-FR" dirty="0" err="1" smtClean="0"/>
-              <a:t>side</a:t>
+              <a:t>is</a:t>
             </a:r>
             <a:r>
               <a:rPr lang="fr-FR" dirty="0" smtClean="0"/>
@@ -1581,89 +1549,50 @@
             </a:r>
             <a:r>
               <a:rPr lang="fr-FR" dirty="0" err="1" smtClean="0"/>
-              <a:t>legend</a:t>
+              <a:t>useless</a:t>
+            </a:r>
+            <a:r>
+              <a:rPr lang="fr-FR" dirty="0" smtClean="0"/>
+              <a:t>: </a:t>
+            </a:r>
+            <a:r>
+              <a:rPr lang="fr-FR" dirty="0" err="1" smtClean="0"/>
+              <a:t>decluttered</a:t>
             </a:r>
             <a:endParaRPr lang="fr-FR" dirty="0" smtClean="0"/>
           </a:p>
           <a:p>
-            <a:pPr marL="0" marR="0" indent="0" algn="l" defTabSz="345560" rtl="0" eaLnBrk="1" fontAlgn="auto" latinLnBrk="0" hangingPunct="1">
-              <a:lnSpc>
-                <a:spcPct val="100000"/>
-              </a:lnSpc>
-              <a:spcBef>
-                <a:spcPts val="0"/>
-              </a:spcBef>
-              <a:spcAft>
-                <a:spcPts val="0"/>
-              </a:spcAft>
-              <a:buClrTx/>
-              <a:buSzTx/>
-              <a:buFontTx/>
-              <a:buNone/>
-              <a:tabLst/>
-              <a:defRPr/>
-            </a:pPr>
+            <a:endParaRPr lang="fr-FR" dirty="0" smtClean="0"/>
+          </a:p>
+          <a:p>
+            <a:r>
+              <a:rPr lang="fr-FR" dirty="0" smtClean="0"/>
+              <a:t>http://</a:t>
+            </a:r>
             <a:r>
               <a:rPr lang="fr-FR" dirty="0" err="1" smtClean="0"/>
-              <a:t>Color</a:t>
+              <a:t>www.storytellingwithdata.com</a:t>
             </a:r>
             <a:r>
               <a:rPr lang="fr-FR" dirty="0" smtClean="0"/>
-              <a:t> </a:t>
+              <a:t>/blog/2017/3/29/</a:t>
             </a:r>
             <a:r>
               <a:rPr lang="fr-FR" dirty="0" err="1" smtClean="0"/>
-              <a:t>used</a:t>
+              <a:t>declutter</a:t>
             </a:r>
             <a:r>
               <a:rPr lang="fr-FR" dirty="0" smtClean="0"/>
-              <a:t> </a:t>
+              <a:t>-</a:t>
             </a:r>
             <a:r>
               <a:rPr lang="fr-FR" dirty="0" err="1" smtClean="0"/>
-              <a:t>twice</a:t>
+              <a:t>this</a:t>
             </a:r>
             <a:r>
               <a:rPr lang="fr-FR" dirty="0" smtClean="0"/>
-              <a:t> in the </a:t>
-            </a:r>
-            <a:r>
-              <a:rPr lang="fr-FR" dirty="0" err="1" smtClean="0"/>
-              <a:t>legend</a:t>
-            </a:r>
-            <a:r>
-              <a:rPr lang="fr-FR" dirty="0" smtClean="0"/>
-              <a:t>.</a:t>
-            </a:r>
-          </a:p>
-          <a:p>
-            <a:pPr marL="0" marR="0" indent="0" algn="l" defTabSz="345560" rtl="0" eaLnBrk="1" fontAlgn="auto" latinLnBrk="0" hangingPunct="1">
-              <a:lnSpc>
-                <a:spcPct val="100000"/>
-              </a:lnSpc>
-              <a:spcBef>
-                <a:spcPts val="0"/>
-              </a:spcBef>
-              <a:spcAft>
-                <a:spcPts val="0"/>
-              </a:spcAft>
-              <a:buClrTx/>
-              <a:buSzTx/>
-              <a:buFontTx/>
-              <a:buNone/>
-              <a:tabLst/>
-              <a:defRPr/>
-            </a:pPr>
-            <a:r>
-              <a:rPr lang="fr-FR" dirty="0" smtClean="0"/>
-              <a:t>La légende sur le coté c’est chiant</a:t>
-            </a:r>
-            <a:r>
-              <a:rPr lang="fr-FR" baseline="0" dirty="0" smtClean="0"/>
-              <a:t> de faire des aller retours</a:t>
-            </a:r>
-          </a:p>
-          <a:p>
+              <a:t>-graph</a:t>
+            </a:r>
             <a:endParaRPr lang="fr-FR" dirty="0"/>
           </a:p>
         </p:txBody>
@@ -1685,7 +1614,7 @@
           <a:p>
             <a:fld id="{7831F866-C993-A644-BA4C-5AD247E41B58}" type="slidenum">
               <a:rPr lang="en-US" smtClean="0"/>
-              <a:t>28</a:t>
+              <a:t>27</a:t>
             </a:fld>
             <a:endParaRPr lang="en-US"/>
           </a:p>
@@ -1694,7 +1623,7 @@
     </p:spTree>
     <p:extLst>
       <p:ext uri="{BB962C8B-B14F-4D97-AF65-F5344CB8AC3E}">
-        <p14:creationId xmlns:p14="http://schemas.microsoft.com/office/powerpoint/2010/main" val="1350383470"/>
+        <p14:creationId xmlns:p14="http://schemas.microsoft.com/office/powerpoint/2010/main" val="1463572359"/>
       </p:ext>
     </p:extLst>
   </p:cSld>
@@ -1748,6 +1677,71 @@
           <a:bodyPr/>
           <a:lstStyle/>
           <a:p>
+            <a:pPr marL="0" marR="0" indent="0" algn="l" defTabSz="345560" rtl="0" eaLnBrk="1" fontAlgn="auto" latinLnBrk="0" hangingPunct="1">
+              <a:lnSpc>
+                <a:spcPct val="100000"/>
+              </a:lnSpc>
+              <a:spcBef>
+                <a:spcPts val="0"/>
+              </a:spcBef>
+              <a:spcAft>
+                <a:spcPts val="0"/>
+              </a:spcAft>
+              <a:buClrTx/>
+              <a:buSzTx/>
+              <a:buFontTx/>
+              <a:buNone/>
+              <a:tabLst/>
+              <a:defRPr/>
+            </a:pPr>
+            <a:r>
+              <a:rPr lang="fr-FR" dirty="0" err="1" smtClean="0"/>
+              <a:t>Probleme</a:t>
+            </a:r>
+            <a:r>
+              <a:rPr lang="fr-FR" dirty="0" smtClean="0"/>
+              <a:t> </a:t>
+            </a:r>
+            <a:r>
+              <a:rPr lang="fr-FR" dirty="0" err="1" smtClean="0"/>
+              <a:t>with</a:t>
+            </a:r>
+            <a:r>
+              <a:rPr lang="fr-FR" dirty="0" smtClean="0"/>
+              <a:t> </a:t>
+            </a:r>
+            <a:r>
+              <a:rPr lang="fr-FR" dirty="0" err="1" smtClean="0"/>
+              <a:t>side</a:t>
+            </a:r>
+            <a:r>
+              <a:rPr lang="fr-FR" dirty="0" smtClean="0"/>
+              <a:t> </a:t>
+            </a:r>
+            <a:r>
+              <a:rPr lang="fr-FR" dirty="0" err="1" smtClean="0"/>
+              <a:t>legend</a:t>
+            </a:r>
+            <a:endParaRPr lang="fr-FR" dirty="0" smtClean="0"/>
+          </a:p>
+          <a:p>
+            <a:pPr marL="0" marR="0" indent="0" algn="l" defTabSz="345560" rtl="0" eaLnBrk="1" fontAlgn="auto" latinLnBrk="0" hangingPunct="1">
+              <a:lnSpc>
+                <a:spcPct val="100000"/>
+              </a:lnSpc>
+              <a:spcBef>
+                <a:spcPts val="0"/>
+              </a:spcBef>
+              <a:spcAft>
+                <a:spcPts val="0"/>
+              </a:spcAft>
+              <a:buClrTx/>
+              <a:buSzTx/>
+              <a:buFontTx/>
+              <a:buNone/>
+              <a:tabLst/>
+              <a:defRPr/>
+            </a:pPr>
             <a:r>
               <a:rPr lang="fr-FR" dirty="0" err="1" smtClean="0"/>
               <a:t>Color</a:t>
@@ -1758,7 +1752,7 @@
             </a:r>
             <a:r>
               <a:rPr lang="fr-FR" dirty="0" err="1" smtClean="0"/>
-              <a:t>inconsistency</a:t>
+              <a:t>used</a:t>
             </a:r>
             <a:r>
               <a:rPr lang="fr-FR" dirty="0" smtClean="0"/>
@@ -1766,16 +1760,49 @@
             </a:r>
             <a:r>
               <a:rPr lang="fr-FR" dirty="0" err="1" smtClean="0"/>
-              <a:t>among</a:t>
+              <a:t>twice</a:t>
             </a:r>
             <a:r>
               <a:rPr lang="fr-FR" dirty="0" smtClean="0"/>
-              <a:t> </a:t>
+              <a:t> in the </a:t>
             </a:r>
             <a:r>
               <a:rPr lang="fr-FR" dirty="0" err="1" smtClean="0"/>
-              <a:t>graphic</a:t>
-            </a:r>
+              <a:t>legend</a:t>
+            </a:r>
+            <a:r>
+              <a:rPr lang="fr-FR" dirty="0" smtClean="0"/>
+              <a:t>.</a:t>
+            </a:r>
+          </a:p>
+          <a:p>
+            <a:pPr marL="0" marR="0" indent="0" algn="l" defTabSz="345560" rtl="0" eaLnBrk="1" fontAlgn="auto" latinLnBrk="0" hangingPunct="1">
+              <a:lnSpc>
+                <a:spcPct val="100000"/>
+              </a:lnSpc>
+              <a:spcBef>
+                <a:spcPts val="0"/>
+              </a:spcBef>
+              <a:spcAft>
+                <a:spcPts val="0"/>
+              </a:spcAft>
+              <a:buClrTx/>
+              <a:buSzTx/>
+              <a:buFontTx/>
+              <a:buNone/>
+              <a:tabLst/>
+              <a:defRPr/>
+            </a:pPr>
+            <a:r>
+              <a:rPr lang="fr-FR" dirty="0" smtClean="0"/>
+              <a:t>La légende sur le coté c’est chiant</a:t>
+            </a:r>
+            <a:r>
+              <a:rPr lang="fr-FR" baseline="0" dirty="0" smtClean="0"/>
+              <a:t> de faire des aller retours</a:t>
+            </a:r>
+          </a:p>
+          <a:p>
             <a:endParaRPr lang="fr-FR" dirty="0"/>
           </a:p>
         </p:txBody>
@@ -1797,7 +1824,7 @@
           <a:p>
             <a:fld id="{7831F866-C993-A644-BA4C-5AD247E41B58}" type="slidenum">
               <a:rPr lang="en-US" smtClean="0"/>
-              <a:t>29</a:t>
+              <a:t>28</a:t>
             </a:fld>
             <a:endParaRPr lang="en-US"/>
           </a:p>
@@ -1806,7 +1833,7 @@
     </p:spTree>
     <p:extLst>
       <p:ext uri="{BB962C8B-B14F-4D97-AF65-F5344CB8AC3E}">
-        <p14:creationId xmlns:p14="http://schemas.microsoft.com/office/powerpoint/2010/main" val="188531846"/>
+        <p14:creationId xmlns:p14="http://schemas.microsoft.com/office/powerpoint/2010/main" val="1350383470"/>
       </p:ext>
     </p:extLst>
   </p:cSld>
@@ -1835,7 +1862,7 @@
       </p:grpSpPr>
       <p:sp>
         <p:nvSpPr>
-          <p:cNvPr id="2" name="Slide Image Placeholder 1"/>
+          <p:cNvPr id="2" name="Espace réservé de l’image des diapositives 1"/>
           <p:cNvSpPr>
             <a:spLocks noGrp="1" noRot="1" noChangeAspect="1"/>
           </p:cNvSpPr>
@@ -1847,7 +1874,7 @@
       </p:sp>
       <p:sp>
         <p:nvSpPr>
-          <p:cNvPr id="3" name="Notes Placeholder 2"/>
+          <p:cNvPr id="3" name="Espace réservé des commentaires 2"/>
           <p:cNvSpPr>
             <a:spLocks noGrp="1"/>
           </p:cNvSpPr>
@@ -1861,52 +1888,40 @@
           <a:lstStyle/>
           <a:p>
             <a:r>
-              <a:rPr lang="en-US" dirty="0" smtClean="0"/>
-              <a:t>Radar chart</a:t>
-            </a:r>
-          </a:p>
-          <a:p>
-            <a:endParaRPr lang="en-US" dirty="0" smtClean="0"/>
-          </a:p>
-          <a:p>
-            <a:r>
-              <a:rPr lang="en-US" dirty="0" smtClean="0"/>
-              <a:t>https://</a:t>
-            </a:r>
-            <a:r>
-              <a:rPr lang="en-US" dirty="0" err="1" smtClean="0"/>
-              <a:t>blog.scottlogic.com</a:t>
-            </a:r>
-            <a:r>
-              <a:rPr lang="en-US" dirty="0" smtClean="0"/>
-              <a:t>/2011/09/23/a-critique-of-radar-</a:t>
-            </a:r>
-            <a:r>
-              <a:rPr lang="en-US" dirty="0" err="1" smtClean="0"/>
-              <a:t>charts.html</a:t>
-            </a:r>
-            <a:endParaRPr lang="en-US" dirty="0" smtClean="0"/>
-          </a:p>
-          <a:p>
-            <a:r>
-              <a:rPr lang="en-US" dirty="0" smtClean="0"/>
-              <a:t>http://</a:t>
-            </a:r>
-            <a:r>
-              <a:rPr lang="en-US" dirty="0" err="1" smtClean="0"/>
-              <a:t>blog.minitab.com</a:t>
-            </a:r>
-            <a:r>
-              <a:rPr lang="en-US" dirty="0" smtClean="0"/>
-              <a:t>/blog/fun-with-statistics/beware-the-radar-chart</a:t>
-            </a:r>
-            <a:endParaRPr lang="en-US" dirty="0"/>
-          </a:p>
-        </p:txBody>
-      </p:sp>
-      <p:sp>
-        <p:nvSpPr>
-          <p:cNvPr id="4" name="Slide Number Placeholder 3"/>
+              <a:rPr lang="fr-FR" dirty="0" err="1" smtClean="0"/>
+              <a:t>Color</a:t>
+            </a:r>
+            <a:r>
+              <a:rPr lang="fr-FR" dirty="0" smtClean="0"/>
+              <a:t> </a:t>
+            </a:r>
+            <a:r>
+              <a:rPr lang="fr-FR" dirty="0" err="1" smtClean="0"/>
+              <a:t>inconsistency</a:t>
+            </a:r>
+            <a:r>
+              <a:rPr lang="fr-FR" dirty="0" smtClean="0"/>
+              <a:t> </a:t>
+            </a:r>
+            <a:r>
+              <a:rPr lang="fr-FR" dirty="0" err="1" smtClean="0"/>
+              <a:t>among</a:t>
+            </a:r>
+            <a:r>
+              <a:rPr lang="fr-FR" dirty="0" smtClean="0"/>
+              <a:t> </a:t>
+            </a:r>
+            <a:r>
+              <a:rPr lang="fr-FR" dirty="0" err="1" smtClean="0"/>
+              <a:t>graphic</a:t>
+            </a:r>
+            <a:endParaRPr lang="fr-FR" dirty="0"/>
+          </a:p>
+        </p:txBody>
+      </p:sp>
+      <p:sp>
+        <p:nvSpPr>
+          <p:cNvPr id="4" name="Espace réservé du numéro de diapositive 3"/>
           <p:cNvSpPr>
             <a:spLocks noGrp="1"/>
           </p:cNvSpPr>
@@ -1921,7 +1936,7 @@
           <a:p>
             <a:fld id="{7831F866-C993-A644-BA4C-5AD247E41B58}" type="slidenum">
               <a:rPr lang="en-US" smtClean="0"/>
-              <a:t>30</a:t>
+              <a:t>29</a:t>
             </a:fld>
             <a:endParaRPr lang="en-US"/>
           </a:p>
@@ -1930,7 +1945,7 @@
     </p:spTree>
     <p:extLst>
       <p:ext uri="{BB962C8B-B14F-4D97-AF65-F5344CB8AC3E}">
-        <p14:creationId xmlns:p14="http://schemas.microsoft.com/office/powerpoint/2010/main" val="1929463078"/>
+        <p14:creationId xmlns:p14="http://schemas.microsoft.com/office/powerpoint/2010/main" val="188531846"/>
       </p:ext>
     </p:extLst>
   </p:cSld>
@@ -1959,7 +1974,7 @@
       </p:grpSpPr>
       <p:sp>
         <p:nvSpPr>
-          <p:cNvPr id="2" name="Espace réservé de l’image des diapositives 1"/>
+          <p:cNvPr id="2" name="Slide Image Placeholder 1"/>
           <p:cNvSpPr>
             <a:spLocks noGrp="1" noRot="1" noChangeAspect="1"/>
           </p:cNvSpPr>
@@ -1971,7 +1986,7 @@
       </p:sp>
       <p:sp>
         <p:nvSpPr>
-          <p:cNvPr id="3" name="Espace réservé des commentaires 2"/>
+          <p:cNvPr id="3" name="Notes Placeholder 2"/>
           <p:cNvSpPr>
             <a:spLocks noGrp="1"/>
           </p:cNvSpPr>
@@ -1985,56 +2000,34 @@
           <a:lstStyle/>
           <a:p>
             <a:r>
-              <a:rPr lang="fr-FR" dirty="0" err="1" smtClean="0"/>
-              <a:t>See</a:t>
-            </a:r>
-            <a:r>
-              <a:rPr lang="fr-FR" dirty="0" smtClean="0"/>
-              <a:t> http://</a:t>
-            </a:r>
-            <a:r>
-              <a:rPr lang="fr-FR" dirty="0" err="1" smtClean="0"/>
-              <a:t>viz.wtf</a:t>
-            </a:r>
-            <a:r>
-              <a:rPr lang="fr-FR" dirty="0" smtClean="0"/>
-              <a:t>/post/170949426657/new-marketing-email-</a:t>
-            </a:r>
-            <a:r>
-              <a:rPr lang="fr-FR" dirty="0" err="1" smtClean="0"/>
-              <a:t>from</a:t>
-            </a:r>
-            <a:r>
-              <a:rPr lang="fr-FR" dirty="0" smtClean="0"/>
-              <a:t>-</a:t>
-            </a:r>
-            <a:r>
-              <a:rPr lang="fr-FR" dirty="0" err="1" smtClean="0"/>
-              <a:t>google</a:t>
-            </a:r>
-            <a:r>
-              <a:rPr lang="fr-FR" dirty="0" smtClean="0"/>
-              <a:t>-email-design</a:t>
-            </a:r>
-            <a:r>
-              <a:rPr lang="fr-FR" baseline="0" dirty="0" smtClean="0"/>
-              <a:t> pour un </a:t>
-            </a:r>
-            <a:r>
-              <a:rPr lang="fr-FR" baseline="0" dirty="0" err="1" smtClean="0"/>
-              <a:t>doghnut</a:t>
-            </a:r>
-            <a:r>
-              <a:rPr lang="fr-FR" baseline="0" dirty="0" smtClean="0"/>
-              <a:t> trompeur</a:t>
-            </a:r>
-            <a:endParaRPr lang="fr-FR" dirty="0" smtClean="0"/>
-          </a:p>
-        </p:txBody>
-      </p:sp>
-      <p:sp>
-        <p:nvSpPr>
-          <p:cNvPr id="4" name="Espace réservé du numéro de diapositive 3"/>
+              <a:rPr lang="en-US" dirty="0" smtClean="0"/>
+              <a:t>https://</a:t>
+            </a:r>
+            <a:r>
+              <a:rPr lang="en-US" dirty="0" err="1" smtClean="0"/>
+              <a:t>www.autodeskresearch.com</a:t>
+            </a:r>
+            <a:r>
+              <a:rPr lang="en-US" dirty="0" smtClean="0"/>
+              <a:t>/publications/</a:t>
+            </a:r>
+            <a:r>
+              <a:rPr lang="en-US" dirty="0" err="1" smtClean="0"/>
+              <a:t>samestats</a:t>
+            </a:r>
+            <a:endParaRPr lang="en-US" dirty="0" smtClean="0"/>
+          </a:p>
+          <a:p>
+            <a:endParaRPr lang="en-US" smtClean="0"/>
+          </a:p>
+          <a:p>
+            <a:endParaRPr lang="en-US"/>
+          </a:p>
+        </p:txBody>
+      </p:sp>
+      <p:sp>
+        <p:nvSpPr>
+          <p:cNvPr id="4" name="Slide Number Placeholder 3"/>
           <p:cNvSpPr>
             <a:spLocks noGrp="1"/>
           </p:cNvSpPr>
@@ -2049,7 +2042,7 @@
           <a:p>
             <a:fld id="{7831F866-C993-A644-BA4C-5AD247E41B58}" type="slidenum">
               <a:rPr lang="en-US" smtClean="0"/>
-              <a:t>12</a:t>
+              <a:t>11</a:t>
             </a:fld>
             <a:endParaRPr lang="en-US"/>
           </a:p>
@@ -2058,7 +2051,131 @@
     </p:spTree>
     <p:extLst>
       <p:ext uri="{BB962C8B-B14F-4D97-AF65-F5344CB8AC3E}">
-        <p14:creationId xmlns:p14="http://schemas.microsoft.com/office/powerpoint/2010/main" val="290159426"/>
+        <p14:creationId xmlns:p14="http://schemas.microsoft.com/office/powerpoint/2010/main" val="1349493673"/>
+      </p:ext>
+    </p:extLst>
+  </p:cSld>
+  <p:clrMapOvr>
+    <a:masterClrMapping/>
+  </p:clrMapOvr>
+</p:notes>
+</file>
+
+<file path=ppt/notesSlides/notesSlide20.xml><?xml version="1.0" encoding="utf-8"?>
+<p:notes xmlns:a="http://schemas.openxmlformats.org/drawingml/2006/main" xmlns:r="http://schemas.openxmlformats.org/officeDocument/2006/relationships" xmlns:p="http://schemas.openxmlformats.org/presentationml/2006/main">
+  <p:cSld>
+    <p:spTree>
+      <p:nvGrpSpPr>
+        <p:cNvPr id="1" name=""/>
+        <p:cNvGrpSpPr/>
+        <p:nvPr/>
+      </p:nvGrpSpPr>
+      <p:grpSpPr>
+        <a:xfrm>
+          <a:off x="0" y="0"/>
+          <a:ext cx="0" cy="0"/>
+          <a:chOff x="0" y="0"/>
+          <a:chExt cx="0" cy="0"/>
+        </a:xfrm>
+      </p:grpSpPr>
+      <p:sp>
+        <p:nvSpPr>
+          <p:cNvPr id="2" name="Slide Image Placeholder 1"/>
+          <p:cNvSpPr>
+            <a:spLocks noGrp="1" noRot="1" noChangeAspect="1"/>
+          </p:cNvSpPr>
+          <p:nvPr>
+            <p:ph type="sldImg"/>
+          </p:nvPr>
+        </p:nvSpPr>
+        <p:spPr/>
+      </p:sp>
+      <p:sp>
+        <p:nvSpPr>
+          <p:cNvPr id="3" name="Notes Placeholder 2"/>
+          <p:cNvSpPr>
+            <a:spLocks noGrp="1"/>
+          </p:cNvSpPr>
+          <p:nvPr>
+            <p:ph type="body" idx="1"/>
+          </p:nvPr>
+        </p:nvSpPr>
+        <p:spPr/>
+        <p:txBody>
+          <a:bodyPr/>
+          <a:lstStyle/>
+          <a:p>
+            <a:r>
+              <a:rPr lang="en-US" dirty="0" smtClean="0"/>
+              <a:t>Radar chart</a:t>
+            </a:r>
+          </a:p>
+          <a:p>
+            <a:endParaRPr lang="en-US" dirty="0" smtClean="0"/>
+          </a:p>
+          <a:p>
+            <a:r>
+              <a:rPr lang="en-US" dirty="0" smtClean="0"/>
+              <a:t>https://</a:t>
+            </a:r>
+            <a:r>
+              <a:rPr lang="en-US" dirty="0" err="1" smtClean="0"/>
+              <a:t>blog.scottlogic.com</a:t>
+            </a:r>
+            <a:r>
+              <a:rPr lang="en-US" dirty="0" smtClean="0"/>
+              <a:t>/2011/09/23/a-critique-of-radar-</a:t>
+            </a:r>
+            <a:r>
+              <a:rPr lang="en-US" dirty="0" err="1" smtClean="0"/>
+              <a:t>charts.html</a:t>
+            </a:r>
+            <a:endParaRPr lang="en-US" dirty="0" smtClean="0"/>
+          </a:p>
+          <a:p>
+            <a:r>
+              <a:rPr lang="en-US" dirty="0" smtClean="0"/>
+              <a:t>http://</a:t>
+            </a:r>
+            <a:r>
+              <a:rPr lang="en-US" dirty="0" err="1" smtClean="0"/>
+              <a:t>blog.minitab.com</a:t>
+            </a:r>
+            <a:r>
+              <a:rPr lang="en-US" dirty="0" smtClean="0"/>
+              <a:t>/blog/fun-with-statistics/beware-the-radar-chart</a:t>
+            </a:r>
+            <a:endParaRPr lang="en-US" dirty="0"/>
+          </a:p>
+        </p:txBody>
+      </p:sp>
+      <p:sp>
+        <p:nvSpPr>
+          <p:cNvPr id="4" name="Slide Number Placeholder 3"/>
+          <p:cNvSpPr>
+            <a:spLocks noGrp="1"/>
+          </p:cNvSpPr>
+          <p:nvPr>
+            <p:ph type="sldNum" sz="quarter" idx="10"/>
+          </p:nvPr>
+        </p:nvSpPr>
+        <p:spPr/>
+        <p:txBody>
+          <a:bodyPr/>
+          <a:lstStyle/>
+          <a:p>
+            <a:fld id="{7831F866-C993-A644-BA4C-5AD247E41B58}" type="slidenum">
+              <a:rPr lang="en-US" smtClean="0"/>
+              <a:t>30</a:t>
+            </a:fld>
+            <a:endParaRPr lang="en-US"/>
+          </a:p>
+        </p:txBody>
+      </p:sp>
+    </p:spTree>
+    <p:extLst>
+      <p:ext uri="{BB962C8B-B14F-4D97-AF65-F5344CB8AC3E}">
+        <p14:creationId xmlns:p14="http://schemas.microsoft.com/office/powerpoint/2010/main" val="1929463078"/>
       </p:ext>
     </p:extLst>
   </p:cSld>
@@ -2114,188 +2231,11 @@
           <a:p>
             <a:r>
               <a:rPr lang="fr-FR" dirty="0" err="1" smtClean="0"/>
-              <a:t>Number</a:t>
-            </a:r>
-            <a:r>
-              <a:rPr lang="fr-FR" baseline="0" dirty="0" smtClean="0"/>
-              <a:t> must </a:t>
-            </a:r>
-            <a:r>
-              <a:rPr lang="fr-FR" baseline="0" dirty="0" err="1" smtClean="0"/>
-              <a:t>be</a:t>
-            </a:r>
-            <a:r>
-              <a:rPr lang="fr-FR" baseline="0" dirty="0" smtClean="0"/>
-              <a:t> </a:t>
-            </a:r>
-            <a:r>
-              <a:rPr lang="fr-FR" baseline="0" dirty="0" err="1" smtClean="0"/>
-              <a:t>true</a:t>
-            </a:r>
-            <a:r>
-              <a:rPr lang="fr-FR" baseline="0" dirty="0" smtClean="0"/>
-              <a:t>, double check </a:t>
-            </a:r>
-            <a:r>
-              <a:rPr lang="fr-FR" baseline="0" dirty="0" err="1" smtClean="0"/>
-              <a:t>your</a:t>
-            </a:r>
-            <a:r>
-              <a:rPr lang="fr-FR" baseline="0" dirty="0" smtClean="0"/>
-              <a:t> graph</a:t>
-            </a:r>
-          </a:p>
-          <a:p>
-            <a:r>
-              <a:rPr lang="fr-FR" baseline="0" dirty="0" smtClean="0"/>
-              <a:t>Most of the </a:t>
-            </a:r>
-            <a:r>
-              <a:rPr lang="fr-FR" baseline="0" dirty="0" err="1" smtClean="0"/>
-              <a:t>wtf</a:t>
-            </a:r>
-            <a:r>
-              <a:rPr lang="fr-FR" baseline="0" dirty="0" smtClean="0"/>
-              <a:t> </a:t>
-            </a:r>
-            <a:r>
-              <a:rPr lang="fr-FR" baseline="0" dirty="0" err="1" smtClean="0"/>
-              <a:t>viz</a:t>
-            </a:r>
-            <a:r>
-              <a:rPr lang="fr-FR" baseline="0" dirty="0" smtClean="0"/>
-              <a:t> come </a:t>
-            </a:r>
-            <a:r>
-              <a:rPr lang="fr-FR" baseline="0" dirty="0" err="1" smtClean="0"/>
-              <a:t>from</a:t>
-            </a:r>
-            <a:r>
-              <a:rPr lang="fr-FR" baseline="0" dirty="0" smtClean="0"/>
-              <a:t> </a:t>
-            </a:r>
-            <a:r>
-              <a:rPr lang="fr-FR" baseline="0" dirty="0" err="1" smtClean="0"/>
-              <a:t>this</a:t>
-            </a:r>
-            <a:r>
-              <a:rPr lang="fr-FR" baseline="0" dirty="0" smtClean="0"/>
-              <a:t> </a:t>
-            </a:r>
-            <a:r>
-              <a:rPr lang="fr-FR" baseline="0" dirty="0" err="1" smtClean="0"/>
-              <a:t>problem</a:t>
-            </a:r>
-            <a:r>
-              <a:rPr lang="fr-FR" baseline="0" dirty="0" smtClean="0"/>
-              <a:t>.</a:t>
-            </a:r>
-          </a:p>
-          <a:p>
-            <a:endParaRPr lang="fr-FR" baseline="0" dirty="0" smtClean="0"/>
-          </a:p>
-          <a:p>
-            <a:pPr marL="171450" indent="-171450">
-              <a:buFontTx/>
-              <a:buChar char="-"/>
-            </a:pPr>
-            <a:r>
-              <a:rPr lang="fr-FR" baseline="0" dirty="0" err="1" smtClean="0"/>
-              <a:t>Sum</a:t>
-            </a:r>
-            <a:r>
-              <a:rPr lang="fr-FR" baseline="0" dirty="0" smtClean="0"/>
-              <a:t> of </a:t>
-            </a:r>
-            <a:r>
-              <a:rPr lang="fr-FR" baseline="0" dirty="0" err="1" smtClean="0"/>
-              <a:t>percentage</a:t>
-            </a:r>
-            <a:r>
-              <a:rPr lang="fr-FR" baseline="0" dirty="0" smtClean="0"/>
-              <a:t> != 100</a:t>
-            </a:r>
-          </a:p>
-          <a:p>
-            <a:pPr marL="171450" indent="-171450">
-              <a:buFontTx/>
-              <a:buChar char="-"/>
-            </a:pPr>
-            <a:r>
-              <a:rPr lang="fr-FR" baseline="0" dirty="0" err="1" smtClean="0"/>
-              <a:t>Number</a:t>
-            </a:r>
-            <a:r>
-              <a:rPr lang="fr-FR" baseline="0" dirty="0" smtClean="0"/>
-              <a:t> </a:t>
-            </a:r>
-            <a:r>
-              <a:rPr lang="fr-FR" baseline="0" dirty="0" err="1" smtClean="0"/>
-              <a:t>does</a:t>
-            </a:r>
-            <a:r>
-              <a:rPr lang="fr-FR" baseline="0" dirty="0" smtClean="0"/>
-              <a:t> not match </a:t>
-            </a:r>
-            <a:r>
-              <a:rPr lang="fr-FR" baseline="0" dirty="0" err="1" smtClean="0"/>
-              <a:t>shape</a:t>
-            </a:r>
-            <a:r>
-              <a:rPr lang="fr-FR" baseline="0" dirty="0" smtClean="0"/>
-              <a:t>: </a:t>
-            </a:r>
-          </a:p>
-          <a:p>
-            <a:pPr marL="862568" lvl="4" indent="-171450">
-              <a:buFontTx/>
-              <a:buChar char="-"/>
-            </a:pPr>
-            <a:r>
-              <a:rPr lang="fr-FR" baseline="0" dirty="0" smtClean="0"/>
-              <a:t>http://</a:t>
-            </a:r>
-            <a:r>
-              <a:rPr lang="fr-FR" baseline="0" dirty="0" err="1" smtClean="0"/>
-              <a:t>viz.wtf</a:t>
-            </a:r>
-            <a:r>
-              <a:rPr lang="fr-FR" baseline="0" dirty="0" smtClean="0"/>
-              <a:t>/post/169392205697/</a:t>
-            </a:r>
-            <a:r>
-              <a:rPr lang="fr-FR" baseline="0" dirty="0" err="1" smtClean="0"/>
-              <a:t>fewer</a:t>
-            </a:r>
-            <a:r>
-              <a:rPr lang="fr-FR" baseline="0" dirty="0" smtClean="0"/>
-              <a:t>-people-</a:t>
-            </a:r>
-            <a:r>
-              <a:rPr lang="fr-FR" baseline="0" dirty="0" err="1" smtClean="0"/>
-              <a:t>would</a:t>
-            </a:r>
-            <a:r>
-              <a:rPr lang="fr-FR" baseline="0" dirty="0" smtClean="0"/>
-              <a:t>-have-a-hard-time-</a:t>
-            </a:r>
-            <a:r>
-              <a:rPr lang="fr-FR" baseline="0" dirty="0" err="1" smtClean="0"/>
-              <a:t>giving</a:t>
-            </a:r>
-            <a:r>
-              <a:rPr lang="fr-FR" baseline="0" dirty="0" smtClean="0"/>
-              <a:t>-up</a:t>
-            </a:r>
-          </a:p>
-          <a:p>
-            <a:pPr marL="862568" lvl="4" indent="-171450">
-              <a:buFontTx/>
-              <a:buChar char="-"/>
-            </a:pPr>
+              <a:t>See</a:t>
+            </a:r>
             <a:r>
               <a:rPr lang="fr-FR" dirty="0" smtClean="0"/>
-              <a:t>http://</a:t>
+              <a:t> http://</a:t>
             </a:r>
             <a:r>
               <a:rPr lang="fr-FR" dirty="0" err="1" smtClean="0"/>
@@ -2321,6 +2261,19 @@
               <a:rPr lang="fr-FR" dirty="0" smtClean="0"/>
               <a:t>-email-design</a:t>
             </a:r>
+            <a:r>
+              <a:rPr lang="fr-FR" baseline="0" dirty="0" smtClean="0"/>
+              <a:t> pour un </a:t>
+            </a:r>
+            <a:r>
+              <a:rPr lang="fr-FR" baseline="0" dirty="0" err="1" smtClean="0"/>
+              <a:t>doghnut</a:t>
+            </a:r>
+            <a:r>
+              <a:rPr lang="fr-FR" baseline="0" dirty="0" smtClean="0"/>
+              <a:t> trompeur</a:t>
+            </a:r>
+            <a:endParaRPr lang="fr-FR" dirty="0" smtClean="0"/>
           </a:p>
         </p:txBody>
       </p:sp>
@@ -2341,7 +2294,7 @@
           <a:p>
             <a:fld id="{7831F866-C993-A644-BA4C-5AD247E41B58}" type="slidenum">
               <a:rPr lang="en-US" smtClean="0"/>
-              <a:t>14</a:t>
+              <a:t>12</a:t>
             </a:fld>
             <a:endParaRPr lang="en-US"/>
           </a:p>
@@ -2350,7 +2303,7 @@
     </p:spTree>
     <p:extLst>
       <p:ext uri="{BB962C8B-B14F-4D97-AF65-F5344CB8AC3E}">
-        <p14:creationId xmlns:p14="http://schemas.microsoft.com/office/powerpoint/2010/main" val="1497705189"/>
+        <p14:creationId xmlns:p14="http://schemas.microsoft.com/office/powerpoint/2010/main" val="290159426"/>
       </p:ext>
     </p:extLst>
   </p:cSld>
@@ -2405,67 +2358,214 @@
           <a:lstStyle/>
           <a:p>
             <a:r>
-              <a:rPr lang="en-US" dirty="0" smtClean="0"/>
-              <a:t>Circular </a:t>
-            </a:r>
-            <a:r>
-              <a:rPr lang="en-US" dirty="0" err="1" smtClean="0"/>
-              <a:t>barplot</a:t>
-            </a:r>
-            <a:endParaRPr lang="en-US" dirty="0" smtClean="0"/>
-          </a:p>
-          <a:p>
-            <a:endParaRPr lang="en-US" dirty="0" smtClean="0"/>
-          </a:p>
-          <a:p>
-            <a:r>
-              <a:rPr lang="en-US" dirty="0" smtClean="0"/>
+              <a:rPr lang="fr-FR" dirty="0" err="1" smtClean="0"/>
+              <a:t>Number</a:t>
+            </a:r>
+            <a:r>
+              <a:rPr lang="fr-FR" baseline="0" dirty="0" smtClean="0"/>
+              <a:t> must </a:t>
+            </a:r>
+            <a:r>
+              <a:rPr lang="fr-FR" baseline="0" dirty="0" err="1" smtClean="0"/>
+              <a:t>be</a:t>
+            </a:r>
+            <a:r>
+              <a:rPr lang="fr-FR" baseline="0" dirty="0" smtClean="0"/>
+              <a:t> </a:t>
+            </a:r>
+            <a:r>
+              <a:rPr lang="fr-FR" baseline="0" dirty="0" err="1" smtClean="0"/>
+              <a:t>true</a:t>
+            </a:r>
+            <a:r>
+              <a:rPr lang="fr-FR" baseline="0" dirty="0" smtClean="0"/>
+              <a:t>, double check </a:t>
+            </a:r>
+            <a:r>
+              <a:rPr lang="fr-FR" baseline="0" dirty="0" err="1" smtClean="0"/>
+              <a:t>your</a:t>
+            </a:r>
+            <a:r>
+              <a:rPr lang="fr-FR" baseline="0" dirty="0" smtClean="0"/>
+              <a:t> graph</a:t>
+            </a:r>
+          </a:p>
+          <a:p>
+            <a:r>
+              <a:rPr lang="fr-FR" baseline="0" dirty="0" smtClean="0"/>
+              <a:t>Most of the </a:t>
+            </a:r>
+            <a:r>
+              <a:rPr lang="fr-FR" baseline="0" dirty="0" err="1" smtClean="0"/>
+              <a:t>wtf</a:t>
+            </a:r>
+            <a:r>
+              <a:rPr lang="fr-FR" baseline="0" dirty="0" smtClean="0"/>
+              <a:t> </a:t>
+            </a:r>
+            <a:r>
+              <a:rPr lang="fr-FR" baseline="0" dirty="0" err="1" smtClean="0"/>
+              <a:t>viz</a:t>
+            </a:r>
+            <a:r>
+              <a:rPr lang="fr-FR" baseline="0" dirty="0" smtClean="0"/>
+              <a:t> come </a:t>
+            </a:r>
+            <a:r>
+              <a:rPr lang="fr-FR" baseline="0" dirty="0" err="1" smtClean="0"/>
+              <a:t>from</a:t>
+            </a:r>
+            <a:r>
+              <a:rPr lang="fr-FR" baseline="0" dirty="0" smtClean="0"/>
+              <a:t> </a:t>
+            </a:r>
+            <a:r>
+              <a:rPr lang="fr-FR" baseline="0" dirty="0" err="1" smtClean="0"/>
+              <a:t>this</a:t>
+            </a:r>
+            <a:r>
+              <a:rPr lang="fr-FR" baseline="0" dirty="0" smtClean="0"/>
+              <a:t> </a:t>
+            </a:r>
+            <a:r>
+              <a:rPr lang="fr-FR" baseline="0" dirty="0" err="1" smtClean="0"/>
+              <a:t>problem</a:t>
+            </a:r>
+            <a:r>
+              <a:rPr lang="fr-FR" baseline="0" dirty="0" smtClean="0"/>
+              <a:t>.</a:t>
+            </a:r>
+          </a:p>
+          <a:p>
+            <a:endParaRPr lang="fr-FR" baseline="0" dirty="0" smtClean="0"/>
+          </a:p>
+          <a:p>
+            <a:pPr marL="171450" indent="-171450">
+              <a:buFontTx/>
+              <a:buChar char="-"/>
+            </a:pPr>
+            <a:r>
+              <a:rPr lang="fr-FR" baseline="0" dirty="0" err="1" smtClean="0"/>
+              <a:t>Sum</a:t>
+            </a:r>
+            <a:r>
+              <a:rPr lang="fr-FR" baseline="0" dirty="0" smtClean="0"/>
+              <a:t> of </a:t>
+            </a:r>
+            <a:r>
+              <a:rPr lang="fr-FR" baseline="0" dirty="0" err="1" smtClean="0"/>
+              <a:t>percentage</a:t>
+            </a:r>
+            <a:r>
+              <a:rPr lang="fr-FR" baseline="0" dirty="0" smtClean="0"/>
+              <a:t> != 100</a:t>
+            </a:r>
+          </a:p>
+          <a:p>
+            <a:pPr marL="171450" indent="-171450">
+              <a:buFontTx/>
+              <a:buChar char="-"/>
+            </a:pPr>
+            <a:r>
+              <a:rPr lang="fr-FR" baseline="0" dirty="0" err="1" smtClean="0"/>
+              <a:t>Number</a:t>
+            </a:r>
+            <a:r>
+              <a:rPr lang="fr-FR" baseline="0" dirty="0" smtClean="0"/>
+              <a:t> </a:t>
+            </a:r>
+            <a:r>
+              <a:rPr lang="fr-FR" baseline="0" dirty="0" err="1" smtClean="0"/>
+              <a:t>does</a:t>
+            </a:r>
+            <a:r>
+              <a:rPr lang="fr-FR" baseline="0" dirty="0" smtClean="0"/>
+              <a:t> not match </a:t>
+            </a:r>
+            <a:r>
+              <a:rPr lang="fr-FR" baseline="0" dirty="0" err="1" smtClean="0"/>
+              <a:t>shape</a:t>
+            </a:r>
+            <a:r>
+              <a:rPr lang="fr-FR" baseline="0" dirty="0" smtClean="0"/>
+              <a:t>: </a:t>
+            </a:r>
+          </a:p>
+          <a:p>
+            <a:pPr marL="862568" lvl="4" indent="-171450">
+              <a:buFontTx/>
+              <a:buChar char="-"/>
+            </a:pPr>
+            <a:r>
+              <a:rPr lang="fr-FR" baseline="0" dirty="0" smtClean="0"/>
               <a:t>http://</a:t>
             </a:r>
             <a:r>
-              <a:rPr lang="en-US" dirty="0" err="1" smtClean="0"/>
-              <a:t>blog.visme.co</a:t>
-            </a:r>
-            <a:r>
-              <a:rPr lang="en-US" dirty="0" smtClean="0"/>
-              <a:t>/types-of-graphs/</a:t>
-            </a:r>
-          </a:p>
-          <a:p>
-            <a:endParaRPr lang="en-US" dirty="0" smtClean="0"/>
-          </a:p>
-          <a:p>
-            <a:r>
-              <a:rPr lang="en-US" dirty="0" smtClean="0"/>
-              <a:t>En version stack </a:t>
-            </a:r>
-            <a:r>
-              <a:rPr lang="en-US" dirty="0" err="1" smtClean="0"/>
-              <a:t>c’est</a:t>
-            </a:r>
-            <a:r>
-              <a:rPr lang="en-US" dirty="0" smtClean="0"/>
-              <a:t> </a:t>
-            </a:r>
-            <a:r>
-              <a:rPr lang="en-US" dirty="0" err="1" smtClean="0"/>
-              <a:t>juste</a:t>
-            </a:r>
-            <a:r>
-              <a:rPr lang="en-US" dirty="0" smtClean="0"/>
-              <a:t> encore </a:t>
-            </a:r>
-            <a:r>
-              <a:rPr lang="en-US" dirty="0" err="1" smtClean="0"/>
-              <a:t>pire</a:t>
-            </a:r>
-            <a:r>
-              <a:rPr lang="en-US" dirty="0" smtClean="0"/>
-              <a:t> !</a:t>
-            </a:r>
-          </a:p>
-          <a:p>
-            <a:endParaRPr lang="fr-FR" dirty="0"/>
+              <a:rPr lang="fr-FR" baseline="0" dirty="0" err="1" smtClean="0"/>
+              <a:t>viz.wtf</a:t>
+            </a:r>
+            <a:r>
+              <a:rPr lang="fr-FR" baseline="0" dirty="0" smtClean="0"/>
+              <a:t>/post/169392205697/</a:t>
+            </a:r>
+            <a:r>
+              <a:rPr lang="fr-FR" baseline="0" dirty="0" err="1" smtClean="0"/>
+              <a:t>fewer</a:t>
+            </a:r>
+            <a:r>
+              <a:rPr lang="fr-FR" baseline="0" dirty="0" smtClean="0"/>
+              <a:t>-people-</a:t>
+            </a:r>
+            <a:r>
+              <a:rPr lang="fr-FR" baseline="0" dirty="0" err="1" smtClean="0"/>
+              <a:t>would</a:t>
+            </a:r>
+            <a:r>
+              <a:rPr lang="fr-FR" baseline="0" dirty="0" smtClean="0"/>
+              <a:t>-have-a-hard-time-</a:t>
+            </a:r>
+            <a:r>
+              <a:rPr lang="fr-FR" baseline="0" dirty="0" err="1" smtClean="0"/>
+              <a:t>giving</a:t>
+            </a:r>
+            <a:r>
+              <a:rPr lang="fr-FR" baseline="0" dirty="0" smtClean="0"/>
+              <a:t>-up</a:t>
+            </a:r>
+          </a:p>
+          <a:p>
+            <a:pPr marL="862568" lvl="4" indent="-171450">
+              <a:buFontTx/>
+              <a:buChar char="-"/>
+            </a:pPr>
+            <a:r>
+              <a:rPr lang="fr-FR" dirty="0" smtClean="0"/>
+              <a:t>http://</a:t>
+            </a:r>
+            <a:r>
+              <a:rPr lang="fr-FR" dirty="0" err="1" smtClean="0"/>
+              <a:t>viz.wtf</a:t>
+            </a:r>
+            <a:r>
+              <a:rPr lang="fr-FR" dirty="0" smtClean="0"/>
+              <a:t>/post/170949426657/new-marketing-email-</a:t>
+            </a:r>
+            <a:r>
+              <a:rPr lang="fr-FR" dirty="0" err="1" smtClean="0"/>
+              <a:t>from</a:t>
+            </a:r>
+            <a:r>
+              <a:rPr lang="fr-FR" dirty="0" smtClean="0"/>
+              <a:t>-</a:t>
+            </a:r>
+            <a:r>
+              <a:rPr lang="fr-FR" dirty="0" err="1" smtClean="0"/>
+              <a:t>google</a:t>
+            </a:r>
+            <a:r>
+              <a:rPr lang="fr-FR" dirty="0" smtClean="0"/>
+              <a:t>-email-design</a:t>
+            </a:r>
           </a:p>
         </p:txBody>
       </p:sp>
@@ -2486,7 +2586,7 @@
           <a:p>
             <a:fld id="{7831F866-C993-A644-BA4C-5AD247E41B58}" type="slidenum">
               <a:rPr lang="en-US" smtClean="0"/>
-              <a:t>15</a:t>
+              <a:t>14</a:t>
             </a:fld>
             <a:endParaRPr lang="en-US"/>
           </a:p>
@@ -2495,7 +2595,7 @@
     </p:spTree>
     <p:extLst>
       <p:ext uri="{BB962C8B-B14F-4D97-AF65-F5344CB8AC3E}">
-        <p14:creationId xmlns:p14="http://schemas.microsoft.com/office/powerpoint/2010/main" val="1148788748"/>
+        <p14:creationId xmlns:p14="http://schemas.microsoft.com/office/powerpoint/2010/main" val="1497705189"/>
       </p:ext>
     </p:extLst>
   </p:cSld>
@@ -2524,7 +2624,7 @@
       </p:grpSpPr>
       <p:sp>
         <p:nvSpPr>
-          <p:cNvPr id="2" name="Slide Image Placeholder 1"/>
+          <p:cNvPr id="2" name="Espace réservé de l’image des diapositives 1"/>
           <p:cNvSpPr>
             <a:spLocks noGrp="1" noRot="1" noChangeAspect="1"/>
           </p:cNvSpPr>
@@ -2536,7 +2636,7 @@
       </p:sp>
       <p:sp>
         <p:nvSpPr>
-          <p:cNvPr id="3" name="Notes Placeholder 2"/>
+          <p:cNvPr id="3" name="Espace réservé des commentaires 2"/>
           <p:cNvSpPr>
             <a:spLocks noGrp="1"/>
           </p:cNvSpPr>
@@ -2551,19 +2651,72 @@
           <a:p>
             <a:r>
               <a:rPr lang="en-US" dirty="0" smtClean="0"/>
-              <a:t>Scatterplot:</a:t>
-            </a:r>
-            <a:r>
-              <a:rPr lang="en-US" baseline="0" dirty="0" smtClean="0"/>
-              <a:t> if the points are ordered, you have to do a line plot instead.</a:t>
-            </a:r>
-            <a:endParaRPr lang="en-US" dirty="0"/>
-          </a:p>
-        </p:txBody>
-      </p:sp>
-      <p:sp>
-        <p:nvSpPr>
-          <p:cNvPr id="4" name="Slide Number Placeholder 3"/>
+              <a:t>Circular </a:t>
+            </a:r>
+            <a:r>
+              <a:rPr lang="en-US" dirty="0" err="1" smtClean="0"/>
+              <a:t>barplot</a:t>
+            </a:r>
+            <a:endParaRPr lang="en-US" dirty="0" smtClean="0"/>
+          </a:p>
+          <a:p>
+            <a:endParaRPr lang="en-US" dirty="0" smtClean="0"/>
+          </a:p>
+          <a:p>
+            <a:r>
+              <a:rPr lang="en-US" dirty="0" smtClean="0"/>
+              <a:t>http://</a:t>
+            </a:r>
+            <a:r>
+              <a:rPr lang="en-US" dirty="0" err="1" smtClean="0"/>
+              <a:t>blog.visme.co</a:t>
+            </a:r>
+            <a:r>
+              <a:rPr lang="en-US" dirty="0" smtClean="0"/>
+              <a:t>/types-of-graphs/</a:t>
+            </a:r>
+          </a:p>
+          <a:p>
+            <a:endParaRPr lang="en-US" dirty="0" smtClean="0"/>
+          </a:p>
+          <a:p>
+            <a:r>
+              <a:rPr lang="en-US" dirty="0" smtClean="0"/>
+              <a:t>En version stack </a:t>
+            </a:r>
+            <a:r>
+              <a:rPr lang="en-US" dirty="0" err="1" smtClean="0"/>
+              <a:t>c’est</a:t>
+            </a:r>
+            <a:r>
+              <a:rPr lang="en-US" dirty="0" smtClean="0"/>
+              <a:t> </a:t>
+            </a:r>
+            <a:r>
+              <a:rPr lang="en-US" dirty="0" err="1" smtClean="0"/>
+              <a:t>juste</a:t>
+            </a:r>
+            <a:r>
+              <a:rPr lang="en-US" dirty="0" smtClean="0"/>
+              <a:t> encore </a:t>
+            </a:r>
+            <a:r>
+              <a:rPr lang="en-US" dirty="0" err="1" smtClean="0"/>
+              <a:t>pire</a:t>
+            </a:r>
+            <a:r>
+              <a:rPr lang="en-US" dirty="0" smtClean="0"/>
+              <a:t> !</a:t>
+            </a:r>
+          </a:p>
+          <a:p>
+            <a:endParaRPr lang="fr-FR" dirty="0"/>
+          </a:p>
+        </p:txBody>
+      </p:sp>
+      <p:sp>
+        <p:nvSpPr>
+          <p:cNvPr id="4" name="Espace réservé du numéro de diapositive 3"/>
           <p:cNvSpPr>
             <a:spLocks noGrp="1"/>
           </p:cNvSpPr>
@@ -2578,7 +2731,7 @@
           <a:p>
             <a:fld id="{7831F866-C993-A644-BA4C-5AD247E41B58}" type="slidenum">
               <a:rPr lang="en-US" smtClean="0"/>
-              <a:t>16</a:t>
+              <a:t>15</a:t>
             </a:fld>
             <a:endParaRPr lang="en-US"/>
           </a:p>
@@ -2587,7 +2740,7 @@
     </p:spTree>
     <p:extLst>
       <p:ext uri="{BB962C8B-B14F-4D97-AF65-F5344CB8AC3E}">
-        <p14:creationId xmlns:p14="http://schemas.microsoft.com/office/powerpoint/2010/main" val="2032722732"/>
+        <p14:creationId xmlns:p14="http://schemas.microsoft.com/office/powerpoint/2010/main" val="1148788748"/>
       </p:ext>
     </p:extLst>
   </p:cSld>
@@ -2616,7 +2769,7 @@
       </p:grpSpPr>
       <p:sp>
         <p:nvSpPr>
-          <p:cNvPr id="2" name="Espace réservé de l’image des diapositives 1"/>
+          <p:cNvPr id="2" name="Slide Image Placeholder 1"/>
           <p:cNvSpPr>
             <a:spLocks noGrp="1" noRot="1" noChangeAspect="1"/>
           </p:cNvSpPr>
@@ -2628,7 +2781,7 @@
       </p:sp>
       <p:sp>
         <p:nvSpPr>
-          <p:cNvPr id="3" name="Espace réservé des commentaires 2"/>
+          <p:cNvPr id="3" name="Notes Placeholder 2"/>
           <p:cNvSpPr>
             <a:spLocks noGrp="1"/>
           </p:cNvSpPr>
@@ -2641,48 +2794,21 @@
           <a:bodyPr/>
           <a:lstStyle/>
           <a:p>
-            <a:pPr marL="0" marR="0" indent="0" algn="l" defTabSz="345560" rtl="0" eaLnBrk="1" fontAlgn="auto" latinLnBrk="0" hangingPunct="1">
-              <a:lnSpc>
-                <a:spcPct val="100000"/>
-              </a:lnSpc>
-              <a:spcBef>
-                <a:spcPts val="0"/>
-              </a:spcBef>
-              <a:spcAft>
-                <a:spcPts val="0"/>
-              </a:spcAft>
-              <a:buClrTx/>
-              <a:buSzTx/>
-              <a:buFontTx/>
-              <a:buNone/>
-              <a:tabLst/>
-              <a:defRPr/>
-            </a:pPr>
-            <a:r>
-              <a:rPr lang="fr-FR" dirty="0" err="1" smtClean="0"/>
-              <a:t>Color</a:t>
-            </a:r>
-            <a:r>
-              <a:rPr lang="fr-FR" dirty="0" smtClean="0"/>
-              <a:t> </a:t>
-            </a:r>
-            <a:r>
-              <a:rPr lang="fr-FR" dirty="0" err="1" smtClean="0"/>
-              <a:t>communicates</a:t>
-            </a:r>
-            <a:r>
-              <a:rPr lang="fr-FR" dirty="0" smtClean="0"/>
-              <a:t> no data</a:t>
-            </a:r>
-          </a:p>
-          <a:p>
-            <a:endParaRPr lang="fr-FR" dirty="0"/>
-          </a:p>
-        </p:txBody>
-      </p:sp>
-      <p:sp>
-        <p:nvSpPr>
-          <p:cNvPr id="4" name="Espace réservé du numéro de diapositive 3"/>
+            <a:r>
+              <a:rPr lang="en-US" dirty="0" smtClean="0"/>
+              <a:t>Scatterplot:</a:t>
+            </a:r>
+            <a:r>
+              <a:rPr lang="en-US" baseline="0" dirty="0" smtClean="0"/>
+              <a:t> if the points are ordered, you have to do a line plot instead.</a:t>
+            </a:r>
+            <a:endParaRPr lang="en-US" dirty="0"/>
+          </a:p>
+        </p:txBody>
+      </p:sp>
+      <p:sp>
+        <p:nvSpPr>
+          <p:cNvPr id="4" name="Slide Number Placeholder 3"/>
           <p:cNvSpPr>
             <a:spLocks noGrp="1"/>
           </p:cNvSpPr>
@@ -2697,7 +2823,7 @@
           <a:p>
             <a:fld id="{7831F866-C993-A644-BA4C-5AD247E41B58}" type="slidenum">
               <a:rPr lang="en-US" smtClean="0"/>
-              <a:t>17</a:t>
+              <a:t>16</a:t>
             </a:fld>
             <a:endParaRPr lang="en-US"/>
           </a:p>
@@ -2706,7 +2832,7 @@
     </p:spTree>
     <p:extLst>
       <p:ext uri="{BB962C8B-B14F-4D97-AF65-F5344CB8AC3E}">
-        <p14:creationId xmlns:p14="http://schemas.microsoft.com/office/powerpoint/2010/main" val="652579477"/>
+        <p14:creationId xmlns:p14="http://schemas.microsoft.com/office/powerpoint/2010/main" val="2032722732"/>
       </p:ext>
     </p:extLst>
   </p:cSld>
@@ -2735,7 +2861,7 @@
       </p:grpSpPr>
       <p:sp>
         <p:nvSpPr>
-          <p:cNvPr id="2" name="Slide Image Placeholder 1"/>
+          <p:cNvPr id="2" name="Espace réservé de l’image des diapositives 1"/>
           <p:cNvSpPr>
             <a:spLocks noGrp="1" noRot="1" noChangeAspect="1"/>
           </p:cNvSpPr>
@@ -2747,7 +2873,7 @@
       </p:sp>
       <p:sp>
         <p:nvSpPr>
-          <p:cNvPr id="3" name="Notes Placeholder 2"/>
+          <p:cNvPr id="3" name="Espace réservé des commentaires 2"/>
           <p:cNvSpPr>
             <a:spLocks noGrp="1"/>
           </p:cNvSpPr>
@@ -2760,21 +2886,48 @@
           <a:bodyPr/>
           <a:lstStyle/>
           <a:p>
-            <a:r>
-              <a:rPr lang="en-US" dirty="0" smtClean="0"/>
-              <a:t>Bubble plot: mapping to radius</a:t>
-            </a:r>
-            <a:r>
-              <a:rPr lang="en-US" baseline="0" dirty="0" smtClean="0"/>
-              <a:t> or to area?</a:t>
-            </a:r>
-            <a:endParaRPr lang="en-US" dirty="0"/>
-          </a:p>
-        </p:txBody>
-      </p:sp>
-      <p:sp>
-        <p:nvSpPr>
-          <p:cNvPr id="4" name="Slide Number Placeholder 3"/>
+            <a:pPr marL="0" marR="0" indent="0" algn="l" defTabSz="345560" rtl="0" eaLnBrk="1" fontAlgn="auto" latinLnBrk="0" hangingPunct="1">
+              <a:lnSpc>
+                <a:spcPct val="100000"/>
+              </a:lnSpc>
+              <a:spcBef>
+                <a:spcPts val="0"/>
+              </a:spcBef>
+              <a:spcAft>
+                <a:spcPts val="0"/>
+              </a:spcAft>
+              <a:buClrTx/>
+              <a:buSzTx/>
+              <a:buFontTx/>
+              <a:buNone/>
+              <a:tabLst/>
+              <a:defRPr/>
+            </a:pPr>
+            <a:r>
+              <a:rPr lang="fr-FR" dirty="0" err="1" smtClean="0"/>
+              <a:t>Color</a:t>
+            </a:r>
+            <a:r>
+              <a:rPr lang="fr-FR" dirty="0" smtClean="0"/>
+              <a:t> </a:t>
+            </a:r>
+            <a:r>
+              <a:rPr lang="fr-FR" dirty="0" err="1" smtClean="0"/>
+              <a:t>communicates</a:t>
+            </a:r>
+            <a:r>
+              <a:rPr lang="fr-FR" dirty="0" smtClean="0"/>
+              <a:t> no data</a:t>
+            </a:r>
+          </a:p>
+          <a:p>
+            <a:endParaRPr lang="fr-FR" dirty="0"/>
+          </a:p>
+        </p:txBody>
+      </p:sp>
+      <p:sp>
+        <p:nvSpPr>
+          <p:cNvPr id="4" name="Espace réservé du numéro de diapositive 3"/>
           <p:cNvSpPr>
             <a:spLocks noGrp="1"/>
           </p:cNvSpPr>
@@ -2789,7 +2942,7 @@
           <a:p>
             <a:fld id="{7831F866-C993-A644-BA4C-5AD247E41B58}" type="slidenum">
               <a:rPr lang="en-US" smtClean="0"/>
-              <a:t>18</a:t>
+              <a:t>17</a:t>
             </a:fld>
             <a:endParaRPr lang="en-US"/>
           </a:p>
@@ -2798,7 +2951,7 @@
     </p:spTree>
     <p:extLst>
       <p:ext uri="{BB962C8B-B14F-4D97-AF65-F5344CB8AC3E}">
-        <p14:creationId xmlns:p14="http://schemas.microsoft.com/office/powerpoint/2010/main" val="1906279699"/>
+        <p14:creationId xmlns:p14="http://schemas.microsoft.com/office/powerpoint/2010/main" val="652579477"/>
       </p:ext>
     </p:extLst>
   </p:cSld>
@@ -2827,7 +2980,7 @@
       </p:grpSpPr>
       <p:sp>
         <p:nvSpPr>
-          <p:cNvPr id="2" name="Espace réservé de l’image des diapositives 1"/>
+          <p:cNvPr id="2" name="Slide Image Placeholder 1"/>
           <p:cNvSpPr>
             <a:spLocks noGrp="1" noRot="1" noChangeAspect="1"/>
           </p:cNvSpPr>
@@ -2839,7 +2992,7 @@
       </p:sp>
       <p:sp>
         <p:nvSpPr>
-          <p:cNvPr id="3" name="Espace réservé des commentaires 2"/>
+          <p:cNvPr id="3" name="Notes Placeholder 2"/>
           <p:cNvSpPr>
             <a:spLocks noGrp="1"/>
           </p:cNvSpPr>
@@ -2852,48 +3005,21 @@
           <a:bodyPr/>
           <a:lstStyle/>
           <a:p>
-            <a:pPr marL="0" marR="0" indent="0" algn="l" defTabSz="345560" rtl="0" eaLnBrk="1" fontAlgn="auto" latinLnBrk="0" hangingPunct="1">
-              <a:lnSpc>
-                <a:spcPct val="100000"/>
-              </a:lnSpc>
-              <a:spcBef>
-                <a:spcPts val="0"/>
-              </a:spcBef>
-              <a:spcAft>
-                <a:spcPts val="0"/>
-              </a:spcAft>
-              <a:buClrTx/>
-              <a:buSzTx/>
-              <a:buFontTx/>
-              <a:buNone/>
-              <a:tabLst/>
-              <a:defRPr/>
-            </a:pPr>
-            <a:r>
-              <a:rPr lang="fr-FR" dirty="0" err="1" smtClean="0"/>
-              <a:t>Color</a:t>
-            </a:r>
-            <a:r>
-              <a:rPr lang="fr-FR" dirty="0" smtClean="0"/>
-              <a:t> </a:t>
-            </a:r>
-            <a:r>
-              <a:rPr lang="fr-FR" dirty="0" err="1" smtClean="0"/>
-              <a:t>communicates</a:t>
-            </a:r>
-            <a:r>
-              <a:rPr lang="fr-FR" dirty="0" smtClean="0"/>
-              <a:t> no data</a:t>
-            </a:r>
-          </a:p>
-          <a:p>
-            <a:endParaRPr lang="fr-FR" dirty="0"/>
-          </a:p>
-        </p:txBody>
-      </p:sp>
-      <p:sp>
-        <p:nvSpPr>
-          <p:cNvPr id="4" name="Espace réservé du numéro de diapositive 3"/>
+            <a:r>
+              <a:rPr lang="en-US" dirty="0" smtClean="0"/>
+              <a:t>Bubble plot: mapping to radius</a:t>
+            </a:r>
+            <a:r>
+              <a:rPr lang="en-US" baseline="0" dirty="0" smtClean="0"/>
+              <a:t> or to area?</a:t>
+            </a:r>
+            <a:endParaRPr lang="en-US" dirty="0"/>
+          </a:p>
+        </p:txBody>
+      </p:sp>
+      <p:sp>
+        <p:nvSpPr>
+          <p:cNvPr id="4" name="Slide Number Placeholder 3"/>
           <p:cNvSpPr>
             <a:spLocks noGrp="1"/>
           </p:cNvSpPr>
@@ -2908,7 +3034,7 @@
           <a:p>
             <a:fld id="{7831F866-C993-A644-BA4C-5AD247E41B58}" type="slidenum">
               <a:rPr lang="en-US" smtClean="0"/>
-              <a:t>19</a:t>
+              <a:t>18</a:t>
             </a:fld>
             <a:endParaRPr lang="en-US"/>
           </a:p>
@@ -2917,7 +3043,7 @@
     </p:spTree>
     <p:extLst>
       <p:ext uri="{BB962C8B-B14F-4D97-AF65-F5344CB8AC3E}">
-        <p14:creationId xmlns:p14="http://schemas.microsoft.com/office/powerpoint/2010/main" val="988377086"/>
+        <p14:creationId xmlns:p14="http://schemas.microsoft.com/office/powerpoint/2010/main" val="1906279699"/>
       </p:ext>
     </p:extLst>
   </p:cSld>
@@ -2990,7 +3116,7 @@
             </a:pPr>
             <a:r>
               <a:rPr lang="fr-FR" dirty="0" err="1" smtClean="0"/>
-              <a:t>Circular</a:t>
+              <a:t>Color</a:t>
             </a:r>
             <a:r>
               <a:rPr lang="fr-FR" dirty="0" smtClean="0"/>
@@ -2998,45 +3124,12 @@
             </a:r>
             <a:r>
               <a:rPr lang="fr-FR" dirty="0" err="1" smtClean="0"/>
-              <a:t>barplot</a:t>
+              <a:t>communicates</a:t>
             </a:r>
             <a:r>
               <a:rPr lang="fr-FR" dirty="0" smtClean="0"/>
-              <a:t>? </a:t>
-            </a:r>
-            <a:r>
-              <a:rPr lang="fr-FR" dirty="0" err="1" smtClean="0"/>
-              <a:t>Don’t</a:t>
-            </a:r>
-            <a:r>
-              <a:rPr lang="fr-FR" dirty="0" smtClean="0"/>
-              <a:t> </a:t>
-            </a:r>
-            <a:r>
-              <a:rPr lang="fr-FR" dirty="0" err="1" smtClean="0"/>
-              <a:t>deform</a:t>
-            </a:r>
-            <a:r>
-              <a:rPr lang="fr-FR" dirty="0" smtClean="0"/>
-              <a:t> to </a:t>
-            </a:r>
-            <a:r>
-              <a:rPr lang="fr-FR" dirty="0" err="1" smtClean="0"/>
-              <a:t>mush</a:t>
-            </a:r>
-            <a:r>
-              <a:rPr lang="fr-FR" baseline="0" dirty="0" smtClean="0"/>
-              <a:t> </a:t>
-            </a:r>
-            <a:r>
-              <a:rPr lang="fr-FR" baseline="0" dirty="0" err="1" smtClean="0"/>
-              <a:t>your</a:t>
-            </a:r>
-            <a:r>
-              <a:rPr lang="fr-FR" baseline="0" dirty="0" smtClean="0"/>
-              <a:t> bar</a:t>
-            </a:r>
-            <a:endParaRPr lang="fr-FR" dirty="0" smtClean="0"/>
+              <a:t> no data</a:t>
+            </a:r>
           </a:p>
           <a:p>
             <a:endParaRPr lang="fr-FR" dirty="0"/>
@@ -3060,7 +3153,7 @@
           <a:p>
             <a:fld id="{7831F866-C993-A644-BA4C-5AD247E41B58}" type="slidenum">
               <a:rPr lang="en-US" smtClean="0"/>
-              <a:t>20</a:t>
+              <a:t>19</a:t>
             </a:fld>
             <a:endParaRPr lang="en-US"/>
           </a:p>
@@ -3069,7 +3162,7 @@
     </p:spTree>
     <p:extLst>
       <p:ext uri="{BB962C8B-B14F-4D97-AF65-F5344CB8AC3E}">
-        <p14:creationId xmlns:p14="http://schemas.microsoft.com/office/powerpoint/2010/main" val="1775626616"/>
+        <p14:creationId xmlns:p14="http://schemas.microsoft.com/office/powerpoint/2010/main" val="988377086"/>
       </p:ext>
     </p:extLst>
   </p:cSld>
@@ -15791,38 +15884,356 @@
       </p:grpSpPr>
       <p:sp>
         <p:nvSpPr>
-          <p:cNvPr id="2" name="Title 1"/>
-          <p:cNvSpPr>
-            <a:spLocks noGrp="1"/>
-          </p:cNvSpPr>
-          <p:nvPr>
-            <p:ph type="title"/>
-          </p:nvPr>
-        </p:nvSpPr>
-        <p:spPr/>
-        <p:txBody>
-          <a:bodyPr/>
-          <a:lstStyle/>
-          <a:p>
-            <a:endParaRPr lang="en-US"/>
-          </a:p>
-        </p:txBody>
-      </p:sp>
-      <p:sp>
-        <p:nvSpPr>
-          <p:cNvPr id="3" name="Content Placeholder 2"/>
-          <p:cNvSpPr>
-            <a:spLocks noGrp="1"/>
-          </p:cNvSpPr>
-          <p:nvPr>
-            <p:ph idx="1"/>
-          </p:nvPr>
-        </p:nvSpPr>
-        <p:spPr/>
-        <p:txBody>
-          <a:bodyPr/>
-          <a:lstStyle/>
-          <a:p>
+          <p:cNvPr id="4" name="Oval 3"/>
+          <p:cNvSpPr/>
+          <p:nvPr/>
+        </p:nvSpPr>
+        <p:spPr>
+          <a:xfrm>
+            <a:off x="5" y="-1"/>
+            <a:ext cx="3600448" cy="3600452"/>
+          </a:xfrm>
+          <a:prstGeom prst="ellipse">
+            <a:avLst/>
+          </a:prstGeom>
+          <a:solidFill>
+            <a:srgbClr val="271569"/>
+          </a:solidFill>
+          <a:ln>
+            <a:noFill/>
+          </a:ln>
+        </p:spPr>
+        <p:style>
+          <a:lnRef idx="2">
+            <a:schemeClr val="accent1">
+              <a:shade val="50000"/>
+            </a:schemeClr>
+          </a:lnRef>
+          <a:fillRef idx="1">
+            <a:schemeClr val="accent1"/>
+          </a:fillRef>
+          <a:effectRef idx="0">
+            <a:schemeClr val="accent1"/>
+          </a:effectRef>
+          <a:fontRef idx="minor">
+            <a:schemeClr val="lt1"/>
+          </a:fontRef>
+        </p:style>
+        <p:txBody>
+          <a:bodyPr rot="0" spcFirstLastPara="0" vertOverflow="overflow" horzOverflow="overflow" vert="horz" wrap="square" lIns="91440" tIns="45720" rIns="91440" bIns="45720" numCol="1" spcCol="0" rtlCol="0" fromWordArt="0" anchor="ctr" anchorCtr="0" forceAA="0" compatLnSpc="1">
+            <a:prstTxWarp prst="textNoShape">
+              <a:avLst/>
+            </a:prstTxWarp>
+            <a:noAutofit/>
+          </a:bodyPr>
+          <a:lstStyle/>
+          <a:p>
+            <a:pPr algn="ctr"/>
+            <a:endParaRPr lang="en-US" sz="334"/>
+          </a:p>
+        </p:txBody>
+      </p:sp>
+      <p:grpSp>
+        <p:nvGrpSpPr>
+          <p:cNvPr id="33" name="Group 32"/>
+          <p:cNvGrpSpPr/>
+          <p:nvPr/>
+        </p:nvGrpSpPr>
+        <p:grpSpPr>
+          <a:xfrm>
+            <a:off x="466344" y="432391"/>
+            <a:ext cx="2716335" cy="2658281"/>
+            <a:chOff x="466344" y="432391"/>
+            <a:chExt cx="2716335" cy="2658281"/>
+          </a:xfrm>
+        </p:grpSpPr>
+        <p:cxnSp>
+          <p:nvCxnSpPr>
+            <p:cNvPr id="5" name="Straight Connector 4"/>
+            <p:cNvCxnSpPr/>
+            <p:nvPr/>
+          </p:nvCxnSpPr>
+          <p:spPr>
+            <a:xfrm>
+              <a:off x="1800229" y="432391"/>
+              <a:ext cx="0" cy="2658281"/>
+            </a:xfrm>
+            <a:prstGeom prst="line">
+              <a:avLst/>
+            </a:prstGeom>
+            <a:ln w="50800" cap="rnd">
+              <a:solidFill>
+                <a:schemeClr val="bg1"/>
+              </a:solidFill>
+            </a:ln>
+          </p:spPr>
+          <p:style>
+            <a:lnRef idx="1">
+              <a:schemeClr val="accent1"/>
+            </a:lnRef>
+            <a:fillRef idx="0">
+              <a:schemeClr val="accent1"/>
+            </a:fillRef>
+            <a:effectRef idx="0">
+              <a:schemeClr val="accent1"/>
+            </a:effectRef>
+            <a:fontRef idx="minor">
+              <a:schemeClr val="tx1"/>
+            </a:fontRef>
+          </p:style>
+        </p:cxnSp>
+        <p:cxnSp>
+          <p:nvCxnSpPr>
+            <p:cNvPr id="27" name="Straight Connector 26"/>
+            <p:cNvCxnSpPr/>
+            <p:nvPr/>
+          </p:nvCxnSpPr>
+          <p:spPr>
+            <a:xfrm>
+              <a:off x="466344" y="1800225"/>
+              <a:ext cx="2716335" cy="0"/>
+            </a:xfrm>
+            <a:prstGeom prst="line">
+              <a:avLst/>
+            </a:prstGeom>
+            <a:ln w="50800" cap="rnd">
+              <a:solidFill>
+                <a:schemeClr val="bg1"/>
+              </a:solidFill>
+            </a:ln>
+          </p:spPr>
+          <p:style>
+            <a:lnRef idx="1">
+              <a:schemeClr val="accent1"/>
+            </a:lnRef>
+            <a:fillRef idx="0">
+              <a:schemeClr val="accent1"/>
+            </a:fillRef>
+            <a:effectRef idx="0">
+              <a:schemeClr val="accent1"/>
+            </a:effectRef>
+            <a:fontRef idx="minor">
+              <a:schemeClr val="tx1"/>
+            </a:fontRef>
+          </p:style>
+        </p:cxnSp>
+      </p:grpSp>
+      <p:grpSp>
+        <p:nvGrpSpPr>
+          <p:cNvPr id="34" name="Group 33"/>
+          <p:cNvGrpSpPr/>
+          <p:nvPr/>
+        </p:nvGrpSpPr>
+        <p:grpSpPr>
+          <a:xfrm rot="2925618">
+            <a:off x="480520" y="471085"/>
+            <a:ext cx="2716335" cy="2658281"/>
+            <a:chOff x="466344" y="432391"/>
+            <a:chExt cx="2716335" cy="2658281"/>
+          </a:xfrm>
+        </p:grpSpPr>
+        <p:cxnSp>
+          <p:nvCxnSpPr>
+            <p:cNvPr id="35" name="Straight Connector 34"/>
+            <p:cNvCxnSpPr/>
+            <p:nvPr/>
+          </p:nvCxnSpPr>
+          <p:spPr>
+            <a:xfrm>
+              <a:off x="1800229" y="432391"/>
+              <a:ext cx="0" cy="2658281"/>
+            </a:xfrm>
+            <a:prstGeom prst="line">
+              <a:avLst/>
+            </a:prstGeom>
+            <a:ln w="50800" cap="rnd">
+              <a:solidFill>
+                <a:schemeClr val="bg1"/>
+              </a:solidFill>
+            </a:ln>
+          </p:spPr>
+          <p:style>
+            <a:lnRef idx="1">
+              <a:schemeClr val="accent1"/>
+            </a:lnRef>
+            <a:fillRef idx="0">
+              <a:schemeClr val="accent1"/>
+            </a:fillRef>
+            <a:effectRef idx="0">
+              <a:schemeClr val="accent1"/>
+            </a:effectRef>
+            <a:fontRef idx="minor">
+              <a:schemeClr val="tx1"/>
+            </a:fontRef>
+          </p:style>
+        </p:cxnSp>
+        <p:cxnSp>
+          <p:nvCxnSpPr>
+            <p:cNvPr id="36" name="Straight Connector 35"/>
+            <p:cNvCxnSpPr/>
+            <p:nvPr/>
+          </p:nvCxnSpPr>
+          <p:spPr>
+            <a:xfrm>
+              <a:off x="466344" y="1800225"/>
+              <a:ext cx="2716335" cy="0"/>
+            </a:xfrm>
+            <a:prstGeom prst="line">
+              <a:avLst/>
+            </a:prstGeom>
+            <a:ln w="50800" cap="rnd">
+              <a:solidFill>
+                <a:schemeClr val="bg1"/>
+              </a:solidFill>
+            </a:ln>
+          </p:spPr>
+          <p:style>
+            <a:lnRef idx="1">
+              <a:schemeClr val="accent1"/>
+            </a:lnRef>
+            <a:fillRef idx="0">
+              <a:schemeClr val="accent1"/>
+            </a:fillRef>
+            <a:effectRef idx="0">
+              <a:schemeClr val="accent1"/>
+            </a:effectRef>
+            <a:fontRef idx="minor">
+              <a:schemeClr val="tx1"/>
+            </a:fontRef>
+          </p:style>
+        </p:cxnSp>
+      </p:grpSp>
+      <p:sp>
+        <p:nvSpPr>
+          <p:cNvPr id="38" name="Freeform 37"/>
+          <p:cNvSpPr/>
+          <p:nvPr/>
+        </p:nvSpPr>
+        <p:spPr>
+          <a:xfrm>
+            <a:off x="503274" y="552893"/>
+            <a:ext cx="2459666" cy="2452577"/>
+          </a:xfrm>
+          <a:custGeom>
+            <a:avLst/>
+            <a:gdLst>
+              <a:gd name="connsiteX0" fmla="*/ 1297173 w 2459666"/>
+              <a:gd name="connsiteY0" fmla="*/ 0 h 2452577"/>
+              <a:gd name="connsiteX1" fmla="*/ 1481470 w 2459666"/>
+              <a:gd name="connsiteY1" fmla="*/ 1084521 h 2452577"/>
+              <a:gd name="connsiteX2" fmla="*/ 2459666 w 2459666"/>
+              <a:gd name="connsiteY2" fmla="*/ 1240465 h 2452577"/>
+              <a:gd name="connsiteX3" fmla="*/ 1672856 w 2459666"/>
+              <a:gd name="connsiteY3" fmla="*/ 1694121 h 2452577"/>
+              <a:gd name="connsiteX4" fmla="*/ 1304261 w 2459666"/>
+              <a:gd name="connsiteY4" fmla="*/ 2452577 h 2452577"/>
+              <a:gd name="connsiteX5" fmla="*/ 992373 w 2459666"/>
+              <a:gd name="connsiteY5" fmla="*/ 1509823 h 2452577"/>
+              <a:gd name="connsiteX6" fmla="*/ 0 w 2459666"/>
+              <a:gd name="connsiteY6" fmla="*/ 1247554 h 2452577"/>
+              <a:gd name="connsiteX7" fmla="*/ 956931 w 2459666"/>
+              <a:gd name="connsiteY7" fmla="*/ 893135 h 2452577"/>
+              <a:gd name="connsiteX8" fmla="*/ 1297173 w 2459666"/>
+              <a:gd name="connsiteY8" fmla="*/ 0 h 2452577"/>
+            </a:gdLst>
+            <a:ahLst/>
+            <a:cxnLst>
+              <a:cxn ang="0">
+                <a:pos x="connsiteX0" y="connsiteY0"/>
+              </a:cxn>
+              <a:cxn ang="0">
+                <a:pos x="connsiteX1" y="connsiteY1"/>
+              </a:cxn>
+              <a:cxn ang="0">
+                <a:pos x="connsiteX2" y="connsiteY2"/>
+              </a:cxn>
+              <a:cxn ang="0">
+                <a:pos x="connsiteX3" y="connsiteY3"/>
+              </a:cxn>
+              <a:cxn ang="0">
+                <a:pos x="connsiteX4" y="connsiteY4"/>
+              </a:cxn>
+              <a:cxn ang="0">
+                <a:pos x="connsiteX5" y="connsiteY5"/>
+              </a:cxn>
+              <a:cxn ang="0">
+                <a:pos x="connsiteX6" y="connsiteY6"/>
+              </a:cxn>
+              <a:cxn ang="0">
+                <a:pos x="connsiteX7" y="connsiteY7"/>
+              </a:cxn>
+              <a:cxn ang="0">
+                <a:pos x="connsiteX8" y="connsiteY8"/>
+              </a:cxn>
+            </a:cxnLst>
+            <a:rect l="l" t="t" r="r" b="b"/>
+            <a:pathLst>
+              <a:path w="2459666" h="2452577">
+                <a:moveTo>
+                  <a:pt x="1297173" y="0"/>
+                </a:moveTo>
+                <a:lnTo>
+                  <a:pt x="1481470" y="1084521"/>
+                </a:lnTo>
+                <a:lnTo>
+                  <a:pt x="2459666" y="1240465"/>
+                </a:lnTo>
+                <a:lnTo>
+                  <a:pt x="1672856" y="1694121"/>
+                </a:lnTo>
+                <a:lnTo>
+                  <a:pt x="1304261" y="2452577"/>
+                </a:lnTo>
+                <a:lnTo>
+                  <a:pt x="992373" y="1509823"/>
+                </a:lnTo>
+                <a:lnTo>
+                  <a:pt x="0" y="1247554"/>
+                </a:lnTo>
+                <a:lnTo>
+                  <a:pt x="956931" y="893135"/>
+                </a:lnTo>
+                <a:lnTo>
+                  <a:pt x="1297173" y="0"/>
+                </a:lnTo>
+                <a:close/>
+              </a:path>
+            </a:pathLst>
+          </a:custGeom>
+          <a:solidFill>
+            <a:schemeClr val="bg1">
+              <a:alpha val="65000"/>
+            </a:schemeClr>
+          </a:solidFill>
+          <a:ln w="25400">
+            <a:solidFill>
+              <a:schemeClr val="bg2">
+                <a:lumMod val="50000"/>
+              </a:schemeClr>
+            </a:solidFill>
+          </a:ln>
+        </p:spPr>
+        <p:style>
+          <a:lnRef idx="2">
+            <a:schemeClr val="accent1">
+              <a:shade val="50000"/>
+            </a:schemeClr>
+          </a:lnRef>
+          <a:fillRef idx="1">
+            <a:schemeClr val="accent1"/>
+          </a:fillRef>
+          <a:effectRef idx="0">
+            <a:schemeClr val="accent1"/>
+          </a:effectRef>
+          <a:fontRef idx="minor">
+            <a:schemeClr val="lt1"/>
+          </a:fontRef>
+        </p:style>
+        <p:txBody>
+          <a:bodyPr rtlCol="0" anchor="ctr"/>
+          <a:lstStyle/>
+          <a:p>
+            <a:pPr algn="ctr"/>
             <a:endParaRPr lang="en-US"/>
           </a:p>
         </p:txBody>
@@ -15831,6 +16242,1060 @@
     <p:extLst>
       <p:ext uri="{BB962C8B-B14F-4D97-AF65-F5344CB8AC3E}">
         <p14:creationId xmlns:p14="http://schemas.microsoft.com/office/powerpoint/2010/main" val="1808999551"/>
+      </p:ext>
+    </p:extLst>
+  </p:cSld>
+  <p:clrMapOvr>
+    <a:masterClrMapping/>
+  </p:clrMapOvr>
+</p:sld>
+</file>
+
+<file path=ppt/slides/slide31.xml><?xml version="1.0" encoding="utf-8"?>
+<p:sld xmlns:a="http://schemas.openxmlformats.org/drawingml/2006/main" xmlns:r="http://schemas.openxmlformats.org/officeDocument/2006/relationships" xmlns:p="http://schemas.openxmlformats.org/presentationml/2006/main">
+  <p:cSld>
+    <p:spTree>
+      <p:nvGrpSpPr>
+        <p:cNvPr id="1" name=""/>
+        <p:cNvGrpSpPr/>
+        <p:nvPr/>
+      </p:nvGrpSpPr>
+      <p:grpSpPr>
+        <a:xfrm>
+          <a:off x="0" y="0"/>
+          <a:ext cx="0" cy="0"/>
+          <a:chOff x="0" y="0"/>
+          <a:chExt cx="0" cy="0"/>
+        </a:xfrm>
+      </p:grpSpPr>
+      <p:sp>
+        <p:nvSpPr>
+          <p:cNvPr id="4" name="Oval 3"/>
+          <p:cNvSpPr/>
+          <p:nvPr/>
+        </p:nvSpPr>
+        <p:spPr>
+          <a:xfrm>
+            <a:off x="5" y="-1"/>
+            <a:ext cx="3600448" cy="3600452"/>
+          </a:xfrm>
+          <a:prstGeom prst="ellipse">
+            <a:avLst/>
+          </a:prstGeom>
+          <a:solidFill>
+            <a:srgbClr val="271569"/>
+          </a:solidFill>
+          <a:ln>
+            <a:noFill/>
+          </a:ln>
+        </p:spPr>
+        <p:style>
+          <a:lnRef idx="2">
+            <a:schemeClr val="accent1">
+              <a:shade val="50000"/>
+            </a:schemeClr>
+          </a:lnRef>
+          <a:fillRef idx="1">
+            <a:schemeClr val="accent1"/>
+          </a:fillRef>
+          <a:effectRef idx="0">
+            <a:schemeClr val="accent1"/>
+          </a:effectRef>
+          <a:fontRef idx="minor">
+            <a:schemeClr val="lt1"/>
+          </a:fontRef>
+        </p:style>
+        <p:txBody>
+          <a:bodyPr rot="0" spcFirstLastPara="0" vertOverflow="overflow" horzOverflow="overflow" vert="horz" wrap="square" lIns="91440" tIns="45720" rIns="91440" bIns="45720" numCol="1" spcCol="0" rtlCol="0" fromWordArt="0" anchor="ctr" anchorCtr="0" forceAA="0" compatLnSpc="1">
+            <a:prstTxWarp prst="textNoShape">
+              <a:avLst/>
+            </a:prstTxWarp>
+            <a:noAutofit/>
+          </a:bodyPr>
+          <a:lstStyle/>
+          <a:p>
+            <a:pPr algn="ctr"/>
+            <a:endParaRPr lang="en-US" sz="334"/>
+          </a:p>
+        </p:txBody>
+      </p:sp>
+      <p:sp>
+        <p:nvSpPr>
+          <p:cNvPr id="2" name="Rectangle 1"/>
+          <p:cNvSpPr/>
+          <p:nvPr/>
+        </p:nvSpPr>
+        <p:spPr>
+          <a:xfrm>
+            <a:off x="821873" y="1110347"/>
+            <a:ext cx="371473" cy="357865"/>
+          </a:xfrm>
+          <a:prstGeom prst="rect">
+            <a:avLst/>
+          </a:prstGeom>
+          <a:solidFill>
+            <a:schemeClr val="accent1">
+              <a:lumMod val="75000"/>
+            </a:schemeClr>
+          </a:solidFill>
+          <a:ln>
+            <a:noFill/>
+          </a:ln>
+        </p:spPr>
+        <p:style>
+          <a:lnRef idx="2">
+            <a:schemeClr val="accent1">
+              <a:shade val="50000"/>
+            </a:schemeClr>
+          </a:lnRef>
+          <a:fillRef idx="1">
+            <a:schemeClr val="accent1"/>
+          </a:fillRef>
+          <a:effectRef idx="0">
+            <a:schemeClr val="accent1"/>
+          </a:effectRef>
+          <a:fontRef idx="minor">
+            <a:schemeClr val="lt1"/>
+          </a:fontRef>
+        </p:style>
+        <p:txBody>
+          <a:bodyPr rtlCol="0" anchor="ctr"/>
+          <a:lstStyle/>
+          <a:p>
+            <a:pPr algn="ctr"/>
+            <a:endParaRPr lang="en-US"/>
+          </a:p>
+        </p:txBody>
+      </p:sp>
+      <p:sp>
+        <p:nvSpPr>
+          <p:cNvPr id="10" name="Rectangle 9"/>
+          <p:cNvSpPr/>
+          <p:nvPr/>
+        </p:nvSpPr>
+        <p:spPr>
+          <a:xfrm>
+            <a:off x="1219202" y="1110346"/>
+            <a:ext cx="371473" cy="357865"/>
+          </a:xfrm>
+          <a:prstGeom prst="rect">
+            <a:avLst/>
+          </a:prstGeom>
+          <a:solidFill>
+            <a:schemeClr val="accent1">
+              <a:lumMod val="40000"/>
+              <a:lumOff val="60000"/>
+            </a:schemeClr>
+          </a:solidFill>
+          <a:ln>
+            <a:noFill/>
+          </a:ln>
+        </p:spPr>
+        <p:style>
+          <a:lnRef idx="2">
+            <a:schemeClr val="accent1">
+              <a:shade val="50000"/>
+            </a:schemeClr>
+          </a:lnRef>
+          <a:fillRef idx="1">
+            <a:schemeClr val="accent1"/>
+          </a:fillRef>
+          <a:effectRef idx="0">
+            <a:schemeClr val="accent1"/>
+          </a:effectRef>
+          <a:fontRef idx="minor">
+            <a:schemeClr val="lt1"/>
+          </a:fontRef>
+        </p:style>
+        <p:txBody>
+          <a:bodyPr rtlCol="0" anchor="ctr"/>
+          <a:lstStyle/>
+          <a:p>
+            <a:pPr algn="ctr"/>
+            <a:endParaRPr lang="en-US"/>
+          </a:p>
+        </p:txBody>
+      </p:sp>
+      <p:sp>
+        <p:nvSpPr>
+          <p:cNvPr id="12" name="Rectangle 11"/>
+          <p:cNvSpPr/>
+          <p:nvPr/>
+        </p:nvSpPr>
+        <p:spPr>
+          <a:xfrm>
+            <a:off x="1616531" y="1110346"/>
+            <a:ext cx="371473" cy="357865"/>
+          </a:xfrm>
+          <a:prstGeom prst="rect">
+            <a:avLst/>
+          </a:prstGeom>
+          <a:solidFill>
+            <a:schemeClr val="accent1">
+              <a:lumMod val="40000"/>
+              <a:lumOff val="60000"/>
+            </a:schemeClr>
+          </a:solidFill>
+          <a:ln>
+            <a:noFill/>
+          </a:ln>
+        </p:spPr>
+        <p:style>
+          <a:lnRef idx="2">
+            <a:schemeClr val="accent1">
+              <a:shade val="50000"/>
+            </a:schemeClr>
+          </a:lnRef>
+          <a:fillRef idx="1">
+            <a:schemeClr val="accent1"/>
+          </a:fillRef>
+          <a:effectRef idx="0">
+            <a:schemeClr val="accent1"/>
+          </a:effectRef>
+          <a:fontRef idx="minor">
+            <a:schemeClr val="lt1"/>
+          </a:fontRef>
+        </p:style>
+        <p:txBody>
+          <a:bodyPr rtlCol="0" anchor="ctr"/>
+          <a:lstStyle/>
+          <a:p>
+            <a:pPr algn="ctr"/>
+            <a:endParaRPr lang="en-US"/>
+          </a:p>
+        </p:txBody>
+      </p:sp>
+      <p:sp>
+        <p:nvSpPr>
+          <p:cNvPr id="14" name="Rectangle 13"/>
+          <p:cNvSpPr/>
+          <p:nvPr/>
+        </p:nvSpPr>
+        <p:spPr>
+          <a:xfrm>
+            <a:off x="2013860" y="1110346"/>
+            <a:ext cx="371473" cy="357865"/>
+          </a:xfrm>
+          <a:prstGeom prst="rect">
+            <a:avLst/>
+          </a:prstGeom>
+          <a:solidFill>
+            <a:schemeClr val="accent1">
+              <a:lumMod val="40000"/>
+              <a:lumOff val="60000"/>
+            </a:schemeClr>
+          </a:solidFill>
+          <a:ln>
+            <a:noFill/>
+          </a:ln>
+        </p:spPr>
+        <p:style>
+          <a:lnRef idx="2">
+            <a:schemeClr val="accent1">
+              <a:shade val="50000"/>
+            </a:schemeClr>
+          </a:lnRef>
+          <a:fillRef idx="1">
+            <a:schemeClr val="accent1"/>
+          </a:fillRef>
+          <a:effectRef idx="0">
+            <a:schemeClr val="accent1"/>
+          </a:effectRef>
+          <a:fontRef idx="minor">
+            <a:schemeClr val="lt1"/>
+          </a:fontRef>
+        </p:style>
+        <p:txBody>
+          <a:bodyPr rtlCol="0" anchor="ctr"/>
+          <a:lstStyle/>
+          <a:p>
+            <a:pPr algn="ctr"/>
+            <a:endParaRPr lang="en-US"/>
+          </a:p>
+        </p:txBody>
+      </p:sp>
+      <p:sp>
+        <p:nvSpPr>
+          <p:cNvPr id="16" name="Rectangle 15"/>
+          <p:cNvSpPr/>
+          <p:nvPr/>
+        </p:nvSpPr>
+        <p:spPr>
+          <a:xfrm>
+            <a:off x="2404384" y="1110346"/>
+            <a:ext cx="371473" cy="357865"/>
+          </a:xfrm>
+          <a:prstGeom prst="rect">
+            <a:avLst/>
+          </a:prstGeom>
+          <a:solidFill>
+            <a:schemeClr val="accent1">
+              <a:lumMod val="20000"/>
+              <a:lumOff val="80000"/>
+            </a:schemeClr>
+          </a:solidFill>
+          <a:ln>
+            <a:noFill/>
+          </a:ln>
+        </p:spPr>
+        <p:style>
+          <a:lnRef idx="2">
+            <a:schemeClr val="accent1">
+              <a:shade val="50000"/>
+            </a:schemeClr>
+          </a:lnRef>
+          <a:fillRef idx="1">
+            <a:schemeClr val="accent1"/>
+          </a:fillRef>
+          <a:effectRef idx="0">
+            <a:schemeClr val="accent1"/>
+          </a:effectRef>
+          <a:fontRef idx="minor">
+            <a:schemeClr val="lt1"/>
+          </a:fontRef>
+        </p:style>
+        <p:txBody>
+          <a:bodyPr rtlCol="0" anchor="ctr"/>
+          <a:lstStyle/>
+          <a:p>
+            <a:pPr algn="ctr"/>
+            <a:endParaRPr lang="en-US"/>
+          </a:p>
+        </p:txBody>
+      </p:sp>
+      <p:sp>
+        <p:nvSpPr>
+          <p:cNvPr id="17" name="Rectangle 16"/>
+          <p:cNvSpPr/>
+          <p:nvPr/>
+        </p:nvSpPr>
+        <p:spPr>
+          <a:xfrm>
+            <a:off x="821873" y="1496789"/>
+            <a:ext cx="371473" cy="357865"/>
+          </a:xfrm>
+          <a:prstGeom prst="rect">
+            <a:avLst/>
+          </a:prstGeom>
+          <a:solidFill>
+            <a:schemeClr val="accent1">
+              <a:lumMod val="40000"/>
+              <a:lumOff val="60000"/>
+            </a:schemeClr>
+          </a:solidFill>
+          <a:ln>
+            <a:noFill/>
+          </a:ln>
+        </p:spPr>
+        <p:style>
+          <a:lnRef idx="2">
+            <a:schemeClr val="accent1">
+              <a:shade val="50000"/>
+            </a:schemeClr>
+          </a:lnRef>
+          <a:fillRef idx="1">
+            <a:schemeClr val="accent1"/>
+          </a:fillRef>
+          <a:effectRef idx="0">
+            <a:schemeClr val="accent1"/>
+          </a:effectRef>
+          <a:fontRef idx="minor">
+            <a:schemeClr val="lt1"/>
+          </a:fontRef>
+        </p:style>
+        <p:txBody>
+          <a:bodyPr rtlCol="0" anchor="ctr"/>
+          <a:lstStyle/>
+          <a:p>
+            <a:pPr algn="ctr"/>
+            <a:endParaRPr lang="en-US"/>
+          </a:p>
+        </p:txBody>
+      </p:sp>
+      <p:sp>
+        <p:nvSpPr>
+          <p:cNvPr id="18" name="Rectangle 17"/>
+          <p:cNvSpPr/>
+          <p:nvPr/>
+        </p:nvSpPr>
+        <p:spPr>
+          <a:xfrm>
+            <a:off x="1219202" y="1496788"/>
+            <a:ext cx="371473" cy="357865"/>
+          </a:xfrm>
+          <a:prstGeom prst="rect">
+            <a:avLst/>
+          </a:prstGeom>
+          <a:solidFill>
+            <a:schemeClr val="accent1">
+              <a:lumMod val="20000"/>
+              <a:lumOff val="80000"/>
+            </a:schemeClr>
+          </a:solidFill>
+          <a:ln>
+            <a:noFill/>
+          </a:ln>
+        </p:spPr>
+        <p:style>
+          <a:lnRef idx="2">
+            <a:schemeClr val="accent1">
+              <a:shade val="50000"/>
+            </a:schemeClr>
+          </a:lnRef>
+          <a:fillRef idx="1">
+            <a:schemeClr val="accent1"/>
+          </a:fillRef>
+          <a:effectRef idx="0">
+            <a:schemeClr val="accent1"/>
+          </a:effectRef>
+          <a:fontRef idx="minor">
+            <a:schemeClr val="lt1"/>
+          </a:fontRef>
+        </p:style>
+        <p:txBody>
+          <a:bodyPr rtlCol="0" anchor="ctr"/>
+          <a:lstStyle/>
+          <a:p>
+            <a:pPr algn="ctr"/>
+            <a:endParaRPr lang="en-US"/>
+          </a:p>
+        </p:txBody>
+      </p:sp>
+      <p:sp>
+        <p:nvSpPr>
+          <p:cNvPr id="19" name="Rectangle 18"/>
+          <p:cNvSpPr/>
+          <p:nvPr/>
+        </p:nvSpPr>
+        <p:spPr>
+          <a:xfrm>
+            <a:off x="1616531" y="1496788"/>
+            <a:ext cx="371473" cy="357865"/>
+          </a:xfrm>
+          <a:prstGeom prst="rect">
+            <a:avLst/>
+          </a:prstGeom>
+          <a:solidFill>
+            <a:schemeClr val="accent1">
+              <a:lumMod val="20000"/>
+              <a:lumOff val="80000"/>
+            </a:schemeClr>
+          </a:solidFill>
+          <a:ln>
+            <a:noFill/>
+          </a:ln>
+        </p:spPr>
+        <p:style>
+          <a:lnRef idx="2">
+            <a:schemeClr val="accent1">
+              <a:shade val="50000"/>
+            </a:schemeClr>
+          </a:lnRef>
+          <a:fillRef idx="1">
+            <a:schemeClr val="accent1"/>
+          </a:fillRef>
+          <a:effectRef idx="0">
+            <a:schemeClr val="accent1"/>
+          </a:effectRef>
+          <a:fontRef idx="minor">
+            <a:schemeClr val="lt1"/>
+          </a:fontRef>
+        </p:style>
+        <p:txBody>
+          <a:bodyPr rtlCol="0" anchor="ctr"/>
+          <a:lstStyle/>
+          <a:p>
+            <a:pPr algn="ctr"/>
+            <a:endParaRPr lang="en-US"/>
+          </a:p>
+        </p:txBody>
+      </p:sp>
+      <p:sp>
+        <p:nvSpPr>
+          <p:cNvPr id="20" name="Rectangle 19"/>
+          <p:cNvSpPr/>
+          <p:nvPr/>
+        </p:nvSpPr>
+        <p:spPr>
+          <a:xfrm>
+            <a:off x="2013860" y="1496788"/>
+            <a:ext cx="371473" cy="357865"/>
+          </a:xfrm>
+          <a:prstGeom prst="rect">
+            <a:avLst/>
+          </a:prstGeom>
+          <a:solidFill>
+            <a:schemeClr val="bg1">
+              <a:lumMod val="95000"/>
+            </a:schemeClr>
+          </a:solidFill>
+          <a:ln>
+            <a:noFill/>
+          </a:ln>
+        </p:spPr>
+        <p:style>
+          <a:lnRef idx="2">
+            <a:schemeClr val="accent1">
+              <a:shade val="50000"/>
+            </a:schemeClr>
+          </a:lnRef>
+          <a:fillRef idx="1">
+            <a:schemeClr val="accent1"/>
+          </a:fillRef>
+          <a:effectRef idx="0">
+            <a:schemeClr val="accent1"/>
+          </a:effectRef>
+          <a:fontRef idx="minor">
+            <a:schemeClr val="lt1"/>
+          </a:fontRef>
+        </p:style>
+        <p:txBody>
+          <a:bodyPr rtlCol="0" anchor="ctr"/>
+          <a:lstStyle/>
+          <a:p>
+            <a:pPr algn="ctr"/>
+            <a:endParaRPr lang="en-US"/>
+          </a:p>
+        </p:txBody>
+      </p:sp>
+      <p:sp>
+        <p:nvSpPr>
+          <p:cNvPr id="21" name="Rectangle 20"/>
+          <p:cNvSpPr/>
+          <p:nvPr/>
+        </p:nvSpPr>
+        <p:spPr>
+          <a:xfrm>
+            <a:off x="2404384" y="1491345"/>
+            <a:ext cx="371473" cy="357865"/>
+          </a:xfrm>
+          <a:prstGeom prst="rect">
+            <a:avLst/>
+          </a:prstGeom>
+          <a:solidFill>
+            <a:schemeClr val="bg1">
+              <a:lumMod val="95000"/>
+            </a:schemeClr>
+          </a:solidFill>
+          <a:ln>
+            <a:noFill/>
+          </a:ln>
+        </p:spPr>
+        <p:style>
+          <a:lnRef idx="2">
+            <a:schemeClr val="accent1">
+              <a:shade val="50000"/>
+            </a:schemeClr>
+          </a:lnRef>
+          <a:fillRef idx="1">
+            <a:schemeClr val="accent1"/>
+          </a:fillRef>
+          <a:effectRef idx="0">
+            <a:schemeClr val="accent1"/>
+          </a:effectRef>
+          <a:fontRef idx="minor">
+            <a:schemeClr val="lt1"/>
+          </a:fontRef>
+        </p:style>
+        <p:txBody>
+          <a:bodyPr rtlCol="0" anchor="ctr"/>
+          <a:lstStyle/>
+          <a:p>
+            <a:pPr algn="ctr"/>
+            <a:endParaRPr lang="en-US"/>
+          </a:p>
+        </p:txBody>
+      </p:sp>
+      <p:sp>
+        <p:nvSpPr>
+          <p:cNvPr id="22" name="Rectangle 21"/>
+          <p:cNvSpPr/>
+          <p:nvPr/>
+        </p:nvSpPr>
+        <p:spPr>
+          <a:xfrm>
+            <a:off x="821873" y="1879151"/>
+            <a:ext cx="371473" cy="357865"/>
+          </a:xfrm>
+          <a:prstGeom prst="rect">
+            <a:avLst/>
+          </a:prstGeom>
+          <a:solidFill>
+            <a:schemeClr val="accent1">
+              <a:lumMod val="20000"/>
+              <a:lumOff val="80000"/>
+            </a:schemeClr>
+          </a:solidFill>
+          <a:ln>
+            <a:noFill/>
+          </a:ln>
+        </p:spPr>
+        <p:style>
+          <a:lnRef idx="2">
+            <a:schemeClr val="accent1">
+              <a:shade val="50000"/>
+            </a:schemeClr>
+          </a:lnRef>
+          <a:fillRef idx="1">
+            <a:schemeClr val="accent1"/>
+          </a:fillRef>
+          <a:effectRef idx="0">
+            <a:schemeClr val="accent1"/>
+          </a:effectRef>
+          <a:fontRef idx="minor">
+            <a:schemeClr val="lt1"/>
+          </a:fontRef>
+        </p:style>
+        <p:txBody>
+          <a:bodyPr rtlCol="0" anchor="ctr"/>
+          <a:lstStyle/>
+          <a:p>
+            <a:pPr algn="ctr"/>
+            <a:endParaRPr lang="en-US"/>
+          </a:p>
+        </p:txBody>
+      </p:sp>
+      <p:sp>
+        <p:nvSpPr>
+          <p:cNvPr id="23" name="Rectangle 22"/>
+          <p:cNvSpPr/>
+          <p:nvPr/>
+        </p:nvSpPr>
+        <p:spPr>
+          <a:xfrm>
+            <a:off x="1219202" y="1879150"/>
+            <a:ext cx="371473" cy="357865"/>
+          </a:xfrm>
+          <a:prstGeom prst="rect">
+            <a:avLst/>
+          </a:prstGeom>
+          <a:solidFill>
+            <a:schemeClr val="accent1">
+              <a:lumMod val="20000"/>
+              <a:lumOff val="80000"/>
+            </a:schemeClr>
+          </a:solidFill>
+          <a:ln>
+            <a:noFill/>
+          </a:ln>
+        </p:spPr>
+        <p:style>
+          <a:lnRef idx="2">
+            <a:schemeClr val="accent1">
+              <a:shade val="50000"/>
+            </a:schemeClr>
+          </a:lnRef>
+          <a:fillRef idx="1">
+            <a:schemeClr val="accent1"/>
+          </a:fillRef>
+          <a:effectRef idx="0">
+            <a:schemeClr val="accent1"/>
+          </a:effectRef>
+          <a:fontRef idx="minor">
+            <a:schemeClr val="lt1"/>
+          </a:fontRef>
+        </p:style>
+        <p:txBody>
+          <a:bodyPr rtlCol="0" anchor="ctr"/>
+          <a:lstStyle/>
+          <a:p>
+            <a:pPr algn="ctr"/>
+            <a:endParaRPr lang="en-US"/>
+          </a:p>
+        </p:txBody>
+      </p:sp>
+      <p:sp>
+        <p:nvSpPr>
+          <p:cNvPr id="24" name="Rectangle 23"/>
+          <p:cNvSpPr/>
+          <p:nvPr/>
+        </p:nvSpPr>
+        <p:spPr>
+          <a:xfrm>
+            <a:off x="1616531" y="1879150"/>
+            <a:ext cx="371473" cy="357865"/>
+          </a:xfrm>
+          <a:prstGeom prst="rect">
+            <a:avLst/>
+          </a:prstGeom>
+          <a:solidFill>
+            <a:schemeClr val="accent1">
+              <a:lumMod val="20000"/>
+              <a:lumOff val="80000"/>
+            </a:schemeClr>
+          </a:solidFill>
+          <a:ln>
+            <a:noFill/>
+          </a:ln>
+        </p:spPr>
+        <p:style>
+          <a:lnRef idx="2">
+            <a:schemeClr val="accent1">
+              <a:shade val="50000"/>
+            </a:schemeClr>
+          </a:lnRef>
+          <a:fillRef idx="1">
+            <a:schemeClr val="accent1"/>
+          </a:fillRef>
+          <a:effectRef idx="0">
+            <a:schemeClr val="accent1"/>
+          </a:effectRef>
+          <a:fontRef idx="minor">
+            <a:schemeClr val="lt1"/>
+          </a:fontRef>
+        </p:style>
+        <p:txBody>
+          <a:bodyPr rtlCol="0" anchor="ctr"/>
+          <a:lstStyle/>
+          <a:p>
+            <a:pPr algn="ctr"/>
+            <a:endParaRPr lang="en-US"/>
+          </a:p>
+        </p:txBody>
+      </p:sp>
+      <p:sp>
+        <p:nvSpPr>
+          <p:cNvPr id="25" name="Rectangle 24"/>
+          <p:cNvSpPr/>
+          <p:nvPr/>
+        </p:nvSpPr>
+        <p:spPr>
+          <a:xfrm>
+            <a:off x="2013860" y="1879150"/>
+            <a:ext cx="371473" cy="357865"/>
+          </a:xfrm>
+          <a:prstGeom prst="rect">
+            <a:avLst/>
+          </a:prstGeom>
+          <a:solidFill>
+            <a:schemeClr val="bg1">
+              <a:lumMod val="95000"/>
+            </a:schemeClr>
+          </a:solidFill>
+          <a:ln>
+            <a:noFill/>
+          </a:ln>
+        </p:spPr>
+        <p:style>
+          <a:lnRef idx="2">
+            <a:schemeClr val="accent1">
+              <a:shade val="50000"/>
+            </a:schemeClr>
+          </a:lnRef>
+          <a:fillRef idx="1">
+            <a:schemeClr val="accent1"/>
+          </a:fillRef>
+          <a:effectRef idx="0">
+            <a:schemeClr val="accent1"/>
+          </a:effectRef>
+          <a:fontRef idx="minor">
+            <a:schemeClr val="lt1"/>
+          </a:fontRef>
+        </p:style>
+        <p:txBody>
+          <a:bodyPr rtlCol="0" anchor="ctr"/>
+          <a:lstStyle/>
+          <a:p>
+            <a:pPr algn="ctr"/>
+            <a:endParaRPr lang="en-US"/>
+          </a:p>
+        </p:txBody>
+      </p:sp>
+      <p:sp>
+        <p:nvSpPr>
+          <p:cNvPr id="26" name="Rectangle 25"/>
+          <p:cNvSpPr/>
+          <p:nvPr/>
+        </p:nvSpPr>
+        <p:spPr>
+          <a:xfrm>
+            <a:off x="2409827" y="1879150"/>
+            <a:ext cx="371473" cy="357865"/>
+          </a:xfrm>
+          <a:prstGeom prst="rect">
+            <a:avLst/>
+          </a:prstGeom>
+          <a:solidFill>
+            <a:schemeClr val="bg1">
+              <a:lumMod val="95000"/>
+            </a:schemeClr>
+          </a:solidFill>
+          <a:ln>
+            <a:noFill/>
+          </a:ln>
+        </p:spPr>
+        <p:style>
+          <a:lnRef idx="2">
+            <a:schemeClr val="accent1">
+              <a:shade val="50000"/>
+            </a:schemeClr>
+          </a:lnRef>
+          <a:fillRef idx="1">
+            <a:schemeClr val="accent1"/>
+          </a:fillRef>
+          <a:effectRef idx="0">
+            <a:schemeClr val="accent1"/>
+          </a:effectRef>
+          <a:fontRef idx="minor">
+            <a:schemeClr val="lt1"/>
+          </a:fontRef>
+        </p:style>
+        <p:txBody>
+          <a:bodyPr rtlCol="0" anchor="ctr"/>
+          <a:lstStyle/>
+          <a:p>
+            <a:pPr algn="ctr"/>
+            <a:endParaRPr lang="en-US"/>
+          </a:p>
+        </p:txBody>
+      </p:sp>
+      <p:sp>
+        <p:nvSpPr>
+          <p:cNvPr id="27" name="Rectangle 26"/>
+          <p:cNvSpPr/>
+          <p:nvPr/>
+        </p:nvSpPr>
+        <p:spPr>
+          <a:xfrm>
+            <a:off x="821873" y="2260150"/>
+            <a:ext cx="371473" cy="357865"/>
+          </a:xfrm>
+          <a:prstGeom prst="rect">
+            <a:avLst/>
+          </a:prstGeom>
+          <a:solidFill>
+            <a:schemeClr val="accent1">
+              <a:lumMod val="20000"/>
+              <a:lumOff val="80000"/>
+            </a:schemeClr>
+          </a:solidFill>
+          <a:ln>
+            <a:noFill/>
+          </a:ln>
+        </p:spPr>
+        <p:style>
+          <a:lnRef idx="2">
+            <a:schemeClr val="accent1">
+              <a:shade val="50000"/>
+            </a:schemeClr>
+          </a:lnRef>
+          <a:fillRef idx="1">
+            <a:schemeClr val="accent1"/>
+          </a:fillRef>
+          <a:effectRef idx="0">
+            <a:schemeClr val="accent1"/>
+          </a:effectRef>
+          <a:fontRef idx="minor">
+            <a:schemeClr val="lt1"/>
+          </a:fontRef>
+        </p:style>
+        <p:txBody>
+          <a:bodyPr rtlCol="0" anchor="ctr"/>
+          <a:lstStyle/>
+          <a:p>
+            <a:pPr algn="ctr"/>
+            <a:endParaRPr lang="en-US"/>
+          </a:p>
+        </p:txBody>
+      </p:sp>
+      <p:sp>
+        <p:nvSpPr>
+          <p:cNvPr id="28" name="Rectangle 27"/>
+          <p:cNvSpPr/>
+          <p:nvPr/>
+        </p:nvSpPr>
+        <p:spPr>
+          <a:xfrm>
+            <a:off x="1219202" y="2260149"/>
+            <a:ext cx="371473" cy="357865"/>
+          </a:xfrm>
+          <a:prstGeom prst="rect">
+            <a:avLst/>
+          </a:prstGeom>
+          <a:solidFill>
+            <a:schemeClr val="bg1">
+              <a:lumMod val="95000"/>
+            </a:schemeClr>
+          </a:solidFill>
+          <a:ln>
+            <a:noFill/>
+          </a:ln>
+        </p:spPr>
+        <p:style>
+          <a:lnRef idx="2">
+            <a:schemeClr val="accent1">
+              <a:shade val="50000"/>
+            </a:schemeClr>
+          </a:lnRef>
+          <a:fillRef idx="1">
+            <a:schemeClr val="accent1"/>
+          </a:fillRef>
+          <a:effectRef idx="0">
+            <a:schemeClr val="accent1"/>
+          </a:effectRef>
+          <a:fontRef idx="minor">
+            <a:schemeClr val="lt1"/>
+          </a:fontRef>
+        </p:style>
+        <p:txBody>
+          <a:bodyPr rtlCol="0" anchor="ctr"/>
+          <a:lstStyle/>
+          <a:p>
+            <a:pPr algn="ctr"/>
+            <a:endParaRPr lang="en-US"/>
+          </a:p>
+        </p:txBody>
+      </p:sp>
+      <p:sp>
+        <p:nvSpPr>
+          <p:cNvPr id="29" name="Rectangle 28"/>
+          <p:cNvSpPr/>
+          <p:nvPr/>
+        </p:nvSpPr>
+        <p:spPr>
+          <a:xfrm>
+            <a:off x="1616531" y="2260149"/>
+            <a:ext cx="371473" cy="357865"/>
+          </a:xfrm>
+          <a:prstGeom prst="rect">
+            <a:avLst/>
+          </a:prstGeom>
+          <a:solidFill>
+            <a:schemeClr val="bg1">
+              <a:lumMod val="95000"/>
+            </a:schemeClr>
+          </a:solidFill>
+          <a:ln>
+            <a:noFill/>
+          </a:ln>
+        </p:spPr>
+        <p:style>
+          <a:lnRef idx="2">
+            <a:schemeClr val="accent1">
+              <a:shade val="50000"/>
+            </a:schemeClr>
+          </a:lnRef>
+          <a:fillRef idx="1">
+            <a:schemeClr val="accent1"/>
+          </a:fillRef>
+          <a:effectRef idx="0">
+            <a:schemeClr val="accent1"/>
+          </a:effectRef>
+          <a:fontRef idx="minor">
+            <a:schemeClr val="lt1"/>
+          </a:fontRef>
+        </p:style>
+        <p:txBody>
+          <a:bodyPr rtlCol="0" anchor="ctr"/>
+          <a:lstStyle/>
+          <a:p>
+            <a:pPr algn="ctr"/>
+            <a:endParaRPr lang="en-US"/>
+          </a:p>
+        </p:txBody>
+      </p:sp>
+      <p:sp>
+        <p:nvSpPr>
+          <p:cNvPr id="30" name="Rectangle 29"/>
+          <p:cNvSpPr/>
+          <p:nvPr/>
+        </p:nvSpPr>
+        <p:spPr>
+          <a:xfrm>
+            <a:off x="2013860" y="2260149"/>
+            <a:ext cx="371473" cy="357865"/>
+          </a:xfrm>
+          <a:prstGeom prst="rect">
+            <a:avLst/>
+          </a:prstGeom>
+          <a:solidFill>
+            <a:schemeClr val="bg1">
+              <a:lumMod val="95000"/>
+            </a:schemeClr>
+          </a:solidFill>
+          <a:ln>
+            <a:noFill/>
+          </a:ln>
+        </p:spPr>
+        <p:style>
+          <a:lnRef idx="2">
+            <a:schemeClr val="accent1">
+              <a:shade val="50000"/>
+            </a:schemeClr>
+          </a:lnRef>
+          <a:fillRef idx="1">
+            <a:schemeClr val="accent1"/>
+          </a:fillRef>
+          <a:effectRef idx="0">
+            <a:schemeClr val="accent1"/>
+          </a:effectRef>
+          <a:fontRef idx="minor">
+            <a:schemeClr val="lt1"/>
+          </a:fontRef>
+        </p:style>
+        <p:txBody>
+          <a:bodyPr rtlCol="0" anchor="ctr"/>
+          <a:lstStyle/>
+          <a:p>
+            <a:pPr algn="ctr"/>
+            <a:endParaRPr lang="en-US"/>
+          </a:p>
+        </p:txBody>
+      </p:sp>
+      <p:sp>
+        <p:nvSpPr>
+          <p:cNvPr id="31" name="Rectangle 30"/>
+          <p:cNvSpPr/>
+          <p:nvPr/>
+        </p:nvSpPr>
+        <p:spPr>
+          <a:xfrm>
+            <a:off x="2409827" y="2254706"/>
+            <a:ext cx="371473" cy="357865"/>
+          </a:xfrm>
+          <a:prstGeom prst="rect">
+            <a:avLst/>
+          </a:prstGeom>
+          <a:solidFill>
+            <a:schemeClr val="bg1"/>
+          </a:solidFill>
+          <a:ln>
+            <a:noFill/>
+          </a:ln>
+        </p:spPr>
+        <p:style>
+          <a:lnRef idx="2">
+            <a:schemeClr val="accent1">
+              <a:shade val="50000"/>
+            </a:schemeClr>
+          </a:lnRef>
+          <a:fillRef idx="1">
+            <a:schemeClr val="accent1"/>
+          </a:fillRef>
+          <a:effectRef idx="0">
+            <a:schemeClr val="accent1"/>
+          </a:effectRef>
+          <a:fontRef idx="minor">
+            <a:schemeClr val="lt1"/>
+          </a:fontRef>
+        </p:style>
+        <p:txBody>
+          <a:bodyPr rtlCol="0" anchor="ctr"/>
+          <a:lstStyle/>
+          <a:p>
+            <a:pPr algn="ctr"/>
+            <a:endParaRPr lang="en-US">
+              <a:solidFill>
+                <a:schemeClr val="bg1"/>
+              </a:solidFill>
+            </a:endParaRPr>
+          </a:p>
+        </p:txBody>
+      </p:sp>
+    </p:spTree>
+    <p:extLst>
+      <p:ext uri="{BB962C8B-B14F-4D97-AF65-F5344CB8AC3E}">
+        <p14:creationId xmlns:p14="http://schemas.microsoft.com/office/powerpoint/2010/main" val="771804835"/>
       </p:ext>
     </p:extLst>
   </p:cSld>

--- a/img/mistake/mistake_logos.pptx
+++ b/img/mistake/mistake_logos.pptx
@@ -5,7 +5,7 @@
     <p:sldMasterId id="2147483660" r:id="rId1"/>
   </p:sldMasterIdLst>
   <p:notesMasterIdLst>
-    <p:notesMasterId r:id="rId33"/>
+    <p:notesMasterId r:id="rId34"/>
   </p:notesMasterIdLst>
   <p:sldIdLst>
     <p:sldId id="256" r:id="rId2"/>
@@ -39,6 +39,7 @@
     <p:sldId id="292" r:id="rId30"/>
     <p:sldId id="293" r:id="rId31"/>
     <p:sldId id="295" r:id="rId32"/>
+    <p:sldId id="296" r:id="rId33"/>
   </p:sldIdLst>
   <p:sldSz cx="3600450" cy="3600450"/>
   <p:notesSz cx="6858000" cy="9144000"/>
@@ -2176,6 +2177,102 @@
     <p:extLst>
       <p:ext uri="{BB962C8B-B14F-4D97-AF65-F5344CB8AC3E}">
         <p14:creationId xmlns:p14="http://schemas.microsoft.com/office/powerpoint/2010/main" val="1929463078"/>
+      </p:ext>
+    </p:extLst>
+  </p:cSld>
+  <p:clrMapOvr>
+    <a:masterClrMapping/>
+  </p:clrMapOvr>
+</p:notes>
+</file>
+
+<file path=ppt/notesSlides/notesSlide21.xml><?xml version="1.0" encoding="utf-8"?>
+<p:notes xmlns:a="http://schemas.openxmlformats.org/drawingml/2006/main" xmlns:r="http://schemas.openxmlformats.org/officeDocument/2006/relationships" xmlns:p="http://schemas.openxmlformats.org/presentationml/2006/main">
+  <p:cSld>
+    <p:spTree>
+      <p:nvGrpSpPr>
+        <p:cNvPr id="1" name=""/>
+        <p:cNvGrpSpPr/>
+        <p:nvPr/>
+      </p:nvGrpSpPr>
+      <p:grpSpPr>
+        <a:xfrm>
+          <a:off x="0" y="0"/>
+          <a:ext cx="0" cy="0"/>
+          <a:chOff x="0" y="0"/>
+          <a:chExt cx="0" cy="0"/>
+        </a:xfrm>
+      </p:grpSpPr>
+      <p:sp>
+        <p:nvSpPr>
+          <p:cNvPr id="2" name="Slide Image Placeholder 1"/>
+          <p:cNvSpPr>
+            <a:spLocks noGrp="1" noRot="1" noChangeAspect="1"/>
+          </p:cNvSpPr>
+          <p:nvPr>
+            <p:ph type="sldImg"/>
+          </p:nvPr>
+        </p:nvSpPr>
+        <p:spPr/>
+      </p:sp>
+      <p:sp>
+        <p:nvSpPr>
+          <p:cNvPr id="3" name="Notes Placeholder 2"/>
+          <p:cNvSpPr>
+            <a:spLocks noGrp="1"/>
+          </p:cNvSpPr>
+          <p:nvPr>
+            <p:ph type="body" idx="1"/>
+          </p:nvPr>
+        </p:nvSpPr>
+        <p:spPr/>
+        <p:txBody>
+          <a:bodyPr/>
+          <a:lstStyle/>
+          <a:p>
+            <a:r>
+              <a:rPr lang="en-US" dirty="0" smtClean="0"/>
+              <a:t>Show your group </a:t>
+            </a:r>
+            <a:r>
+              <a:rPr lang="en-US" smtClean="0"/>
+              <a:t>/ Simpson</a:t>
+            </a:r>
+            <a:r>
+              <a:rPr lang="en-US" baseline="0" smtClean="0"/>
+              <a:t> effect</a:t>
+            </a:r>
+            <a:endParaRPr lang="en-US"/>
+          </a:p>
+        </p:txBody>
+      </p:sp>
+      <p:sp>
+        <p:nvSpPr>
+          <p:cNvPr id="4" name="Slide Number Placeholder 3"/>
+          <p:cNvSpPr>
+            <a:spLocks noGrp="1"/>
+          </p:cNvSpPr>
+          <p:nvPr>
+            <p:ph type="sldNum" sz="quarter" idx="10"/>
+          </p:nvPr>
+        </p:nvSpPr>
+        <p:spPr/>
+        <p:txBody>
+          <a:bodyPr/>
+          <a:lstStyle/>
+          <a:p>
+            <a:fld id="{7831F866-C993-A644-BA4C-5AD247E41B58}" type="slidenum">
+              <a:rPr lang="en-US" smtClean="0"/>
+              <a:t>32</a:t>
+            </a:fld>
+            <a:endParaRPr lang="en-US"/>
+          </a:p>
+        </p:txBody>
+      </p:sp>
+    </p:spTree>
+    <p:extLst>
+      <p:ext uri="{BB962C8B-B14F-4D97-AF65-F5344CB8AC3E}">
+        <p14:creationId xmlns:p14="http://schemas.microsoft.com/office/powerpoint/2010/main" val="1141756887"/>
       </p:ext>
     </p:extLst>
   </p:cSld>
@@ -17296,6 +17393,74 @@
     <p:extLst>
       <p:ext uri="{BB962C8B-B14F-4D97-AF65-F5344CB8AC3E}">
         <p14:creationId xmlns:p14="http://schemas.microsoft.com/office/powerpoint/2010/main" val="771804835"/>
+      </p:ext>
+    </p:extLst>
+  </p:cSld>
+  <p:clrMapOvr>
+    <a:masterClrMapping/>
+  </p:clrMapOvr>
+</p:sld>
+</file>
+
+<file path=ppt/slides/slide32.xml><?xml version="1.0" encoding="utf-8"?>
+<p:sld xmlns:a="http://schemas.openxmlformats.org/drawingml/2006/main" xmlns:r="http://schemas.openxmlformats.org/officeDocument/2006/relationships" xmlns:p="http://schemas.openxmlformats.org/presentationml/2006/main">
+  <p:cSld>
+    <p:spTree>
+      <p:nvGrpSpPr>
+        <p:cNvPr id="1" name=""/>
+        <p:cNvGrpSpPr/>
+        <p:nvPr/>
+      </p:nvGrpSpPr>
+      <p:grpSpPr>
+        <a:xfrm>
+          <a:off x="0" y="0"/>
+          <a:ext cx="0" cy="0"/>
+          <a:chOff x="0" y="0"/>
+          <a:chExt cx="0" cy="0"/>
+        </a:xfrm>
+      </p:grpSpPr>
+      <p:sp>
+        <p:nvSpPr>
+          <p:cNvPr id="2" name="Title 1"/>
+          <p:cNvSpPr>
+            <a:spLocks noGrp="1"/>
+          </p:cNvSpPr>
+          <p:nvPr>
+            <p:ph type="title"/>
+          </p:nvPr>
+        </p:nvSpPr>
+        <p:spPr/>
+        <p:txBody>
+          <a:bodyPr/>
+          <a:lstStyle/>
+          <a:p>
+            <a:endParaRPr lang="en-US"/>
+          </a:p>
+        </p:txBody>
+      </p:sp>
+      <p:sp>
+        <p:nvSpPr>
+          <p:cNvPr id="3" name="Content Placeholder 2"/>
+          <p:cNvSpPr>
+            <a:spLocks noGrp="1"/>
+          </p:cNvSpPr>
+          <p:nvPr>
+            <p:ph idx="1"/>
+          </p:nvPr>
+        </p:nvSpPr>
+        <p:spPr/>
+        <p:txBody>
+          <a:bodyPr/>
+          <a:lstStyle/>
+          <a:p>
+            <a:endParaRPr lang="en-US"/>
+          </a:p>
+        </p:txBody>
+      </p:sp>
+    </p:spTree>
+    <p:extLst>
+      <p:ext uri="{BB962C8B-B14F-4D97-AF65-F5344CB8AC3E}">
+        <p14:creationId xmlns:p14="http://schemas.microsoft.com/office/powerpoint/2010/main" val="1423333260"/>
       </p:ext>
     </p:extLst>
   </p:cSld>

--- a/img/mistake/mistake_logos.pptx
+++ b/img/mistake/mistake_logos.pptx
@@ -5,7 +5,7 @@
     <p:sldMasterId id="2147483660" r:id="rId1"/>
   </p:sldMasterIdLst>
   <p:notesMasterIdLst>
-    <p:notesMasterId r:id="rId34"/>
+    <p:notesMasterId r:id="rId35"/>
   </p:notesMasterIdLst>
   <p:sldIdLst>
     <p:sldId id="256" r:id="rId2"/>
@@ -40,6 +40,7 @@
     <p:sldId id="293" r:id="rId31"/>
     <p:sldId id="295" r:id="rId32"/>
     <p:sldId id="296" r:id="rId33"/>
+    <p:sldId id="297" r:id="rId34"/>
   </p:sldIdLst>
   <p:sldSz cx="3600450" cy="3600450"/>
   <p:notesSz cx="6858000" cy="9144000"/>
@@ -2232,17 +2233,13 @@
           <a:p>
             <a:r>
               <a:rPr lang="en-US" dirty="0" smtClean="0"/>
-              <a:t>Show your group </a:t>
-            </a:r>
-            <a:r>
-              <a:rPr lang="en-US" smtClean="0"/>
-              <a:t>/ Simpson</a:t>
-            </a:r>
-            <a:r>
-              <a:rPr lang="en-US" baseline="0" smtClean="0"/>
+              <a:t>Show your group / Simpson</a:t>
+            </a:r>
+            <a:r>
+              <a:rPr lang="en-US" baseline="0" dirty="0" smtClean="0"/>
               <a:t> effect</a:t>
             </a:r>
-            <a:endParaRPr lang="en-US"/>
+            <a:endParaRPr lang="en-US" dirty="0"/>
           </a:p>
         </p:txBody>
       </p:sp>
@@ -2273,6 +2270,94 @@
     <p:extLst>
       <p:ext uri="{BB962C8B-B14F-4D97-AF65-F5344CB8AC3E}">
         <p14:creationId xmlns:p14="http://schemas.microsoft.com/office/powerpoint/2010/main" val="1141756887"/>
+      </p:ext>
+    </p:extLst>
+  </p:cSld>
+  <p:clrMapOvr>
+    <a:masterClrMapping/>
+  </p:clrMapOvr>
+</p:notes>
+</file>
+
+<file path=ppt/notesSlides/notesSlide22.xml><?xml version="1.0" encoding="utf-8"?>
+<p:notes xmlns:a="http://schemas.openxmlformats.org/drawingml/2006/main" xmlns:r="http://schemas.openxmlformats.org/officeDocument/2006/relationships" xmlns:p="http://schemas.openxmlformats.org/presentationml/2006/main">
+  <p:cSld>
+    <p:spTree>
+      <p:nvGrpSpPr>
+        <p:cNvPr id="1" name=""/>
+        <p:cNvGrpSpPr/>
+        <p:nvPr/>
+      </p:nvGrpSpPr>
+      <p:grpSpPr>
+        <a:xfrm>
+          <a:off x="0" y="0"/>
+          <a:ext cx="0" cy="0"/>
+          <a:chOff x="0" y="0"/>
+          <a:chExt cx="0" cy="0"/>
+        </a:xfrm>
+      </p:grpSpPr>
+      <p:sp>
+        <p:nvSpPr>
+          <p:cNvPr id="2" name="Slide Image Placeholder 1"/>
+          <p:cNvSpPr>
+            <a:spLocks noGrp="1" noRot="1" noChangeAspect="1"/>
+          </p:cNvSpPr>
+          <p:nvPr>
+            <p:ph type="sldImg"/>
+          </p:nvPr>
+        </p:nvSpPr>
+        <p:spPr/>
+      </p:sp>
+      <p:sp>
+        <p:nvSpPr>
+          <p:cNvPr id="3" name="Notes Placeholder 2"/>
+          <p:cNvSpPr>
+            <a:spLocks noGrp="1"/>
+          </p:cNvSpPr>
+          <p:nvPr>
+            <p:ph type="body" idx="1"/>
+          </p:nvPr>
+        </p:nvSpPr>
+        <p:spPr/>
+        <p:txBody>
+          <a:bodyPr/>
+          <a:lstStyle/>
+          <a:p>
+            <a:r>
+              <a:rPr lang="en-US" smtClean="0"/>
+              <a:t>Annotate your graphic!</a:t>
+            </a:r>
+            <a:endParaRPr lang="en-US"/>
+          </a:p>
+        </p:txBody>
+      </p:sp>
+      <p:sp>
+        <p:nvSpPr>
+          <p:cNvPr id="4" name="Slide Number Placeholder 3"/>
+          <p:cNvSpPr>
+            <a:spLocks noGrp="1"/>
+          </p:cNvSpPr>
+          <p:nvPr>
+            <p:ph type="sldNum" sz="quarter" idx="10"/>
+          </p:nvPr>
+        </p:nvSpPr>
+        <p:spPr/>
+        <p:txBody>
+          <a:bodyPr/>
+          <a:lstStyle/>
+          <a:p>
+            <a:fld id="{7831F866-C993-A644-BA4C-5AD247E41B58}" type="slidenum">
+              <a:rPr lang="en-US" smtClean="0"/>
+              <a:t>33</a:t>
+            </a:fld>
+            <a:endParaRPr lang="en-US"/>
+          </a:p>
+        </p:txBody>
+      </p:sp>
+    </p:spTree>
+    <p:extLst>
+      <p:ext uri="{BB962C8B-B14F-4D97-AF65-F5344CB8AC3E}">
+        <p14:creationId xmlns:p14="http://schemas.microsoft.com/office/powerpoint/2010/main" val="2128331573"/>
       </p:ext>
     </p:extLst>
   </p:cSld>
@@ -17461,6 +17546,74 @@
     <p:extLst>
       <p:ext uri="{BB962C8B-B14F-4D97-AF65-F5344CB8AC3E}">
         <p14:creationId xmlns:p14="http://schemas.microsoft.com/office/powerpoint/2010/main" val="1423333260"/>
+      </p:ext>
+    </p:extLst>
+  </p:cSld>
+  <p:clrMapOvr>
+    <a:masterClrMapping/>
+  </p:clrMapOvr>
+</p:sld>
+</file>
+
+<file path=ppt/slides/slide33.xml><?xml version="1.0" encoding="utf-8"?>
+<p:sld xmlns:a="http://schemas.openxmlformats.org/drawingml/2006/main" xmlns:r="http://schemas.openxmlformats.org/officeDocument/2006/relationships" xmlns:p="http://schemas.openxmlformats.org/presentationml/2006/main">
+  <p:cSld>
+    <p:spTree>
+      <p:nvGrpSpPr>
+        <p:cNvPr id="1" name=""/>
+        <p:cNvGrpSpPr/>
+        <p:nvPr/>
+      </p:nvGrpSpPr>
+      <p:grpSpPr>
+        <a:xfrm>
+          <a:off x="0" y="0"/>
+          <a:ext cx="0" cy="0"/>
+          <a:chOff x="0" y="0"/>
+          <a:chExt cx="0" cy="0"/>
+        </a:xfrm>
+      </p:grpSpPr>
+      <p:sp>
+        <p:nvSpPr>
+          <p:cNvPr id="2" name="Title 1"/>
+          <p:cNvSpPr>
+            <a:spLocks noGrp="1"/>
+          </p:cNvSpPr>
+          <p:nvPr>
+            <p:ph type="title"/>
+          </p:nvPr>
+        </p:nvSpPr>
+        <p:spPr/>
+        <p:txBody>
+          <a:bodyPr/>
+          <a:lstStyle/>
+          <a:p>
+            <a:endParaRPr lang="en-US"/>
+          </a:p>
+        </p:txBody>
+      </p:sp>
+      <p:sp>
+        <p:nvSpPr>
+          <p:cNvPr id="3" name="Content Placeholder 2"/>
+          <p:cNvSpPr>
+            <a:spLocks noGrp="1"/>
+          </p:cNvSpPr>
+          <p:nvPr>
+            <p:ph idx="1"/>
+          </p:nvPr>
+        </p:nvSpPr>
+        <p:spPr/>
+        <p:txBody>
+          <a:bodyPr/>
+          <a:lstStyle/>
+          <a:p>
+            <a:endParaRPr lang="en-US"/>
+          </a:p>
+        </p:txBody>
+      </p:sp>
+    </p:spTree>
+    <p:extLst>
+      <p:ext uri="{BB962C8B-B14F-4D97-AF65-F5344CB8AC3E}">
+        <p14:creationId xmlns:p14="http://schemas.microsoft.com/office/powerpoint/2010/main" val="834102106"/>
       </p:ext>
     </p:extLst>
   </p:cSld>

--- a/img/mistake/mistake_logos.pptx
+++ b/img/mistake/mistake_logos.pptx
@@ -5,7 +5,7 @@
     <p:sldMasterId id="2147483660" r:id="rId1"/>
   </p:sldMasterIdLst>
   <p:notesMasterIdLst>
-    <p:notesMasterId r:id="rId35"/>
+    <p:notesMasterId r:id="rId36"/>
   </p:notesMasterIdLst>
   <p:sldIdLst>
     <p:sldId id="256" r:id="rId2"/>
@@ -41,6 +41,7 @@
     <p:sldId id="295" r:id="rId32"/>
     <p:sldId id="296" r:id="rId33"/>
     <p:sldId id="297" r:id="rId34"/>
+    <p:sldId id="298" r:id="rId35"/>
   </p:sldIdLst>
   <p:sldSz cx="3600450" cy="3600450"/>
   <p:notesSz cx="6858000" cy="9144000"/>
@@ -229,7 +230,7 @@
           <a:p>
             <a:fld id="{A29C25AE-20FD-CA4A-8C80-D7AD6B352ECC}" type="datetimeFigureOut">
               <a:rPr lang="en-US" smtClean="0"/>
-              <a:t>6/8/18</a:t>
+              <a:t>6/18/18</a:t>
             </a:fld>
             <a:endParaRPr lang="en-US"/>
           </a:p>
@@ -2367,6 +2368,94 @@
 </p:notes>
 </file>
 
+<file path=ppt/notesSlides/notesSlide23.xml><?xml version="1.0" encoding="utf-8"?>
+<p:notes xmlns:a="http://schemas.openxmlformats.org/drawingml/2006/main" xmlns:r="http://schemas.openxmlformats.org/officeDocument/2006/relationships" xmlns:p="http://schemas.openxmlformats.org/presentationml/2006/main">
+  <p:cSld>
+    <p:spTree>
+      <p:nvGrpSpPr>
+        <p:cNvPr id="1" name=""/>
+        <p:cNvGrpSpPr/>
+        <p:nvPr/>
+      </p:nvGrpSpPr>
+      <p:grpSpPr>
+        <a:xfrm>
+          <a:off x="0" y="0"/>
+          <a:ext cx="0" cy="0"/>
+          <a:chOff x="0" y="0"/>
+          <a:chExt cx="0" cy="0"/>
+        </a:xfrm>
+      </p:grpSpPr>
+      <p:sp>
+        <p:nvSpPr>
+          <p:cNvPr id="2" name="Slide Image Placeholder 1"/>
+          <p:cNvSpPr>
+            <a:spLocks noGrp="1" noRot="1" noChangeAspect="1"/>
+          </p:cNvSpPr>
+          <p:nvPr>
+            <p:ph type="sldImg"/>
+          </p:nvPr>
+        </p:nvSpPr>
+        <p:spPr/>
+      </p:sp>
+      <p:sp>
+        <p:nvSpPr>
+          <p:cNvPr id="3" name="Notes Placeholder 2"/>
+          <p:cNvSpPr>
+            <a:spLocks noGrp="1"/>
+          </p:cNvSpPr>
+          <p:nvPr>
+            <p:ph type="body" idx="1"/>
+          </p:nvPr>
+        </p:nvSpPr>
+        <p:spPr/>
+        <p:txBody>
+          <a:bodyPr/>
+          <a:lstStyle/>
+          <a:p>
+            <a:r>
+              <a:rPr lang="en-US" smtClean="0"/>
+              <a:t>Moiré effect = too many big bars</a:t>
+            </a:r>
+            <a:endParaRPr lang="en-US"/>
+          </a:p>
+        </p:txBody>
+      </p:sp>
+      <p:sp>
+        <p:nvSpPr>
+          <p:cNvPr id="4" name="Slide Number Placeholder 3"/>
+          <p:cNvSpPr>
+            <a:spLocks noGrp="1"/>
+          </p:cNvSpPr>
+          <p:nvPr>
+            <p:ph type="sldNum" sz="quarter" idx="10"/>
+          </p:nvPr>
+        </p:nvSpPr>
+        <p:spPr/>
+        <p:txBody>
+          <a:bodyPr/>
+          <a:lstStyle/>
+          <a:p>
+            <a:fld id="{7831F866-C993-A644-BA4C-5AD247E41B58}" type="slidenum">
+              <a:rPr lang="en-US" smtClean="0"/>
+              <a:t>34</a:t>
+            </a:fld>
+            <a:endParaRPr lang="en-US"/>
+          </a:p>
+        </p:txBody>
+      </p:sp>
+    </p:spTree>
+    <p:extLst>
+      <p:ext uri="{BB962C8B-B14F-4D97-AF65-F5344CB8AC3E}">
+        <p14:creationId xmlns:p14="http://schemas.microsoft.com/office/powerpoint/2010/main" val="802379616"/>
+      </p:ext>
+    </p:extLst>
+  </p:cSld>
+  <p:clrMapOvr>
+    <a:masterClrMapping/>
+  </p:clrMapOvr>
+</p:notes>
+</file>
+
 <file path=ppt/notesSlides/notesSlide3.xml><?xml version="1.0" encoding="utf-8"?>
 <p:notes xmlns:a="http://schemas.openxmlformats.org/drawingml/2006/main" xmlns:r="http://schemas.openxmlformats.org/officeDocument/2006/relationships" xmlns:p="http://schemas.openxmlformats.org/presentationml/2006/main">
   <p:cSld>
@@ -3485,7 +3574,7 @@
           <a:p>
             <a:fld id="{59DFCC1F-3322-FD40-8733-43910790F7FA}" type="datetimeFigureOut">
               <a:rPr lang="en-US" smtClean="0"/>
-              <a:t>6/8/18</a:t>
+              <a:t>6/18/18</a:t>
             </a:fld>
             <a:endParaRPr lang="en-US"/>
           </a:p>
@@ -3650,7 +3739,7 @@
           <a:p>
             <a:fld id="{59DFCC1F-3322-FD40-8733-43910790F7FA}" type="datetimeFigureOut">
               <a:rPr lang="en-US" smtClean="0"/>
-              <a:t>6/8/18</a:t>
+              <a:t>6/18/18</a:t>
             </a:fld>
             <a:endParaRPr lang="en-US"/>
           </a:p>
@@ -3825,7 +3914,7 @@
           <a:p>
             <a:fld id="{59DFCC1F-3322-FD40-8733-43910790F7FA}" type="datetimeFigureOut">
               <a:rPr lang="en-US" smtClean="0"/>
-              <a:t>6/8/18</a:t>
+              <a:t>6/18/18</a:t>
             </a:fld>
             <a:endParaRPr lang="en-US"/>
           </a:p>
@@ -3990,7 +4079,7 @@
           <a:p>
             <a:fld id="{59DFCC1F-3322-FD40-8733-43910790F7FA}" type="datetimeFigureOut">
               <a:rPr lang="en-US" smtClean="0"/>
-              <a:t>6/8/18</a:t>
+              <a:t>6/18/18</a:t>
             </a:fld>
             <a:endParaRPr lang="en-US"/>
           </a:p>
@@ -4229,7 +4318,7 @@
           <a:p>
             <a:fld id="{59DFCC1F-3322-FD40-8733-43910790F7FA}" type="datetimeFigureOut">
               <a:rPr lang="en-US" smtClean="0"/>
-              <a:t>6/8/18</a:t>
+              <a:t>6/18/18</a:t>
             </a:fld>
             <a:endParaRPr lang="en-US"/>
           </a:p>
@@ -4456,7 +4545,7 @@
           <a:p>
             <a:fld id="{59DFCC1F-3322-FD40-8733-43910790F7FA}" type="datetimeFigureOut">
               <a:rPr lang="en-US" smtClean="0"/>
-              <a:t>6/8/18</a:t>
+              <a:t>6/18/18</a:t>
             </a:fld>
             <a:endParaRPr lang="en-US"/>
           </a:p>
@@ -4818,7 +4907,7 @@
           <a:p>
             <a:fld id="{59DFCC1F-3322-FD40-8733-43910790F7FA}" type="datetimeFigureOut">
               <a:rPr lang="en-US" smtClean="0"/>
-              <a:t>6/8/18</a:t>
+              <a:t>6/18/18</a:t>
             </a:fld>
             <a:endParaRPr lang="en-US"/>
           </a:p>
@@ -4931,7 +5020,7 @@
           <a:p>
             <a:fld id="{59DFCC1F-3322-FD40-8733-43910790F7FA}" type="datetimeFigureOut">
               <a:rPr lang="en-US" smtClean="0"/>
-              <a:t>6/8/18</a:t>
+              <a:t>6/18/18</a:t>
             </a:fld>
             <a:endParaRPr lang="en-US"/>
           </a:p>
@@ -5021,7 +5110,7 @@
           <a:p>
             <a:fld id="{59DFCC1F-3322-FD40-8733-43910790F7FA}" type="datetimeFigureOut">
               <a:rPr lang="en-US" smtClean="0"/>
-              <a:t>6/8/18</a:t>
+              <a:t>6/18/18</a:t>
             </a:fld>
             <a:endParaRPr lang="en-US"/>
           </a:p>
@@ -5293,7 +5382,7 @@
           <a:p>
             <a:fld id="{59DFCC1F-3322-FD40-8733-43910790F7FA}" type="datetimeFigureOut">
               <a:rPr lang="en-US" smtClean="0"/>
-              <a:t>6/8/18</a:t>
+              <a:t>6/18/18</a:t>
             </a:fld>
             <a:endParaRPr lang="en-US"/>
           </a:p>
@@ -5545,7 +5634,7 @@
           <a:p>
             <a:fld id="{59DFCC1F-3322-FD40-8733-43910790F7FA}" type="datetimeFigureOut">
               <a:rPr lang="en-US" smtClean="0"/>
-              <a:t>6/8/18</a:t>
+              <a:t>6/18/18</a:t>
             </a:fld>
             <a:endParaRPr lang="en-US"/>
           </a:p>
@@ -5753,7 +5842,7 @@
           <a:p>
             <a:fld id="{59DFCC1F-3322-FD40-8733-43910790F7FA}" type="datetimeFigureOut">
               <a:rPr lang="en-US" smtClean="0"/>
-              <a:t>6/8/18</a:t>
+              <a:t>6/18/18</a:t>
             </a:fld>
             <a:endParaRPr lang="en-US"/>
           </a:p>
@@ -17614,6 +17703,74 @@
     <p:extLst>
       <p:ext uri="{BB962C8B-B14F-4D97-AF65-F5344CB8AC3E}">
         <p14:creationId xmlns:p14="http://schemas.microsoft.com/office/powerpoint/2010/main" val="834102106"/>
+      </p:ext>
+    </p:extLst>
+  </p:cSld>
+  <p:clrMapOvr>
+    <a:masterClrMapping/>
+  </p:clrMapOvr>
+</p:sld>
+</file>
+
+<file path=ppt/slides/slide34.xml><?xml version="1.0" encoding="utf-8"?>
+<p:sld xmlns:a="http://schemas.openxmlformats.org/drawingml/2006/main" xmlns:r="http://schemas.openxmlformats.org/officeDocument/2006/relationships" xmlns:p="http://schemas.openxmlformats.org/presentationml/2006/main">
+  <p:cSld>
+    <p:spTree>
+      <p:nvGrpSpPr>
+        <p:cNvPr id="1" name=""/>
+        <p:cNvGrpSpPr/>
+        <p:nvPr/>
+      </p:nvGrpSpPr>
+      <p:grpSpPr>
+        <a:xfrm>
+          <a:off x="0" y="0"/>
+          <a:ext cx="0" cy="0"/>
+          <a:chOff x="0" y="0"/>
+          <a:chExt cx="0" cy="0"/>
+        </a:xfrm>
+      </p:grpSpPr>
+      <p:sp>
+        <p:nvSpPr>
+          <p:cNvPr id="2" name="Title 1"/>
+          <p:cNvSpPr>
+            <a:spLocks noGrp="1"/>
+          </p:cNvSpPr>
+          <p:nvPr>
+            <p:ph type="title"/>
+          </p:nvPr>
+        </p:nvSpPr>
+        <p:spPr/>
+        <p:txBody>
+          <a:bodyPr/>
+          <a:lstStyle/>
+          <a:p>
+            <a:endParaRPr lang="en-US"/>
+          </a:p>
+        </p:txBody>
+      </p:sp>
+      <p:sp>
+        <p:nvSpPr>
+          <p:cNvPr id="3" name="Content Placeholder 2"/>
+          <p:cNvSpPr>
+            <a:spLocks noGrp="1"/>
+          </p:cNvSpPr>
+          <p:nvPr>
+            <p:ph idx="1"/>
+          </p:nvPr>
+        </p:nvSpPr>
+        <p:spPr/>
+        <p:txBody>
+          <a:bodyPr/>
+          <a:lstStyle/>
+          <a:p>
+            <a:endParaRPr lang="en-US"/>
+          </a:p>
+        </p:txBody>
+      </p:sp>
+    </p:spTree>
+    <p:extLst>
+      <p:ext uri="{BB962C8B-B14F-4D97-AF65-F5344CB8AC3E}">
+        <p14:creationId xmlns:p14="http://schemas.microsoft.com/office/powerpoint/2010/main" val="659740611"/>
       </p:ext>
     </p:extLst>
   </p:cSld>

--- a/img/mistake/mistake_logos.pptx
+++ b/img/mistake/mistake_logos.pptx
@@ -230,7 +230,7 @@
           <a:p>
             <a:fld id="{A29C25AE-20FD-CA4A-8C80-D7AD6B352ECC}" type="datetimeFigureOut">
               <a:rPr lang="en-US" smtClean="0"/>
-              <a:t>6/18/18</a:t>
+              <a:t>6/19/18</a:t>
             </a:fld>
             <a:endParaRPr lang="en-US"/>
           </a:p>
@@ -1296,7 +1296,50 @@
           <a:p>
             <a:r>
               <a:rPr lang="en-US" dirty="0" smtClean="0"/>
-              <a:t>It’s hard to read bubble sizes</a:t>
+              <a:t>It’s </a:t>
+            </a:r>
+            <a:r>
+              <a:rPr lang="en-US" dirty="0" smtClean="0"/>
+              <a:t>hard </a:t>
+            </a:r>
+            <a:r>
+              <a:rPr lang="en-US" dirty="0" smtClean="0"/>
+              <a:t>to read bubble </a:t>
+            </a:r>
+            <a:r>
+              <a:rPr lang="en-US" dirty="0" smtClean="0"/>
+              <a:t>sizes</a:t>
+            </a:r>
+          </a:p>
+          <a:p>
+            <a:endParaRPr lang="en-US" dirty="0" smtClean="0"/>
+          </a:p>
+          <a:p>
+            <a:r>
+              <a:rPr lang="en-US" dirty="0" smtClean="0"/>
+              <a:t>See https://</a:t>
+            </a:r>
+            <a:r>
+              <a:rPr lang="en-US" dirty="0" err="1" smtClean="0"/>
+              <a:t>carto.com</a:t>
+            </a:r>
+            <a:r>
+              <a:rPr lang="en-US" dirty="0" smtClean="0"/>
+              <a:t>/academy/courses/intermediate-design/which-kind-of-map-should-</a:t>
+            </a:r>
+            <a:r>
+              <a:rPr lang="en-US" dirty="0" err="1" smtClean="0"/>
+              <a:t>i</a:t>
+            </a:r>
+            <a:r>
+              <a:rPr lang="en-US" smtClean="0"/>
+              <a:t>-make/ </a:t>
+            </a:r>
+            <a:r>
+              <a:rPr lang="en-US" smtClean="0">
+                <a:sym typeface="Wingdings"/>
+              </a:rPr>
+              <a:t> VERY GOOD EXAMPLES!</a:t>
             </a:r>
             <a:endParaRPr lang="en-US" dirty="0"/>
           </a:p>
@@ -3574,7 +3617,7 @@
           <a:p>
             <a:fld id="{59DFCC1F-3322-FD40-8733-43910790F7FA}" type="datetimeFigureOut">
               <a:rPr lang="en-US" smtClean="0"/>
-              <a:t>6/18/18</a:t>
+              <a:t>6/19/18</a:t>
             </a:fld>
             <a:endParaRPr lang="en-US"/>
           </a:p>
@@ -3739,7 +3782,7 @@
           <a:p>
             <a:fld id="{59DFCC1F-3322-FD40-8733-43910790F7FA}" type="datetimeFigureOut">
               <a:rPr lang="en-US" smtClean="0"/>
-              <a:t>6/18/18</a:t>
+              <a:t>6/19/18</a:t>
             </a:fld>
             <a:endParaRPr lang="en-US"/>
           </a:p>
@@ -3914,7 +3957,7 @@
           <a:p>
             <a:fld id="{59DFCC1F-3322-FD40-8733-43910790F7FA}" type="datetimeFigureOut">
               <a:rPr lang="en-US" smtClean="0"/>
-              <a:t>6/18/18</a:t>
+              <a:t>6/19/18</a:t>
             </a:fld>
             <a:endParaRPr lang="en-US"/>
           </a:p>
@@ -4079,7 +4122,7 @@
           <a:p>
             <a:fld id="{59DFCC1F-3322-FD40-8733-43910790F7FA}" type="datetimeFigureOut">
               <a:rPr lang="en-US" smtClean="0"/>
-              <a:t>6/18/18</a:t>
+              <a:t>6/19/18</a:t>
             </a:fld>
             <a:endParaRPr lang="en-US"/>
           </a:p>
@@ -4318,7 +4361,7 @@
           <a:p>
             <a:fld id="{59DFCC1F-3322-FD40-8733-43910790F7FA}" type="datetimeFigureOut">
               <a:rPr lang="en-US" smtClean="0"/>
-              <a:t>6/18/18</a:t>
+              <a:t>6/19/18</a:t>
             </a:fld>
             <a:endParaRPr lang="en-US"/>
           </a:p>
@@ -4545,7 +4588,7 @@
           <a:p>
             <a:fld id="{59DFCC1F-3322-FD40-8733-43910790F7FA}" type="datetimeFigureOut">
               <a:rPr lang="en-US" smtClean="0"/>
-              <a:t>6/18/18</a:t>
+              <a:t>6/19/18</a:t>
             </a:fld>
             <a:endParaRPr lang="en-US"/>
           </a:p>
@@ -4907,7 +4950,7 @@
           <a:p>
             <a:fld id="{59DFCC1F-3322-FD40-8733-43910790F7FA}" type="datetimeFigureOut">
               <a:rPr lang="en-US" smtClean="0"/>
-              <a:t>6/18/18</a:t>
+              <a:t>6/19/18</a:t>
             </a:fld>
             <a:endParaRPr lang="en-US"/>
           </a:p>
@@ -5020,7 +5063,7 @@
           <a:p>
             <a:fld id="{59DFCC1F-3322-FD40-8733-43910790F7FA}" type="datetimeFigureOut">
               <a:rPr lang="en-US" smtClean="0"/>
-              <a:t>6/18/18</a:t>
+              <a:t>6/19/18</a:t>
             </a:fld>
             <a:endParaRPr lang="en-US"/>
           </a:p>
@@ -5110,7 +5153,7 @@
           <a:p>
             <a:fld id="{59DFCC1F-3322-FD40-8733-43910790F7FA}" type="datetimeFigureOut">
               <a:rPr lang="en-US" smtClean="0"/>
-              <a:t>6/18/18</a:t>
+              <a:t>6/19/18</a:t>
             </a:fld>
             <a:endParaRPr lang="en-US"/>
           </a:p>
@@ -5382,7 +5425,7 @@
           <a:p>
             <a:fld id="{59DFCC1F-3322-FD40-8733-43910790F7FA}" type="datetimeFigureOut">
               <a:rPr lang="en-US" smtClean="0"/>
-              <a:t>6/18/18</a:t>
+              <a:t>6/19/18</a:t>
             </a:fld>
             <a:endParaRPr lang="en-US"/>
           </a:p>
@@ -5634,7 +5677,7 @@
           <a:p>
             <a:fld id="{59DFCC1F-3322-FD40-8733-43910790F7FA}" type="datetimeFigureOut">
               <a:rPr lang="en-US" smtClean="0"/>
-              <a:t>6/18/18</a:t>
+              <a:t>6/19/18</a:t>
             </a:fld>
             <a:endParaRPr lang="en-US"/>
           </a:p>
@@ -5842,7 +5885,7 @@
           <a:p>
             <a:fld id="{59DFCC1F-3322-FD40-8733-43910790F7FA}" type="datetimeFigureOut">
               <a:rPr lang="en-US" smtClean="0"/>
-              <a:t>6/18/18</a:t>
+              <a:t>6/19/18</a:t>
             </a:fld>
             <a:endParaRPr lang="en-US"/>
           </a:p>

--- a/img/mistake/mistake_logos.pptx
+++ b/img/mistake/mistake_logos.pptx
@@ -230,7 +230,7 @@
           <a:p>
             <a:fld id="{A29C25AE-20FD-CA4A-8C80-D7AD6B352ECC}" type="datetimeFigureOut">
               <a:rPr lang="en-US" smtClean="0"/>
-              <a:t>6/19/18</a:t>
+              <a:t>6/18/18</a:t>
             </a:fld>
             <a:endParaRPr lang="en-US"/>
           </a:p>
@@ -1296,50 +1296,7 @@
           <a:p>
             <a:r>
               <a:rPr lang="en-US" dirty="0" smtClean="0"/>
-              <a:t>It’s </a:t>
-            </a:r>
-            <a:r>
-              <a:rPr lang="en-US" dirty="0" smtClean="0"/>
-              <a:t>hard </a:t>
-            </a:r>
-            <a:r>
-              <a:rPr lang="en-US" dirty="0" smtClean="0"/>
-              <a:t>to read bubble </a:t>
-            </a:r>
-            <a:r>
-              <a:rPr lang="en-US" dirty="0" smtClean="0"/>
-              <a:t>sizes</a:t>
-            </a:r>
-          </a:p>
-          <a:p>
-            <a:endParaRPr lang="en-US" dirty="0" smtClean="0"/>
-          </a:p>
-          <a:p>
-            <a:r>
-              <a:rPr lang="en-US" dirty="0" smtClean="0"/>
-              <a:t>See https://</a:t>
-            </a:r>
-            <a:r>
-              <a:rPr lang="en-US" dirty="0" err="1" smtClean="0"/>
-              <a:t>carto.com</a:t>
-            </a:r>
-            <a:r>
-              <a:rPr lang="en-US" dirty="0" smtClean="0"/>
-              <a:t>/academy/courses/intermediate-design/which-kind-of-map-should-</a:t>
-            </a:r>
-            <a:r>
-              <a:rPr lang="en-US" dirty="0" err="1" smtClean="0"/>
-              <a:t>i</a:t>
-            </a:r>
-            <a:r>
-              <a:rPr lang="en-US" smtClean="0"/>
-              <a:t>-make/ </a:t>
-            </a:r>
-            <a:r>
-              <a:rPr lang="en-US" smtClean="0">
-                <a:sym typeface="Wingdings"/>
-              </a:rPr>
-              <a:t> VERY GOOD EXAMPLES!</a:t>
+              <a:t>It’s hard to read bubble sizes</a:t>
             </a:r>
             <a:endParaRPr lang="en-US" dirty="0"/>
           </a:p>
@@ -3617,7 +3574,7 @@
           <a:p>
             <a:fld id="{59DFCC1F-3322-FD40-8733-43910790F7FA}" type="datetimeFigureOut">
               <a:rPr lang="en-US" smtClean="0"/>
-              <a:t>6/19/18</a:t>
+              <a:t>6/18/18</a:t>
             </a:fld>
             <a:endParaRPr lang="en-US"/>
           </a:p>
@@ -3782,7 +3739,7 @@
           <a:p>
             <a:fld id="{59DFCC1F-3322-FD40-8733-43910790F7FA}" type="datetimeFigureOut">
               <a:rPr lang="en-US" smtClean="0"/>
-              <a:t>6/19/18</a:t>
+              <a:t>6/18/18</a:t>
             </a:fld>
             <a:endParaRPr lang="en-US"/>
           </a:p>
@@ -3957,7 +3914,7 @@
           <a:p>
             <a:fld id="{59DFCC1F-3322-FD40-8733-43910790F7FA}" type="datetimeFigureOut">
               <a:rPr lang="en-US" smtClean="0"/>
-              <a:t>6/19/18</a:t>
+              <a:t>6/18/18</a:t>
             </a:fld>
             <a:endParaRPr lang="en-US"/>
           </a:p>
@@ -4122,7 +4079,7 @@
           <a:p>
             <a:fld id="{59DFCC1F-3322-FD40-8733-43910790F7FA}" type="datetimeFigureOut">
               <a:rPr lang="en-US" smtClean="0"/>
-              <a:t>6/19/18</a:t>
+              <a:t>6/18/18</a:t>
             </a:fld>
             <a:endParaRPr lang="en-US"/>
           </a:p>
@@ -4361,7 +4318,7 @@
           <a:p>
             <a:fld id="{59DFCC1F-3322-FD40-8733-43910790F7FA}" type="datetimeFigureOut">
               <a:rPr lang="en-US" smtClean="0"/>
-              <a:t>6/19/18</a:t>
+              <a:t>6/18/18</a:t>
             </a:fld>
             <a:endParaRPr lang="en-US"/>
           </a:p>
@@ -4588,7 +4545,7 @@
           <a:p>
             <a:fld id="{59DFCC1F-3322-FD40-8733-43910790F7FA}" type="datetimeFigureOut">
               <a:rPr lang="en-US" smtClean="0"/>
-              <a:t>6/19/18</a:t>
+              <a:t>6/18/18</a:t>
             </a:fld>
             <a:endParaRPr lang="en-US"/>
           </a:p>
@@ -4950,7 +4907,7 @@
           <a:p>
             <a:fld id="{59DFCC1F-3322-FD40-8733-43910790F7FA}" type="datetimeFigureOut">
               <a:rPr lang="en-US" smtClean="0"/>
-              <a:t>6/19/18</a:t>
+              <a:t>6/18/18</a:t>
             </a:fld>
             <a:endParaRPr lang="en-US"/>
           </a:p>
@@ -5063,7 +5020,7 @@
           <a:p>
             <a:fld id="{59DFCC1F-3322-FD40-8733-43910790F7FA}" type="datetimeFigureOut">
               <a:rPr lang="en-US" smtClean="0"/>
-              <a:t>6/19/18</a:t>
+              <a:t>6/18/18</a:t>
             </a:fld>
             <a:endParaRPr lang="en-US"/>
           </a:p>
@@ -5153,7 +5110,7 @@
           <a:p>
             <a:fld id="{59DFCC1F-3322-FD40-8733-43910790F7FA}" type="datetimeFigureOut">
               <a:rPr lang="en-US" smtClean="0"/>
-              <a:t>6/19/18</a:t>
+              <a:t>6/18/18</a:t>
             </a:fld>
             <a:endParaRPr lang="en-US"/>
           </a:p>
@@ -5425,7 +5382,7 @@
           <a:p>
             <a:fld id="{59DFCC1F-3322-FD40-8733-43910790F7FA}" type="datetimeFigureOut">
               <a:rPr lang="en-US" smtClean="0"/>
-              <a:t>6/19/18</a:t>
+              <a:t>6/18/18</a:t>
             </a:fld>
             <a:endParaRPr lang="en-US"/>
           </a:p>
@@ -5677,7 +5634,7 @@
           <a:p>
             <a:fld id="{59DFCC1F-3322-FD40-8733-43910790F7FA}" type="datetimeFigureOut">
               <a:rPr lang="en-US" smtClean="0"/>
-              <a:t>6/19/18</a:t>
+              <a:t>6/18/18</a:t>
             </a:fld>
             <a:endParaRPr lang="en-US"/>
           </a:p>
@@ -5885,7 +5842,7 @@
           <a:p>
             <a:fld id="{59DFCC1F-3322-FD40-8733-43910790F7FA}" type="datetimeFigureOut">
               <a:rPr lang="en-US" smtClean="0"/>
-              <a:t>6/19/18</a:t>
+              <a:t>6/18/18</a:t>
             </a:fld>
             <a:endParaRPr lang="en-US"/>
           </a:p>
